--- a/Lessions/Bai-13-Servo-Motor/Bai-13-Servo-Motor.pptx
+++ b/Lessions/Bai-13-Servo-Motor/Bai-13-Servo-Motor.pptx
@@ -5,17 +5,18 @@
     <p:sldMasterId id="2147483660" r:id="rId1"/>
   </p:sldMasterIdLst>
   <p:notesMasterIdLst>
-    <p:notesMasterId r:id="rId10"/>
+    <p:notesMasterId r:id="rId11"/>
   </p:notesMasterIdLst>
   <p:sldIdLst>
     <p:sldId id="256" r:id="rId2"/>
     <p:sldId id="280" r:id="rId3"/>
-    <p:sldId id="296" r:id="rId4"/>
-    <p:sldId id="290" r:id="rId5"/>
-    <p:sldId id="266" r:id="rId6"/>
-    <p:sldId id="268" r:id="rId7"/>
-    <p:sldId id="287" r:id="rId8"/>
-    <p:sldId id="288" r:id="rId9"/>
+    <p:sldId id="297" r:id="rId4"/>
+    <p:sldId id="296" r:id="rId5"/>
+    <p:sldId id="290" r:id="rId6"/>
+    <p:sldId id="266" r:id="rId7"/>
+    <p:sldId id="268" r:id="rId8"/>
+    <p:sldId id="287" r:id="rId9"/>
+    <p:sldId id="288" r:id="rId10"/>
   </p:sldIdLst>
   <p:sldSz cx="9144000" cy="6858000" type="screen4x3"/>
   <p:notesSz cx="6858000" cy="9144000"/>
@@ -204,7 +205,7 @@
           <a:p>
             <a:fld id="{E1BDF935-9821-4834-9D99-7DEFA719F44D}" type="datetimeFigureOut">
               <a:rPr lang="en-US" smtClean="0"/>
-              <a:t>5/12/2023</a:t>
+              <a:t>5/25/2023</a:t>
             </a:fld>
             <a:endParaRPr lang="en-US"/>
           </a:p>
@@ -2513,16 +2514,7 @@
                 </a:solidFill>
                 <a:latin typeface="GT Walsheim Bold" panose="00000800000000000000" pitchFamily="2" charset="0"/>
               </a:rPr>
-              <a:t>BÀI </a:t>
-            </a:r>
-            <a:r>
-              <a:rPr lang="en-US" sz="3600" b="1" dirty="0" smtClean="0">
-                <a:solidFill>
-                  <a:schemeClr val="bg1"/>
-                </a:solidFill>
-                <a:latin typeface="GT Walsheim Bold" panose="00000800000000000000" pitchFamily="2" charset="0"/>
-              </a:rPr>
-              <a:t>13</a:t>
+              <a:t>BÀI 13</a:t>
             </a:r>
             <a:endParaRPr lang="en-US" sz="3600" b="1" dirty="0">
               <a:solidFill>
@@ -2717,13 +2709,6 @@
               </a:rPr>
               <a:t>13.1 Giới thiệu</a:t>
             </a:r>
-            <a:endParaRPr lang="en-US" sz="2400" b="1" dirty="0">
-              <a:solidFill>
-                <a:srgbClr val="EC5F77"/>
-              </a:solidFill>
-              <a:latin typeface="UTM Helve" panose="02040603050506020204" pitchFamily="18" charset="0"/>
-              <a:ea typeface="Roboto" pitchFamily="2" charset="0"/>
-            </a:endParaRPr>
           </a:p>
         </p:txBody>
       </p:sp>
@@ -2922,15 +2907,6 @@
               </a:rPr>
               <a:t> là phần động cơ được gắn dưới đầu xe robot zoom:bit. Bạn có thể xoay đầu 180 độ với động cơ này.</a:t>
             </a:r>
-            <a:endParaRPr lang="en-US" sz="2000" b="0" dirty="0" smtClean="0">
-              <a:solidFill>
-                <a:schemeClr val="tx1">
-                  <a:lumMod val="95000"/>
-                  <a:lumOff val="5000"/>
-                </a:schemeClr>
-              </a:solidFill>
-              <a:ea typeface="Roboto Condensed" pitchFamily="2" charset="0"/>
-            </a:endParaRPr>
           </a:p>
         </p:txBody>
       </p:sp>
@@ -3036,128 +3012,9 @@
           </a:p>
         </p:txBody>
       </p:sp>
-      <p:pic>
-        <p:nvPicPr>
-          <p:cNvPr id="3" name="Picture 2" descr="https://lh4.googleusercontent.com/B8iK616IoMyM1-dYYg3KojC0XeK26t2L7r05aGVzwga2bgLJXtMiaE7gp5cWFhSaU1gqAw2yOk_h2U2zNUgaIaLovftCik3HiBWvXqkCer8NSX9F04jL2ParUqiu00NM_g=w1280"/>
-          <p:cNvPicPr>
-            <a:picLocks noChangeAspect="1" noChangeArrowheads="1"/>
-          </p:cNvPicPr>
-          <p:nvPr/>
-        </p:nvPicPr>
-        <p:blipFill>
-          <a:blip r:embed="rId2" cstate="print">
-            <a:extLst>
-              <a:ext uri="{28A0092B-C50C-407E-A947-70E740481C1C}">
-                <a14:useLocalDpi xmlns:a14="http://schemas.microsoft.com/office/drawing/2010/main" val="0"/>
-              </a:ext>
-            </a:extLst>
-          </a:blip>
-          <a:srcRect/>
-          <a:stretch>
-            <a:fillRect/>
-          </a:stretch>
-        </p:blipFill>
-        <p:spPr bwMode="auto">
-          <a:xfrm>
-            <a:off x="5305387" y="3333302"/>
-            <a:ext cx="3308526" cy="3308526"/>
-          </a:xfrm>
-          <a:prstGeom prst="rect">
-            <a:avLst/>
-          </a:prstGeom>
-          <a:noFill/>
-          <a:extLst>
-            <a:ext uri="{909E8E84-426E-40DD-AFC4-6F175D3DCCD1}">
-              <a14:hiddenFill xmlns:a14="http://schemas.microsoft.com/office/drawing/2010/main">
-                <a:solidFill>
-                  <a:srgbClr val="FFFFFF"/>
-                </a:solidFill>
-              </a14:hiddenFill>
-            </a:ext>
-          </a:extLst>
-        </p:spPr>
-      </p:pic>
-      <p:sp>
-        <p:nvSpPr>
-          <p:cNvPr id="4" name="TextBox 3"/>
-          <p:cNvSpPr txBox="1"/>
-          <p:nvPr/>
-        </p:nvSpPr>
-        <p:spPr>
-          <a:xfrm>
-            <a:off x="1098981" y="1272143"/>
-            <a:ext cx="4612705" cy="461665"/>
-          </a:xfrm>
-          <a:prstGeom prst="rect">
-            <a:avLst/>
-          </a:prstGeom>
-          <a:noFill/>
-        </p:spPr>
-        <p:txBody>
-          <a:bodyPr wrap="square" rtlCol="0">
-            <a:spAutoFit/>
-          </a:bodyPr>
-          <a:lstStyle/>
-          <a:p>
-            <a:r>
-              <a:rPr lang="en-US" sz="2400" b="1" dirty="0" smtClean="0">
-                <a:solidFill>
-                  <a:schemeClr val="tx1">
-                    <a:lumMod val="85000"/>
-                    <a:lumOff val="15000"/>
-                  </a:schemeClr>
-                </a:solidFill>
-                <a:latin typeface="UTM Helve" panose="02040603050506020204" pitchFamily="18" charset="0"/>
-                <a:ea typeface="Roboto" pitchFamily="2" charset="0"/>
-              </a:rPr>
-              <a:t>Servo Motor</a:t>
-            </a:r>
-            <a:endParaRPr lang="en-US" sz="2400" b="1" dirty="0">
-              <a:solidFill>
-                <a:schemeClr val="tx1">
-                  <a:lumMod val="85000"/>
-                  <a:lumOff val="15000"/>
-                </a:schemeClr>
-              </a:solidFill>
-              <a:latin typeface="UTM Helve" panose="02040603050506020204" pitchFamily="18" charset="0"/>
-              <a:ea typeface="Roboto" pitchFamily="2" charset="0"/>
-            </a:endParaRPr>
-          </a:p>
-        </p:txBody>
-      </p:sp>
-      <p:pic>
-        <p:nvPicPr>
-          <p:cNvPr id="5" name="Picture 4"/>
-          <p:cNvPicPr>
-            <a:picLocks noChangeAspect="1"/>
-          </p:cNvPicPr>
-          <p:nvPr/>
-        </p:nvPicPr>
-        <p:blipFill>
-          <a:blip r:embed="rId3">
-            <a:extLst>
-              <a:ext uri="{28A0092B-C50C-407E-A947-70E740481C1C}">
-                <a14:useLocalDpi xmlns:a14="http://schemas.microsoft.com/office/drawing/2010/main" val="0"/>
-              </a:ext>
-            </a:extLst>
-          </a:blip>
-          <a:stretch>
-            <a:fillRect/>
-          </a:stretch>
-        </p:blipFill>
-        <p:spPr>
-          <a:xfrm>
-            <a:off x="542728" y="1345100"/>
-            <a:ext cx="466725" cy="409575"/>
-          </a:xfrm>
-          <a:prstGeom prst="rect">
-            <a:avLst/>
-          </a:prstGeom>
-        </p:spPr>
-      </p:pic>
-      <p:sp>
-        <p:nvSpPr>
-          <p:cNvPr id="6" name="Rectangle 5"/>
+      <p:sp>
+        <p:nvSpPr>
+          <p:cNvPr id="3" name="Rectangle 2"/>
           <p:cNvSpPr/>
           <p:nvPr/>
         </p:nvSpPr>
@@ -3212,7 +3069,7 @@
       </p:sp>
       <p:sp>
         <p:nvSpPr>
-          <p:cNvPr id="7" name="TextBox 6"/>
+          <p:cNvPr id="4" name="TextBox 3"/>
           <p:cNvSpPr txBox="1"/>
           <p:nvPr/>
         </p:nvSpPr>
@@ -3242,9 +3099,50 @@
               </a:rPr>
               <a:t>13.1 Giới thiệu</a:t>
             </a:r>
+          </a:p>
+        </p:txBody>
+      </p:sp>
+      <p:sp>
+        <p:nvSpPr>
+          <p:cNvPr id="5" name="TextBox 4"/>
+          <p:cNvSpPr txBox="1"/>
+          <p:nvPr/>
+        </p:nvSpPr>
+        <p:spPr>
+          <a:xfrm>
+            <a:off x="1098981" y="1272143"/>
+            <a:ext cx="4612705" cy="461665"/>
+          </a:xfrm>
+          <a:prstGeom prst="rect">
+            <a:avLst/>
+          </a:prstGeom>
+          <a:noFill/>
+        </p:spPr>
+        <p:txBody>
+          <a:bodyPr wrap="square" rtlCol="0">
+            <a:spAutoFit/>
+          </a:bodyPr>
+          <a:lstStyle/>
+          <a:p>
+            <a:r>
+              <a:rPr lang="en-US" sz="2400" b="1" dirty="0" smtClean="0">
+                <a:solidFill>
+                  <a:schemeClr val="tx1">
+                    <a:lumMod val="85000"/>
+                    <a:lumOff val="15000"/>
+                  </a:schemeClr>
+                </a:solidFill>
+                <a:latin typeface="UTM Helve" panose="02040603050506020204" pitchFamily="18" charset="0"/>
+                <a:ea typeface="Roboto" pitchFamily="2" charset="0"/>
+              </a:rPr>
+              <a:t>Servo Motor</a:t>
+            </a:r>
             <a:endParaRPr lang="en-US" sz="2400" b="1" dirty="0">
               <a:solidFill>
-                <a:srgbClr val="EC5F77"/>
+                <a:schemeClr val="tx1">
+                  <a:lumMod val="85000"/>
+                  <a:lumOff val="15000"/>
+                </a:schemeClr>
               </a:solidFill>
               <a:latin typeface="UTM Helve" panose="02040603050506020204" pitchFamily="18" charset="0"/>
               <a:ea typeface="Roboto" pitchFamily="2" charset="0"/>
@@ -3254,31 +3152,61 @@
       </p:sp>
       <p:pic>
         <p:nvPicPr>
-          <p:cNvPr id="8" name="Picture 7"/>
+          <p:cNvPr id="6" name="Picture 5"/>
           <p:cNvPicPr>
             <a:picLocks noChangeAspect="1"/>
           </p:cNvPicPr>
           <p:nvPr/>
         </p:nvPicPr>
         <p:blipFill>
-          <a:blip r:embed="rId4"/>
+          <a:blip r:embed="rId2">
+            <a:extLst>
+              <a:ext uri="{28A0092B-C50C-407E-A947-70E740481C1C}">
+                <a14:useLocalDpi xmlns:a14="http://schemas.microsoft.com/office/drawing/2010/main" val="0"/>
+              </a:ext>
+            </a:extLst>
+          </a:blip>
           <a:stretch>
             <a:fillRect/>
           </a:stretch>
         </p:blipFill>
         <p:spPr>
           <a:xfrm>
-            <a:off x="542728" y="3333302"/>
-            <a:ext cx="4777157" cy="3060183"/>
+            <a:off x="542728" y="1345100"/>
+            <a:ext cx="466725" cy="409575"/>
           </a:xfrm>
           <a:prstGeom prst="rect">
             <a:avLst/>
           </a:prstGeom>
         </p:spPr>
       </p:pic>
-      <p:sp>
-        <p:nvSpPr>
-          <p:cNvPr id="9" name="Title 1"/>
+      <p:pic>
+        <p:nvPicPr>
+          <p:cNvPr id="7" name="Picture 6"/>
+          <p:cNvPicPr>
+            <a:picLocks noChangeAspect="1"/>
+          </p:cNvPicPr>
+          <p:nvPr/>
+        </p:nvPicPr>
+        <p:blipFill>
+          <a:blip r:embed="rId3"/>
+          <a:stretch>
+            <a:fillRect/>
+          </a:stretch>
+        </p:blipFill>
+        <p:spPr>
+          <a:xfrm>
+            <a:off x="837841" y="3225124"/>
+            <a:ext cx="7802064" cy="2676899"/>
+          </a:xfrm>
+          <a:prstGeom prst="rect">
+            <a:avLst/>
+          </a:prstGeom>
+        </p:spPr>
+      </p:pic>
+      <p:sp>
+        <p:nvSpPr>
+          <p:cNvPr id="8" name="Title 1"/>
           <p:cNvSpPr txBox="1">
             <a:spLocks/>
           </p:cNvSpPr>
@@ -3286,8 +3214,8 @@
         </p:nvSpPr>
         <p:spPr>
           <a:xfrm>
-            <a:off x="715564" y="1887198"/>
-            <a:ext cx="7898349" cy="458437"/>
+            <a:off x="630575" y="2020964"/>
+            <a:ext cx="7519511" cy="853825"/>
           </a:xfrm>
           <a:prstGeom prst="rect">
             <a:avLst/>
@@ -3321,7 +3249,7 @@
               </a:lnSpc>
             </a:pPr>
             <a:r>
-              <a:rPr lang="en-US" sz="2000" b="0" dirty="0" smtClean="0">
+              <a:rPr lang="en-US" sz="2000" dirty="0" smtClean="0">
                 <a:solidFill>
                   <a:schemeClr val="tx1">
                     <a:lumMod val="95000"/>
@@ -3330,7 +3258,43 @@
                 </a:solidFill>
                 <a:ea typeface="Roboto Condensed" pitchFamily="2" charset="0"/>
               </a:rPr>
-              <a:t>Bạn có thể cho đầu xoay trái, phải, hoặc nhìn phía trước</a:t>
+              <a:t>Servo Motor </a:t>
+            </a:r>
+            <a:r>
+              <a:rPr lang="en-US" sz="2000" b="0" dirty="0" smtClean="0">
+                <a:solidFill>
+                  <a:schemeClr val="tx1">
+                    <a:lumMod val="95000"/>
+                    <a:lumOff val="5000"/>
+                  </a:schemeClr>
+                </a:solidFill>
+                <a:ea typeface="Roboto Condensed" pitchFamily="2" charset="0"/>
+              </a:rPr>
+              <a:t> </a:t>
+            </a:r>
+            <a:r>
+              <a:rPr lang="en-US" sz="2000" b="0" dirty="0" smtClean="0">
+                <a:solidFill>
+                  <a:schemeClr val="tx1">
+                    <a:lumMod val="95000"/>
+                    <a:lumOff val="5000"/>
+                  </a:schemeClr>
+                </a:solidFill>
+                <a:ea typeface="Roboto Condensed" pitchFamily="2" charset="0"/>
+              </a:rPr>
+              <a:t>được gắn vào phần vỏ xe như hình </a:t>
+            </a:r>
+            <a:r>
+              <a:rPr lang="en-US" sz="2000" b="0" smtClean="0">
+                <a:solidFill>
+                  <a:schemeClr val="tx1">
+                    <a:lumMod val="95000"/>
+                    <a:lumOff val="5000"/>
+                  </a:schemeClr>
+                </a:solidFill>
+                <a:ea typeface="Roboto Condensed" pitchFamily="2" charset="0"/>
+              </a:rPr>
+              <a:t>dưới đây, và nó được kết nối với bo mạch reka:bit để có thể điều khiển được</a:t>
             </a:r>
             <a:endParaRPr lang="en-US" sz="2000" b="0" dirty="0" smtClean="0">
               <a:solidFill>
@@ -3344,170 +3308,10 @@
           </a:p>
         </p:txBody>
       </p:sp>
-      <p:sp>
-        <p:nvSpPr>
-          <p:cNvPr id="10" name="Rectangle 9"/>
-          <p:cNvSpPr/>
-          <p:nvPr/>
-        </p:nvSpPr>
-        <p:spPr>
-          <a:xfrm>
-            <a:off x="542728" y="2028344"/>
-            <a:ext cx="172836" cy="176901"/>
-          </a:xfrm>
-          <a:prstGeom prst="rect">
-            <a:avLst/>
-          </a:prstGeom>
-          <a:solidFill>
-            <a:srgbClr val="EC5F77"/>
-          </a:solidFill>
-          <a:ln>
-            <a:noFill/>
-          </a:ln>
-        </p:spPr>
-        <p:style>
-          <a:lnRef idx="2">
-            <a:schemeClr val="accent1">
-              <a:shade val="50000"/>
-            </a:schemeClr>
-          </a:lnRef>
-          <a:fillRef idx="1">
-            <a:schemeClr val="accent1"/>
-          </a:fillRef>
-          <a:effectRef idx="0">
-            <a:schemeClr val="accent1"/>
-          </a:effectRef>
-          <a:fontRef idx="minor">
-            <a:schemeClr val="lt1"/>
-          </a:fontRef>
-        </p:style>
-        <p:txBody>
-          <a:bodyPr rtlCol="0" anchor="ctr"/>
-          <a:lstStyle/>
-          <a:p>
-            <a:pPr algn="ctr"/>
-            <a:endParaRPr lang="en-US"/>
-          </a:p>
-        </p:txBody>
-      </p:sp>
-      <p:sp>
-        <p:nvSpPr>
-          <p:cNvPr id="11" name="Title 1"/>
-          <p:cNvSpPr txBox="1">
-            <a:spLocks/>
-          </p:cNvSpPr>
-          <p:nvPr/>
-        </p:nvSpPr>
-        <p:spPr>
-          <a:xfrm>
-            <a:off x="715564" y="2364277"/>
-            <a:ext cx="7898349" cy="969025"/>
-          </a:xfrm>
-          <a:prstGeom prst="rect">
-            <a:avLst/>
-          </a:prstGeom>
-        </p:spPr>
-        <p:txBody>
-          <a:bodyPr/>
-          <a:lstStyle>
-            <a:lvl1pPr algn="l" defTabSz="914400" rtl="0" eaLnBrk="1" latinLnBrk="0" hangingPunct="1">
-              <a:lnSpc>
-                <a:spcPct val="90000"/>
-              </a:lnSpc>
-              <a:spcBef>
-                <a:spcPct val="0"/>
-              </a:spcBef>
-              <a:buNone/>
-              <a:defRPr sz="3200" b="1" kern="1200">
-                <a:solidFill>
-                  <a:srgbClr val="019DD0"/>
-                </a:solidFill>
-                <a:latin typeface="Arial" panose="020B0604020202020204" pitchFamily="34" charset="0"/>
-                <a:ea typeface="+mj-ea"/>
-                <a:cs typeface="Arial" panose="020B0604020202020204" pitchFamily="34" charset="0"/>
-              </a:defRPr>
-            </a:lvl1pPr>
-          </a:lstStyle>
-          <a:p>
-            <a:pPr>
-              <a:lnSpc>
-                <a:spcPct val="100000"/>
-              </a:lnSpc>
-            </a:pPr>
-            <a:r>
-              <a:rPr lang="en-US" sz="2000" b="0" dirty="0" smtClean="0">
-                <a:solidFill>
-                  <a:schemeClr val="tx1">
-                    <a:lumMod val="95000"/>
-                    <a:lumOff val="5000"/>
-                  </a:schemeClr>
-                </a:solidFill>
-                <a:ea typeface="Roboto Condensed" pitchFamily="2" charset="0"/>
-              </a:rPr>
-              <a:t>Dưới đây là cách tính gốc độ lấy theo hướng logo miro:bit quay ra trước. Nhưng khi gắn micro:bit lên xe thì logo quay ra sau. Do vậy bạn làm ngược lại để có hướng quay đúng.</a:t>
-            </a:r>
-            <a:endParaRPr lang="en-US" sz="2000" b="0" dirty="0" smtClean="0">
-              <a:solidFill>
-                <a:schemeClr val="tx1">
-                  <a:lumMod val="95000"/>
-                  <a:lumOff val="5000"/>
-                </a:schemeClr>
-              </a:solidFill>
-              <a:ea typeface="Roboto Condensed" pitchFamily="2" charset="0"/>
-            </a:endParaRPr>
-          </a:p>
-        </p:txBody>
-      </p:sp>
-      <p:sp>
-        <p:nvSpPr>
-          <p:cNvPr id="12" name="Rectangle 11"/>
-          <p:cNvSpPr/>
-          <p:nvPr/>
-        </p:nvSpPr>
-        <p:spPr>
-          <a:xfrm>
-            <a:off x="542728" y="2505423"/>
-            <a:ext cx="172836" cy="176901"/>
-          </a:xfrm>
-          <a:prstGeom prst="rect">
-            <a:avLst/>
-          </a:prstGeom>
-          <a:solidFill>
-            <a:srgbClr val="EC5F77"/>
-          </a:solidFill>
-          <a:ln>
-            <a:noFill/>
-          </a:ln>
-        </p:spPr>
-        <p:style>
-          <a:lnRef idx="2">
-            <a:schemeClr val="accent1">
-              <a:shade val="50000"/>
-            </a:schemeClr>
-          </a:lnRef>
-          <a:fillRef idx="1">
-            <a:schemeClr val="accent1"/>
-          </a:fillRef>
-          <a:effectRef idx="0">
-            <a:schemeClr val="accent1"/>
-          </a:effectRef>
-          <a:fontRef idx="minor">
-            <a:schemeClr val="lt1"/>
-          </a:fontRef>
-        </p:style>
-        <p:txBody>
-          <a:bodyPr rtlCol="0" anchor="ctr"/>
-          <a:lstStyle/>
-          <a:p>
-            <a:pPr algn="ctr"/>
-            <a:endParaRPr lang="en-US"/>
-          </a:p>
-        </p:txBody>
-      </p:sp>
     </p:spTree>
     <p:extLst>
       <p:ext uri="{BB962C8B-B14F-4D97-AF65-F5344CB8AC3E}">
-        <p14:creationId xmlns:p14="http://schemas.microsoft.com/office/powerpoint/2010/main" val="2169177858"/>
+        <p14:creationId xmlns:p14="http://schemas.microsoft.com/office/powerpoint/2010/main" val="4080686817"/>
       </p:ext>
     </p:extLst>
   </p:cSld>
@@ -3558,9 +3362,128 @@
           </a:p>
         </p:txBody>
       </p:sp>
-      <p:sp>
-        <p:nvSpPr>
-          <p:cNvPr id="3" name="Rectangle 2"/>
+      <p:pic>
+        <p:nvPicPr>
+          <p:cNvPr id="3" name="Picture 2" descr="https://lh4.googleusercontent.com/B8iK616IoMyM1-dYYg3KojC0XeK26t2L7r05aGVzwga2bgLJXtMiaE7gp5cWFhSaU1gqAw2yOk_h2U2zNUgaIaLovftCik3HiBWvXqkCer8NSX9F04jL2ParUqiu00NM_g=w1280"/>
+          <p:cNvPicPr>
+            <a:picLocks noChangeAspect="1" noChangeArrowheads="1"/>
+          </p:cNvPicPr>
+          <p:nvPr/>
+        </p:nvPicPr>
+        <p:blipFill>
+          <a:blip r:embed="rId2" cstate="print">
+            <a:extLst>
+              <a:ext uri="{28A0092B-C50C-407E-A947-70E740481C1C}">
+                <a14:useLocalDpi xmlns:a14="http://schemas.microsoft.com/office/drawing/2010/main" val="0"/>
+              </a:ext>
+            </a:extLst>
+          </a:blip>
+          <a:srcRect/>
+          <a:stretch>
+            <a:fillRect/>
+          </a:stretch>
+        </p:blipFill>
+        <p:spPr bwMode="auto">
+          <a:xfrm>
+            <a:off x="5305387" y="3333302"/>
+            <a:ext cx="3308526" cy="3308526"/>
+          </a:xfrm>
+          <a:prstGeom prst="rect">
+            <a:avLst/>
+          </a:prstGeom>
+          <a:noFill/>
+          <a:extLst>
+            <a:ext uri="{909E8E84-426E-40DD-AFC4-6F175D3DCCD1}">
+              <a14:hiddenFill xmlns:a14="http://schemas.microsoft.com/office/drawing/2010/main">
+                <a:solidFill>
+                  <a:srgbClr val="FFFFFF"/>
+                </a:solidFill>
+              </a14:hiddenFill>
+            </a:ext>
+          </a:extLst>
+        </p:spPr>
+      </p:pic>
+      <p:sp>
+        <p:nvSpPr>
+          <p:cNvPr id="4" name="TextBox 3"/>
+          <p:cNvSpPr txBox="1"/>
+          <p:nvPr/>
+        </p:nvSpPr>
+        <p:spPr>
+          <a:xfrm>
+            <a:off x="1098981" y="1272143"/>
+            <a:ext cx="4612705" cy="461665"/>
+          </a:xfrm>
+          <a:prstGeom prst="rect">
+            <a:avLst/>
+          </a:prstGeom>
+          <a:noFill/>
+        </p:spPr>
+        <p:txBody>
+          <a:bodyPr wrap="square" rtlCol="0">
+            <a:spAutoFit/>
+          </a:bodyPr>
+          <a:lstStyle/>
+          <a:p>
+            <a:r>
+              <a:rPr lang="en-US" sz="2400" b="1" dirty="0" smtClean="0">
+                <a:solidFill>
+                  <a:schemeClr val="tx1">
+                    <a:lumMod val="85000"/>
+                    <a:lumOff val="15000"/>
+                  </a:schemeClr>
+                </a:solidFill>
+                <a:latin typeface="UTM Helve" panose="02040603050506020204" pitchFamily="18" charset="0"/>
+                <a:ea typeface="Roboto" pitchFamily="2" charset="0"/>
+              </a:rPr>
+              <a:t>Servo Motor</a:t>
+            </a:r>
+            <a:endParaRPr lang="en-US" sz="2400" b="1" dirty="0">
+              <a:solidFill>
+                <a:schemeClr val="tx1">
+                  <a:lumMod val="85000"/>
+                  <a:lumOff val="15000"/>
+                </a:schemeClr>
+              </a:solidFill>
+              <a:latin typeface="UTM Helve" panose="02040603050506020204" pitchFamily="18" charset="0"/>
+              <a:ea typeface="Roboto" pitchFamily="2" charset="0"/>
+            </a:endParaRPr>
+          </a:p>
+        </p:txBody>
+      </p:sp>
+      <p:pic>
+        <p:nvPicPr>
+          <p:cNvPr id="5" name="Picture 4"/>
+          <p:cNvPicPr>
+            <a:picLocks noChangeAspect="1"/>
+          </p:cNvPicPr>
+          <p:nvPr/>
+        </p:nvPicPr>
+        <p:blipFill>
+          <a:blip r:embed="rId3">
+            <a:extLst>
+              <a:ext uri="{28A0092B-C50C-407E-A947-70E740481C1C}">
+                <a14:useLocalDpi xmlns:a14="http://schemas.microsoft.com/office/drawing/2010/main" val="0"/>
+              </a:ext>
+            </a:extLst>
+          </a:blip>
+          <a:stretch>
+            <a:fillRect/>
+          </a:stretch>
+        </p:blipFill>
+        <p:spPr>
+          <a:xfrm>
+            <a:off x="542728" y="1345100"/>
+            <a:ext cx="466725" cy="409575"/>
+          </a:xfrm>
+          <a:prstGeom prst="rect">
+            <a:avLst/>
+          </a:prstGeom>
+        </p:spPr>
+      </p:pic>
+      <p:sp>
+        <p:nvSpPr>
+          <p:cNvPr id="6" name="Rectangle 5"/>
           <p:cNvSpPr/>
           <p:nvPr/>
         </p:nvSpPr>
@@ -3615,7 +3538,7 @@
       </p:sp>
       <p:sp>
         <p:nvSpPr>
-          <p:cNvPr id="4" name="TextBox 3"/>
+          <p:cNvPr id="7" name="TextBox 6"/>
           <p:cNvSpPr txBox="1"/>
           <p:nvPr/>
         </p:nvSpPr>
@@ -3636,48 +3559,45 @@
           <a:lstStyle/>
           <a:p>
             <a:r>
-              <a:rPr lang="en-US" sz="2400" b="1" dirty="0" smtClean="0">
+              <a:rPr lang="en-US" sz="2400" b="1" dirty="0">
                 <a:solidFill>
                   <a:srgbClr val="EC5F77"/>
                 </a:solidFill>
                 <a:latin typeface="UTM Helve" panose="02040603050506020204" pitchFamily="18" charset="0"/>
                 <a:ea typeface="Roboto" pitchFamily="2" charset="0"/>
               </a:rPr>
-              <a:t>13.2 </a:t>
-            </a:r>
-            <a:r>
-              <a:rPr lang="en-US" sz="2400" b="1" dirty="0" smtClean="0">
-                <a:solidFill>
-                  <a:srgbClr val="EC5F77"/>
-                </a:solidFill>
-                <a:latin typeface="UTM Helve" panose="02040603050506020204" pitchFamily="18" charset="0"/>
-                <a:ea typeface="Roboto" pitchFamily="2" charset="0"/>
-              </a:rPr>
-              <a:t>Sử dụng </a:t>
-            </a:r>
-            <a:r>
-              <a:rPr lang="en-US" sz="2400" b="1" dirty="0" smtClean="0">
-                <a:solidFill>
-                  <a:srgbClr val="EC5F77"/>
-                </a:solidFill>
-                <a:latin typeface="UTM Helve" panose="02040603050506020204" pitchFamily="18" charset="0"/>
-                <a:ea typeface="Roboto" pitchFamily="2" charset="0"/>
-              </a:rPr>
-              <a:t>Servor</a:t>
-            </a:r>
-            <a:endParaRPr lang="en-US" sz="2400" b="1" dirty="0">
-              <a:solidFill>
-                <a:srgbClr val="EC5F77"/>
-              </a:solidFill>
-              <a:latin typeface="UTM Helve" panose="02040603050506020204" pitchFamily="18" charset="0"/>
-              <a:ea typeface="Roboto" pitchFamily="2" charset="0"/>
-            </a:endParaRPr>
-          </a:p>
-        </p:txBody>
-      </p:sp>
-      <p:sp>
-        <p:nvSpPr>
-          <p:cNvPr id="6" name="Title 1"/>
+              <a:t>13.1 Giới thiệu</a:t>
+            </a:r>
+          </a:p>
+        </p:txBody>
+      </p:sp>
+      <p:pic>
+        <p:nvPicPr>
+          <p:cNvPr id="8" name="Picture 7"/>
+          <p:cNvPicPr>
+            <a:picLocks noChangeAspect="1"/>
+          </p:cNvPicPr>
+          <p:nvPr/>
+        </p:nvPicPr>
+        <p:blipFill>
+          <a:blip r:embed="rId4"/>
+          <a:stretch>
+            <a:fillRect/>
+          </a:stretch>
+        </p:blipFill>
+        <p:spPr>
+          <a:xfrm>
+            <a:off x="542728" y="3333302"/>
+            <a:ext cx="4777157" cy="3060183"/>
+          </a:xfrm>
+          <a:prstGeom prst="rect">
+            <a:avLst/>
+          </a:prstGeom>
+        </p:spPr>
+      </p:pic>
+      <p:sp>
+        <p:nvSpPr>
+          <p:cNvPr id="9" name="Title 1"/>
           <p:cNvSpPr txBox="1">
             <a:spLocks/>
           </p:cNvSpPr>
@@ -3685,8 +3605,8 @@
         </p:nvSpPr>
         <p:spPr>
           <a:xfrm>
-            <a:off x="590001" y="1955632"/>
-            <a:ext cx="7917895" cy="860783"/>
+            <a:off x="715564" y="1887198"/>
+            <a:ext cx="7898349" cy="458437"/>
           </a:xfrm>
           <a:prstGeom prst="rect">
             <a:avLst/>
@@ -3720,7 +3640,7 @@
               </a:lnSpc>
             </a:pPr>
             <a:r>
-              <a:rPr lang="en-US" sz="2000" b="0" i="1" dirty="0" smtClean="0">
+              <a:rPr lang="en-US" sz="2000" b="0" dirty="0" smtClean="0">
                 <a:solidFill>
                   <a:schemeClr val="tx1">
                     <a:lumMod val="95000"/>
@@ -3729,235 +3649,20 @@
                 </a:solidFill>
                 <a:ea typeface="Roboto Condensed" pitchFamily="2" charset="0"/>
               </a:rPr>
-              <a:t>Lưu ý: </a:t>
-            </a:r>
-            <a:r>
-              <a:rPr lang="vi-VN" sz="2000" b="0" i="1" dirty="0" smtClean="0">
-                <a:solidFill>
-                  <a:schemeClr val="tx1">
-                    <a:lumMod val="95000"/>
-                    <a:lumOff val="5000"/>
-                  </a:schemeClr>
-                </a:solidFill>
-                <a:ea typeface="Roboto Condensed" pitchFamily="2" charset="0"/>
-              </a:rPr>
-              <a:t>Để </a:t>
-            </a:r>
-            <a:r>
-              <a:rPr lang="vi-VN" sz="2000" b="0" i="1" dirty="0">
-                <a:solidFill>
-                  <a:schemeClr val="tx1">
-                    <a:lumMod val="95000"/>
-                    <a:lumOff val="5000"/>
-                  </a:schemeClr>
-                </a:solidFill>
-                <a:ea typeface="Roboto Condensed" pitchFamily="2" charset="0"/>
-              </a:rPr>
-              <a:t>điều khiển được động cơ Servo Motor, trên MakeCode chúng ta cần cài thêm extensions mở rộng zoom:bit</a:t>
-            </a:r>
-            <a:r>
-              <a:rPr lang="en-US" sz="2000" b="0" i="1" dirty="0" smtClean="0">
-                <a:solidFill>
-                  <a:schemeClr val="tx1">
-                    <a:lumMod val="95000"/>
-                    <a:lumOff val="5000"/>
-                  </a:schemeClr>
-                </a:solidFill>
-                <a:ea typeface="Roboto Condensed" pitchFamily="2" charset="0"/>
-              </a:rPr>
-              <a:t> </a:t>
-            </a:r>
-            <a:endParaRPr lang="en-US" sz="2000" b="0" i="1" dirty="0" smtClean="0">
-              <a:solidFill>
-                <a:schemeClr val="tx1">
-                  <a:lumMod val="95000"/>
-                  <a:lumOff val="5000"/>
-                </a:schemeClr>
-              </a:solidFill>
-              <a:ea typeface="Roboto Condensed" pitchFamily="2" charset="0"/>
-            </a:endParaRPr>
-          </a:p>
-        </p:txBody>
-      </p:sp>
-      <p:sp>
-        <p:nvSpPr>
-          <p:cNvPr id="8" name="TextBox 7"/>
-          <p:cNvSpPr txBox="1"/>
-          <p:nvPr/>
-        </p:nvSpPr>
-        <p:spPr>
-          <a:xfrm>
-            <a:off x="1098981" y="1272143"/>
-            <a:ext cx="5341576" cy="461665"/>
-          </a:xfrm>
-          <a:prstGeom prst="rect">
-            <a:avLst/>
-          </a:prstGeom>
-          <a:noFill/>
-        </p:spPr>
-        <p:txBody>
-          <a:bodyPr wrap="square" rtlCol="0">
-            <a:spAutoFit/>
-          </a:bodyPr>
-          <a:lstStyle/>
-          <a:p>
-            <a:r>
-              <a:rPr lang="en-US" sz="2400" b="1" dirty="0" smtClean="0">
-                <a:solidFill>
-                  <a:schemeClr val="tx1">
-                    <a:lumMod val="85000"/>
-                    <a:lumOff val="15000"/>
-                  </a:schemeClr>
-                </a:solidFill>
-                <a:latin typeface="UTM Helve" panose="02040603050506020204" pitchFamily="18" charset="0"/>
-                <a:ea typeface="Roboto" pitchFamily="2" charset="0"/>
-              </a:rPr>
-              <a:t>Lập trình trong MakeCode</a:t>
-            </a:r>
-            <a:endParaRPr lang="en-US" sz="2400" b="1" dirty="0">
-              <a:solidFill>
-                <a:schemeClr val="tx1">
-                  <a:lumMod val="85000"/>
-                  <a:lumOff val="15000"/>
-                </a:schemeClr>
-              </a:solidFill>
-              <a:latin typeface="UTM Helve" panose="02040603050506020204" pitchFamily="18" charset="0"/>
-              <a:ea typeface="Roboto" pitchFamily="2" charset="0"/>
-            </a:endParaRPr>
-          </a:p>
-        </p:txBody>
-      </p:sp>
-      <p:pic>
-        <p:nvPicPr>
-          <p:cNvPr id="9" name="Picture 8"/>
-          <p:cNvPicPr>
-            <a:picLocks noChangeAspect="1"/>
-          </p:cNvPicPr>
-          <p:nvPr/>
-        </p:nvPicPr>
-        <p:blipFill>
-          <a:blip r:embed="rId2">
-            <a:extLst>
-              <a:ext uri="{28A0092B-C50C-407E-A947-70E740481C1C}">
-                <a14:useLocalDpi xmlns:a14="http://schemas.microsoft.com/office/drawing/2010/main" val="0"/>
-              </a:ext>
-            </a:extLst>
-          </a:blip>
-          <a:stretch>
-            <a:fillRect/>
-          </a:stretch>
-        </p:blipFill>
-        <p:spPr>
-          <a:xfrm>
-            <a:off x="542728" y="1345100"/>
-            <a:ext cx="466725" cy="409575"/>
-          </a:xfrm>
-          <a:prstGeom prst="rect">
-            <a:avLst/>
-          </a:prstGeom>
-        </p:spPr>
-      </p:pic>
-      <p:sp>
-        <p:nvSpPr>
-          <p:cNvPr id="10" name="Title 1"/>
-          <p:cNvSpPr txBox="1">
-            <a:spLocks/>
-          </p:cNvSpPr>
-          <p:nvPr/>
-        </p:nvSpPr>
-        <p:spPr>
-          <a:xfrm>
-            <a:off x="431533" y="2800384"/>
-            <a:ext cx="4316996" cy="976427"/>
-          </a:xfrm>
-          <a:prstGeom prst="rect">
-            <a:avLst/>
-          </a:prstGeom>
-        </p:spPr>
-        <p:txBody>
-          <a:bodyPr/>
-          <a:lstStyle>
-            <a:lvl1pPr algn="l" defTabSz="914400" rtl="0" eaLnBrk="1" latinLnBrk="0" hangingPunct="1">
-              <a:lnSpc>
-                <a:spcPct val="90000"/>
-              </a:lnSpc>
-              <a:spcBef>
-                <a:spcPct val="0"/>
-              </a:spcBef>
-              <a:buNone/>
-              <a:defRPr sz="3200" b="1" kern="1200">
-                <a:solidFill>
-                  <a:srgbClr val="019DD0"/>
-                </a:solidFill>
-                <a:latin typeface="Arial" panose="020B0604020202020204" pitchFamily="34" charset="0"/>
-                <a:ea typeface="+mj-ea"/>
-                <a:cs typeface="Arial" panose="020B0604020202020204" pitchFamily="34" charset="0"/>
-              </a:defRPr>
-            </a:lvl1pPr>
-          </a:lstStyle>
-          <a:p>
-            <a:pPr>
-              <a:lnSpc>
-                <a:spcPct val="100000"/>
-              </a:lnSpc>
-            </a:pPr>
-            <a:r>
-              <a:rPr lang="en-US" sz="2000" b="0" dirty="0" smtClean="0">
-                <a:solidFill>
-                  <a:schemeClr val="tx1">
-                    <a:lumMod val="95000"/>
-                    <a:lumOff val="5000"/>
-                  </a:schemeClr>
-                </a:solidFill>
-                <a:ea typeface="Roboto Condensed" pitchFamily="2" charset="0"/>
-              </a:rPr>
-              <a:t>Chọn nhóm REKA:BTI </a:t>
-            </a:r>
-            <a:r>
-              <a:rPr lang="en-US" sz="2000" b="0" dirty="0">
-                <a:solidFill>
-                  <a:schemeClr val="tx1">
-                    <a:lumMod val="95000"/>
-                    <a:lumOff val="5000"/>
-                  </a:schemeClr>
-                </a:solidFill>
-                <a:ea typeface="Roboto Condensed" pitchFamily="2" charset="0"/>
-              </a:rPr>
-              <a:t>--&gt; Tại mục Servos chọn Block </a:t>
-            </a:r>
-            <a:r>
-              <a:rPr lang="en-US" sz="2000" dirty="0">
-                <a:solidFill>
-                  <a:schemeClr val="tx1">
-                    <a:lumMod val="95000"/>
-                    <a:lumOff val="5000"/>
-                  </a:schemeClr>
-                </a:solidFill>
-                <a:ea typeface="Roboto Condensed" pitchFamily="2" charset="0"/>
-              </a:rPr>
-              <a:t>set servo S1 position to 90 degrees</a:t>
-            </a:r>
-            <a:endParaRPr lang="en-US" sz="2000" dirty="0" smtClean="0">
-              <a:solidFill>
-                <a:schemeClr val="tx1">
-                  <a:lumMod val="95000"/>
-                  <a:lumOff val="5000"/>
-                </a:schemeClr>
-              </a:solidFill>
-              <a:ea typeface="Roboto Condensed" pitchFamily="2" charset="0"/>
-            </a:endParaRPr>
-          </a:p>
-        </p:txBody>
-      </p:sp>
-      <p:sp>
-        <p:nvSpPr>
-          <p:cNvPr id="11" name="Rectangle 10"/>
+              <a:t>Bạn có thể cho đầu xoay trái, phải, hoặc nhìn phía trước</a:t>
+            </a:r>
+          </a:p>
+        </p:txBody>
+      </p:sp>
+      <p:sp>
+        <p:nvSpPr>
+          <p:cNvPr id="10" name="Rectangle 9"/>
           <p:cNvSpPr/>
           <p:nvPr/>
         </p:nvSpPr>
         <p:spPr>
           <a:xfrm>
-            <a:off x="590001" y="5621363"/>
+            <a:off x="542728" y="2028344"/>
             <a:ext cx="172836" cy="176901"/>
           </a:xfrm>
           <a:prstGeom prst="rect">
@@ -3997,13 +3702,72 @@
       </p:sp>
       <p:sp>
         <p:nvSpPr>
-          <p:cNvPr id="13" name="Rectangle 12"/>
+          <p:cNvPr id="11" name="Title 1"/>
+          <p:cNvSpPr txBox="1">
+            <a:spLocks/>
+          </p:cNvSpPr>
+          <p:nvPr/>
+        </p:nvSpPr>
+        <p:spPr>
+          <a:xfrm>
+            <a:off x="715564" y="2364277"/>
+            <a:ext cx="7898349" cy="969025"/>
+          </a:xfrm>
+          <a:prstGeom prst="rect">
+            <a:avLst/>
+          </a:prstGeom>
+        </p:spPr>
+        <p:txBody>
+          <a:bodyPr/>
+          <a:lstStyle>
+            <a:lvl1pPr algn="l" defTabSz="914400" rtl="0" eaLnBrk="1" latinLnBrk="0" hangingPunct="1">
+              <a:lnSpc>
+                <a:spcPct val="90000"/>
+              </a:lnSpc>
+              <a:spcBef>
+                <a:spcPct val="0"/>
+              </a:spcBef>
+              <a:buNone/>
+              <a:defRPr sz="3200" b="1" kern="1200">
+                <a:solidFill>
+                  <a:srgbClr val="019DD0"/>
+                </a:solidFill>
+                <a:latin typeface="Arial" panose="020B0604020202020204" pitchFamily="34" charset="0"/>
+                <a:ea typeface="+mj-ea"/>
+                <a:cs typeface="Arial" panose="020B0604020202020204" pitchFamily="34" charset="0"/>
+              </a:defRPr>
+            </a:lvl1pPr>
+          </a:lstStyle>
+          <a:p>
+            <a:pPr>
+              <a:lnSpc>
+                <a:spcPct val="100000"/>
+              </a:lnSpc>
+            </a:pPr>
+            <a:r>
+              <a:rPr lang="en-US" sz="2000" b="0" dirty="0" smtClean="0">
+                <a:solidFill>
+                  <a:schemeClr val="tx1">
+                    <a:lumMod val="95000"/>
+                    <a:lumOff val="5000"/>
+                  </a:schemeClr>
+                </a:solidFill>
+                <a:ea typeface="Roboto Condensed" pitchFamily="2" charset="0"/>
+              </a:rPr>
+              <a:t>Dưới đây là cách tính gốc độ lấy theo hướng logo miro:bit quay ra trước. Nhưng khi gắn micro:bit lên xe thì logo quay ra sau. Do vậy bạn làm ngược lại để có hướng quay đúng.</a:t>
+            </a:r>
+          </a:p>
+        </p:txBody>
+      </p:sp>
+      <p:sp>
+        <p:nvSpPr>
+          <p:cNvPr id="12" name="Rectangle 11"/>
           <p:cNvSpPr/>
           <p:nvPr/>
         </p:nvSpPr>
         <p:spPr>
           <a:xfrm>
-            <a:off x="590001" y="6095374"/>
+            <a:off x="542728" y="2505423"/>
             <a:ext cx="172836" cy="176901"/>
           </a:xfrm>
           <a:prstGeom prst="rect">
@@ -4041,9 +3805,160 @@
           </a:p>
         </p:txBody>
       </p:sp>
-      <p:sp>
-        <p:nvSpPr>
-          <p:cNvPr id="16" name="Title 1"/>
+    </p:spTree>
+    <p:extLst>
+      <p:ext uri="{BB962C8B-B14F-4D97-AF65-F5344CB8AC3E}">
+        <p14:creationId xmlns:p14="http://schemas.microsoft.com/office/powerpoint/2010/main" val="2169177858"/>
+      </p:ext>
+    </p:extLst>
+  </p:cSld>
+  <p:clrMapOvr>
+    <a:masterClrMapping/>
+  </p:clrMapOvr>
+</p:sld>
+</file>
+
+<file path=ppt/slides/slide5.xml><?xml version="1.0" encoding="utf-8"?>
+<p:sld xmlns:a="http://schemas.openxmlformats.org/drawingml/2006/main" xmlns:r="http://schemas.openxmlformats.org/officeDocument/2006/relationships" xmlns:p="http://schemas.openxmlformats.org/presentationml/2006/main">
+  <p:cSld>
+    <p:spTree>
+      <p:nvGrpSpPr>
+        <p:cNvPr id="1" name=""/>
+        <p:cNvGrpSpPr/>
+        <p:nvPr/>
+      </p:nvGrpSpPr>
+      <p:grpSpPr>
+        <a:xfrm>
+          <a:off x="0" y="0"/>
+          <a:ext cx="0" cy="0"/>
+          <a:chOff x="0" y="0"/>
+          <a:chExt cx="0" cy="0"/>
+        </a:xfrm>
+      </p:grpSpPr>
+      <p:sp>
+        <p:nvSpPr>
+          <p:cNvPr id="2" name="Slide Number Placeholder 1"/>
+          <p:cNvSpPr>
+            <a:spLocks noGrp="1"/>
+          </p:cNvSpPr>
+          <p:nvPr>
+            <p:ph type="sldNum" sz="quarter" idx="12"/>
+          </p:nvPr>
+        </p:nvSpPr>
+        <p:spPr/>
+        <p:txBody>
+          <a:bodyPr/>
+          <a:lstStyle/>
+          <a:p>
+            <a:fld id="{7D9EC917-02A2-4152-9EE3-DFE2775A77C7}" type="slidenum">
+              <a:rPr lang="en-US" smtClean="0"/>
+              <a:pPr/>
+              <a:t>5</a:t>
+            </a:fld>
+            <a:endParaRPr lang="en-US"/>
+          </a:p>
+        </p:txBody>
+      </p:sp>
+      <p:sp>
+        <p:nvSpPr>
+          <p:cNvPr id="3" name="Rectangle 2"/>
+          <p:cNvSpPr/>
+          <p:nvPr/>
+        </p:nvSpPr>
+        <p:spPr>
+          <a:xfrm>
+            <a:off x="301925" y="1051379"/>
+            <a:ext cx="8454964" cy="27432"/>
+          </a:xfrm>
+          <a:prstGeom prst="rect">
+            <a:avLst/>
+          </a:prstGeom>
+          <a:gradFill flip="none" rotWithShape="1">
+            <a:gsLst>
+              <a:gs pos="15000">
+                <a:srgbClr val="EC5F77"/>
+              </a:gs>
+              <a:gs pos="100000">
+                <a:srgbClr val="A8589E"/>
+              </a:gs>
+            </a:gsLst>
+            <a:lin ang="0" scaled="1"/>
+            <a:tileRect/>
+          </a:gradFill>
+          <a:ln>
+            <a:noFill/>
+          </a:ln>
+        </p:spPr>
+        <p:style>
+          <a:lnRef idx="2">
+            <a:schemeClr val="accent1">
+              <a:shade val="50000"/>
+            </a:schemeClr>
+          </a:lnRef>
+          <a:fillRef idx="1">
+            <a:schemeClr val="accent1"/>
+          </a:fillRef>
+          <a:effectRef idx="0">
+            <a:schemeClr val="accent1"/>
+          </a:effectRef>
+          <a:fontRef idx="minor">
+            <a:schemeClr val="lt1"/>
+          </a:fontRef>
+        </p:style>
+        <p:txBody>
+          <a:bodyPr rtlCol="0" anchor="ctr"/>
+          <a:lstStyle/>
+          <a:p>
+            <a:pPr algn="ctr"/>
+            <a:endParaRPr lang="en-US"/>
+          </a:p>
+        </p:txBody>
+      </p:sp>
+      <p:sp>
+        <p:nvSpPr>
+          <p:cNvPr id="4" name="TextBox 3"/>
+          <p:cNvSpPr txBox="1"/>
+          <p:nvPr/>
+        </p:nvSpPr>
+        <p:spPr>
+          <a:xfrm>
+            <a:off x="248815" y="546584"/>
+            <a:ext cx="7374995" cy="461665"/>
+          </a:xfrm>
+          <a:prstGeom prst="rect">
+            <a:avLst/>
+          </a:prstGeom>
+          <a:noFill/>
+        </p:spPr>
+        <p:txBody>
+          <a:bodyPr wrap="square" rtlCol="0">
+            <a:spAutoFit/>
+          </a:bodyPr>
+          <a:lstStyle/>
+          <a:p>
+            <a:r>
+              <a:rPr lang="en-US" sz="2400" b="1" dirty="0" smtClean="0">
+                <a:solidFill>
+                  <a:srgbClr val="EC5F77"/>
+                </a:solidFill>
+                <a:latin typeface="UTM Helve" panose="02040603050506020204" pitchFamily="18" charset="0"/>
+                <a:ea typeface="Roboto" pitchFamily="2" charset="0"/>
+              </a:rPr>
+              <a:t>13.2 Sử dụng Servor</a:t>
+            </a:r>
+            <a:endParaRPr lang="en-US" sz="2400" b="1" dirty="0">
+              <a:solidFill>
+                <a:srgbClr val="EC5F77"/>
+              </a:solidFill>
+              <a:latin typeface="UTM Helve" panose="02040603050506020204" pitchFamily="18" charset="0"/>
+              <a:ea typeface="Roboto" pitchFamily="2" charset="0"/>
+            </a:endParaRPr>
+          </a:p>
+        </p:txBody>
+      </p:sp>
+      <p:sp>
+        <p:nvSpPr>
+          <p:cNvPr id="6" name="Title 1"/>
           <p:cNvSpPr txBox="1">
             <a:spLocks/>
           </p:cNvSpPr>
@@ -4051,8 +3966,8 @@
         </p:nvSpPr>
         <p:spPr>
           <a:xfrm>
-            <a:off x="762837" y="5974544"/>
-            <a:ext cx="4007946" cy="485702"/>
+            <a:off x="590001" y="1955632"/>
+            <a:ext cx="7917895" cy="860783"/>
           </a:xfrm>
           <a:prstGeom prst="rect">
             <a:avLst/>
@@ -4086,7 +4001,7 @@
               </a:lnSpc>
             </a:pPr>
             <a:r>
-              <a:rPr lang="en-US" sz="2000" b="0" dirty="0" smtClean="0">
+              <a:rPr lang="en-US" sz="2000" b="0" i="1" dirty="0" smtClean="0">
                 <a:solidFill>
                   <a:schemeClr val="tx1">
                     <a:lumMod val="95000"/>
@@ -4095,23 +4010,128 @@
                 </a:solidFill>
                 <a:ea typeface="Roboto Condensed" pitchFamily="2" charset="0"/>
               </a:rPr>
-              <a:t>Nhấn nút B thì xoay đầu qua phải</a:t>
-            </a:r>
-            <a:endParaRPr lang="en-US" sz="2000" b="0" dirty="0" smtClean="0">
+              <a:t>Lưu ý: </a:t>
+            </a:r>
+            <a:r>
+              <a:rPr lang="vi-VN" sz="2000" b="0" i="1" dirty="0" smtClean="0">
+                <a:solidFill>
+                  <a:schemeClr val="tx1">
+                    <a:lumMod val="95000"/>
+                    <a:lumOff val="5000"/>
+                  </a:schemeClr>
+                </a:solidFill>
+                <a:ea typeface="Roboto Condensed" pitchFamily="2" charset="0"/>
+              </a:rPr>
+              <a:t>Để </a:t>
+            </a:r>
+            <a:r>
+              <a:rPr lang="vi-VN" sz="2000" b="0" i="1" dirty="0">
+                <a:solidFill>
+                  <a:schemeClr val="tx1">
+                    <a:lumMod val="95000"/>
+                    <a:lumOff val="5000"/>
+                  </a:schemeClr>
+                </a:solidFill>
+                <a:ea typeface="Roboto Condensed" pitchFamily="2" charset="0"/>
+              </a:rPr>
+              <a:t>điều khiển được động cơ Servo Motor, trên MakeCode chúng ta cần cài thêm extensions mở rộng zoom:bit</a:t>
+            </a:r>
+            <a:r>
+              <a:rPr lang="en-US" sz="2000" b="0" i="1" dirty="0" smtClean="0">
+                <a:solidFill>
+                  <a:schemeClr val="tx1">
+                    <a:lumMod val="95000"/>
+                    <a:lumOff val="5000"/>
+                  </a:schemeClr>
+                </a:solidFill>
+                <a:ea typeface="Roboto Condensed" pitchFamily="2" charset="0"/>
+              </a:rPr>
+              <a:t> </a:t>
+            </a:r>
+          </a:p>
+        </p:txBody>
+      </p:sp>
+      <p:sp>
+        <p:nvSpPr>
+          <p:cNvPr id="8" name="TextBox 7"/>
+          <p:cNvSpPr txBox="1"/>
+          <p:nvPr/>
+        </p:nvSpPr>
+        <p:spPr>
+          <a:xfrm>
+            <a:off x="1098981" y="1272143"/>
+            <a:ext cx="5341576" cy="461665"/>
+          </a:xfrm>
+          <a:prstGeom prst="rect">
+            <a:avLst/>
+          </a:prstGeom>
+          <a:noFill/>
+        </p:spPr>
+        <p:txBody>
+          <a:bodyPr wrap="square" rtlCol="0">
+            <a:spAutoFit/>
+          </a:bodyPr>
+          <a:lstStyle/>
+          <a:p>
+            <a:r>
+              <a:rPr lang="en-US" sz="2400" b="1" dirty="0" smtClean="0">
+                <a:solidFill>
+                  <a:schemeClr val="tx1">
+                    <a:lumMod val="85000"/>
+                    <a:lumOff val="15000"/>
+                  </a:schemeClr>
+                </a:solidFill>
+                <a:latin typeface="UTM Helve" panose="02040603050506020204" pitchFamily="18" charset="0"/>
+                <a:ea typeface="Roboto" pitchFamily="2" charset="0"/>
+              </a:rPr>
+              <a:t>Lập trình trong MakeCode</a:t>
+            </a:r>
+            <a:endParaRPr lang="en-US" sz="2400" b="1" dirty="0">
               <a:solidFill>
                 <a:schemeClr val="tx1">
-                  <a:lumMod val="95000"/>
-                  <a:lumOff val="5000"/>
+                  <a:lumMod val="85000"/>
+                  <a:lumOff val="15000"/>
                 </a:schemeClr>
               </a:solidFill>
-              <a:ea typeface="Roboto Condensed" pitchFamily="2" charset="0"/>
+              <a:latin typeface="UTM Helve" panose="02040603050506020204" pitchFamily="18" charset="0"/>
+              <a:ea typeface="Roboto" pitchFamily="2" charset="0"/>
             </a:endParaRPr>
           </a:p>
         </p:txBody>
       </p:sp>
-      <p:sp>
-        <p:nvSpPr>
-          <p:cNvPr id="17" name="Title 1"/>
+      <p:pic>
+        <p:nvPicPr>
+          <p:cNvPr id="9" name="Picture 8"/>
+          <p:cNvPicPr>
+            <a:picLocks noChangeAspect="1"/>
+          </p:cNvPicPr>
+          <p:nvPr/>
+        </p:nvPicPr>
+        <p:blipFill>
+          <a:blip r:embed="rId2">
+            <a:extLst>
+              <a:ext uri="{28A0092B-C50C-407E-A947-70E740481C1C}">
+                <a14:useLocalDpi xmlns:a14="http://schemas.microsoft.com/office/drawing/2010/main" val="0"/>
+              </a:ext>
+            </a:extLst>
+          </a:blip>
+          <a:stretch>
+            <a:fillRect/>
+          </a:stretch>
+        </p:blipFill>
+        <p:spPr>
+          <a:xfrm>
+            <a:off x="542728" y="1345100"/>
+            <a:ext cx="466725" cy="409575"/>
+          </a:xfrm>
+          <a:prstGeom prst="rect">
+            <a:avLst/>
+          </a:prstGeom>
+        </p:spPr>
+      </p:pic>
+      <p:sp>
+        <p:nvSpPr>
+          <p:cNvPr id="10" name="Title 1"/>
           <p:cNvSpPr txBox="1">
             <a:spLocks/>
           </p:cNvSpPr>
@@ -4119,8 +4139,8 @@
         </p:nvSpPr>
         <p:spPr>
           <a:xfrm>
-            <a:off x="762837" y="5484214"/>
-            <a:ext cx="4007946" cy="485702"/>
+            <a:off x="431533" y="2800384"/>
+            <a:ext cx="4316996" cy="976427"/>
           </a:xfrm>
           <a:prstGeom prst="rect">
             <a:avLst/>
@@ -4163,9 +4183,33 @@
                 </a:solidFill>
                 <a:ea typeface="Roboto Condensed" pitchFamily="2" charset="0"/>
               </a:rPr>
-              <a:t>Nhấn nút A thì xoay đầu qua trái</a:t>
-            </a:r>
-            <a:endParaRPr lang="en-US" sz="2000" b="0" dirty="0" smtClean="0">
+              <a:t>Chọn nhóm REKA:BTI </a:t>
+            </a:r>
+            <a:r>
+              <a:rPr lang="en-US" sz="2000" b="0" dirty="0">
+                <a:solidFill>
+                  <a:schemeClr val="tx1">
+                    <a:lumMod val="95000"/>
+                    <a:lumOff val="5000"/>
+                  </a:schemeClr>
+                </a:solidFill>
+                <a:ea typeface="Roboto Condensed" pitchFamily="2" charset="0"/>
+              </a:rPr>
+              <a:t>--&gt; Tại mục Servos chọn Block </a:t>
+            </a:r>
+            <a:r>
+              <a:rPr lang="en-US" sz="2000" dirty="0">
+                <a:solidFill>
+                  <a:schemeClr val="tx1">
+                    <a:lumMod val="95000"/>
+                    <a:lumOff val="5000"/>
+                  </a:schemeClr>
+                </a:solidFill>
+                <a:ea typeface="Roboto Condensed" pitchFamily="2" charset="0"/>
+              </a:rPr>
+              <a:t>set servo S1 position to 90 degrees</a:t>
+            </a:r>
+            <a:endParaRPr lang="en-US" sz="2000" dirty="0" smtClean="0">
               <a:solidFill>
                 <a:schemeClr val="tx1">
                   <a:lumMod val="95000"/>
@@ -4174,6 +4218,216 @@
               </a:solidFill>
               <a:ea typeface="Roboto Condensed" pitchFamily="2" charset="0"/>
             </a:endParaRPr>
+          </a:p>
+        </p:txBody>
+      </p:sp>
+      <p:sp>
+        <p:nvSpPr>
+          <p:cNvPr id="11" name="Rectangle 10"/>
+          <p:cNvSpPr/>
+          <p:nvPr/>
+        </p:nvSpPr>
+        <p:spPr>
+          <a:xfrm>
+            <a:off x="590001" y="5621363"/>
+            <a:ext cx="172836" cy="176901"/>
+          </a:xfrm>
+          <a:prstGeom prst="rect">
+            <a:avLst/>
+          </a:prstGeom>
+          <a:solidFill>
+            <a:srgbClr val="EC5F77"/>
+          </a:solidFill>
+          <a:ln>
+            <a:noFill/>
+          </a:ln>
+        </p:spPr>
+        <p:style>
+          <a:lnRef idx="2">
+            <a:schemeClr val="accent1">
+              <a:shade val="50000"/>
+            </a:schemeClr>
+          </a:lnRef>
+          <a:fillRef idx="1">
+            <a:schemeClr val="accent1"/>
+          </a:fillRef>
+          <a:effectRef idx="0">
+            <a:schemeClr val="accent1"/>
+          </a:effectRef>
+          <a:fontRef idx="minor">
+            <a:schemeClr val="lt1"/>
+          </a:fontRef>
+        </p:style>
+        <p:txBody>
+          <a:bodyPr rtlCol="0" anchor="ctr"/>
+          <a:lstStyle/>
+          <a:p>
+            <a:pPr algn="ctr"/>
+            <a:endParaRPr lang="en-US"/>
+          </a:p>
+        </p:txBody>
+      </p:sp>
+      <p:sp>
+        <p:nvSpPr>
+          <p:cNvPr id="13" name="Rectangle 12"/>
+          <p:cNvSpPr/>
+          <p:nvPr/>
+        </p:nvSpPr>
+        <p:spPr>
+          <a:xfrm>
+            <a:off x="590001" y="6095374"/>
+            <a:ext cx="172836" cy="176901"/>
+          </a:xfrm>
+          <a:prstGeom prst="rect">
+            <a:avLst/>
+          </a:prstGeom>
+          <a:solidFill>
+            <a:srgbClr val="EC5F77"/>
+          </a:solidFill>
+          <a:ln>
+            <a:noFill/>
+          </a:ln>
+        </p:spPr>
+        <p:style>
+          <a:lnRef idx="2">
+            <a:schemeClr val="accent1">
+              <a:shade val="50000"/>
+            </a:schemeClr>
+          </a:lnRef>
+          <a:fillRef idx="1">
+            <a:schemeClr val="accent1"/>
+          </a:fillRef>
+          <a:effectRef idx="0">
+            <a:schemeClr val="accent1"/>
+          </a:effectRef>
+          <a:fontRef idx="minor">
+            <a:schemeClr val="lt1"/>
+          </a:fontRef>
+        </p:style>
+        <p:txBody>
+          <a:bodyPr rtlCol="0" anchor="ctr"/>
+          <a:lstStyle/>
+          <a:p>
+            <a:pPr algn="ctr"/>
+            <a:endParaRPr lang="en-US"/>
+          </a:p>
+        </p:txBody>
+      </p:sp>
+      <p:sp>
+        <p:nvSpPr>
+          <p:cNvPr id="16" name="Title 1"/>
+          <p:cNvSpPr txBox="1">
+            <a:spLocks/>
+          </p:cNvSpPr>
+          <p:nvPr/>
+        </p:nvSpPr>
+        <p:spPr>
+          <a:xfrm>
+            <a:off x="762837" y="5974544"/>
+            <a:ext cx="4007946" cy="485702"/>
+          </a:xfrm>
+          <a:prstGeom prst="rect">
+            <a:avLst/>
+          </a:prstGeom>
+        </p:spPr>
+        <p:txBody>
+          <a:bodyPr/>
+          <a:lstStyle>
+            <a:lvl1pPr algn="l" defTabSz="914400" rtl="0" eaLnBrk="1" latinLnBrk="0" hangingPunct="1">
+              <a:lnSpc>
+                <a:spcPct val="90000"/>
+              </a:lnSpc>
+              <a:spcBef>
+                <a:spcPct val="0"/>
+              </a:spcBef>
+              <a:buNone/>
+              <a:defRPr sz="3200" b="1" kern="1200">
+                <a:solidFill>
+                  <a:srgbClr val="019DD0"/>
+                </a:solidFill>
+                <a:latin typeface="Arial" panose="020B0604020202020204" pitchFamily="34" charset="0"/>
+                <a:ea typeface="+mj-ea"/>
+                <a:cs typeface="Arial" panose="020B0604020202020204" pitchFamily="34" charset="0"/>
+              </a:defRPr>
+            </a:lvl1pPr>
+          </a:lstStyle>
+          <a:p>
+            <a:pPr>
+              <a:lnSpc>
+                <a:spcPct val="100000"/>
+              </a:lnSpc>
+            </a:pPr>
+            <a:r>
+              <a:rPr lang="en-US" sz="2000" b="0" dirty="0" smtClean="0">
+                <a:solidFill>
+                  <a:schemeClr val="tx1">
+                    <a:lumMod val="95000"/>
+                    <a:lumOff val="5000"/>
+                  </a:schemeClr>
+                </a:solidFill>
+                <a:ea typeface="Roboto Condensed" pitchFamily="2" charset="0"/>
+              </a:rPr>
+              <a:t>Nhấn nút B thì xoay đầu qua phải</a:t>
+            </a:r>
+          </a:p>
+        </p:txBody>
+      </p:sp>
+      <p:sp>
+        <p:nvSpPr>
+          <p:cNvPr id="17" name="Title 1"/>
+          <p:cNvSpPr txBox="1">
+            <a:spLocks/>
+          </p:cNvSpPr>
+          <p:nvPr/>
+        </p:nvSpPr>
+        <p:spPr>
+          <a:xfrm>
+            <a:off x="762837" y="5484214"/>
+            <a:ext cx="4007946" cy="485702"/>
+          </a:xfrm>
+          <a:prstGeom prst="rect">
+            <a:avLst/>
+          </a:prstGeom>
+        </p:spPr>
+        <p:txBody>
+          <a:bodyPr/>
+          <a:lstStyle>
+            <a:lvl1pPr algn="l" defTabSz="914400" rtl="0" eaLnBrk="1" latinLnBrk="0" hangingPunct="1">
+              <a:lnSpc>
+                <a:spcPct val="90000"/>
+              </a:lnSpc>
+              <a:spcBef>
+                <a:spcPct val="0"/>
+              </a:spcBef>
+              <a:buNone/>
+              <a:defRPr sz="3200" b="1" kern="1200">
+                <a:solidFill>
+                  <a:srgbClr val="019DD0"/>
+                </a:solidFill>
+                <a:latin typeface="Arial" panose="020B0604020202020204" pitchFamily="34" charset="0"/>
+                <a:ea typeface="+mj-ea"/>
+                <a:cs typeface="Arial" panose="020B0604020202020204" pitchFamily="34" charset="0"/>
+              </a:defRPr>
+            </a:lvl1pPr>
+          </a:lstStyle>
+          <a:p>
+            <a:pPr>
+              <a:lnSpc>
+                <a:spcPct val="100000"/>
+              </a:lnSpc>
+            </a:pPr>
+            <a:r>
+              <a:rPr lang="en-US" sz="2000" b="0" dirty="0" smtClean="0">
+                <a:solidFill>
+                  <a:schemeClr val="tx1">
+                    <a:lumMod val="95000"/>
+                    <a:lumOff val="5000"/>
+                  </a:schemeClr>
+                </a:solidFill>
+                <a:ea typeface="Roboto Condensed" pitchFamily="2" charset="0"/>
+              </a:rPr>
+              <a:t>Nhấn nút A thì xoay đầu qua trái</a:t>
+            </a:r>
           </a:p>
         </p:txBody>
       </p:sp>
@@ -4342,15 +4596,6 @@
               </a:rPr>
               <a:t>Khởi động lên thì quay đầu ra trước</a:t>
             </a:r>
-            <a:endParaRPr lang="en-US" sz="2000" b="0" dirty="0" smtClean="0">
-              <a:solidFill>
-                <a:schemeClr val="tx1">
-                  <a:lumMod val="95000"/>
-                  <a:lumOff val="5000"/>
-                </a:schemeClr>
-              </a:solidFill>
-              <a:ea typeface="Roboto Condensed" pitchFamily="2" charset="0"/>
-            </a:endParaRPr>
           </a:p>
         </p:txBody>
       </p:sp>
@@ -4407,12 +4652,6 @@
               </a:rPr>
               <a:t>Nhập vào góc độ mong muốn</a:t>
             </a:r>
-            <a:endParaRPr lang="en-US" sz="2000" dirty="0" smtClean="0">
-              <a:solidFill>
-                <a:srgbClr val="EC5F77"/>
-              </a:solidFill>
-              <a:ea typeface="Roboto Condensed" pitchFamily="2" charset="0"/>
-            </a:endParaRPr>
           </a:p>
         </p:txBody>
       </p:sp>
@@ -4420,479 +4659,6 @@
     <p:extLst>
       <p:ext uri="{BB962C8B-B14F-4D97-AF65-F5344CB8AC3E}">
         <p14:creationId xmlns:p14="http://schemas.microsoft.com/office/powerpoint/2010/main" val="1989140048"/>
-      </p:ext>
-    </p:extLst>
-  </p:cSld>
-  <p:clrMapOvr>
-    <a:masterClrMapping/>
-  </p:clrMapOvr>
-</p:sld>
-</file>
-
-<file path=ppt/slides/slide5.xml><?xml version="1.0" encoding="utf-8"?>
-<p:sld xmlns:a="http://schemas.openxmlformats.org/drawingml/2006/main" xmlns:r="http://schemas.openxmlformats.org/officeDocument/2006/relationships" xmlns:p="http://schemas.openxmlformats.org/presentationml/2006/main">
-  <p:cSld>
-    <p:spTree>
-      <p:nvGrpSpPr>
-        <p:cNvPr id="1" name=""/>
-        <p:cNvGrpSpPr/>
-        <p:nvPr/>
-      </p:nvGrpSpPr>
-      <p:grpSpPr>
-        <a:xfrm>
-          <a:off x="0" y="0"/>
-          <a:ext cx="0" cy="0"/>
-          <a:chOff x="0" y="0"/>
-          <a:chExt cx="0" cy="0"/>
-        </a:xfrm>
-      </p:grpSpPr>
-      <p:sp>
-        <p:nvSpPr>
-          <p:cNvPr id="2" name="Slide Number Placeholder 1"/>
-          <p:cNvSpPr>
-            <a:spLocks noGrp="1"/>
-          </p:cNvSpPr>
-          <p:nvPr>
-            <p:ph type="sldNum" sz="quarter" idx="12"/>
-          </p:nvPr>
-        </p:nvSpPr>
-        <p:spPr/>
-        <p:txBody>
-          <a:bodyPr/>
-          <a:lstStyle/>
-          <a:p>
-            <a:fld id="{7D9EC917-02A2-4152-9EE3-DFE2775A77C7}" type="slidenum">
-              <a:rPr lang="en-US" smtClean="0"/>
-              <a:pPr/>
-              <a:t>5</a:t>
-            </a:fld>
-            <a:endParaRPr lang="en-US"/>
-          </a:p>
-        </p:txBody>
-      </p:sp>
-      <p:sp>
-        <p:nvSpPr>
-          <p:cNvPr id="3" name="Title 1"/>
-          <p:cNvSpPr txBox="1">
-            <a:spLocks/>
-          </p:cNvSpPr>
-          <p:nvPr/>
-        </p:nvSpPr>
-        <p:spPr>
-          <a:xfrm>
-            <a:off x="709053" y="4862785"/>
-            <a:ext cx="5644503" cy="508846"/>
-          </a:xfrm>
-          <a:prstGeom prst="rect">
-            <a:avLst/>
-          </a:prstGeom>
-        </p:spPr>
-        <p:txBody>
-          <a:bodyPr/>
-          <a:lstStyle>
-            <a:lvl1pPr algn="l" defTabSz="914400" rtl="0" eaLnBrk="1" latinLnBrk="0" hangingPunct="1">
-              <a:lnSpc>
-                <a:spcPct val="90000"/>
-              </a:lnSpc>
-              <a:spcBef>
-                <a:spcPct val="0"/>
-              </a:spcBef>
-              <a:buNone/>
-              <a:defRPr sz="3200" b="1" kern="1200">
-                <a:solidFill>
-                  <a:srgbClr val="019DD0"/>
-                </a:solidFill>
-                <a:latin typeface="Arial" panose="020B0604020202020204" pitchFamily="34" charset="0"/>
-                <a:ea typeface="+mj-ea"/>
-                <a:cs typeface="Arial" panose="020B0604020202020204" pitchFamily="34" charset="0"/>
-              </a:defRPr>
-            </a:lvl1pPr>
-          </a:lstStyle>
-          <a:p>
-            <a:pPr>
-              <a:lnSpc>
-                <a:spcPct val="100000"/>
-              </a:lnSpc>
-            </a:pPr>
-            <a:r>
-              <a:rPr lang="en-US" sz="2000" b="0" dirty="0" smtClean="0">
-                <a:solidFill>
-                  <a:schemeClr val="tx1">
-                    <a:lumMod val="95000"/>
-                    <a:lumOff val="5000"/>
-                  </a:schemeClr>
-                </a:solidFill>
-                <a:ea typeface="Roboto Condensed" pitchFamily="2" charset="0"/>
-              </a:rPr>
-              <a:t>Bước 1: Click Download tải file về máy tính</a:t>
-            </a:r>
-          </a:p>
-        </p:txBody>
-      </p:sp>
-      <p:pic>
-        <p:nvPicPr>
-          <p:cNvPr id="4" name="Picture 3"/>
-          <p:cNvPicPr>
-            <a:picLocks noChangeAspect="1"/>
-          </p:cNvPicPr>
-          <p:nvPr/>
-        </p:nvPicPr>
-        <p:blipFill>
-          <a:blip r:embed="rId2"/>
-          <a:stretch>
-            <a:fillRect/>
-          </a:stretch>
-        </p:blipFill>
-        <p:spPr>
-          <a:xfrm>
-            <a:off x="5743928" y="4822111"/>
-            <a:ext cx="2909512" cy="456394"/>
-          </a:xfrm>
-          <a:prstGeom prst="rect">
-            <a:avLst/>
-          </a:prstGeom>
-        </p:spPr>
-      </p:pic>
-      <p:sp>
-        <p:nvSpPr>
-          <p:cNvPr id="5" name="Title 1"/>
-          <p:cNvSpPr txBox="1">
-            <a:spLocks/>
-          </p:cNvSpPr>
-          <p:nvPr/>
-        </p:nvSpPr>
-        <p:spPr>
-          <a:xfrm>
-            <a:off x="709053" y="5412305"/>
-            <a:ext cx="8047836" cy="496573"/>
-          </a:xfrm>
-          <a:prstGeom prst="rect">
-            <a:avLst/>
-          </a:prstGeom>
-        </p:spPr>
-        <p:txBody>
-          <a:bodyPr/>
-          <a:lstStyle>
-            <a:lvl1pPr algn="l" defTabSz="914400" rtl="0" eaLnBrk="1" latinLnBrk="0" hangingPunct="1">
-              <a:lnSpc>
-                <a:spcPct val="90000"/>
-              </a:lnSpc>
-              <a:spcBef>
-                <a:spcPct val="0"/>
-              </a:spcBef>
-              <a:buNone/>
-              <a:defRPr sz="3200" b="1" kern="1200">
-                <a:solidFill>
-                  <a:srgbClr val="019DD0"/>
-                </a:solidFill>
-                <a:latin typeface="Arial" panose="020B0604020202020204" pitchFamily="34" charset="0"/>
-                <a:ea typeface="+mj-ea"/>
-                <a:cs typeface="Arial" panose="020B0604020202020204" pitchFamily="34" charset="0"/>
-              </a:defRPr>
-            </a:lvl1pPr>
-          </a:lstStyle>
-          <a:p>
-            <a:pPr>
-              <a:lnSpc>
-                <a:spcPct val="100000"/>
-              </a:lnSpc>
-            </a:pPr>
-            <a:r>
-              <a:rPr lang="en-US" sz="2000" b="0" dirty="0" smtClean="0">
-                <a:solidFill>
-                  <a:schemeClr val="tx1">
-                    <a:lumMod val="95000"/>
-                    <a:lumOff val="5000"/>
-                  </a:schemeClr>
-                </a:solidFill>
-                <a:ea typeface="Roboto Condensed" pitchFamily="2" charset="0"/>
-              </a:rPr>
-              <a:t>Bước 2: Gắn đầu USB vào máy tính, đầu micro USB vào micro:bit </a:t>
-            </a:r>
-          </a:p>
-        </p:txBody>
-      </p:sp>
-      <p:sp>
-        <p:nvSpPr>
-          <p:cNvPr id="8" name="TextBox 7"/>
-          <p:cNvSpPr txBox="1"/>
-          <p:nvPr/>
-        </p:nvSpPr>
-        <p:spPr>
-          <a:xfrm>
-            <a:off x="1265305" y="1364739"/>
-            <a:ext cx="5649845" cy="461665"/>
-          </a:xfrm>
-          <a:prstGeom prst="rect">
-            <a:avLst/>
-          </a:prstGeom>
-          <a:noFill/>
-        </p:spPr>
-        <p:txBody>
-          <a:bodyPr wrap="square" rtlCol="0">
-            <a:spAutoFit/>
-          </a:bodyPr>
-          <a:lstStyle/>
-          <a:p>
-            <a:r>
-              <a:rPr lang="en-US" sz="2400" b="1" dirty="0" smtClean="0">
-                <a:solidFill>
-                  <a:schemeClr val="tx1">
-                    <a:lumMod val="85000"/>
-                    <a:lumOff val="15000"/>
-                  </a:schemeClr>
-                </a:solidFill>
-                <a:latin typeface="UTM Helve" panose="02040603050506020204" pitchFamily="18" charset="0"/>
-                <a:ea typeface="Roboto" pitchFamily="2" charset="0"/>
-              </a:rPr>
-              <a:t>Đưa chương trình vào micro:bit</a:t>
-            </a:r>
-            <a:endParaRPr lang="en-US" sz="2400" b="1" dirty="0">
-              <a:solidFill>
-                <a:schemeClr val="tx1">
-                  <a:lumMod val="85000"/>
-                  <a:lumOff val="15000"/>
-                </a:schemeClr>
-              </a:solidFill>
-              <a:latin typeface="UTM Helve" panose="02040603050506020204" pitchFamily="18" charset="0"/>
-              <a:ea typeface="Roboto" pitchFamily="2" charset="0"/>
-            </a:endParaRPr>
-          </a:p>
-        </p:txBody>
-      </p:sp>
-      <p:pic>
-        <p:nvPicPr>
-          <p:cNvPr id="9" name="Picture 8"/>
-          <p:cNvPicPr>
-            <a:picLocks noChangeAspect="1"/>
-          </p:cNvPicPr>
-          <p:nvPr/>
-        </p:nvPicPr>
-        <p:blipFill>
-          <a:blip r:embed="rId3">
-            <a:extLst>
-              <a:ext uri="{28A0092B-C50C-407E-A947-70E740481C1C}">
-                <a14:useLocalDpi xmlns:a14="http://schemas.microsoft.com/office/drawing/2010/main" val="0"/>
-              </a:ext>
-            </a:extLst>
-          </a:blip>
-          <a:stretch>
-            <a:fillRect/>
-          </a:stretch>
-        </p:blipFill>
-        <p:spPr>
-          <a:xfrm>
-            <a:off x="709053" y="1437696"/>
-            <a:ext cx="466725" cy="409575"/>
-          </a:xfrm>
-          <a:prstGeom prst="rect">
-            <a:avLst/>
-          </a:prstGeom>
-        </p:spPr>
-      </p:pic>
-      <p:pic>
-        <p:nvPicPr>
-          <p:cNvPr id="11" name="Picture 10"/>
-          <p:cNvPicPr>
-            <a:picLocks noChangeAspect="1"/>
-          </p:cNvPicPr>
-          <p:nvPr/>
-        </p:nvPicPr>
-        <p:blipFill rotWithShape="1">
-          <a:blip r:embed="rId4"/>
-          <a:srcRect t="9567"/>
-          <a:stretch/>
-        </p:blipFill>
-        <p:spPr>
-          <a:xfrm>
-            <a:off x="1477989" y="1992477"/>
-            <a:ext cx="6441059" cy="2452204"/>
-          </a:xfrm>
-          <a:prstGeom prst="rect">
-            <a:avLst/>
-          </a:prstGeom>
-        </p:spPr>
-      </p:pic>
-      <p:sp>
-        <p:nvSpPr>
-          <p:cNvPr id="12" name="Title 1"/>
-          <p:cNvSpPr txBox="1">
-            <a:spLocks/>
-          </p:cNvSpPr>
-          <p:nvPr/>
-        </p:nvSpPr>
-        <p:spPr>
-          <a:xfrm>
-            <a:off x="709053" y="5983805"/>
-            <a:ext cx="8047836" cy="496573"/>
-          </a:xfrm>
-          <a:prstGeom prst="rect">
-            <a:avLst/>
-          </a:prstGeom>
-        </p:spPr>
-        <p:txBody>
-          <a:bodyPr/>
-          <a:lstStyle>
-            <a:lvl1pPr algn="l" defTabSz="914400" rtl="0" eaLnBrk="1" latinLnBrk="0" hangingPunct="1">
-              <a:lnSpc>
-                <a:spcPct val="90000"/>
-              </a:lnSpc>
-              <a:spcBef>
-                <a:spcPct val="0"/>
-              </a:spcBef>
-              <a:buNone/>
-              <a:defRPr sz="3200" b="1" kern="1200">
-                <a:solidFill>
-                  <a:srgbClr val="019DD0"/>
-                </a:solidFill>
-                <a:latin typeface="Arial" panose="020B0604020202020204" pitchFamily="34" charset="0"/>
-                <a:ea typeface="+mj-ea"/>
-                <a:cs typeface="Arial" panose="020B0604020202020204" pitchFamily="34" charset="0"/>
-              </a:defRPr>
-            </a:lvl1pPr>
-          </a:lstStyle>
-          <a:p>
-            <a:pPr>
-              <a:lnSpc>
-                <a:spcPct val="100000"/>
-              </a:lnSpc>
-            </a:pPr>
-            <a:r>
-              <a:rPr lang="en-US" sz="2000" b="0" dirty="0" smtClean="0">
-                <a:solidFill>
-                  <a:schemeClr val="tx1">
-                    <a:lumMod val="95000"/>
-                    <a:lumOff val="5000"/>
-                  </a:schemeClr>
-                </a:solidFill>
-                <a:ea typeface="Roboto Condensed" pitchFamily="2" charset="0"/>
-              </a:rPr>
-              <a:t>Bước 3: Copy file .hex vào micro:bit </a:t>
-            </a:r>
-          </a:p>
-        </p:txBody>
-      </p:sp>
-      <p:sp>
-        <p:nvSpPr>
-          <p:cNvPr id="13" name="Rectangle 12"/>
-          <p:cNvSpPr/>
-          <p:nvPr/>
-        </p:nvSpPr>
-        <p:spPr>
-          <a:xfrm>
-            <a:off x="301925" y="1051379"/>
-            <a:ext cx="8454964" cy="27432"/>
-          </a:xfrm>
-          <a:prstGeom prst="rect">
-            <a:avLst/>
-          </a:prstGeom>
-          <a:gradFill flip="none" rotWithShape="1">
-            <a:gsLst>
-              <a:gs pos="15000">
-                <a:srgbClr val="EC5F77"/>
-              </a:gs>
-              <a:gs pos="100000">
-                <a:srgbClr val="A8589E"/>
-              </a:gs>
-            </a:gsLst>
-            <a:lin ang="0" scaled="1"/>
-            <a:tileRect/>
-          </a:gradFill>
-          <a:ln>
-            <a:noFill/>
-          </a:ln>
-        </p:spPr>
-        <p:style>
-          <a:lnRef idx="2">
-            <a:schemeClr val="accent1">
-              <a:shade val="50000"/>
-            </a:schemeClr>
-          </a:lnRef>
-          <a:fillRef idx="1">
-            <a:schemeClr val="accent1"/>
-          </a:fillRef>
-          <a:effectRef idx="0">
-            <a:schemeClr val="accent1"/>
-          </a:effectRef>
-          <a:fontRef idx="minor">
-            <a:schemeClr val="lt1"/>
-          </a:fontRef>
-        </p:style>
-        <p:txBody>
-          <a:bodyPr rtlCol="0" anchor="ctr"/>
-          <a:lstStyle/>
-          <a:p>
-            <a:pPr algn="ctr"/>
-            <a:endParaRPr lang="en-US"/>
-          </a:p>
-        </p:txBody>
-      </p:sp>
-      <p:sp>
-        <p:nvSpPr>
-          <p:cNvPr id="14" name="TextBox 13"/>
-          <p:cNvSpPr txBox="1"/>
-          <p:nvPr/>
-        </p:nvSpPr>
-        <p:spPr>
-          <a:xfrm>
-            <a:off x="248815" y="546584"/>
-            <a:ext cx="7374995" cy="461665"/>
-          </a:xfrm>
-          <a:prstGeom prst="rect">
-            <a:avLst/>
-          </a:prstGeom>
-          <a:noFill/>
-        </p:spPr>
-        <p:txBody>
-          <a:bodyPr wrap="square" rtlCol="0">
-            <a:spAutoFit/>
-          </a:bodyPr>
-          <a:lstStyle/>
-          <a:p>
-            <a:r>
-              <a:rPr lang="en-US" sz="2400" b="1" dirty="0" smtClean="0">
-                <a:solidFill>
-                  <a:srgbClr val="EC5F77"/>
-                </a:solidFill>
-                <a:latin typeface="UTM Helve" panose="02040603050506020204" pitchFamily="18" charset="0"/>
-                <a:ea typeface="Roboto" pitchFamily="2" charset="0"/>
-              </a:rPr>
-              <a:t>13.2 </a:t>
-            </a:r>
-            <a:r>
-              <a:rPr lang="en-US" sz="2400" b="1" dirty="0" smtClean="0">
-                <a:solidFill>
-                  <a:srgbClr val="EC5F77"/>
-                </a:solidFill>
-                <a:latin typeface="UTM Helve" panose="02040603050506020204" pitchFamily="18" charset="0"/>
-                <a:ea typeface="Roboto" pitchFamily="2" charset="0"/>
-              </a:rPr>
-              <a:t>Sử dụng </a:t>
-            </a:r>
-            <a:r>
-              <a:rPr lang="en-US" sz="2400" b="1" dirty="0" smtClean="0">
-                <a:solidFill>
-                  <a:srgbClr val="EC5F77"/>
-                </a:solidFill>
-                <a:latin typeface="UTM Helve" panose="02040603050506020204" pitchFamily="18" charset="0"/>
-                <a:ea typeface="Roboto" pitchFamily="2" charset="0"/>
-              </a:rPr>
-              <a:t>Servor</a:t>
-            </a:r>
-            <a:endParaRPr lang="en-US" sz="2400" b="1" dirty="0">
-              <a:solidFill>
-                <a:srgbClr val="EC5F77"/>
-              </a:solidFill>
-              <a:latin typeface="UTM Helve" panose="02040603050506020204" pitchFamily="18" charset="0"/>
-              <a:ea typeface="Roboto" pitchFamily="2" charset="0"/>
-            </a:endParaRPr>
-          </a:p>
-        </p:txBody>
-      </p:sp>
-    </p:spTree>
-    <p:extLst>
-      <p:ext uri="{BB962C8B-B14F-4D97-AF65-F5344CB8AC3E}">
-        <p14:creationId xmlns:p14="http://schemas.microsoft.com/office/powerpoint/2010/main" val="3773185111"/>
       </p:ext>
     </p:extLst>
   </p:cSld>
@@ -4945,112 +4711,7 @@
       </p:sp>
       <p:sp>
         <p:nvSpPr>
-          <p:cNvPr id="5" name="TextBox 4"/>
-          <p:cNvSpPr txBox="1"/>
-          <p:nvPr/>
-        </p:nvSpPr>
-        <p:spPr>
-          <a:xfrm>
-            <a:off x="1265305" y="1364739"/>
-            <a:ext cx="5649845" cy="461665"/>
-          </a:xfrm>
-          <a:prstGeom prst="rect">
-            <a:avLst/>
-          </a:prstGeom>
-          <a:noFill/>
-        </p:spPr>
-        <p:txBody>
-          <a:bodyPr wrap="square" rtlCol="0">
-            <a:spAutoFit/>
-          </a:bodyPr>
-          <a:lstStyle/>
-          <a:p>
-            <a:r>
-              <a:rPr lang="en-US" sz="2400" b="1" dirty="0" smtClean="0">
-                <a:solidFill>
-                  <a:schemeClr val="tx1">
-                    <a:lumMod val="85000"/>
-                    <a:lumOff val="15000"/>
-                  </a:schemeClr>
-                </a:solidFill>
-                <a:latin typeface="UTM Helve" panose="02040603050506020204" pitchFamily="18" charset="0"/>
-                <a:ea typeface="Roboto" pitchFamily="2" charset="0"/>
-              </a:rPr>
-              <a:t>Giữ an toàn cho micro:bit</a:t>
-            </a:r>
-            <a:endParaRPr lang="en-US" sz="2400" b="1" dirty="0">
-              <a:solidFill>
-                <a:schemeClr val="tx1">
-                  <a:lumMod val="85000"/>
-                  <a:lumOff val="15000"/>
-                </a:schemeClr>
-              </a:solidFill>
-              <a:latin typeface="UTM Helve" panose="02040603050506020204" pitchFamily="18" charset="0"/>
-              <a:ea typeface="Roboto" pitchFamily="2" charset="0"/>
-            </a:endParaRPr>
-          </a:p>
-        </p:txBody>
-      </p:sp>
-      <p:pic>
-        <p:nvPicPr>
-          <p:cNvPr id="6" name="Picture 5"/>
-          <p:cNvPicPr>
-            <a:picLocks noChangeAspect="1"/>
-          </p:cNvPicPr>
-          <p:nvPr/>
-        </p:nvPicPr>
-        <p:blipFill>
-          <a:blip r:embed="rId2">
-            <a:extLst>
-              <a:ext uri="{28A0092B-C50C-407E-A947-70E740481C1C}">
-                <a14:useLocalDpi xmlns:a14="http://schemas.microsoft.com/office/drawing/2010/main" val="0"/>
-              </a:ext>
-            </a:extLst>
-          </a:blip>
-          <a:stretch>
-            <a:fillRect/>
-          </a:stretch>
-        </p:blipFill>
-        <p:spPr>
-          <a:xfrm>
-            <a:off x="709053" y="1437696"/>
-            <a:ext cx="466725" cy="409575"/>
-          </a:xfrm>
-          <a:prstGeom prst="rect">
-            <a:avLst/>
-          </a:prstGeom>
-        </p:spPr>
-      </p:pic>
-      <p:pic>
-        <p:nvPicPr>
-          <p:cNvPr id="7" name="Google Shape;149;p5"/>
-          <p:cNvPicPr preferRelativeResize="0"/>
-          <p:nvPr/>
-        </p:nvPicPr>
-        <p:blipFill rotWithShape="1">
-          <a:blip r:embed="rId3">
-            <a:alphaModFix/>
-          </a:blip>
-          <a:srcRect/>
-          <a:stretch/>
-        </p:blipFill>
-        <p:spPr>
-          <a:xfrm>
-            <a:off x="804690" y="2535250"/>
-            <a:ext cx="3206517" cy="3182856"/>
-          </a:xfrm>
-          <a:prstGeom prst="rect">
-            <a:avLst/>
-          </a:prstGeom>
-          <a:noFill/>
-          <a:ln>
-            <a:noFill/>
-          </a:ln>
-        </p:spPr>
-      </p:pic>
-      <p:sp>
-        <p:nvSpPr>
-          <p:cNvPr id="8" name="Title 1"/>
+          <p:cNvPr id="3" name="Title 1"/>
           <p:cNvSpPr txBox="1">
             <a:spLocks/>
           </p:cNvSpPr>
@@ -5058,8 +4719,8 @@
         </p:nvSpPr>
         <p:spPr>
           <a:xfrm>
-            <a:off x="4261791" y="2490360"/>
-            <a:ext cx="4253559" cy="3227746"/>
+            <a:off x="709053" y="4862785"/>
+            <a:ext cx="5644503" cy="508846"/>
           </a:xfrm>
           <a:prstGeom prst="rect">
             <a:avLst/>
@@ -5087,15 +4748,13 @@
             </a:lvl1pPr>
           </a:lstStyle>
           <a:p>
-            <a:pPr marL="342900" indent="-342900">
+            <a:pPr>
               <a:lnSpc>
                 <a:spcPct val="100000"/>
               </a:lnSpc>
-              <a:buFont typeface="Arial" panose="020B0604020202020204" pitchFamily="34" charset="0"/>
-              <a:buChar char="•"/>
             </a:pPr>
             <a:r>
-              <a:rPr lang="en-US" sz="2400" b="0" dirty="0">
+              <a:rPr lang="en-US" sz="2000" b="0" dirty="0" smtClean="0">
                 <a:solidFill>
                   <a:schemeClr val="tx1">
                     <a:lumMod val="95000"/>
@@ -5104,51 +4763,81 @@
                 </a:solidFill>
                 <a:ea typeface="Roboto Condensed" pitchFamily="2" charset="0"/>
               </a:rPr>
-              <a:t>Cầm micro:bit cẩn thận ở các </a:t>
-            </a:r>
-            <a:r>
-              <a:rPr lang="en-US" sz="2400" b="0" dirty="0" smtClean="0">
-                <a:solidFill>
-                  <a:schemeClr val="tx1">
-                    <a:lumMod val="95000"/>
-                    <a:lumOff val="5000"/>
-                  </a:schemeClr>
-                </a:solidFill>
-                <a:ea typeface="Roboto Condensed" pitchFamily="2" charset="0"/>
-              </a:rPr>
-              <a:t>cạnh</a:t>
-            </a:r>
-            <a:br>
-              <a:rPr lang="en-US" sz="2400" b="0" dirty="0" smtClean="0">
-                <a:solidFill>
-                  <a:schemeClr val="tx1">
-                    <a:lumMod val="95000"/>
-                    <a:lumOff val="5000"/>
-                  </a:schemeClr>
-                </a:solidFill>
-                <a:ea typeface="Roboto Condensed" pitchFamily="2" charset="0"/>
-              </a:rPr>
-            </a:br>
-            <a:endParaRPr lang="en-US" sz="2400" b="0" dirty="0" smtClean="0">
-              <a:solidFill>
-                <a:schemeClr val="tx1">
-                  <a:lumMod val="95000"/>
-                  <a:lumOff val="5000"/>
-                </a:schemeClr>
-              </a:solidFill>
-              <a:ea typeface="Roboto Condensed" pitchFamily="2" charset="0"/>
-            </a:endParaRPr>
-          </a:p>
-          <a:p>
-            <a:pPr marL="342900" indent="-342900">
+              <a:t>Bước 1: Click Download tải file về máy tính</a:t>
+            </a:r>
+          </a:p>
+        </p:txBody>
+      </p:sp>
+      <p:pic>
+        <p:nvPicPr>
+          <p:cNvPr id="4" name="Picture 3"/>
+          <p:cNvPicPr>
+            <a:picLocks noChangeAspect="1"/>
+          </p:cNvPicPr>
+          <p:nvPr/>
+        </p:nvPicPr>
+        <p:blipFill>
+          <a:blip r:embed="rId2"/>
+          <a:stretch>
+            <a:fillRect/>
+          </a:stretch>
+        </p:blipFill>
+        <p:spPr>
+          <a:xfrm>
+            <a:off x="5743928" y="4822111"/>
+            <a:ext cx="2909512" cy="456394"/>
+          </a:xfrm>
+          <a:prstGeom prst="rect">
+            <a:avLst/>
+          </a:prstGeom>
+        </p:spPr>
+      </p:pic>
+      <p:sp>
+        <p:nvSpPr>
+          <p:cNvPr id="5" name="Title 1"/>
+          <p:cNvSpPr txBox="1">
+            <a:spLocks/>
+          </p:cNvSpPr>
+          <p:nvPr/>
+        </p:nvSpPr>
+        <p:spPr>
+          <a:xfrm>
+            <a:off x="709053" y="5412305"/>
+            <a:ext cx="8047836" cy="496573"/>
+          </a:xfrm>
+          <a:prstGeom prst="rect">
+            <a:avLst/>
+          </a:prstGeom>
+        </p:spPr>
+        <p:txBody>
+          <a:bodyPr/>
+          <a:lstStyle>
+            <a:lvl1pPr algn="l" defTabSz="914400" rtl="0" eaLnBrk="1" latinLnBrk="0" hangingPunct="1">
+              <a:lnSpc>
+                <a:spcPct val="90000"/>
+              </a:lnSpc>
+              <a:spcBef>
+                <a:spcPct val="0"/>
+              </a:spcBef>
+              <a:buNone/>
+              <a:defRPr sz="3200" b="1" kern="1200">
+                <a:solidFill>
+                  <a:srgbClr val="019DD0"/>
+                </a:solidFill>
+                <a:latin typeface="Arial" panose="020B0604020202020204" pitchFamily="34" charset="0"/>
+                <a:ea typeface="+mj-ea"/>
+                <a:cs typeface="Arial" panose="020B0604020202020204" pitchFamily="34" charset="0"/>
+              </a:defRPr>
+            </a:lvl1pPr>
+          </a:lstStyle>
+          <a:p>
+            <a:pPr>
               <a:lnSpc>
                 <a:spcPct val="100000"/>
               </a:lnSpc>
-              <a:buFont typeface="Arial" panose="020B0604020202020204" pitchFamily="34" charset="0"/>
-              <a:buChar char="•"/>
             </a:pPr>
             <a:r>
-              <a:rPr lang="en-US" sz="2400" b="0" dirty="0" smtClean="0">
+              <a:rPr lang="en-US" sz="2000" b="0" dirty="0" smtClean="0">
                 <a:solidFill>
                   <a:schemeClr val="tx1">
                     <a:lumMod val="95000"/>
@@ -5157,39 +4846,158 @@
                 </a:solidFill>
                 <a:ea typeface="Roboto Condensed" pitchFamily="2" charset="0"/>
               </a:rPr>
-              <a:t>Tránh chạm vào các bộ phận</a:t>
-            </a:r>
-            <a:br>
-              <a:rPr lang="en-US" sz="2400" b="0" dirty="0" smtClean="0">
-                <a:solidFill>
-                  <a:schemeClr val="tx1">
-                    <a:lumMod val="95000"/>
-                    <a:lumOff val="5000"/>
-                  </a:schemeClr>
-                </a:solidFill>
-                <a:ea typeface="Roboto Condensed" pitchFamily="2" charset="0"/>
-              </a:rPr>
-            </a:br>
-            <a:endParaRPr lang="en-US" sz="2400" b="0" dirty="0" smtClean="0">
+              <a:t>Bước 2: Gắn đầu USB vào máy tính, đầu micro USB vào micro:bit </a:t>
+            </a:r>
+          </a:p>
+        </p:txBody>
+      </p:sp>
+      <p:sp>
+        <p:nvSpPr>
+          <p:cNvPr id="8" name="TextBox 7"/>
+          <p:cNvSpPr txBox="1"/>
+          <p:nvPr/>
+        </p:nvSpPr>
+        <p:spPr>
+          <a:xfrm>
+            <a:off x="1265305" y="1364739"/>
+            <a:ext cx="5649845" cy="461665"/>
+          </a:xfrm>
+          <a:prstGeom prst="rect">
+            <a:avLst/>
+          </a:prstGeom>
+          <a:noFill/>
+        </p:spPr>
+        <p:txBody>
+          <a:bodyPr wrap="square" rtlCol="0">
+            <a:spAutoFit/>
+          </a:bodyPr>
+          <a:lstStyle/>
+          <a:p>
+            <a:r>
+              <a:rPr lang="en-US" sz="2400" b="1" dirty="0" smtClean="0">
+                <a:solidFill>
+                  <a:schemeClr val="tx1">
+                    <a:lumMod val="85000"/>
+                    <a:lumOff val="15000"/>
+                  </a:schemeClr>
+                </a:solidFill>
+                <a:latin typeface="UTM Helve" panose="02040603050506020204" pitchFamily="18" charset="0"/>
+                <a:ea typeface="Roboto" pitchFamily="2" charset="0"/>
+              </a:rPr>
+              <a:t>Đưa chương trình vào micro:bit</a:t>
+            </a:r>
+            <a:endParaRPr lang="en-US" sz="2400" b="1" dirty="0">
               <a:solidFill>
                 <a:schemeClr val="tx1">
-                  <a:lumMod val="95000"/>
-                  <a:lumOff val="5000"/>
+                  <a:lumMod val="85000"/>
+                  <a:lumOff val="15000"/>
                 </a:schemeClr>
               </a:solidFill>
-              <a:ea typeface="Roboto Condensed" pitchFamily="2" charset="0"/>
+              <a:latin typeface="UTM Helve" panose="02040603050506020204" pitchFamily="18" charset="0"/>
+              <a:ea typeface="Roboto" pitchFamily="2" charset="0"/>
             </a:endParaRPr>
           </a:p>
-          <a:p>
-            <a:pPr marL="342900" indent="-342900">
+        </p:txBody>
+      </p:sp>
+      <p:pic>
+        <p:nvPicPr>
+          <p:cNvPr id="9" name="Picture 8"/>
+          <p:cNvPicPr>
+            <a:picLocks noChangeAspect="1"/>
+          </p:cNvPicPr>
+          <p:nvPr/>
+        </p:nvPicPr>
+        <p:blipFill>
+          <a:blip r:embed="rId3">
+            <a:extLst>
+              <a:ext uri="{28A0092B-C50C-407E-A947-70E740481C1C}">
+                <a14:useLocalDpi xmlns:a14="http://schemas.microsoft.com/office/drawing/2010/main" val="0"/>
+              </a:ext>
+            </a:extLst>
+          </a:blip>
+          <a:stretch>
+            <a:fillRect/>
+          </a:stretch>
+        </p:blipFill>
+        <p:spPr>
+          <a:xfrm>
+            <a:off x="709053" y="1437696"/>
+            <a:ext cx="466725" cy="409575"/>
+          </a:xfrm>
+          <a:prstGeom prst="rect">
+            <a:avLst/>
+          </a:prstGeom>
+        </p:spPr>
+      </p:pic>
+      <p:pic>
+        <p:nvPicPr>
+          <p:cNvPr id="11" name="Picture 10"/>
+          <p:cNvPicPr>
+            <a:picLocks noChangeAspect="1"/>
+          </p:cNvPicPr>
+          <p:nvPr/>
+        </p:nvPicPr>
+        <p:blipFill rotWithShape="1">
+          <a:blip r:embed="rId4"/>
+          <a:srcRect t="9567"/>
+          <a:stretch/>
+        </p:blipFill>
+        <p:spPr>
+          <a:xfrm>
+            <a:off x="1477989" y="1992477"/>
+            <a:ext cx="6441059" cy="2452204"/>
+          </a:xfrm>
+          <a:prstGeom prst="rect">
+            <a:avLst/>
+          </a:prstGeom>
+        </p:spPr>
+      </p:pic>
+      <p:sp>
+        <p:nvSpPr>
+          <p:cNvPr id="12" name="Title 1"/>
+          <p:cNvSpPr txBox="1">
+            <a:spLocks/>
+          </p:cNvSpPr>
+          <p:nvPr/>
+        </p:nvSpPr>
+        <p:spPr>
+          <a:xfrm>
+            <a:off x="709053" y="5983805"/>
+            <a:ext cx="8047836" cy="496573"/>
+          </a:xfrm>
+          <a:prstGeom prst="rect">
+            <a:avLst/>
+          </a:prstGeom>
+        </p:spPr>
+        <p:txBody>
+          <a:bodyPr/>
+          <a:lstStyle>
+            <a:lvl1pPr algn="l" defTabSz="914400" rtl="0" eaLnBrk="1" latinLnBrk="0" hangingPunct="1">
+              <a:lnSpc>
+                <a:spcPct val="90000"/>
+              </a:lnSpc>
+              <a:spcBef>
+                <a:spcPct val="0"/>
+              </a:spcBef>
+              <a:buNone/>
+              <a:defRPr sz="3200" b="1" kern="1200">
+                <a:solidFill>
+                  <a:srgbClr val="019DD0"/>
+                </a:solidFill>
+                <a:latin typeface="Arial" panose="020B0604020202020204" pitchFamily="34" charset="0"/>
+                <a:ea typeface="+mj-ea"/>
+                <a:cs typeface="Arial" panose="020B0604020202020204" pitchFamily="34" charset="0"/>
+              </a:defRPr>
+            </a:lvl1pPr>
+          </a:lstStyle>
+          <a:p>
+            <a:pPr>
               <a:lnSpc>
                 <a:spcPct val="100000"/>
               </a:lnSpc>
-              <a:buFont typeface="Arial" panose="020B0604020202020204" pitchFamily="34" charset="0"/>
-              <a:buChar char="•"/>
             </a:pPr>
             <a:r>
-              <a:rPr lang="en-US" sz="2400" b="0" dirty="0" smtClean="0">
+              <a:rPr lang="en-US" sz="2000" b="0" dirty="0" smtClean="0">
                 <a:solidFill>
                   <a:schemeClr val="tx1">
                     <a:lumMod val="95000"/>
@@ -5198,14 +5006,14 @@
                 </a:solidFill>
                 <a:ea typeface="Roboto Condensed" pitchFamily="2" charset="0"/>
               </a:rPr>
-              <a:t>Tránh xa micro:bit khỏi nước</a:t>
-            </a:r>
-          </a:p>
-        </p:txBody>
-      </p:sp>
-      <p:sp>
-        <p:nvSpPr>
-          <p:cNvPr id="9" name="Rectangle 8"/>
+              <a:t>Bước 3: Copy file .hex vào micro:bit </a:t>
+            </a:r>
+          </a:p>
+        </p:txBody>
+      </p:sp>
+      <p:sp>
+        <p:nvSpPr>
+          <p:cNvPr id="13" name="Rectangle 12"/>
           <p:cNvSpPr/>
           <p:nvPr/>
         </p:nvSpPr>
@@ -5260,7 +5068,7 @@
       </p:sp>
       <p:sp>
         <p:nvSpPr>
-          <p:cNvPr id="10" name="TextBox 9"/>
+          <p:cNvPr id="14" name="TextBox 13"/>
           <p:cNvSpPr txBox="1"/>
           <p:nvPr/>
         </p:nvSpPr>
@@ -5288,27 +5096,7 @@
                 <a:latin typeface="UTM Helve" panose="02040603050506020204" pitchFamily="18" charset="0"/>
                 <a:ea typeface="Roboto" pitchFamily="2" charset="0"/>
               </a:rPr>
-              <a:t>13.2 </a:t>
-            </a:r>
-            <a:r>
-              <a:rPr lang="en-US" sz="2400" b="1" dirty="0" smtClean="0">
-                <a:solidFill>
-                  <a:srgbClr val="EC5F77"/>
-                </a:solidFill>
-                <a:latin typeface="UTM Helve" panose="02040603050506020204" pitchFamily="18" charset="0"/>
-                <a:ea typeface="Roboto" pitchFamily="2" charset="0"/>
-              </a:rPr>
-              <a:t>Sử dụng </a:t>
-            </a:r>
-            <a:r>
-              <a:rPr lang="en-US" sz="2400" b="1" dirty="0" smtClean="0">
-                <a:solidFill>
-                  <a:srgbClr val="EC5F77"/>
-                </a:solidFill>
-                <a:latin typeface="UTM Helve" panose="02040603050506020204" pitchFamily="18" charset="0"/>
-                <a:ea typeface="Roboto" pitchFamily="2" charset="0"/>
-              </a:rPr>
-              <a:t>Servor</a:t>
+              <a:t>13.2 Sử dụng Servor</a:t>
             </a:r>
             <a:endParaRPr lang="en-US" sz="2400" b="1" dirty="0">
               <a:solidFill>
@@ -5323,7 +5111,7 @@
     </p:spTree>
     <p:extLst>
       <p:ext uri="{BB962C8B-B14F-4D97-AF65-F5344CB8AC3E}">
-        <p14:creationId xmlns:p14="http://schemas.microsoft.com/office/powerpoint/2010/main" val="2800974292"/>
+        <p14:creationId xmlns:p14="http://schemas.microsoft.com/office/powerpoint/2010/main" val="3773185111"/>
       </p:ext>
     </p:extLst>
   </p:cSld>
@@ -5376,7 +5164,267 @@
       </p:sp>
       <p:sp>
         <p:nvSpPr>
-          <p:cNvPr id="3" name="Rectangle 2"/>
+          <p:cNvPr id="5" name="TextBox 4"/>
+          <p:cNvSpPr txBox="1"/>
+          <p:nvPr/>
+        </p:nvSpPr>
+        <p:spPr>
+          <a:xfrm>
+            <a:off x="1265305" y="1364739"/>
+            <a:ext cx="5649845" cy="461665"/>
+          </a:xfrm>
+          <a:prstGeom prst="rect">
+            <a:avLst/>
+          </a:prstGeom>
+          <a:noFill/>
+        </p:spPr>
+        <p:txBody>
+          <a:bodyPr wrap="square" rtlCol="0">
+            <a:spAutoFit/>
+          </a:bodyPr>
+          <a:lstStyle/>
+          <a:p>
+            <a:r>
+              <a:rPr lang="en-US" sz="2400" b="1" dirty="0" smtClean="0">
+                <a:solidFill>
+                  <a:schemeClr val="tx1">
+                    <a:lumMod val="85000"/>
+                    <a:lumOff val="15000"/>
+                  </a:schemeClr>
+                </a:solidFill>
+                <a:latin typeface="UTM Helve" panose="02040603050506020204" pitchFamily="18" charset="0"/>
+                <a:ea typeface="Roboto" pitchFamily="2" charset="0"/>
+              </a:rPr>
+              <a:t>Giữ an toàn cho micro:bit</a:t>
+            </a:r>
+            <a:endParaRPr lang="en-US" sz="2400" b="1" dirty="0">
+              <a:solidFill>
+                <a:schemeClr val="tx1">
+                  <a:lumMod val="85000"/>
+                  <a:lumOff val="15000"/>
+                </a:schemeClr>
+              </a:solidFill>
+              <a:latin typeface="UTM Helve" panose="02040603050506020204" pitchFamily="18" charset="0"/>
+              <a:ea typeface="Roboto" pitchFamily="2" charset="0"/>
+            </a:endParaRPr>
+          </a:p>
+        </p:txBody>
+      </p:sp>
+      <p:pic>
+        <p:nvPicPr>
+          <p:cNvPr id="6" name="Picture 5"/>
+          <p:cNvPicPr>
+            <a:picLocks noChangeAspect="1"/>
+          </p:cNvPicPr>
+          <p:nvPr/>
+        </p:nvPicPr>
+        <p:blipFill>
+          <a:blip r:embed="rId2">
+            <a:extLst>
+              <a:ext uri="{28A0092B-C50C-407E-A947-70E740481C1C}">
+                <a14:useLocalDpi xmlns:a14="http://schemas.microsoft.com/office/drawing/2010/main" val="0"/>
+              </a:ext>
+            </a:extLst>
+          </a:blip>
+          <a:stretch>
+            <a:fillRect/>
+          </a:stretch>
+        </p:blipFill>
+        <p:spPr>
+          <a:xfrm>
+            <a:off x="709053" y="1437696"/>
+            <a:ext cx="466725" cy="409575"/>
+          </a:xfrm>
+          <a:prstGeom prst="rect">
+            <a:avLst/>
+          </a:prstGeom>
+        </p:spPr>
+      </p:pic>
+      <p:pic>
+        <p:nvPicPr>
+          <p:cNvPr id="7" name="Google Shape;149;p5"/>
+          <p:cNvPicPr preferRelativeResize="0"/>
+          <p:nvPr/>
+        </p:nvPicPr>
+        <p:blipFill rotWithShape="1">
+          <a:blip r:embed="rId3">
+            <a:alphaModFix/>
+          </a:blip>
+          <a:srcRect/>
+          <a:stretch/>
+        </p:blipFill>
+        <p:spPr>
+          <a:xfrm>
+            <a:off x="804690" y="2535250"/>
+            <a:ext cx="3206517" cy="3182856"/>
+          </a:xfrm>
+          <a:prstGeom prst="rect">
+            <a:avLst/>
+          </a:prstGeom>
+          <a:noFill/>
+          <a:ln>
+            <a:noFill/>
+          </a:ln>
+        </p:spPr>
+      </p:pic>
+      <p:sp>
+        <p:nvSpPr>
+          <p:cNvPr id="8" name="Title 1"/>
+          <p:cNvSpPr txBox="1">
+            <a:spLocks/>
+          </p:cNvSpPr>
+          <p:nvPr/>
+        </p:nvSpPr>
+        <p:spPr>
+          <a:xfrm>
+            <a:off x="4261791" y="2490360"/>
+            <a:ext cx="4253559" cy="3227746"/>
+          </a:xfrm>
+          <a:prstGeom prst="rect">
+            <a:avLst/>
+          </a:prstGeom>
+        </p:spPr>
+        <p:txBody>
+          <a:bodyPr/>
+          <a:lstStyle>
+            <a:lvl1pPr algn="l" defTabSz="914400" rtl="0" eaLnBrk="1" latinLnBrk="0" hangingPunct="1">
+              <a:lnSpc>
+                <a:spcPct val="90000"/>
+              </a:lnSpc>
+              <a:spcBef>
+                <a:spcPct val="0"/>
+              </a:spcBef>
+              <a:buNone/>
+              <a:defRPr sz="3200" b="1" kern="1200">
+                <a:solidFill>
+                  <a:srgbClr val="019DD0"/>
+                </a:solidFill>
+                <a:latin typeface="Arial" panose="020B0604020202020204" pitchFamily="34" charset="0"/>
+                <a:ea typeface="+mj-ea"/>
+                <a:cs typeface="Arial" panose="020B0604020202020204" pitchFamily="34" charset="0"/>
+              </a:defRPr>
+            </a:lvl1pPr>
+          </a:lstStyle>
+          <a:p>
+            <a:pPr marL="342900" indent="-342900">
+              <a:lnSpc>
+                <a:spcPct val="100000"/>
+              </a:lnSpc>
+              <a:buFont typeface="Arial" panose="020B0604020202020204" pitchFamily="34" charset="0"/>
+              <a:buChar char="•"/>
+            </a:pPr>
+            <a:r>
+              <a:rPr lang="en-US" sz="2400" b="0" dirty="0">
+                <a:solidFill>
+                  <a:schemeClr val="tx1">
+                    <a:lumMod val="95000"/>
+                    <a:lumOff val="5000"/>
+                  </a:schemeClr>
+                </a:solidFill>
+                <a:ea typeface="Roboto Condensed" pitchFamily="2" charset="0"/>
+              </a:rPr>
+              <a:t>Cầm micro:bit cẩn thận ở các </a:t>
+            </a:r>
+            <a:r>
+              <a:rPr lang="en-US" sz="2400" b="0" dirty="0" smtClean="0">
+                <a:solidFill>
+                  <a:schemeClr val="tx1">
+                    <a:lumMod val="95000"/>
+                    <a:lumOff val="5000"/>
+                  </a:schemeClr>
+                </a:solidFill>
+                <a:ea typeface="Roboto Condensed" pitchFamily="2" charset="0"/>
+              </a:rPr>
+              <a:t>cạnh</a:t>
+            </a:r>
+            <a:br>
+              <a:rPr lang="en-US" sz="2400" b="0" dirty="0" smtClean="0">
+                <a:solidFill>
+                  <a:schemeClr val="tx1">
+                    <a:lumMod val="95000"/>
+                    <a:lumOff val="5000"/>
+                  </a:schemeClr>
+                </a:solidFill>
+                <a:ea typeface="Roboto Condensed" pitchFamily="2" charset="0"/>
+              </a:rPr>
+            </a:br>
+            <a:endParaRPr lang="en-US" sz="2400" b="0" dirty="0" smtClean="0">
+              <a:solidFill>
+                <a:schemeClr val="tx1">
+                  <a:lumMod val="95000"/>
+                  <a:lumOff val="5000"/>
+                </a:schemeClr>
+              </a:solidFill>
+              <a:ea typeface="Roboto Condensed" pitchFamily="2" charset="0"/>
+            </a:endParaRPr>
+          </a:p>
+          <a:p>
+            <a:pPr marL="342900" indent="-342900">
+              <a:lnSpc>
+                <a:spcPct val="100000"/>
+              </a:lnSpc>
+              <a:buFont typeface="Arial" panose="020B0604020202020204" pitchFamily="34" charset="0"/>
+              <a:buChar char="•"/>
+            </a:pPr>
+            <a:r>
+              <a:rPr lang="en-US" sz="2400" b="0" dirty="0" smtClean="0">
+                <a:solidFill>
+                  <a:schemeClr val="tx1">
+                    <a:lumMod val="95000"/>
+                    <a:lumOff val="5000"/>
+                  </a:schemeClr>
+                </a:solidFill>
+                <a:ea typeface="Roboto Condensed" pitchFamily="2" charset="0"/>
+              </a:rPr>
+              <a:t>Tránh chạm vào các bộ phận</a:t>
+            </a:r>
+            <a:br>
+              <a:rPr lang="en-US" sz="2400" b="0" dirty="0" smtClean="0">
+                <a:solidFill>
+                  <a:schemeClr val="tx1">
+                    <a:lumMod val="95000"/>
+                    <a:lumOff val="5000"/>
+                  </a:schemeClr>
+                </a:solidFill>
+                <a:ea typeface="Roboto Condensed" pitchFamily="2" charset="0"/>
+              </a:rPr>
+            </a:br>
+            <a:endParaRPr lang="en-US" sz="2400" b="0" dirty="0" smtClean="0">
+              <a:solidFill>
+                <a:schemeClr val="tx1">
+                  <a:lumMod val="95000"/>
+                  <a:lumOff val="5000"/>
+                </a:schemeClr>
+              </a:solidFill>
+              <a:ea typeface="Roboto Condensed" pitchFamily="2" charset="0"/>
+            </a:endParaRPr>
+          </a:p>
+          <a:p>
+            <a:pPr marL="342900" indent="-342900">
+              <a:lnSpc>
+                <a:spcPct val="100000"/>
+              </a:lnSpc>
+              <a:buFont typeface="Arial" panose="020B0604020202020204" pitchFamily="34" charset="0"/>
+              <a:buChar char="•"/>
+            </a:pPr>
+            <a:r>
+              <a:rPr lang="en-US" sz="2400" b="0" dirty="0" smtClean="0">
+                <a:solidFill>
+                  <a:schemeClr val="tx1">
+                    <a:lumMod val="95000"/>
+                    <a:lumOff val="5000"/>
+                  </a:schemeClr>
+                </a:solidFill>
+                <a:ea typeface="Roboto Condensed" pitchFamily="2" charset="0"/>
+              </a:rPr>
+              <a:t>Tránh xa micro:bit khỏi nước</a:t>
+            </a:r>
+          </a:p>
+        </p:txBody>
+      </p:sp>
+      <p:sp>
+        <p:nvSpPr>
+          <p:cNvPr id="9" name="Rectangle 8"/>
           <p:cNvSpPr/>
           <p:nvPr/>
         </p:nvSpPr>
@@ -5431,7 +5479,7 @@
       </p:sp>
       <p:sp>
         <p:nvSpPr>
-          <p:cNvPr id="4" name="TextBox 3"/>
+          <p:cNvPr id="10" name="TextBox 9"/>
           <p:cNvSpPr txBox="1"/>
           <p:nvPr/>
         </p:nvSpPr>
@@ -5459,72 +5507,11 @@
                 <a:latin typeface="UTM Helve" panose="02040603050506020204" pitchFamily="18" charset="0"/>
                 <a:ea typeface="Roboto" pitchFamily="2" charset="0"/>
               </a:rPr>
-              <a:t>13.4 </a:t>
-            </a:r>
-            <a:r>
-              <a:rPr lang="en-US" sz="2400" b="1" dirty="0" smtClean="0">
-                <a:solidFill>
-                  <a:srgbClr val="EC5F77"/>
-                </a:solidFill>
-                <a:latin typeface="UTM Helve" panose="02040603050506020204" pitchFamily="18" charset="0"/>
-                <a:ea typeface="Roboto" pitchFamily="2" charset="0"/>
-              </a:rPr>
-              <a:t>Hoạt </a:t>
-            </a:r>
-            <a:r>
-              <a:rPr lang="en-US" sz="2400" b="1" dirty="0">
-                <a:solidFill>
-                  <a:srgbClr val="EC5F77"/>
-                </a:solidFill>
-                <a:latin typeface="UTM Helve" panose="02040603050506020204" pitchFamily="18" charset="0"/>
-                <a:ea typeface="Roboto" pitchFamily="2" charset="0"/>
-              </a:rPr>
-              <a:t>động học viên</a:t>
-            </a:r>
-          </a:p>
-        </p:txBody>
-      </p:sp>
-      <p:sp>
-        <p:nvSpPr>
-          <p:cNvPr id="7" name="TextBox 6"/>
-          <p:cNvSpPr txBox="1"/>
-          <p:nvPr/>
-        </p:nvSpPr>
-        <p:spPr>
-          <a:xfrm>
-            <a:off x="1098981" y="1272143"/>
-            <a:ext cx="4007624" cy="461665"/>
-          </a:xfrm>
-          <a:prstGeom prst="rect">
-            <a:avLst/>
-          </a:prstGeom>
-          <a:noFill/>
-        </p:spPr>
-        <p:txBody>
-          <a:bodyPr wrap="square" rtlCol="0">
-            <a:spAutoFit/>
-          </a:bodyPr>
-          <a:lstStyle/>
-          <a:p>
-            <a:r>
-              <a:rPr lang="en-US" sz="2400" b="1" dirty="0" smtClean="0">
-                <a:solidFill>
-                  <a:schemeClr val="tx1">
-                    <a:lumMod val="85000"/>
-                    <a:lumOff val="15000"/>
-                  </a:schemeClr>
-                </a:solidFill>
-                <a:latin typeface="UTM Helve" panose="02040603050506020204" pitchFamily="18" charset="0"/>
-                <a:ea typeface="Roboto" pitchFamily="2" charset="0"/>
-              </a:rPr>
-              <a:t>Xe cảnh sát zoom:bit</a:t>
+              <a:t>13.2 Sử dụng Servor</a:t>
             </a:r>
             <a:endParaRPr lang="en-US" sz="2400" b="1" dirty="0">
               <a:solidFill>
-                <a:schemeClr val="tx1">
-                  <a:lumMod val="85000"/>
-                  <a:lumOff val="15000"/>
-                </a:schemeClr>
+                <a:srgbClr val="EC5F77"/>
               </a:solidFill>
               <a:latin typeface="UTM Helve" panose="02040603050506020204" pitchFamily="18" charset="0"/>
               <a:ea typeface="Roboto" pitchFamily="2" charset="0"/>
@@ -5532,1154 +5519,10 @@
           </a:p>
         </p:txBody>
       </p:sp>
-      <p:pic>
-        <p:nvPicPr>
-          <p:cNvPr id="8" name="Picture 7"/>
-          <p:cNvPicPr>
-            <a:picLocks noChangeAspect="1"/>
-          </p:cNvPicPr>
-          <p:nvPr/>
-        </p:nvPicPr>
-        <p:blipFill>
-          <a:blip r:embed="rId2">
-            <a:extLst>
-              <a:ext uri="{28A0092B-C50C-407E-A947-70E740481C1C}">
-                <a14:useLocalDpi xmlns:a14="http://schemas.microsoft.com/office/drawing/2010/main" val="0"/>
-              </a:ext>
-            </a:extLst>
-          </a:blip>
-          <a:stretch>
-            <a:fillRect/>
-          </a:stretch>
-        </p:blipFill>
-        <p:spPr>
-          <a:xfrm>
-            <a:off x="542728" y="1345100"/>
-            <a:ext cx="466725" cy="409575"/>
-          </a:xfrm>
-          <a:prstGeom prst="rect">
-            <a:avLst/>
-          </a:prstGeom>
-        </p:spPr>
-      </p:pic>
-      <p:sp>
-        <p:nvSpPr>
-          <p:cNvPr id="11" name="Rectangle 10"/>
-          <p:cNvSpPr/>
-          <p:nvPr/>
-        </p:nvSpPr>
-        <p:spPr>
-          <a:xfrm>
-            <a:off x="418918" y="1761309"/>
-            <a:ext cx="8605811" cy="369332"/>
-          </a:xfrm>
-          <a:prstGeom prst="rect">
-            <a:avLst/>
-          </a:prstGeom>
-        </p:spPr>
-        <p:txBody>
-          <a:bodyPr wrap="square">
-            <a:spAutoFit/>
-          </a:bodyPr>
-          <a:lstStyle/>
-          <a:p>
-            <a:r>
-              <a:rPr lang="en-US" dirty="0" smtClean="0"/>
-              <a:t>Sử dụng zoom:bit giả làm một xe cảnh sát với yêu cầu chương trình như sau:</a:t>
-            </a:r>
-            <a:endParaRPr lang="en-US" dirty="0" smtClean="0"/>
-          </a:p>
-        </p:txBody>
-      </p:sp>
-      <p:sp>
-        <p:nvSpPr>
-          <p:cNvPr id="19" name="Title 1"/>
-          <p:cNvSpPr txBox="1">
-            <a:spLocks/>
-          </p:cNvSpPr>
-          <p:nvPr/>
-        </p:nvSpPr>
-        <p:spPr>
-          <a:xfrm>
-            <a:off x="770775" y="2203380"/>
-            <a:ext cx="7790129" cy="772904"/>
-          </a:xfrm>
-          <a:prstGeom prst="rect">
-            <a:avLst/>
-          </a:prstGeom>
-        </p:spPr>
-        <p:txBody>
-          <a:bodyPr/>
-          <a:lstStyle>
-            <a:lvl1pPr algn="l" defTabSz="914400" rtl="0" eaLnBrk="1" latinLnBrk="0" hangingPunct="1">
-              <a:lnSpc>
-                <a:spcPct val="90000"/>
-              </a:lnSpc>
-              <a:spcBef>
-                <a:spcPct val="0"/>
-              </a:spcBef>
-              <a:buNone/>
-              <a:defRPr sz="3200" b="1" kern="1200">
-                <a:solidFill>
-                  <a:srgbClr val="019DD0"/>
-                </a:solidFill>
-                <a:latin typeface="Arial" panose="020B0604020202020204" pitchFamily="34" charset="0"/>
-                <a:ea typeface="+mj-ea"/>
-                <a:cs typeface="Arial" panose="020B0604020202020204" pitchFamily="34" charset="0"/>
-              </a:defRPr>
-            </a:lvl1pPr>
-          </a:lstStyle>
-          <a:p>
-            <a:pPr>
-              <a:lnSpc>
-                <a:spcPct val="100000"/>
-              </a:lnSpc>
-            </a:pPr>
-            <a:r>
-              <a:rPr lang="vi-VN" sz="2000" b="0" dirty="0">
-                <a:solidFill>
-                  <a:schemeClr val="tx1">
-                    <a:lumMod val="95000"/>
-                    <a:lumOff val="5000"/>
-                  </a:schemeClr>
-                </a:solidFill>
-                <a:ea typeface="Roboto Condensed" pitchFamily="2" charset="0"/>
-              </a:rPr>
-              <a:t>Khởi động lên thì cho Servo xoay đầu phía trước, </a:t>
-            </a:r>
-            <a:r>
-              <a:rPr lang="vi-VN" sz="2000" b="0" dirty="0" smtClean="0">
-                <a:solidFill>
-                  <a:schemeClr val="tx1">
-                    <a:lumMod val="95000"/>
-                    <a:lumOff val="5000"/>
-                  </a:schemeClr>
-                </a:solidFill>
-                <a:ea typeface="Roboto Condensed" pitchFamily="2" charset="0"/>
-              </a:rPr>
-              <a:t>Màn </a:t>
-            </a:r>
-            <a:r>
-              <a:rPr lang="vi-VN" sz="2000" b="0" dirty="0">
-                <a:solidFill>
-                  <a:schemeClr val="tx1">
-                    <a:lumMod val="95000"/>
-                    <a:lumOff val="5000"/>
-                  </a:schemeClr>
-                </a:solidFill>
-                <a:ea typeface="Roboto Condensed" pitchFamily="2" charset="0"/>
-              </a:rPr>
-              <a:t>hình LED hiển thị mặt cười. Bật âm thanh power up</a:t>
-            </a:r>
-            <a:endParaRPr lang="vi-VN" sz="2000" b="0" dirty="0">
-              <a:solidFill>
-                <a:schemeClr val="tx1">
-                  <a:lumMod val="95000"/>
-                  <a:lumOff val="5000"/>
-                </a:schemeClr>
-              </a:solidFill>
-              <a:ea typeface="Roboto Condensed" pitchFamily="2" charset="0"/>
-            </a:endParaRPr>
-          </a:p>
-        </p:txBody>
-      </p:sp>
-      <p:sp>
-        <p:nvSpPr>
-          <p:cNvPr id="20" name="Rectangle 19"/>
-          <p:cNvSpPr/>
-          <p:nvPr/>
-        </p:nvSpPr>
-        <p:spPr>
-          <a:xfrm>
-            <a:off x="542728" y="3083694"/>
-            <a:ext cx="172836" cy="176901"/>
-          </a:xfrm>
-          <a:prstGeom prst="rect">
-            <a:avLst/>
-          </a:prstGeom>
-          <a:solidFill>
-            <a:srgbClr val="EC5F77"/>
-          </a:solidFill>
-          <a:ln>
-            <a:noFill/>
-          </a:ln>
-        </p:spPr>
-        <p:style>
-          <a:lnRef idx="2">
-            <a:schemeClr val="accent1">
-              <a:shade val="50000"/>
-            </a:schemeClr>
-          </a:lnRef>
-          <a:fillRef idx="1">
-            <a:schemeClr val="accent1"/>
-          </a:fillRef>
-          <a:effectRef idx="0">
-            <a:schemeClr val="accent1"/>
-          </a:effectRef>
-          <a:fontRef idx="minor">
-            <a:schemeClr val="lt1"/>
-          </a:fontRef>
-        </p:style>
-        <p:txBody>
-          <a:bodyPr rtlCol="0" anchor="ctr"/>
-          <a:lstStyle/>
-          <a:p>
-            <a:pPr algn="ctr"/>
-            <a:endParaRPr lang="en-US"/>
-          </a:p>
-        </p:txBody>
-      </p:sp>
-      <p:sp>
-        <p:nvSpPr>
-          <p:cNvPr id="22" name="Rectangle 21"/>
-          <p:cNvSpPr/>
-          <p:nvPr/>
-        </p:nvSpPr>
-        <p:spPr>
-          <a:xfrm>
-            <a:off x="542728" y="3633435"/>
-            <a:ext cx="172836" cy="176901"/>
-          </a:xfrm>
-          <a:prstGeom prst="rect">
-            <a:avLst/>
-          </a:prstGeom>
-          <a:solidFill>
-            <a:srgbClr val="EC5F77"/>
-          </a:solidFill>
-          <a:ln>
-            <a:noFill/>
-          </a:ln>
-        </p:spPr>
-        <p:style>
-          <a:lnRef idx="2">
-            <a:schemeClr val="accent1">
-              <a:shade val="50000"/>
-            </a:schemeClr>
-          </a:lnRef>
-          <a:fillRef idx="1">
-            <a:schemeClr val="accent1"/>
-          </a:fillRef>
-          <a:effectRef idx="0">
-            <a:schemeClr val="accent1"/>
-          </a:effectRef>
-          <a:fontRef idx="minor">
-            <a:schemeClr val="lt1"/>
-          </a:fontRef>
-        </p:style>
-        <p:txBody>
-          <a:bodyPr rtlCol="0" anchor="ctr"/>
-          <a:lstStyle/>
-          <a:p>
-            <a:pPr algn="ctr"/>
-            <a:endParaRPr lang="en-US"/>
-          </a:p>
-        </p:txBody>
-      </p:sp>
-      <p:sp>
-        <p:nvSpPr>
-          <p:cNvPr id="23" name="Title 1"/>
-          <p:cNvSpPr txBox="1">
-            <a:spLocks/>
-          </p:cNvSpPr>
-          <p:nvPr/>
-        </p:nvSpPr>
-        <p:spPr>
-          <a:xfrm>
-            <a:off x="770775" y="3501799"/>
-            <a:ext cx="4636112" cy="784842"/>
-          </a:xfrm>
-          <a:prstGeom prst="rect">
-            <a:avLst/>
-          </a:prstGeom>
-        </p:spPr>
-        <p:txBody>
-          <a:bodyPr/>
-          <a:lstStyle>
-            <a:lvl1pPr algn="l" defTabSz="914400" rtl="0" eaLnBrk="1" latinLnBrk="0" hangingPunct="1">
-              <a:lnSpc>
-                <a:spcPct val="90000"/>
-              </a:lnSpc>
-              <a:spcBef>
-                <a:spcPct val="0"/>
-              </a:spcBef>
-              <a:buNone/>
-              <a:defRPr sz="3200" b="1" kern="1200">
-                <a:solidFill>
-                  <a:srgbClr val="019DD0"/>
-                </a:solidFill>
-                <a:latin typeface="Arial" panose="020B0604020202020204" pitchFamily="34" charset="0"/>
-                <a:ea typeface="+mj-ea"/>
-                <a:cs typeface="Arial" panose="020B0604020202020204" pitchFamily="34" charset="0"/>
-              </a:defRPr>
-            </a:lvl1pPr>
-          </a:lstStyle>
-          <a:p>
-            <a:pPr>
-              <a:lnSpc>
-                <a:spcPct val="100000"/>
-              </a:lnSpc>
-            </a:pPr>
-            <a:r>
-              <a:rPr lang="vi-VN" sz="2000" b="0" dirty="0">
-                <a:solidFill>
-                  <a:schemeClr val="tx1">
-                    <a:lumMod val="95000"/>
-                    <a:lumOff val="5000"/>
-                  </a:schemeClr>
-                </a:solidFill>
-                <a:ea typeface="Roboto Condensed" pitchFamily="2" charset="0"/>
-              </a:rPr>
-              <a:t>Nhấn button A, </a:t>
-            </a:r>
-            <a:r>
-              <a:rPr lang="en-US" sz="2000" b="0" dirty="0" smtClean="0">
-                <a:solidFill>
-                  <a:schemeClr val="tx1">
-                    <a:lumMod val="95000"/>
-                    <a:lumOff val="5000"/>
-                  </a:schemeClr>
-                </a:solidFill>
-                <a:ea typeface="Roboto Condensed" pitchFamily="2" charset="0"/>
-              </a:rPr>
-              <a:t>đầu </a:t>
-            </a:r>
-            <a:r>
-              <a:rPr lang="vi-VN" sz="2000" b="0" dirty="0" smtClean="0">
-                <a:solidFill>
-                  <a:schemeClr val="tx1">
-                    <a:lumMod val="95000"/>
-                    <a:lumOff val="5000"/>
-                  </a:schemeClr>
-                </a:solidFill>
-                <a:ea typeface="Roboto Condensed" pitchFamily="2" charset="0"/>
-              </a:rPr>
-              <a:t>xoay </a:t>
-            </a:r>
-            <a:r>
-              <a:rPr lang="en-US" sz="2000" b="0" dirty="0" smtClean="0">
-                <a:solidFill>
-                  <a:schemeClr val="tx1">
-                    <a:lumMod val="95000"/>
-                    <a:lumOff val="5000"/>
-                  </a:schemeClr>
-                </a:solidFill>
-                <a:ea typeface="Roboto Condensed" pitchFamily="2" charset="0"/>
-              </a:rPr>
-              <a:t>phải</a:t>
-            </a:r>
-            <a:r>
-              <a:rPr lang="vi-VN" sz="2000" b="0" dirty="0" smtClean="0">
-                <a:solidFill>
-                  <a:schemeClr val="tx1">
-                    <a:lumMod val="95000"/>
-                    <a:lumOff val="5000"/>
-                  </a:schemeClr>
-                </a:solidFill>
-                <a:ea typeface="Roboto Condensed" pitchFamily="2" charset="0"/>
-              </a:rPr>
-              <a:t>, </a:t>
-            </a:r>
-            <a:r>
-              <a:rPr lang="vi-VN" sz="2000" b="0" dirty="0">
-                <a:solidFill>
-                  <a:schemeClr val="tx1">
-                    <a:lumMod val="95000"/>
-                    <a:lumOff val="5000"/>
-                  </a:schemeClr>
-                </a:solidFill>
-                <a:ea typeface="Roboto Condensed" pitchFamily="2" charset="0"/>
-              </a:rPr>
-              <a:t>màn hình LED hiển thị mũi trên hướng </a:t>
-            </a:r>
-            <a:r>
-              <a:rPr lang="en-US" sz="2000" b="0" dirty="0" smtClean="0">
-                <a:solidFill>
-                  <a:schemeClr val="tx1">
-                    <a:lumMod val="95000"/>
-                    <a:lumOff val="5000"/>
-                  </a:schemeClr>
-                </a:solidFill>
-                <a:ea typeface="Roboto Condensed" pitchFamily="2" charset="0"/>
-              </a:rPr>
-              <a:t>phải</a:t>
-            </a:r>
-            <a:endParaRPr lang="en-US" sz="2000" b="0" dirty="0" smtClean="0">
-              <a:solidFill>
-                <a:schemeClr val="tx1">
-                  <a:lumMod val="95000"/>
-                  <a:lumOff val="5000"/>
-                </a:schemeClr>
-              </a:solidFill>
-              <a:ea typeface="Roboto Condensed" pitchFamily="2" charset="0"/>
-            </a:endParaRPr>
-          </a:p>
-        </p:txBody>
-      </p:sp>
-      <p:sp>
-        <p:nvSpPr>
-          <p:cNvPr id="29" name="Rectangle 28"/>
-          <p:cNvSpPr/>
-          <p:nvPr/>
-        </p:nvSpPr>
-        <p:spPr>
-          <a:xfrm>
-            <a:off x="542728" y="2349633"/>
-            <a:ext cx="172836" cy="176901"/>
-          </a:xfrm>
-          <a:prstGeom prst="rect">
-            <a:avLst/>
-          </a:prstGeom>
-          <a:solidFill>
-            <a:srgbClr val="EC5F77"/>
-          </a:solidFill>
-          <a:ln>
-            <a:noFill/>
-          </a:ln>
-        </p:spPr>
-        <p:style>
-          <a:lnRef idx="2">
-            <a:schemeClr val="accent1">
-              <a:shade val="50000"/>
-            </a:schemeClr>
-          </a:lnRef>
-          <a:fillRef idx="1">
-            <a:schemeClr val="accent1"/>
-          </a:fillRef>
-          <a:effectRef idx="0">
-            <a:schemeClr val="accent1"/>
-          </a:effectRef>
-          <a:fontRef idx="minor">
-            <a:schemeClr val="lt1"/>
-          </a:fontRef>
-        </p:style>
-        <p:txBody>
-          <a:bodyPr rtlCol="0" anchor="ctr"/>
-          <a:lstStyle/>
-          <a:p>
-            <a:pPr algn="ctr"/>
-            <a:endParaRPr lang="en-US"/>
-          </a:p>
-        </p:txBody>
-      </p:sp>
-      <p:sp>
-        <p:nvSpPr>
-          <p:cNvPr id="21" name="Title 1"/>
-          <p:cNvSpPr txBox="1">
-            <a:spLocks/>
-          </p:cNvSpPr>
-          <p:nvPr/>
-        </p:nvSpPr>
-        <p:spPr>
-          <a:xfrm>
-            <a:off x="770775" y="2952058"/>
-            <a:ext cx="4225295" cy="485199"/>
-          </a:xfrm>
-          <a:prstGeom prst="rect">
-            <a:avLst/>
-          </a:prstGeom>
-        </p:spPr>
-        <p:txBody>
-          <a:bodyPr/>
-          <a:lstStyle>
-            <a:lvl1pPr algn="l" defTabSz="914400" rtl="0" eaLnBrk="1" latinLnBrk="0" hangingPunct="1">
-              <a:lnSpc>
-                <a:spcPct val="90000"/>
-              </a:lnSpc>
-              <a:spcBef>
-                <a:spcPct val="0"/>
-              </a:spcBef>
-              <a:buNone/>
-              <a:defRPr sz="3200" b="1" kern="1200">
-                <a:solidFill>
-                  <a:srgbClr val="019DD0"/>
-                </a:solidFill>
-                <a:latin typeface="Arial" panose="020B0604020202020204" pitchFamily="34" charset="0"/>
-                <a:ea typeface="+mj-ea"/>
-                <a:cs typeface="Arial" panose="020B0604020202020204" pitchFamily="34" charset="0"/>
-              </a:defRPr>
-            </a:lvl1pPr>
-          </a:lstStyle>
-          <a:p>
-            <a:pPr>
-              <a:lnSpc>
-                <a:spcPct val="100000"/>
-              </a:lnSpc>
-            </a:pPr>
-            <a:r>
-              <a:rPr lang="en-US" sz="2000" b="0" dirty="0" smtClean="0">
-                <a:solidFill>
-                  <a:schemeClr val="tx1">
-                    <a:lumMod val="95000"/>
-                    <a:lumOff val="5000"/>
-                  </a:schemeClr>
-                </a:solidFill>
-                <a:ea typeface="Roboto Condensed" pitchFamily="2" charset="0"/>
-              </a:rPr>
-              <a:t>Đèn trước tự động sáng khi trời tối</a:t>
-            </a:r>
-            <a:endParaRPr lang="en-US" sz="2000" b="0" dirty="0" smtClean="0">
-              <a:solidFill>
-                <a:schemeClr val="tx1">
-                  <a:lumMod val="95000"/>
-                  <a:lumOff val="5000"/>
-                </a:schemeClr>
-              </a:solidFill>
-              <a:ea typeface="Roboto Condensed" pitchFamily="2" charset="0"/>
-            </a:endParaRPr>
-          </a:p>
-        </p:txBody>
-      </p:sp>
-      <p:sp>
-        <p:nvSpPr>
-          <p:cNvPr id="17" name="Rectangle 16"/>
-          <p:cNvSpPr/>
-          <p:nvPr/>
-        </p:nvSpPr>
-        <p:spPr>
-          <a:xfrm>
-            <a:off x="542728" y="4388809"/>
-            <a:ext cx="172836" cy="176901"/>
-          </a:xfrm>
-          <a:prstGeom prst="rect">
-            <a:avLst/>
-          </a:prstGeom>
-          <a:solidFill>
-            <a:srgbClr val="EC5F77"/>
-          </a:solidFill>
-          <a:ln>
-            <a:noFill/>
-          </a:ln>
-        </p:spPr>
-        <p:style>
-          <a:lnRef idx="2">
-            <a:schemeClr val="accent1">
-              <a:shade val="50000"/>
-            </a:schemeClr>
-          </a:lnRef>
-          <a:fillRef idx="1">
-            <a:schemeClr val="accent1"/>
-          </a:fillRef>
-          <a:effectRef idx="0">
-            <a:schemeClr val="accent1"/>
-          </a:effectRef>
-          <a:fontRef idx="minor">
-            <a:schemeClr val="lt1"/>
-          </a:fontRef>
-        </p:style>
-        <p:txBody>
-          <a:bodyPr rtlCol="0" anchor="ctr"/>
-          <a:lstStyle/>
-          <a:p>
-            <a:pPr algn="ctr"/>
-            <a:endParaRPr lang="en-US"/>
-          </a:p>
-        </p:txBody>
-      </p:sp>
-      <p:sp>
-        <p:nvSpPr>
-          <p:cNvPr id="18" name="Title 1"/>
-          <p:cNvSpPr txBox="1">
-            <a:spLocks/>
-          </p:cNvSpPr>
-          <p:nvPr/>
-        </p:nvSpPr>
-        <p:spPr>
-          <a:xfrm>
-            <a:off x="770775" y="4257173"/>
-            <a:ext cx="4636112" cy="784842"/>
-          </a:xfrm>
-          <a:prstGeom prst="rect">
-            <a:avLst/>
-          </a:prstGeom>
-        </p:spPr>
-        <p:txBody>
-          <a:bodyPr/>
-          <a:lstStyle>
-            <a:lvl1pPr algn="l" defTabSz="914400" rtl="0" eaLnBrk="1" latinLnBrk="0" hangingPunct="1">
-              <a:lnSpc>
-                <a:spcPct val="90000"/>
-              </a:lnSpc>
-              <a:spcBef>
-                <a:spcPct val="0"/>
-              </a:spcBef>
-              <a:buNone/>
-              <a:defRPr sz="3200" b="1" kern="1200">
-                <a:solidFill>
-                  <a:srgbClr val="019DD0"/>
-                </a:solidFill>
-                <a:latin typeface="Arial" panose="020B0604020202020204" pitchFamily="34" charset="0"/>
-                <a:ea typeface="+mj-ea"/>
-                <a:cs typeface="Arial" panose="020B0604020202020204" pitchFamily="34" charset="0"/>
-              </a:defRPr>
-            </a:lvl1pPr>
-          </a:lstStyle>
-          <a:p>
-            <a:pPr>
-              <a:lnSpc>
-                <a:spcPct val="100000"/>
-              </a:lnSpc>
-            </a:pPr>
-            <a:r>
-              <a:rPr lang="vi-VN" sz="2000" b="0" dirty="0">
-                <a:solidFill>
-                  <a:schemeClr val="tx1">
-                    <a:lumMod val="95000"/>
-                    <a:lumOff val="5000"/>
-                  </a:schemeClr>
-                </a:solidFill>
-                <a:ea typeface="Roboto Condensed" pitchFamily="2" charset="0"/>
-              </a:rPr>
-              <a:t>Nhấn button </a:t>
-            </a:r>
-            <a:r>
-              <a:rPr lang="en-US" sz="2000" b="0" dirty="0" smtClean="0">
-                <a:solidFill>
-                  <a:schemeClr val="tx1">
-                    <a:lumMod val="95000"/>
-                    <a:lumOff val="5000"/>
-                  </a:schemeClr>
-                </a:solidFill>
-                <a:ea typeface="Roboto Condensed" pitchFamily="2" charset="0"/>
-              </a:rPr>
-              <a:t>B</a:t>
-            </a:r>
-            <a:r>
-              <a:rPr lang="vi-VN" sz="2000" b="0" dirty="0" smtClean="0">
-                <a:solidFill>
-                  <a:schemeClr val="tx1">
-                    <a:lumMod val="95000"/>
-                    <a:lumOff val="5000"/>
-                  </a:schemeClr>
-                </a:solidFill>
-                <a:ea typeface="Roboto Condensed" pitchFamily="2" charset="0"/>
-              </a:rPr>
-              <a:t>, </a:t>
-            </a:r>
-            <a:r>
-              <a:rPr lang="en-US" sz="2000" b="0" dirty="0" smtClean="0">
-                <a:solidFill>
-                  <a:schemeClr val="tx1">
-                    <a:lumMod val="95000"/>
-                    <a:lumOff val="5000"/>
-                  </a:schemeClr>
-                </a:solidFill>
-                <a:ea typeface="Roboto Condensed" pitchFamily="2" charset="0"/>
-              </a:rPr>
-              <a:t>đầu </a:t>
-            </a:r>
-            <a:r>
-              <a:rPr lang="vi-VN" sz="2000" b="0" dirty="0" smtClean="0">
-                <a:solidFill>
-                  <a:schemeClr val="tx1">
-                    <a:lumMod val="95000"/>
-                    <a:lumOff val="5000"/>
-                  </a:schemeClr>
-                </a:solidFill>
-                <a:ea typeface="Roboto Condensed" pitchFamily="2" charset="0"/>
-              </a:rPr>
-              <a:t>xoay </a:t>
-            </a:r>
-            <a:r>
-              <a:rPr lang="en-US" sz="2000" b="0" dirty="0" smtClean="0">
-                <a:solidFill>
-                  <a:schemeClr val="tx1">
-                    <a:lumMod val="95000"/>
-                    <a:lumOff val="5000"/>
-                  </a:schemeClr>
-                </a:solidFill>
-                <a:ea typeface="Roboto Condensed" pitchFamily="2" charset="0"/>
-              </a:rPr>
-              <a:t>trái</a:t>
-            </a:r>
-            <a:r>
-              <a:rPr lang="vi-VN" sz="2000" b="0" dirty="0" smtClean="0">
-                <a:solidFill>
-                  <a:schemeClr val="tx1">
-                    <a:lumMod val="95000"/>
-                    <a:lumOff val="5000"/>
-                  </a:schemeClr>
-                </a:solidFill>
-                <a:ea typeface="Roboto Condensed" pitchFamily="2" charset="0"/>
-              </a:rPr>
-              <a:t>, </a:t>
-            </a:r>
-            <a:r>
-              <a:rPr lang="vi-VN" sz="2000" b="0" dirty="0">
-                <a:solidFill>
-                  <a:schemeClr val="tx1">
-                    <a:lumMod val="95000"/>
-                    <a:lumOff val="5000"/>
-                  </a:schemeClr>
-                </a:solidFill>
-                <a:ea typeface="Roboto Condensed" pitchFamily="2" charset="0"/>
-              </a:rPr>
-              <a:t>màn hình LED hiển thị mũi trên hướng </a:t>
-            </a:r>
-            <a:r>
-              <a:rPr lang="en-US" sz="2000" b="0" dirty="0" smtClean="0">
-                <a:solidFill>
-                  <a:schemeClr val="tx1">
-                    <a:lumMod val="95000"/>
-                    <a:lumOff val="5000"/>
-                  </a:schemeClr>
-                </a:solidFill>
-                <a:ea typeface="Roboto Condensed" pitchFamily="2" charset="0"/>
-              </a:rPr>
-              <a:t>trái</a:t>
-            </a:r>
-            <a:endParaRPr lang="en-US" sz="2000" b="0" dirty="0" smtClean="0">
-              <a:solidFill>
-                <a:schemeClr val="tx1">
-                  <a:lumMod val="95000"/>
-                  <a:lumOff val="5000"/>
-                </a:schemeClr>
-              </a:solidFill>
-              <a:ea typeface="Roboto Condensed" pitchFamily="2" charset="0"/>
-            </a:endParaRPr>
-          </a:p>
-        </p:txBody>
-      </p:sp>
-      <p:sp>
-        <p:nvSpPr>
-          <p:cNvPr id="24" name="Rectangle 23"/>
-          <p:cNvSpPr/>
-          <p:nvPr/>
-        </p:nvSpPr>
-        <p:spPr>
-          <a:xfrm>
-            <a:off x="542728" y="5170571"/>
-            <a:ext cx="172836" cy="176901"/>
-          </a:xfrm>
-          <a:prstGeom prst="rect">
-            <a:avLst/>
-          </a:prstGeom>
-          <a:solidFill>
-            <a:srgbClr val="EC5F77"/>
-          </a:solidFill>
-          <a:ln>
-            <a:noFill/>
-          </a:ln>
-        </p:spPr>
-        <p:style>
-          <a:lnRef idx="2">
-            <a:schemeClr val="accent1">
-              <a:shade val="50000"/>
-            </a:schemeClr>
-          </a:lnRef>
-          <a:fillRef idx="1">
-            <a:schemeClr val="accent1"/>
-          </a:fillRef>
-          <a:effectRef idx="0">
-            <a:schemeClr val="accent1"/>
-          </a:effectRef>
-          <a:fontRef idx="minor">
-            <a:schemeClr val="lt1"/>
-          </a:fontRef>
-        </p:style>
-        <p:txBody>
-          <a:bodyPr rtlCol="0" anchor="ctr"/>
-          <a:lstStyle/>
-          <a:p>
-            <a:pPr algn="ctr"/>
-            <a:endParaRPr lang="en-US"/>
-          </a:p>
-        </p:txBody>
-      </p:sp>
-      <p:sp>
-        <p:nvSpPr>
-          <p:cNvPr id="25" name="Title 1"/>
-          <p:cNvSpPr txBox="1">
-            <a:spLocks/>
-          </p:cNvSpPr>
-          <p:nvPr/>
-        </p:nvSpPr>
-        <p:spPr>
-          <a:xfrm>
-            <a:off x="770775" y="5038935"/>
-            <a:ext cx="4967416" cy="784842"/>
-          </a:xfrm>
-          <a:prstGeom prst="rect">
-            <a:avLst/>
-          </a:prstGeom>
-        </p:spPr>
-        <p:txBody>
-          <a:bodyPr/>
-          <a:lstStyle>
-            <a:lvl1pPr algn="l" defTabSz="914400" rtl="0" eaLnBrk="1" latinLnBrk="0" hangingPunct="1">
-              <a:lnSpc>
-                <a:spcPct val="90000"/>
-              </a:lnSpc>
-              <a:spcBef>
-                <a:spcPct val="0"/>
-              </a:spcBef>
-              <a:buNone/>
-              <a:defRPr sz="3200" b="1" kern="1200">
-                <a:solidFill>
-                  <a:srgbClr val="019DD0"/>
-                </a:solidFill>
-                <a:latin typeface="Arial" panose="020B0604020202020204" pitchFamily="34" charset="0"/>
-                <a:ea typeface="+mj-ea"/>
-                <a:cs typeface="Arial" panose="020B0604020202020204" pitchFamily="34" charset="0"/>
-              </a:defRPr>
-            </a:lvl1pPr>
-          </a:lstStyle>
-          <a:p>
-            <a:pPr>
-              <a:lnSpc>
-                <a:spcPct val="100000"/>
-              </a:lnSpc>
-            </a:pPr>
-            <a:r>
-              <a:rPr lang="vi-VN" sz="2000" b="0" dirty="0">
-                <a:solidFill>
-                  <a:schemeClr val="tx1">
-                    <a:lumMod val="95000"/>
-                    <a:lumOff val="5000"/>
-                  </a:schemeClr>
-                </a:solidFill>
-                <a:ea typeface="Roboto Condensed" pitchFamily="2" charset="0"/>
-              </a:rPr>
-              <a:t>Nhấn button </a:t>
-            </a:r>
-            <a:r>
-              <a:rPr lang="en-US" sz="2000" b="0" dirty="0" smtClean="0">
-                <a:solidFill>
-                  <a:schemeClr val="tx1">
-                    <a:lumMod val="95000"/>
-                    <a:lumOff val="5000"/>
-                  </a:schemeClr>
-                </a:solidFill>
-                <a:ea typeface="Roboto Condensed" pitchFamily="2" charset="0"/>
-              </a:rPr>
-              <a:t>A+B</a:t>
-            </a:r>
-            <a:r>
-              <a:rPr lang="vi-VN" sz="2000" b="0" dirty="0" smtClean="0">
-                <a:solidFill>
-                  <a:schemeClr val="tx1">
-                    <a:lumMod val="95000"/>
-                    <a:lumOff val="5000"/>
-                  </a:schemeClr>
-                </a:solidFill>
-                <a:ea typeface="Roboto Condensed" pitchFamily="2" charset="0"/>
-              </a:rPr>
-              <a:t>, </a:t>
-            </a:r>
-            <a:r>
-              <a:rPr lang="en-US" sz="2000" b="0" dirty="0" smtClean="0">
-                <a:solidFill>
-                  <a:schemeClr val="tx1">
-                    <a:lumMod val="95000"/>
-                    <a:lumOff val="5000"/>
-                  </a:schemeClr>
-                </a:solidFill>
-                <a:ea typeface="Roboto Condensed" pitchFamily="2" charset="0"/>
-              </a:rPr>
-              <a:t>đầu </a:t>
-            </a:r>
-            <a:r>
-              <a:rPr lang="vi-VN" sz="2000" b="0" dirty="0" smtClean="0">
-                <a:solidFill>
-                  <a:schemeClr val="tx1">
-                    <a:lumMod val="95000"/>
-                    <a:lumOff val="5000"/>
-                  </a:schemeClr>
-                </a:solidFill>
-                <a:ea typeface="Roboto Condensed" pitchFamily="2" charset="0"/>
-              </a:rPr>
-              <a:t>xoay </a:t>
-            </a:r>
-            <a:r>
-              <a:rPr lang="en-US" sz="2000" b="0" dirty="0" smtClean="0">
-                <a:solidFill>
-                  <a:schemeClr val="tx1">
-                    <a:lumMod val="95000"/>
-                    <a:lumOff val="5000"/>
-                  </a:schemeClr>
-                </a:solidFill>
-                <a:ea typeface="Roboto Condensed" pitchFamily="2" charset="0"/>
-              </a:rPr>
-              <a:t>ra trước</a:t>
-            </a:r>
-            <a:r>
-              <a:rPr lang="vi-VN" sz="2000" b="0" dirty="0" smtClean="0">
-                <a:solidFill>
-                  <a:schemeClr val="tx1">
-                    <a:lumMod val="95000"/>
-                    <a:lumOff val="5000"/>
-                  </a:schemeClr>
-                </a:solidFill>
-                <a:ea typeface="Roboto Condensed" pitchFamily="2" charset="0"/>
-              </a:rPr>
-              <a:t>, </a:t>
-            </a:r>
-            <a:r>
-              <a:rPr lang="vi-VN" sz="2000" b="0" dirty="0">
-                <a:solidFill>
-                  <a:schemeClr val="tx1">
-                    <a:lumMod val="95000"/>
-                    <a:lumOff val="5000"/>
-                  </a:schemeClr>
-                </a:solidFill>
-                <a:ea typeface="Roboto Condensed" pitchFamily="2" charset="0"/>
-              </a:rPr>
-              <a:t>màn hình LED hiển thị mũi trên hướng </a:t>
-            </a:r>
-            <a:r>
-              <a:rPr lang="en-US" sz="2000" b="0" dirty="0" smtClean="0">
-                <a:solidFill>
-                  <a:schemeClr val="tx1">
-                    <a:lumMod val="95000"/>
-                    <a:lumOff val="5000"/>
-                  </a:schemeClr>
-                </a:solidFill>
-                <a:ea typeface="Roboto Condensed" pitchFamily="2" charset="0"/>
-              </a:rPr>
-              <a:t>lên</a:t>
-            </a:r>
-            <a:endParaRPr lang="en-US" sz="2000" b="0" dirty="0" smtClean="0">
-              <a:solidFill>
-                <a:schemeClr val="tx1">
-                  <a:lumMod val="95000"/>
-                  <a:lumOff val="5000"/>
-                </a:schemeClr>
-              </a:solidFill>
-              <a:ea typeface="Roboto Condensed" pitchFamily="2" charset="0"/>
-            </a:endParaRPr>
-          </a:p>
-        </p:txBody>
-      </p:sp>
-      <p:sp>
-        <p:nvSpPr>
-          <p:cNvPr id="26" name="Rectangle 25"/>
-          <p:cNvSpPr/>
-          <p:nvPr/>
-        </p:nvSpPr>
-        <p:spPr>
-          <a:xfrm>
-            <a:off x="542728" y="5992206"/>
-            <a:ext cx="172836" cy="176901"/>
-          </a:xfrm>
-          <a:prstGeom prst="rect">
-            <a:avLst/>
-          </a:prstGeom>
-          <a:solidFill>
-            <a:srgbClr val="EC5F77"/>
-          </a:solidFill>
-          <a:ln>
-            <a:noFill/>
-          </a:ln>
-        </p:spPr>
-        <p:style>
-          <a:lnRef idx="2">
-            <a:schemeClr val="accent1">
-              <a:shade val="50000"/>
-            </a:schemeClr>
-          </a:lnRef>
-          <a:fillRef idx="1">
-            <a:schemeClr val="accent1"/>
-          </a:fillRef>
-          <a:effectRef idx="0">
-            <a:schemeClr val="accent1"/>
-          </a:effectRef>
-          <a:fontRef idx="minor">
-            <a:schemeClr val="lt1"/>
-          </a:fontRef>
-        </p:style>
-        <p:txBody>
-          <a:bodyPr rtlCol="0" anchor="ctr"/>
-          <a:lstStyle/>
-          <a:p>
-            <a:pPr algn="ctr"/>
-            <a:endParaRPr lang="en-US"/>
-          </a:p>
-        </p:txBody>
-      </p:sp>
-      <p:sp>
-        <p:nvSpPr>
-          <p:cNvPr id="27" name="Title 1"/>
-          <p:cNvSpPr txBox="1">
-            <a:spLocks/>
-          </p:cNvSpPr>
-          <p:nvPr/>
-        </p:nvSpPr>
-        <p:spPr>
-          <a:xfrm>
-            <a:off x="770775" y="5794310"/>
-            <a:ext cx="4967416" cy="784842"/>
-          </a:xfrm>
-          <a:prstGeom prst="rect">
-            <a:avLst/>
-          </a:prstGeom>
-        </p:spPr>
-        <p:txBody>
-          <a:bodyPr/>
-          <a:lstStyle>
-            <a:lvl1pPr algn="l" defTabSz="914400" rtl="0" eaLnBrk="1" latinLnBrk="0" hangingPunct="1">
-              <a:lnSpc>
-                <a:spcPct val="90000"/>
-              </a:lnSpc>
-              <a:spcBef>
-                <a:spcPct val="0"/>
-              </a:spcBef>
-              <a:buNone/>
-              <a:defRPr sz="3200" b="1" kern="1200">
-                <a:solidFill>
-                  <a:srgbClr val="019DD0"/>
-                </a:solidFill>
-                <a:latin typeface="Arial" panose="020B0604020202020204" pitchFamily="34" charset="0"/>
-                <a:ea typeface="+mj-ea"/>
-                <a:cs typeface="Arial" panose="020B0604020202020204" pitchFamily="34" charset="0"/>
-              </a:defRPr>
-            </a:lvl1pPr>
-          </a:lstStyle>
-          <a:p>
-            <a:pPr>
-              <a:lnSpc>
-                <a:spcPct val="100000"/>
-              </a:lnSpc>
-            </a:pPr>
-            <a:r>
-              <a:rPr lang="en-US" sz="2000" b="0" dirty="0" smtClean="0">
-                <a:solidFill>
-                  <a:schemeClr val="tx1">
-                    <a:lumMod val="95000"/>
-                    <a:lumOff val="5000"/>
-                  </a:schemeClr>
-                </a:solidFill>
-                <a:ea typeface="Roboto Condensed" pitchFamily="2" charset="0"/>
-              </a:rPr>
-              <a:t>Chạm Logo</a:t>
-            </a:r>
-            <a:r>
-              <a:rPr lang="vi-VN" sz="2000" b="0" dirty="0" smtClean="0">
-                <a:solidFill>
-                  <a:schemeClr val="tx1">
-                    <a:lumMod val="95000"/>
-                    <a:lumOff val="5000"/>
-                  </a:schemeClr>
-                </a:solidFill>
-                <a:ea typeface="Roboto Condensed" pitchFamily="2" charset="0"/>
-              </a:rPr>
-              <a:t>, </a:t>
-            </a:r>
-            <a:r>
-              <a:rPr lang="en-US" sz="2000" b="0" dirty="0" smtClean="0">
-                <a:solidFill>
-                  <a:schemeClr val="tx1">
-                    <a:lumMod val="95000"/>
-                    <a:lumOff val="5000"/>
-                  </a:schemeClr>
-                </a:solidFill>
-                <a:ea typeface="Roboto Condensed" pitchFamily="2" charset="0"/>
-              </a:rPr>
-              <a:t>đầu </a:t>
-            </a:r>
-            <a:r>
-              <a:rPr lang="vi-VN" sz="2000" b="0" dirty="0" smtClean="0">
-                <a:solidFill>
-                  <a:schemeClr val="tx1">
-                    <a:lumMod val="95000"/>
-                    <a:lumOff val="5000"/>
-                  </a:schemeClr>
-                </a:solidFill>
-                <a:ea typeface="Roboto Condensed" pitchFamily="2" charset="0"/>
-              </a:rPr>
-              <a:t>xoay </a:t>
-            </a:r>
-            <a:r>
-              <a:rPr lang="en-US" sz="2000" b="0" dirty="0" smtClean="0">
-                <a:solidFill>
-                  <a:schemeClr val="tx1">
-                    <a:lumMod val="95000"/>
-                    <a:lumOff val="5000"/>
-                  </a:schemeClr>
-                </a:solidFill>
-                <a:ea typeface="Roboto Condensed" pitchFamily="2" charset="0"/>
-              </a:rPr>
-              <a:t>ra trước</a:t>
-            </a:r>
-            <a:r>
-              <a:rPr lang="vi-VN" sz="2000" b="0" dirty="0" smtClean="0">
-                <a:solidFill>
-                  <a:schemeClr val="tx1">
-                    <a:lumMod val="95000"/>
-                    <a:lumOff val="5000"/>
-                  </a:schemeClr>
-                </a:solidFill>
-                <a:ea typeface="Roboto Condensed" pitchFamily="2" charset="0"/>
-              </a:rPr>
-              <a:t>, màn hình LED hiển thị mũi trên hướng </a:t>
-            </a:r>
-            <a:r>
-              <a:rPr lang="en-US" sz="2000" b="0" dirty="0" smtClean="0">
-                <a:solidFill>
-                  <a:schemeClr val="tx1">
-                    <a:lumMod val="95000"/>
-                    <a:lumOff val="5000"/>
-                  </a:schemeClr>
-                </a:solidFill>
-                <a:ea typeface="Roboto Condensed" pitchFamily="2" charset="0"/>
-              </a:rPr>
-              <a:t>xuống</a:t>
-            </a:r>
-            <a:endParaRPr lang="en-US" sz="2000" b="0" dirty="0" smtClean="0">
-              <a:solidFill>
-                <a:schemeClr val="tx1">
-                  <a:lumMod val="95000"/>
-                  <a:lumOff val="5000"/>
-                </a:schemeClr>
-              </a:solidFill>
-              <a:ea typeface="Roboto Condensed" pitchFamily="2" charset="0"/>
-            </a:endParaRPr>
-          </a:p>
-        </p:txBody>
-      </p:sp>
-      <p:pic>
-        <p:nvPicPr>
-          <p:cNvPr id="2050" name="Picture 2" descr="Free vector sticker design with front view of police car isolated"/>
-          <p:cNvPicPr>
-            <a:picLocks noChangeAspect="1" noChangeArrowheads="1"/>
-          </p:cNvPicPr>
-          <p:nvPr/>
-        </p:nvPicPr>
-        <p:blipFill>
-          <a:blip r:embed="rId3">
-            <a:extLst>
-              <a:ext uri="{28A0092B-C50C-407E-A947-70E740481C1C}">
-                <a14:useLocalDpi xmlns:a14="http://schemas.microsoft.com/office/drawing/2010/main" val="0"/>
-              </a:ext>
-            </a:extLst>
-          </a:blip>
-          <a:srcRect/>
-          <a:stretch>
-            <a:fillRect/>
-          </a:stretch>
-        </p:blipFill>
-        <p:spPr bwMode="auto">
-          <a:xfrm>
-            <a:off x="5569730" y="3260595"/>
-            <a:ext cx="3239147" cy="3140835"/>
-          </a:xfrm>
-          <a:prstGeom prst="rect">
-            <a:avLst/>
-          </a:prstGeom>
-          <a:noFill/>
-          <a:extLst>
-            <a:ext uri="{909E8E84-426E-40DD-AFC4-6F175D3DCCD1}">
-              <a14:hiddenFill xmlns:a14="http://schemas.microsoft.com/office/drawing/2010/main">
-                <a:solidFill>
-                  <a:srgbClr val="FFFFFF"/>
-                </a:solidFill>
-              </a14:hiddenFill>
-            </a:ext>
-          </a:extLst>
-        </p:spPr>
-      </p:pic>
     </p:spTree>
     <p:extLst>
       <p:ext uri="{BB962C8B-B14F-4D97-AF65-F5344CB8AC3E}">
-        <p14:creationId xmlns:p14="http://schemas.microsoft.com/office/powerpoint/2010/main" val="2483830330"/>
+        <p14:creationId xmlns:p14="http://schemas.microsoft.com/office/powerpoint/2010/main" val="2800974292"/>
       </p:ext>
     </p:extLst>
   </p:cSld>
@@ -6815,161 +5658,24 @@
                 <a:latin typeface="UTM Helve" panose="02040603050506020204" pitchFamily="18" charset="0"/>
                 <a:ea typeface="Roboto" pitchFamily="2" charset="0"/>
               </a:rPr>
-              <a:t>10.3 Hoạt động học viên</a:t>
-            </a:r>
-            <a:endParaRPr lang="en-US" sz="2400" b="1" dirty="0">
-              <a:solidFill>
-                <a:srgbClr val="EC5F77"/>
-              </a:solidFill>
-              <a:latin typeface="UTM Helve" panose="02040603050506020204" pitchFamily="18" charset="0"/>
-              <a:ea typeface="Roboto" pitchFamily="2" charset="0"/>
-            </a:endParaRPr>
-          </a:p>
-        </p:txBody>
-      </p:sp>
-      <p:sp>
-        <p:nvSpPr>
-          <p:cNvPr id="21" name="Title 1"/>
-          <p:cNvSpPr txBox="1">
-            <a:spLocks/>
-          </p:cNvSpPr>
-          <p:nvPr/>
-        </p:nvSpPr>
-        <p:spPr>
-          <a:xfrm>
-            <a:off x="542728" y="1862928"/>
-            <a:ext cx="4320820" cy="2360214"/>
-          </a:xfrm>
-          <a:prstGeom prst="rect">
-            <a:avLst/>
-          </a:prstGeom>
-        </p:spPr>
-        <p:txBody>
-          <a:bodyPr/>
-          <a:lstStyle>
-            <a:lvl1pPr algn="l" defTabSz="914400" rtl="0" eaLnBrk="1" latinLnBrk="0" hangingPunct="1">
-              <a:lnSpc>
-                <a:spcPct val="90000"/>
-              </a:lnSpc>
-              <a:spcBef>
-                <a:spcPct val="0"/>
-              </a:spcBef>
-              <a:buNone/>
-              <a:defRPr sz="3200" b="1" kern="1200">
-                <a:solidFill>
-                  <a:srgbClr val="019DD0"/>
-                </a:solidFill>
-                <a:latin typeface="Arial" panose="020B0604020202020204" pitchFamily="34" charset="0"/>
-                <a:ea typeface="+mj-ea"/>
-                <a:cs typeface="Arial" panose="020B0604020202020204" pitchFamily="34" charset="0"/>
-              </a:defRPr>
-            </a:lvl1pPr>
-          </a:lstStyle>
-          <a:p>
-            <a:pPr>
-              <a:lnSpc>
-                <a:spcPct val="100000"/>
-              </a:lnSpc>
-            </a:pPr>
-            <a:r>
-              <a:rPr lang="vi-VN" sz="2000" b="0" dirty="0">
-                <a:solidFill>
-                  <a:schemeClr val="tx1">
-                    <a:lumMod val="95000"/>
-                    <a:lumOff val="5000"/>
-                  </a:schemeClr>
-                </a:solidFill>
-                <a:ea typeface="Roboto Condensed" pitchFamily="2" charset="0"/>
-              </a:rPr>
-              <a:t>Để tăng sự thu hút của mọi người và nhường đường để xe chạy, bạn có thể vừa cho đèn RGB LED nhấp nháy liên </a:t>
-            </a:r>
-            <a:r>
-              <a:rPr lang="vi-VN" sz="2000" b="0" dirty="0" smtClean="0">
-                <a:solidFill>
-                  <a:schemeClr val="tx1">
-                    <a:lumMod val="95000"/>
-                    <a:lumOff val="5000"/>
-                  </a:schemeClr>
-                </a:solidFill>
-                <a:ea typeface="Roboto Condensed" pitchFamily="2" charset="0"/>
-              </a:rPr>
-              <a:t>tục</a:t>
-            </a:r>
-            <a:r>
-              <a:rPr lang="en-US" sz="2000" b="0" dirty="0" smtClean="0">
-                <a:solidFill>
-                  <a:schemeClr val="tx1">
-                    <a:lumMod val="95000"/>
-                    <a:lumOff val="5000"/>
-                  </a:schemeClr>
-                </a:solidFill>
-                <a:ea typeface="Roboto Condensed" pitchFamily="2" charset="0"/>
-              </a:rPr>
-              <a:t> 2 màu Xanh Đỏ</a:t>
-            </a:r>
-            <a:r>
-              <a:rPr lang="vi-VN" sz="2000" b="0" dirty="0" smtClean="0">
-                <a:solidFill>
-                  <a:schemeClr val="tx1">
-                    <a:lumMod val="95000"/>
-                    <a:lumOff val="5000"/>
-                  </a:schemeClr>
-                </a:solidFill>
-                <a:ea typeface="Roboto Condensed" pitchFamily="2" charset="0"/>
-              </a:rPr>
-              <a:t> </a:t>
-            </a:r>
-            <a:r>
-              <a:rPr lang="vi-VN" sz="2000" b="0" dirty="0">
-                <a:solidFill>
-                  <a:schemeClr val="tx1">
-                    <a:lumMod val="95000"/>
-                    <a:lumOff val="5000"/>
-                  </a:schemeClr>
-                </a:solidFill>
-                <a:ea typeface="Roboto Condensed" pitchFamily="2" charset="0"/>
-              </a:rPr>
-              <a:t>vừa phát ra tiếng còi báo động </a:t>
-            </a:r>
-            <a:r>
-              <a:rPr lang="vi-VN" sz="2000" b="0" dirty="0" smtClean="0">
-                <a:solidFill>
-                  <a:schemeClr val="tx1">
-                    <a:lumMod val="95000"/>
-                    <a:lumOff val="5000"/>
-                  </a:schemeClr>
-                </a:solidFill>
-                <a:ea typeface="Roboto Condensed" pitchFamily="2" charset="0"/>
-              </a:rPr>
-              <a:t>bằng </a:t>
-            </a:r>
-            <a:r>
-              <a:rPr lang="vi-VN" sz="2000" b="0" dirty="0">
-                <a:solidFill>
-                  <a:schemeClr val="tx1">
-                    <a:lumMod val="95000"/>
-                    <a:lumOff val="5000"/>
-                  </a:schemeClr>
-                </a:solidFill>
-                <a:ea typeface="Roboto Condensed" pitchFamily="2" charset="0"/>
-              </a:rPr>
-              <a:t>các khối âm thanh</a:t>
-            </a:r>
-            <a:endParaRPr lang="en-US" sz="2000" b="0" dirty="0" smtClean="0">
-              <a:solidFill>
-                <a:schemeClr val="tx1">
-                  <a:lumMod val="95000"/>
-                  <a:lumOff val="5000"/>
-                </a:schemeClr>
-              </a:solidFill>
-              <a:ea typeface="Roboto Condensed" pitchFamily="2" charset="0"/>
-            </a:endParaRPr>
-          </a:p>
-        </p:txBody>
-      </p:sp>
-      <p:sp>
-        <p:nvSpPr>
-          <p:cNvPr id="14" name="TextBox 13"/>
+              <a:t>13.4 Hoạt </a:t>
+            </a:r>
+            <a:r>
+              <a:rPr lang="en-US" sz="2400" b="1" dirty="0">
+                <a:solidFill>
+                  <a:srgbClr val="EC5F77"/>
+                </a:solidFill>
+                <a:latin typeface="UTM Helve" panose="02040603050506020204" pitchFamily="18" charset="0"/>
+                <a:ea typeface="Roboto" pitchFamily="2" charset="0"/>
+              </a:rPr>
+              <a:t>động học viên</a:t>
+            </a:r>
+          </a:p>
+        </p:txBody>
+      </p:sp>
+      <p:sp>
+        <p:nvSpPr>
+          <p:cNvPr id="7" name="TextBox 6"/>
           <p:cNvSpPr txBox="1"/>
           <p:nvPr/>
         </p:nvSpPr>
@@ -7017,7 +5723,7 @@
       </p:sp>
       <p:pic>
         <p:nvPicPr>
-          <p:cNvPr id="15" name="Picture 14"/>
+          <p:cNvPr id="8" name="Picture 7"/>
           <p:cNvPicPr>
             <a:picLocks noChangeAspect="1"/>
           </p:cNvPicPr>
@@ -7047,32 +5753,132 @@
       </p:pic>
       <p:sp>
         <p:nvSpPr>
-          <p:cNvPr id="9" name="Rounded Rectangle 8"/>
+          <p:cNvPr id="11" name="Rectangle 10"/>
           <p:cNvSpPr/>
           <p:nvPr/>
         </p:nvSpPr>
         <p:spPr>
           <a:xfrm>
-            <a:off x="542728" y="4479234"/>
-            <a:ext cx="4087458" cy="1842053"/>
-          </a:xfrm>
-          <a:prstGeom prst="roundRect">
-            <a:avLst>
-              <a:gd name="adj" fmla="val 7971"/>
-            </a:avLst>
-          </a:prstGeom>
-          <a:gradFill flip="none" rotWithShape="1">
-            <a:gsLst>
-              <a:gs pos="15000">
-                <a:srgbClr val="EC5F77"/>
-              </a:gs>
-              <a:gs pos="100000">
-                <a:srgbClr val="A8589E"/>
-              </a:gs>
-            </a:gsLst>
-            <a:lin ang="0" scaled="1"/>
-            <a:tileRect/>
-          </a:gradFill>
+            <a:off x="418918" y="1761309"/>
+            <a:ext cx="8605811" cy="369332"/>
+          </a:xfrm>
+          <a:prstGeom prst="rect">
+            <a:avLst/>
+          </a:prstGeom>
+        </p:spPr>
+        <p:txBody>
+          <a:bodyPr wrap="square">
+            <a:spAutoFit/>
+          </a:bodyPr>
+          <a:lstStyle/>
+          <a:p>
+            <a:r>
+              <a:rPr lang="en-US" dirty="0" smtClean="0"/>
+              <a:t>Sử dụng zoom:bit giả làm một xe cảnh sát với yêu cầu chương trình như sau:</a:t>
+            </a:r>
+          </a:p>
+        </p:txBody>
+      </p:sp>
+      <p:sp>
+        <p:nvSpPr>
+          <p:cNvPr id="19" name="Title 1"/>
+          <p:cNvSpPr txBox="1">
+            <a:spLocks/>
+          </p:cNvSpPr>
+          <p:nvPr/>
+        </p:nvSpPr>
+        <p:spPr>
+          <a:xfrm>
+            <a:off x="770775" y="2203380"/>
+            <a:ext cx="7790129" cy="772904"/>
+          </a:xfrm>
+          <a:prstGeom prst="rect">
+            <a:avLst/>
+          </a:prstGeom>
+        </p:spPr>
+        <p:txBody>
+          <a:bodyPr/>
+          <a:lstStyle>
+            <a:lvl1pPr algn="l" defTabSz="914400" rtl="0" eaLnBrk="1" latinLnBrk="0" hangingPunct="1">
+              <a:lnSpc>
+                <a:spcPct val="90000"/>
+              </a:lnSpc>
+              <a:spcBef>
+                <a:spcPct val="0"/>
+              </a:spcBef>
+              <a:buNone/>
+              <a:defRPr sz="3200" b="1" kern="1200">
+                <a:solidFill>
+                  <a:srgbClr val="019DD0"/>
+                </a:solidFill>
+                <a:latin typeface="Arial" panose="020B0604020202020204" pitchFamily="34" charset="0"/>
+                <a:ea typeface="+mj-ea"/>
+                <a:cs typeface="Arial" panose="020B0604020202020204" pitchFamily="34" charset="0"/>
+              </a:defRPr>
+            </a:lvl1pPr>
+          </a:lstStyle>
+          <a:p>
+            <a:pPr>
+              <a:lnSpc>
+                <a:spcPct val="100000"/>
+              </a:lnSpc>
+            </a:pPr>
+            <a:r>
+              <a:rPr lang="vi-VN" sz="2000" b="0" dirty="0">
+                <a:solidFill>
+                  <a:schemeClr val="tx1">
+                    <a:lumMod val="95000"/>
+                    <a:lumOff val="5000"/>
+                  </a:schemeClr>
+                </a:solidFill>
+                <a:ea typeface="Roboto Condensed" pitchFamily="2" charset="0"/>
+              </a:rPr>
+              <a:t>Khởi động lên thì cho Servo xoay đầu phía trước, </a:t>
+            </a:r>
+            <a:r>
+              <a:rPr lang="vi-VN" sz="2000" b="0" dirty="0" smtClean="0">
+                <a:solidFill>
+                  <a:schemeClr val="tx1">
+                    <a:lumMod val="95000"/>
+                    <a:lumOff val="5000"/>
+                  </a:schemeClr>
+                </a:solidFill>
+                <a:ea typeface="Roboto Condensed" pitchFamily="2" charset="0"/>
+              </a:rPr>
+              <a:t>Màn </a:t>
+            </a:r>
+            <a:r>
+              <a:rPr lang="vi-VN" sz="2000" b="0" dirty="0">
+                <a:solidFill>
+                  <a:schemeClr val="tx1">
+                    <a:lumMod val="95000"/>
+                    <a:lumOff val="5000"/>
+                  </a:schemeClr>
+                </a:solidFill>
+                <a:ea typeface="Roboto Condensed" pitchFamily="2" charset="0"/>
+              </a:rPr>
+              <a:t>hình LED hiển thị mặt cười. Bật âm thanh power up</a:t>
+            </a:r>
+          </a:p>
+        </p:txBody>
+      </p:sp>
+      <p:sp>
+        <p:nvSpPr>
+          <p:cNvPr id="20" name="Rectangle 19"/>
+          <p:cNvSpPr/>
+          <p:nvPr/>
+        </p:nvSpPr>
+        <p:spPr>
+          <a:xfrm>
+            <a:off x="542728" y="3083694"/>
+            <a:ext cx="172836" cy="176901"/>
+          </a:xfrm>
+          <a:prstGeom prst="rect">
+            <a:avLst/>
+          </a:prstGeom>
+          <a:solidFill>
+            <a:srgbClr val="EC5F77"/>
+          </a:solidFill>
           <a:ln>
             <a:noFill/>
           </a:ln>
@@ -7097,6 +5903,1334 @@
           <a:bodyPr rtlCol="0" anchor="ctr"/>
           <a:lstStyle/>
           <a:p>
+            <a:pPr algn="ctr"/>
+            <a:endParaRPr lang="en-US"/>
+          </a:p>
+        </p:txBody>
+      </p:sp>
+      <p:sp>
+        <p:nvSpPr>
+          <p:cNvPr id="22" name="Rectangle 21"/>
+          <p:cNvSpPr/>
+          <p:nvPr/>
+        </p:nvSpPr>
+        <p:spPr>
+          <a:xfrm>
+            <a:off x="542728" y="3633435"/>
+            <a:ext cx="172836" cy="176901"/>
+          </a:xfrm>
+          <a:prstGeom prst="rect">
+            <a:avLst/>
+          </a:prstGeom>
+          <a:solidFill>
+            <a:srgbClr val="EC5F77"/>
+          </a:solidFill>
+          <a:ln>
+            <a:noFill/>
+          </a:ln>
+        </p:spPr>
+        <p:style>
+          <a:lnRef idx="2">
+            <a:schemeClr val="accent1">
+              <a:shade val="50000"/>
+            </a:schemeClr>
+          </a:lnRef>
+          <a:fillRef idx="1">
+            <a:schemeClr val="accent1"/>
+          </a:fillRef>
+          <a:effectRef idx="0">
+            <a:schemeClr val="accent1"/>
+          </a:effectRef>
+          <a:fontRef idx="minor">
+            <a:schemeClr val="lt1"/>
+          </a:fontRef>
+        </p:style>
+        <p:txBody>
+          <a:bodyPr rtlCol="0" anchor="ctr"/>
+          <a:lstStyle/>
+          <a:p>
+            <a:pPr algn="ctr"/>
+            <a:endParaRPr lang="en-US"/>
+          </a:p>
+        </p:txBody>
+      </p:sp>
+      <p:sp>
+        <p:nvSpPr>
+          <p:cNvPr id="23" name="Title 1"/>
+          <p:cNvSpPr txBox="1">
+            <a:spLocks/>
+          </p:cNvSpPr>
+          <p:nvPr/>
+        </p:nvSpPr>
+        <p:spPr>
+          <a:xfrm>
+            <a:off x="770775" y="3501799"/>
+            <a:ext cx="4636112" cy="784842"/>
+          </a:xfrm>
+          <a:prstGeom prst="rect">
+            <a:avLst/>
+          </a:prstGeom>
+        </p:spPr>
+        <p:txBody>
+          <a:bodyPr/>
+          <a:lstStyle>
+            <a:lvl1pPr algn="l" defTabSz="914400" rtl="0" eaLnBrk="1" latinLnBrk="0" hangingPunct="1">
+              <a:lnSpc>
+                <a:spcPct val="90000"/>
+              </a:lnSpc>
+              <a:spcBef>
+                <a:spcPct val="0"/>
+              </a:spcBef>
+              <a:buNone/>
+              <a:defRPr sz="3200" b="1" kern="1200">
+                <a:solidFill>
+                  <a:srgbClr val="019DD0"/>
+                </a:solidFill>
+                <a:latin typeface="Arial" panose="020B0604020202020204" pitchFamily="34" charset="0"/>
+                <a:ea typeface="+mj-ea"/>
+                <a:cs typeface="Arial" panose="020B0604020202020204" pitchFamily="34" charset="0"/>
+              </a:defRPr>
+            </a:lvl1pPr>
+          </a:lstStyle>
+          <a:p>
+            <a:pPr>
+              <a:lnSpc>
+                <a:spcPct val="100000"/>
+              </a:lnSpc>
+            </a:pPr>
+            <a:r>
+              <a:rPr lang="vi-VN" sz="2000" b="0" dirty="0">
+                <a:solidFill>
+                  <a:schemeClr val="tx1">
+                    <a:lumMod val="95000"/>
+                    <a:lumOff val="5000"/>
+                  </a:schemeClr>
+                </a:solidFill>
+                <a:ea typeface="Roboto Condensed" pitchFamily="2" charset="0"/>
+              </a:rPr>
+              <a:t>Nhấn button A, </a:t>
+            </a:r>
+            <a:r>
+              <a:rPr lang="en-US" sz="2000" b="0" dirty="0" smtClean="0">
+                <a:solidFill>
+                  <a:schemeClr val="tx1">
+                    <a:lumMod val="95000"/>
+                    <a:lumOff val="5000"/>
+                  </a:schemeClr>
+                </a:solidFill>
+                <a:ea typeface="Roboto Condensed" pitchFamily="2" charset="0"/>
+              </a:rPr>
+              <a:t>đầu </a:t>
+            </a:r>
+            <a:r>
+              <a:rPr lang="vi-VN" sz="2000" b="0" dirty="0" smtClean="0">
+                <a:solidFill>
+                  <a:schemeClr val="tx1">
+                    <a:lumMod val="95000"/>
+                    <a:lumOff val="5000"/>
+                  </a:schemeClr>
+                </a:solidFill>
+                <a:ea typeface="Roboto Condensed" pitchFamily="2" charset="0"/>
+              </a:rPr>
+              <a:t>xoay </a:t>
+            </a:r>
+            <a:r>
+              <a:rPr lang="en-US" sz="2000" b="0" dirty="0" smtClean="0">
+                <a:solidFill>
+                  <a:schemeClr val="tx1">
+                    <a:lumMod val="95000"/>
+                    <a:lumOff val="5000"/>
+                  </a:schemeClr>
+                </a:solidFill>
+                <a:ea typeface="Roboto Condensed" pitchFamily="2" charset="0"/>
+              </a:rPr>
+              <a:t>phải</a:t>
+            </a:r>
+            <a:r>
+              <a:rPr lang="vi-VN" sz="2000" b="0" dirty="0" smtClean="0">
+                <a:solidFill>
+                  <a:schemeClr val="tx1">
+                    <a:lumMod val="95000"/>
+                    <a:lumOff val="5000"/>
+                  </a:schemeClr>
+                </a:solidFill>
+                <a:ea typeface="Roboto Condensed" pitchFamily="2" charset="0"/>
+              </a:rPr>
+              <a:t>, </a:t>
+            </a:r>
+            <a:r>
+              <a:rPr lang="vi-VN" sz="2000" b="0" dirty="0">
+                <a:solidFill>
+                  <a:schemeClr val="tx1">
+                    <a:lumMod val="95000"/>
+                    <a:lumOff val="5000"/>
+                  </a:schemeClr>
+                </a:solidFill>
+                <a:ea typeface="Roboto Condensed" pitchFamily="2" charset="0"/>
+              </a:rPr>
+              <a:t>màn hình LED hiển thị mũi trên hướng </a:t>
+            </a:r>
+            <a:r>
+              <a:rPr lang="en-US" sz="2000" b="0" dirty="0" smtClean="0">
+                <a:solidFill>
+                  <a:schemeClr val="tx1">
+                    <a:lumMod val="95000"/>
+                    <a:lumOff val="5000"/>
+                  </a:schemeClr>
+                </a:solidFill>
+                <a:ea typeface="Roboto Condensed" pitchFamily="2" charset="0"/>
+              </a:rPr>
+              <a:t>phải</a:t>
+            </a:r>
+          </a:p>
+        </p:txBody>
+      </p:sp>
+      <p:sp>
+        <p:nvSpPr>
+          <p:cNvPr id="29" name="Rectangle 28"/>
+          <p:cNvSpPr/>
+          <p:nvPr/>
+        </p:nvSpPr>
+        <p:spPr>
+          <a:xfrm>
+            <a:off x="542728" y="2349633"/>
+            <a:ext cx="172836" cy="176901"/>
+          </a:xfrm>
+          <a:prstGeom prst="rect">
+            <a:avLst/>
+          </a:prstGeom>
+          <a:solidFill>
+            <a:srgbClr val="EC5F77"/>
+          </a:solidFill>
+          <a:ln>
+            <a:noFill/>
+          </a:ln>
+        </p:spPr>
+        <p:style>
+          <a:lnRef idx="2">
+            <a:schemeClr val="accent1">
+              <a:shade val="50000"/>
+            </a:schemeClr>
+          </a:lnRef>
+          <a:fillRef idx="1">
+            <a:schemeClr val="accent1"/>
+          </a:fillRef>
+          <a:effectRef idx="0">
+            <a:schemeClr val="accent1"/>
+          </a:effectRef>
+          <a:fontRef idx="minor">
+            <a:schemeClr val="lt1"/>
+          </a:fontRef>
+        </p:style>
+        <p:txBody>
+          <a:bodyPr rtlCol="0" anchor="ctr"/>
+          <a:lstStyle/>
+          <a:p>
+            <a:pPr algn="ctr"/>
+            <a:endParaRPr lang="en-US"/>
+          </a:p>
+        </p:txBody>
+      </p:sp>
+      <p:sp>
+        <p:nvSpPr>
+          <p:cNvPr id="21" name="Title 1"/>
+          <p:cNvSpPr txBox="1">
+            <a:spLocks/>
+          </p:cNvSpPr>
+          <p:nvPr/>
+        </p:nvSpPr>
+        <p:spPr>
+          <a:xfrm>
+            <a:off x="770775" y="2952058"/>
+            <a:ext cx="4225295" cy="485199"/>
+          </a:xfrm>
+          <a:prstGeom prst="rect">
+            <a:avLst/>
+          </a:prstGeom>
+        </p:spPr>
+        <p:txBody>
+          <a:bodyPr/>
+          <a:lstStyle>
+            <a:lvl1pPr algn="l" defTabSz="914400" rtl="0" eaLnBrk="1" latinLnBrk="0" hangingPunct="1">
+              <a:lnSpc>
+                <a:spcPct val="90000"/>
+              </a:lnSpc>
+              <a:spcBef>
+                <a:spcPct val="0"/>
+              </a:spcBef>
+              <a:buNone/>
+              <a:defRPr sz="3200" b="1" kern="1200">
+                <a:solidFill>
+                  <a:srgbClr val="019DD0"/>
+                </a:solidFill>
+                <a:latin typeface="Arial" panose="020B0604020202020204" pitchFamily="34" charset="0"/>
+                <a:ea typeface="+mj-ea"/>
+                <a:cs typeface="Arial" panose="020B0604020202020204" pitchFamily="34" charset="0"/>
+              </a:defRPr>
+            </a:lvl1pPr>
+          </a:lstStyle>
+          <a:p>
+            <a:pPr>
+              <a:lnSpc>
+                <a:spcPct val="100000"/>
+              </a:lnSpc>
+            </a:pPr>
+            <a:r>
+              <a:rPr lang="en-US" sz="2000" b="0" dirty="0" smtClean="0">
+                <a:solidFill>
+                  <a:schemeClr val="tx1">
+                    <a:lumMod val="95000"/>
+                    <a:lumOff val="5000"/>
+                  </a:schemeClr>
+                </a:solidFill>
+                <a:ea typeface="Roboto Condensed" pitchFamily="2" charset="0"/>
+              </a:rPr>
+              <a:t>Đèn trước tự động sáng khi trời tối</a:t>
+            </a:r>
+          </a:p>
+        </p:txBody>
+      </p:sp>
+      <p:sp>
+        <p:nvSpPr>
+          <p:cNvPr id="17" name="Rectangle 16"/>
+          <p:cNvSpPr/>
+          <p:nvPr/>
+        </p:nvSpPr>
+        <p:spPr>
+          <a:xfrm>
+            <a:off x="542728" y="4388809"/>
+            <a:ext cx="172836" cy="176901"/>
+          </a:xfrm>
+          <a:prstGeom prst="rect">
+            <a:avLst/>
+          </a:prstGeom>
+          <a:solidFill>
+            <a:srgbClr val="EC5F77"/>
+          </a:solidFill>
+          <a:ln>
+            <a:noFill/>
+          </a:ln>
+        </p:spPr>
+        <p:style>
+          <a:lnRef idx="2">
+            <a:schemeClr val="accent1">
+              <a:shade val="50000"/>
+            </a:schemeClr>
+          </a:lnRef>
+          <a:fillRef idx="1">
+            <a:schemeClr val="accent1"/>
+          </a:fillRef>
+          <a:effectRef idx="0">
+            <a:schemeClr val="accent1"/>
+          </a:effectRef>
+          <a:fontRef idx="minor">
+            <a:schemeClr val="lt1"/>
+          </a:fontRef>
+        </p:style>
+        <p:txBody>
+          <a:bodyPr rtlCol="0" anchor="ctr"/>
+          <a:lstStyle/>
+          <a:p>
+            <a:pPr algn="ctr"/>
+            <a:endParaRPr lang="en-US"/>
+          </a:p>
+        </p:txBody>
+      </p:sp>
+      <p:sp>
+        <p:nvSpPr>
+          <p:cNvPr id="18" name="Title 1"/>
+          <p:cNvSpPr txBox="1">
+            <a:spLocks/>
+          </p:cNvSpPr>
+          <p:nvPr/>
+        </p:nvSpPr>
+        <p:spPr>
+          <a:xfrm>
+            <a:off x="770775" y="4257173"/>
+            <a:ext cx="4636112" cy="784842"/>
+          </a:xfrm>
+          <a:prstGeom prst="rect">
+            <a:avLst/>
+          </a:prstGeom>
+        </p:spPr>
+        <p:txBody>
+          <a:bodyPr/>
+          <a:lstStyle>
+            <a:lvl1pPr algn="l" defTabSz="914400" rtl="0" eaLnBrk="1" latinLnBrk="0" hangingPunct="1">
+              <a:lnSpc>
+                <a:spcPct val="90000"/>
+              </a:lnSpc>
+              <a:spcBef>
+                <a:spcPct val="0"/>
+              </a:spcBef>
+              <a:buNone/>
+              <a:defRPr sz="3200" b="1" kern="1200">
+                <a:solidFill>
+                  <a:srgbClr val="019DD0"/>
+                </a:solidFill>
+                <a:latin typeface="Arial" panose="020B0604020202020204" pitchFamily="34" charset="0"/>
+                <a:ea typeface="+mj-ea"/>
+                <a:cs typeface="Arial" panose="020B0604020202020204" pitchFamily="34" charset="0"/>
+              </a:defRPr>
+            </a:lvl1pPr>
+          </a:lstStyle>
+          <a:p>
+            <a:pPr>
+              <a:lnSpc>
+                <a:spcPct val="100000"/>
+              </a:lnSpc>
+            </a:pPr>
+            <a:r>
+              <a:rPr lang="vi-VN" sz="2000" b="0" dirty="0">
+                <a:solidFill>
+                  <a:schemeClr val="tx1">
+                    <a:lumMod val="95000"/>
+                    <a:lumOff val="5000"/>
+                  </a:schemeClr>
+                </a:solidFill>
+                <a:ea typeface="Roboto Condensed" pitchFamily="2" charset="0"/>
+              </a:rPr>
+              <a:t>Nhấn button </a:t>
+            </a:r>
+            <a:r>
+              <a:rPr lang="en-US" sz="2000" b="0" dirty="0" smtClean="0">
+                <a:solidFill>
+                  <a:schemeClr val="tx1">
+                    <a:lumMod val="95000"/>
+                    <a:lumOff val="5000"/>
+                  </a:schemeClr>
+                </a:solidFill>
+                <a:ea typeface="Roboto Condensed" pitchFamily="2" charset="0"/>
+              </a:rPr>
+              <a:t>B</a:t>
+            </a:r>
+            <a:r>
+              <a:rPr lang="vi-VN" sz="2000" b="0" dirty="0" smtClean="0">
+                <a:solidFill>
+                  <a:schemeClr val="tx1">
+                    <a:lumMod val="95000"/>
+                    <a:lumOff val="5000"/>
+                  </a:schemeClr>
+                </a:solidFill>
+                <a:ea typeface="Roboto Condensed" pitchFamily="2" charset="0"/>
+              </a:rPr>
+              <a:t>, </a:t>
+            </a:r>
+            <a:r>
+              <a:rPr lang="en-US" sz="2000" b="0" dirty="0" smtClean="0">
+                <a:solidFill>
+                  <a:schemeClr val="tx1">
+                    <a:lumMod val="95000"/>
+                    <a:lumOff val="5000"/>
+                  </a:schemeClr>
+                </a:solidFill>
+                <a:ea typeface="Roboto Condensed" pitchFamily="2" charset="0"/>
+              </a:rPr>
+              <a:t>đầu </a:t>
+            </a:r>
+            <a:r>
+              <a:rPr lang="vi-VN" sz="2000" b="0" dirty="0" smtClean="0">
+                <a:solidFill>
+                  <a:schemeClr val="tx1">
+                    <a:lumMod val="95000"/>
+                    <a:lumOff val="5000"/>
+                  </a:schemeClr>
+                </a:solidFill>
+                <a:ea typeface="Roboto Condensed" pitchFamily="2" charset="0"/>
+              </a:rPr>
+              <a:t>xoay </a:t>
+            </a:r>
+            <a:r>
+              <a:rPr lang="en-US" sz="2000" b="0" dirty="0" smtClean="0">
+                <a:solidFill>
+                  <a:schemeClr val="tx1">
+                    <a:lumMod val="95000"/>
+                    <a:lumOff val="5000"/>
+                  </a:schemeClr>
+                </a:solidFill>
+                <a:ea typeface="Roboto Condensed" pitchFamily="2" charset="0"/>
+              </a:rPr>
+              <a:t>trái</a:t>
+            </a:r>
+            <a:r>
+              <a:rPr lang="vi-VN" sz="2000" b="0" dirty="0" smtClean="0">
+                <a:solidFill>
+                  <a:schemeClr val="tx1">
+                    <a:lumMod val="95000"/>
+                    <a:lumOff val="5000"/>
+                  </a:schemeClr>
+                </a:solidFill>
+                <a:ea typeface="Roboto Condensed" pitchFamily="2" charset="0"/>
+              </a:rPr>
+              <a:t>, </a:t>
+            </a:r>
+            <a:r>
+              <a:rPr lang="vi-VN" sz="2000" b="0" dirty="0">
+                <a:solidFill>
+                  <a:schemeClr val="tx1">
+                    <a:lumMod val="95000"/>
+                    <a:lumOff val="5000"/>
+                  </a:schemeClr>
+                </a:solidFill>
+                <a:ea typeface="Roboto Condensed" pitchFamily="2" charset="0"/>
+              </a:rPr>
+              <a:t>màn hình LED hiển thị mũi trên hướng </a:t>
+            </a:r>
+            <a:r>
+              <a:rPr lang="en-US" sz="2000" b="0" dirty="0" smtClean="0">
+                <a:solidFill>
+                  <a:schemeClr val="tx1">
+                    <a:lumMod val="95000"/>
+                    <a:lumOff val="5000"/>
+                  </a:schemeClr>
+                </a:solidFill>
+                <a:ea typeface="Roboto Condensed" pitchFamily="2" charset="0"/>
+              </a:rPr>
+              <a:t>trái</a:t>
+            </a:r>
+          </a:p>
+        </p:txBody>
+      </p:sp>
+      <p:sp>
+        <p:nvSpPr>
+          <p:cNvPr id="24" name="Rectangle 23"/>
+          <p:cNvSpPr/>
+          <p:nvPr/>
+        </p:nvSpPr>
+        <p:spPr>
+          <a:xfrm>
+            <a:off x="542728" y="5170571"/>
+            <a:ext cx="172836" cy="176901"/>
+          </a:xfrm>
+          <a:prstGeom prst="rect">
+            <a:avLst/>
+          </a:prstGeom>
+          <a:solidFill>
+            <a:srgbClr val="EC5F77"/>
+          </a:solidFill>
+          <a:ln>
+            <a:noFill/>
+          </a:ln>
+        </p:spPr>
+        <p:style>
+          <a:lnRef idx="2">
+            <a:schemeClr val="accent1">
+              <a:shade val="50000"/>
+            </a:schemeClr>
+          </a:lnRef>
+          <a:fillRef idx="1">
+            <a:schemeClr val="accent1"/>
+          </a:fillRef>
+          <a:effectRef idx="0">
+            <a:schemeClr val="accent1"/>
+          </a:effectRef>
+          <a:fontRef idx="minor">
+            <a:schemeClr val="lt1"/>
+          </a:fontRef>
+        </p:style>
+        <p:txBody>
+          <a:bodyPr rtlCol="0" anchor="ctr"/>
+          <a:lstStyle/>
+          <a:p>
+            <a:pPr algn="ctr"/>
+            <a:endParaRPr lang="en-US"/>
+          </a:p>
+        </p:txBody>
+      </p:sp>
+      <p:sp>
+        <p:nvSpPr>
+          <p:cNvPr id="25" name="Title 1"/>
+          <p:cNvSpPr txBox="1">
+            <a:spLocks/>
+          </p:cNvSpPr>
+          <p:nvPr/>
+        </p:nvSpPr>
+        <p:spPr>
+          <a:xfrm>
+            <a:off x="770775" y="5038935"/>
+            <a:ext cx="4967416" cy="784842"/>
+          </a:xfrm>
+          <a:prstGeom prst="rect">
+            <a:avLst/>
+          </a:prstGeom>
+        </p:spPr>
+        <p:txBody>
+          <a:bodyPr/>
+          <a:lstStyle>
+            <a:lvl1pPr algn="l" defTabSz="914400" rtl="0" eaLnBrk="1" latinLnBrk="0" hangingPunct="1">
+              <a:lnSpc>
+                <a:spcPct val="90000"/>
+              </a:lnSpc>
+              <a:spcBef>
+                <a:spcPct val="0"/>
+              </a:spcBef>
+              <a:buNone/>
+              <a:defRPr sz="3200" b="1" kern="1200">
+                <a:solidFill>
+                  <a:srgbClr val="019DD0"/>
+                </a:solidFill>
+                <a:latin typeface="Arial" panose="020B0604020202020204" pitchFamily="34" charset="0"/>
+                <a:ea typeface="+mj-ea"/>
+                <a:cs typeface="Arial" panose="020B0604020202020204" pitchFamily="34" charset="0"/>
+              </a:defRPr>
+            </a:lvl1pPr>
+          </a:lstStyle>
+          <a:p>
+            <a:pPr>
+              <a:lnSpc>
+                <a:spcPct val="100000"/>
+              </a:lnSpc>
+            </a:pPr>
+            <a:r>
+              <a:rPr lang="vi-VN" sz="2000" b="0" dirty="0">
+                <a:solidFill>
+                  <a:schemeClr val="tx1">
+                    <a:lumMod val="95000"/>
+                    <a:lumOff val="5000"/>
+                  </a:schemeClr>
+                </a:solidFill>
+                <a:ea typeface="Roboto Condensed" pitchFamily="2" charset="0"/>
+              </a:rPr>
+              <a:t>Nhấn button </a:t>
+            </a:r>
+            <a:r>
+              <a:rPr lang="en-US" sz="2000" b="0" dirty="0" smtClean="0">
+                <a:solidFill>
+                  <a:schemeClr val="tx1">
+                    <a:lumMod val="95000"/>
+                    <a:lumOff val="5000"/>
+                  </a:schemeClr>
+                </a:solidFill>
+                <a:ea typeface="Roboto Condensed" pitchFamily="2" charset="0"/>
+              </a:rPr>
+              <a:t>A+B</a:t>
+            </a:r>
+            <a:r>
+              <a:rPr lang="vi-VN" sz="2000" b="0" dirty="0" smtClean="0">
+                <a:solidFill>
+                  <a:schemeClr val="tx1">
+                    <a:lumMod val="95000"/>
+                    <a:lumOff val="5000"/>
+                  </a:schemeClr>
+                </a:solidFill>
+                <a:ea typeface="Roboto Condensed" pitchFamily="2" charset="0"/>
+              </a:rPr>
+              <a:t>, </a:t>
+            </a:r>
+            <a:r>
+              <a:rPr lang="en-US" sz="2000" b="0" dirty="0" smtClean="0">
+                <a:solidFill>
+                  <a:schemeClr val="tx1">
+                    <a:lumMod val="95000"/>
+                    <a:lumOff val="5000"/>
+                  </a:schemeClr>
+                </a:solidFill>
+                <a:ea typeface="Roboto Condensed" pitchFamily="2" charset="0"/>
+              </a:rPr>
+              <a:t>đầu </a:t>
+            </a:r>
+            <a:r>
+              <a:rPr lang="vi-VN" sz="2000" b="0" dirty="0" smtClean="0">
+                <a:solidFill>
+                  <a:schemeClr val="tx1">
+                    <a:lumMod val="95000"/>
+                    <a:lumOff val="5000"/>
+                  </a:schemeClr>
+                </a:solidFill>
+                <a:ea typeface="Roboto Condensed" pitchFamily="2" charset="0"/>
+              </a:rPr>
+              <a:t>xoay </a:t>
+            </a:r>
+            <a:r>
+              <a:rPr lang="en-US" sz="2000" b="0" dirty="0" smtClean="0">
+                <a:solidFill>
+                  <a:schemeClr val="tx1">
+                    <a:lumMod val="95000"/>
+                    <a:lumOff val="5000"/>
+                  </a:schemeClr>
+                </a:solidFill>
+                <a:ea typeface="Roboto Condensed" pitchFamily="2" charset="0"/>
+              </a:rPr>
+              <a:t>ra trước</a:t>
+            </a:r>
+            <a:r>
+              <a:rPr lang="vi-VN" sz="2000" b="0" dirty="0" smtClean="0">
+                <a:solidFill>
+                  <a:schemeClr val="tx1">
+                    <a:lumMod val="95000"/>
+                    <a:lumOff val="5000"/>
+                  </a:schemeClr>
+                </a:solidFill>
+                <a:ea typeface="Roboto Condensed" pitchFamily="2" charset="0"/>
+              </a:rPr>
+              <a:t>, </a:t>
+            </a:r>
+            <a:r>
+              <a:rPr lang="vi-VN" sz="2000" b="0" dirty="0">
+                <a:solidFill>
+                  <a:schemeClr val="tx1">
+                    <a:lumMod val="95000"/>
+                    <a:lumOff val="5000"/>
+                  </a:schemeClr>
+                </a:solidFill>
+                <a:ea typeface="Roboto Condensed" pitchFamily="2" charset="0"/>
+              </a:rPr>
+              <a:t>màn hình LED hiển thị mũi trên hướng </a:t>
+            </a:r>
+            <a:r>
+              <a:rPr lang="en-US" sz="2000" b="0" dirty="0" smtClean="0">
+                <a:solidFill>
+                  <a:schemeClr val="tx1">
+                    <a:lumMod val="95000"/>
+                    <a:lumOff val="5000"/>
+                  </a:schemeClr>
+                </a:solidFill>
+                <a:ea typeface="Roboto Condensed" pitchFamily="2" charset="0"/>
+              </a:rPr>
+              <a:t>lên</a:t>
+            </a:r>
+          </a:p>
+        </p:txBody>
+      </p:sp>
+      <p:sp>
+        <p:nvSpPr>
+          <p:cNvPr id="26" name="Rectangle 25"/>
+          <p:cNvSpPr/>
+          <p:nvPr/>
+        </p:nvSpPr>
+        <p:spPr>
+          <a:xfrm>
+            <a:off x="542728" y="5992206"/>
+            <a:ext cx="172836" cy="176901"/>
+          </a:xfrm>
+          <a:prstGeom prst="rect">
+            <a:avLst/>
+          </a:prstGeom>
+          <a:solidFill>
+            <a:srgbClr val="EC5F77"/>
+          </a:solidFill>
+          <a:ln>
+            <a:noFill/>
+          </a:ln>
+        </p:spPr>
+        <p:style>
+          <a:lnRef idx="2">
+            <a:schemeClr val="accent1">
+              <a:shade val="50000"/>
+            </a:schemeClr>
+          </a:lnRef>
+          <a:fillRef idx="1">
+            <a:schemeClr val="accent1"/>
+          </a:fillRef>
+          <a:effectRef idx="0">
+            <a:schemeClr val="accent1"/>
+          </a:effectRef>
+          <a:fontRef idx="minor">
+            <a:schemeClr val="lt1"/>
+          </a:fontRef>
+        </p:style>
+        <p:txBody>
+          <a:bodyPr rtlCol="0" anchor="ctr"/>
+          <a:lstStyle/>
+          <a:p>
+            <a:pPr algn="ctr"/>
+            <a:endParaRPr lang="en-US"/>
+          </a:p>
+        </p:txBody>
+      </p:sp>
+      <p:sp>
+        <p:nvSpPr>
+          <p:cNvPr id="27" name="Title 1"/>
+          <p:cNvSpPr txBox="1">
+            <a:spLocks/>
+          </p:cNvSpPr>
+          <p:nvPr/>
+        </p:nvSpPr>
+        <p:spPr>
+          <a:xfrm>
+            <a:off x="770775" y="5794310"/>
+            <a:ext cx="4967416" cy="784842"/>
+          </a:xfrm>
+          <a:prstGeom prst="rect">
+            <a:avLst/>
+          </a:prstGeom>
+        </p:spPr>
+        <p:txBody>
+          <a:bodyPr/>
+          <a:lstStyle>
+            <a:lvl1pPr algn="l" defTabSz="914400" rtl="0" eaLnBrk="1" latinLnBrk="0" hangingPunct="1">
+              <a:lnSpc>
+                <a:spcPct val="90000"/>
+              </a:lnSpc>
+              <a:spcBef>
+                <a:spcPct val="0"/>
+              </a:spcBef>
+              <a:buNone/>
+              <a:defRPr sz="3200" b="1" kern="1200">
+                <a:solidFill>
+                  <a:srgbClr val="019DD0"/>
+                </a:solidFill>
+                <a:latin typeface="Arial" panose="020B0604020202020204" pitchFamily="34" charset="0"/>
+                <a:ea typeface="+mj-ea"/>
+                <a:cs typeface="Arial" panose="020B0604020202020204" pitchFamily="34" charset="0"/>
+              </a:defRPr>
+            </a:lvl1pPr>
+          </a:lstStyle>
+          <a:p>
+            <a:pPr>
+              <a:lnSpc>
+                <a:spcPct val="100000"/>
+              </a:lnSpc>
+            </a:pPr>
+            <a:r>
+              <a:rPr lang="en-US" sz="2000" b="0" dirty="0" smtClean="0">
+                <a:solidFill>
+                  <a:schemeClr val="tx1">
+                    <a:lumMod val="95000"/>
+                    <a:lumOff val="5000"/>
+                  </a:schemeClr>
+                </a:solidFill>
+                <a:ea typeface="Roboto Condensed" pitchFamily="2" charset="0"/>
+              </a:rPr>
+              <a:t>Chạm Logo</a:t>
+            </a:r>
+            <a:r>
+              <a:rPr lang="vi-VN" sz="2000" b="0" dirty="0" smtClean="0">
+                <a:solidFill>
+                  <a:schemeClr val="tx1">
+                    <a:lumMod val="95000"/>
+                    <a:lumOff val="5000"/>
+                  </a:schemeClr>
+                </a:solidFill>
+                <a:ea typeface="Roboto Condensed" pitchFamily="2" charset="0"/>
+              </a:rPr>
+              <a:t>, </a:t>
+            </a:r>
+            <a:r>
+              <a:rPr lang="en-US" sz="2000" b="0" dirty="0" smtClean="0">
+                <a:solidFill>
+                  <a:schemeClr val="tx1">
+                    <a:lumMod val="95000"/>
+                    <a:lumOff val="5000"/>
+                  </a:schemeClr>
+                </a:solidFill>
+                <a:ea typeface="Roboto Condensed" pitchFamily="2" charset="0"/>
+              </a:rPr>
+              <a:t>đầu </a:t>
+            </a:r>
+            <a:r>
+              <a:rPr lang="vi-VN" sz="2000" b="0" dirty="0" smtClean="0">
+                <a:solidFill>
+                  <a:schemeClr val="tx1">
+                    <a:lumMod val="95000"/>
+                    <a:lumOff val="5000"/>
+                  </a:schemeClr>
+                </a:solidFill>
+                <a:ea typeface="Roboto Condensed" pitchFamily="2" charset="0"/>
+              </a:rPr>
+              <a:t>xoay </a:t>
+            </a:r>
+            <a:r>
+              <a:rPr lang="en-US" sz="2000" b="0" dirty="0" smtClean="0">
+                <a:solidFill>
+                  <a:schemeClr val="tx1">
+                    <a:lumMod val="95000"/>
+                    <a:lumOff val="5000"/>
+                  </a:schemeClr>
+                </a:solidFill>
+                <a:ea typeface="Roboto Condensed" pitchFamily="2" charset="0"/>
+              </a:rPr>
+              <a:t>ra trước</a:t>
+            </a:r>
+            <a:r>
+              <a:rPr lang="vi-VN" sz="2000" b="0" dirty="0" smtClean="0">
+                <a:solidFill>
+                  <a:schemeClr val="tx1">
+                    <a:lumMod val="95000"/>
+                    <a:lumOff val="5000"/>
+                  </a:schemeClr>
+                </a:solidFill>
+                <a:ea typeface="Roboto Condensed" pitchFamily="2" charset="0"/>
+              </a:rPr>
+              <a:t>, màn hình LED hiển thị mũi trên hướng </a:t>
+            </a:r>
+            <a:r>
+              <a:rPr lang="en-US" sz="2000" b="0" dirty="0" smtClean="0">
+                <a:solidFill>
+                  <a:schemeClr val="tx1">
+                    <a:lumMod val="95000"/>
+                    <a:lumOff val="5000"/>
+                  </a:schemeClr>
+                </a:solidFill>
+                <a:ea typeface="Roboto Condensed" pitchFamily="2" charset="0"/>
+              </a:rPr>
+              <a:t>xuống</a:t>
+            </a:r>
+          </a:p>
+        </p:txBody>
+      </p:sp>
+      <p:pic>
+        <p:nvPicPr>
+          <p:cNvPr id="2050" name="Picture 2" descr="Free vector sticker design with front view of police car isolated"/>
+          <p:cNvPicPr>
+            <a:picLocks noChangeAspect="1" noChangeArrowheads="1"/>
+          </p:cNvPicPr>
+          <p:nvPr/>
+        </p:nvPicPr>
+        <p:blipFill>
+          <a:blip r:embed="rId3">
+            <a:extLst>
+              <a:ext uri="{28A0092B-C50C-407E-A947-70E740481C1C}">
+                <a14:useLocalDpi xmlns:a14="http://schemas.microsoft.com/office/drawing/2010/main" val="0"/>
+              </a:ext>
+            </a:extLst>
+          </a:blip>
+          <a:srcRect/>
+          <a:stretch>
+            <a:fillRect/>
+          </a:stretch>
+        </p:blipFill>
+        <p:spPr bwMode="auto">
+          <a:xfrm>
+            <a:off x="5569730" y="3260595"/>
+            <a:ext cx="3239147" cy="3140835"/>
+          </a:xfrm>
+          <a:prstGeom prst="rect">
+            <a:avLst/>
+          </a:prstGeom>
+          <a:noFill/>
+          <a:extLst>
+            <a:ext uri="{909E8E84-426E-40DD-AFC4-6F175D3DCCD1}">
+              <a14:hiddenFill xmlns:a14="http://schemas.microsoft.com/office/drawing/2010/main">
+                <a:solidFill>
+                  <a:srgbClr val="FFFFFF"/>
+                </a:solidFill>
+              </a14:hiddenFill>
+            </a:ext>
+          </a:extLst>
+        </p:spPr>
+      </p:pic>
+    </p:spTree>
+    <p:extLst>
+      <p:ext uri="{BB962C8B-B14F-4D97-AF65-F5344CB8AC3E}">
+        <p14:creationId xmlns:p14="http://schemas.microsoft.com/office/powerpoint/2010/main" val="2483830330"/>
+      </p:ext>
+    </p:extLst>
+  </p:cSld>
+  <p:clrMapOvr>
+    <a:masterClrMapping/>
+  </p:clrMapOvr>
+</p:sld>
+</file>
+
+<file path=ppt/slides/slide9.xml><?xml version="1.0" encoding="utf-8"?>
+<p:sld xmlns:a="http://schemas.openxmlformats.org/drawingml/2006/main" xmlns:r="http://schemas.openxmlformats.org/officeDocument/2006/relationships" xmlns:p="http://schemas.openxmlformats.org/presentationml/2006/main">
+  <p:cSld>
+    <p:spTree>
+      <p:nvGrpSpPr>
+        <p:cNvPr id="1" name=""/>
+        <p:cNvGrpSpPr/>
+        <p:nvPr/>
+      </p:nvGrpSpPr>
+      <p:grpSpPr>
+        <a:xfrm>
+          <a:off x="0" y="0"/>
+          <a:ext cx="0" cy="0"/>
+          <a:chOff x="0" y="0"/>
+          <a:chExt cx="0" cy="0"/>
+        </a:xfrm>
+      </p:grpSpPr>
+      <p:sp>
+        <p:nvSpPr>
+          <p:cNvPr id="2" name="Slide Number Placeholder 1"/>
+          <p:cNvSpPr>
+            <a:spLocks noGrp="1"/>
+          </p:cNvSpPr>
+          <p:nvPr>
+            <p:ph type="sldNum" sz="quarter" idx="12"/>
+          </p:nvPr>
+        </p:nvSpPr>
+        <p:spPr/>
+        <p:txBody>
+          <a:bodyPr/>
+          <a:lstStyle/>
+          <a:p>
+            <a:fld id="{7D9EC917-02A2-4152-9EE3-DFE2775A77C7}" type="slidenum">
+              <a:rPr lang="en-US" smtClean="0"/>
+              <a:pPr/>
+              <a:t>9</a:t>
+            </a:fld>
+            <a:endParaRPr lang="en-US"/>
+          </a:p>
+        </p:txBody>
+      </p:sp>
+      <p:sp>
+        <p:nvSpPr>
+          <p:cNvPr id="3" name="Rectangle 2"/>
+          <p:cNvSpPr/>
+          <p:nvPr/>
+        </p:nvSpPr>
+        <p:spPr>
+          <a:xfrm>
+            <a:off x="301925" y="1051379"/>
+            <a:ext cx="8454964" cy="27432"/>
+          </a:xfrm>
+          <a:prstGeom prst="rect">
+            <a:avLst/>
+          </a:prstGeom>
+          <a:gradFill flip="none" rotWithShape="1">
+            <a:gsLst>
+              <a:gs pos="15000">
+                <a:srgbClr val="EC5F77"/>
+              </a:gs>
+              <a:gs pos="100000">
+                <a:srgbClr val="A8589E"/>
+              </a:gs>
+            </a:gsLst>
+            <a:lin ang="0" scaled="1"/>
+            <a:tileRect/>
+          </a:gradFill>
+          <a:ln>
+            <a:noFill/>
+          </a:ln>
+        </p:spPr>
+        <p:style>
+          <a:lnRef idx="2">
+            <a:schemeClr val="accent1">
+              <a:shade val="50000"/>
+            </a:schemeClr>
+          </a:lnRef>
+          <a:fillRef idx="1">
+            <a:schemeClr val="accent1"/>
+          </a:fillRef>
+          <a:effectRef idx="0">
+            <a:schemeClr val="accent1"/>
+          </a:effectRef>
+          <a:fontRef idx="minor">
+            <a:schemeClr val="lt1"/>
+          </a:fontRef>
+        </p:style>
+        <p:txBody>
+          <a:bodyPr rtlCol="0" anchor="ctr"/>
+          <a:lstStyle/>
+          <a:p>
+            <a:pPr algn="ctr"/>
+            <a:endParaRPr lang="en-US"/>
+          </a:p>
+        </p:txBody>
+      </p:sp>
+      <p:sp>
+        <p:nvSpPr>
+          <p:cNvPr id="4" name="TextBox 3"/>
+          <p:cNvSpPr txBox="1"/>
+          <p:nvPr/>
+        </p:nvSpPr>
+        <p:spPr>
+          <a:xfrm>
+            <a:off x="248815" y="546584"/>
+            <a:ext cx="7374995" cy="461665"/>
+          </a:xfrm>
+          <a:prstGeom prst="rect">
+            <a:avLst/>
+          </a:prstGeom>
+          <a:noFill/>
+        </p:spPr>
+        <p:txBody>
+          <a:bodyPr wrap="square" rtlCol="0">
+            <a:spAutoFit/>
+          </a:bodyPr>
+          <a:lstStyle/>
+          <a:p>
+            <a:r>
+              <a:rPr lang="en-US" sz="2400" b="1" dirty="0" smtClean="0">
+                <a:solidFill>
+                  <a:srgbClr val="EC5F77"/>
+                </a:solidFill>
+                <a:latin typeface="UTM Helve" panose="02040603050506020204" pitchFamily="18" charset="0"/>
+                <a:ea typeface="Roboto" pitchFamily="2" charset="0"/>
+              </a:rPr>
+              <a:t>10.3 Hoạt động học viên</a:t>
+            </a:r>
+            <a:endParaRPr lang="en-US" sz="2400" b="1" dirty="0">
+              <a:solidFill>
+                <a:srgbClr val="EC5F77"/>
+              </a:solidFill>
+              <a:latin typeface="UTM Helve" panose="02040603050506020204" pitchFamily="18" charset="0"/>
+              <a:ea typeface="Roboto" pitchFamily="2" charset="0"/>
+            </a:endParaRPr>
+          </a:p>
+        </p:txBody>
+      </p:sp>
+      <p:sp>
+        <p:nvSpPr>
+          <p:cNvPr id="21" name="Title 1"/>
+          <p:cNvSpPr txBox="1">
+            <a:spLocks/>
+          </p:cNvSpPr>
+          <p:nvPr/>
+        </p:nvSpPr>
+        <p:spPr>
+          <a:xfrm>
+            <a:off x="542728" y="1862928"/>
+            <a:ext cx="4320820" cy="2360214"/>
+          </a:xfrm>
+          <a:prstGeom prst="rect">
+            <a:avLst/>
+          </a:prstGeom>
+        </p:spPr>
+        <p:txBody>
+          <a:bodyPr/>
+          <a:lstStyle>
+            <a:lvl1pPr algn="l" defTabSz="914400" rtl="0" eaLnBrk="1" latinLnBrk="0" hangingPunct="1">
+              <a:lnSpc>
+                <a:spcPct val="90000"/>
+              </a:lnSpc>
+              <a:spcBef>
+                <a:spcPct val="0"/>
+              </a:spcBef>
+              <a:buNone/>
+              <a:defRPr sz="3200" b="1" kern="1200">
+                <a:solidFill>
+                  <a:srgbClr val="019DD0"/>
+                </a:solidFill>
+                <a:latin typeface="Arial" panose="020B0604020202020204" pitchFamily="34" charset="0"/>
+                <a:ea typeface="+mj-ea"/>
+                <a:cs typeface="Arial" panose="020B0604020202020204" pitchFamily="34" charset="0"/>
+              </a:defRPr>
+            </a:lvl1pPr>
+          </a:lstStyle>
+          <a:p>
+            <a:pPr>
+              <a:lnSpc>
+                <a:spcPct val="100000"/>
+              </a:lnSpc>
+            </a:pPr>
+            <a:r>
+              <a:rPr lang="vi-VN" sz="2000" b="0" dirty="0">
+                <a:solidFill>
+                  <a:schemeClr val="tx1">
+                    <a:lumMod val="95000"/>
+                    <a:lumOff val="5000"/>
+                  </a:schemeClr>
+                </a:solidFill>
+                <a:ea typeface="Roboto Condensed" pitchFamily="2" charset="0"/>
+              </a:rPr>
+              <a:t>Để tăng sự thu hút của mọi người và nhường đường để xe chạy, bạn có thể vừa cho đèn RGB LED nhấp nháy liên </a:t>
+            </a:r>
+            <a:r>
+              <a:rPr lang="vi-VN" sz="2000" b="0" dirty="0" smtClean="0">
+                <a:solidFill>
+                  <a:schemeClr val="tx1">
+                    <a:lumMod val="95000"/>
+                    <a:lumOff val="5000"/>
+                  </a:schemeClr>
+                </a:solidFill>
+                <a:ea typeface="Roboto Condensed" pitchFamily="2" charset="0"/>
+              </a:rPr>
+              <a:t>tục</a:t>
+            </a:r>
+            <a:r>
+              <a:rPr lang="en-US" sz="2000" b="0" dirty="0" smtClean="0">
+                <a:solidFill>
+                  <a:schemeClr val="tx1">
+                    <a:lumMod val="95000"/>
+                    <a:lumOff val="5000"/>
+                  </a:schemeClr>
+                </a:solidFill>
+                <a:ea typeface="Roboto Condensed" pitchFamily="2" charset="0"/>
+              </a:rPr>
+              <a:t> 2 màu Xanh Đỏ</a:t>
+            </a:r>
+            <a:r>
+              <a:rPr lang="vi-VN" sz="2000" b="0" dirty="0" smtClean="0">
+                <a:solidFill>
+                  <a:schemeClr val="tx1">
+                    <a:lumMod val="95000"/>
+                    <a:lumOff val="5000"/>
+                  </a:schemeClr>
+                </a:solidFill>
+                <a:ea typeface="Roboto Condensed" pitchFamily="2" charset="0"/>
+              </a:rPr>
+              <a:t> </a:t>
+            </a:r>
+            <a:r>
+              <a:rPr lang="vi-VN" sz="2000" b="0" dirty="0">
+                <a:solidFill>
+                  <a:schemeClr val="tx1">
+                    <a:lumMod val="95000"/>
+                    <a:lumOff val="5000"/>
+                  </a:schemeClr>
+                </a:solidFill>
+                <a:ea typeface="Roboto Condensed" pitchFamily="2" charset="0"/>
+              </a:rPr>
+              <a:t>vừa phát ra tiếng còi báo động </a:t>
+            </a:r>
+            <a:r>
+              <a:rPr lang="vi-VN" sz="2000" b="0" dirty="0" smtClean="0">
+                <a:solidFill>
+                  <a:schemeClr val="tx1">
+                    <a:lumMod val="95000"/>
+                    <a:lumOff val="5000"/>
+                  </a:schemeClr>
+                </a:solidFill>
+                <a:ea typeface="Roboto Condensed" pitchFamily="2" charset="0"/>
+              </a:rPr>
+              <a:t>bằng </a:t>
+            </a:r>
+            <a:r>
+              <a:rPr lang="vi-VN" sz="2000" b="0" dirty="0">
+                <a:solidFill>
+                  <a:schemeClr val="tx1">
+                    <a:lumMod val="95000"/>
+                    <a:lumOff val="5000"/>
+                  </a:schemeClr>
+                </a:solidFill>
+                <a:ea typeface="Roboto Condensed" pitchFamily="2" charset="0"/>
+              </a:rPr>
+              <a:t>các khối âm thanh</a:t>
+            </a:r>
+            <a:endParaRPr lang="en-US" sz="2000" b="0" dirty="0" smtClean="0">
+              <a:solidFill>
+                <a:schemeClr val="tx1">
+                  <a:lumMod val="95000"/>
+                  <a:lumOff val="5000"/>
+                </a:schemeClr>
+              </a:solidFill>
+              <a:ea typeface="Roboto Condensed" pitchFamily="2" charset="0"/>
+            </a:endParaRPr>
+          </a:p>
+        </p:txBody>
+      </p:sp>
+      <p:sp>
+        <p:nvSpPr>
+          <p:cNvPr id="14" name="TextBox 13"/>
+          <p:cNvSpPr txBox="1"/>
+          <p:nvPr/>
+        </p:nvSpPr>
+        <p:spPr>
+          <a:xfrm>
+            <a:off x="1098981" y="1272143"/>
+            <a:ext cx="4007624" cy="461665"/>
+          </a:xfrm>
+          <a:prstGeom prst="rect">
+            <a:avLst/>
+          </a:prstGeom>
+          <a:noFill/>
+        </p:spPr>
+        <p:txBody>
+          <a:bodyPr wrap="square" rtlCol="0">
+            <a:spAutoFit/>
+          </a:bodyPr>
+          <a:lstStyle/>
+          <a:p>
+            <a:r>
+              <a:rPr lang="en-US" sz="2400" b="1" dirty="0" smtClean="0">
+                <a:solidFill>
+                  <a:schemeClr val="tx1">
+                    <a:lumMod val="85000"/>
+                    <a:lumOff val="15000"/>
+                  </a:schemeClr>
+                </a:solidFill>
+                <a:latin typeface="UTM Helve" panose="02040603050506020204" pitchFamily="18" charset="0"/>
+                <a:ea typeface="Roboto" pitchFamily="2" charset="0"/>
+              </a:rPr>
+              <a:t>Xe cảnh sát zoom:bit</a:t>
+            </a:r>
+            <a:endParaRPr lang="en-US" sz="2400" b="1" dirty="0">
+              <a:solidFill>
+                <a:schemeClr val="tx1">
+                  <a:lumMod val="85000"/>
+                  <a:lumOff val="15000"/>
+                </a:schemeClr>
+              </a:solidFill>
+              <a:latin typeface="UTM Helve" panose="02040603050506020204" pitchFamily="18" charset="0"/>
+              <a:ea typeface="Roboto" pitchFamily="2" charset="0"/>
+            </a:endParaRPr>
+          </a:p>
+        </p:txBody>
+      </p:sp>
+      <p:pic>
+        <p:nvPicPr>
+          <p:cNvPr id="15" name="Picture 14"/>
+          <p:cNvPicPr>
+            <a:picLocks noChangeAspect="1"/>
+          </p:cNvPicPr>
+          <p:nvPr/>
+        </p:nvPicPr>
+        <p:blipFill>
+          <a:blip r:embed="rId2">
+            <a:extLst>
+              <a:ext uri="{28A0092B-C50C-407E-A947-70E740481C1C}">
+                <a14:useLocalDpi xmlns:a14="http://schemas.microsoft.com/office/drawing/2010/main" val="0"/>
+              </a:ext>
+            </a:extLst>
+          </a:blip>
+          <a:stretch>
+            <a:fillRect/>
+          </a:stretch>
+        </p:blipFill>
+        <p:spPr>
+          <a:xfrm>
+            <a:off x="542728" y="1345100"/>
+            <a:ext cx="466725" cy="409575"/>
+          </a:xfrm>
+          <a:prstGeom prst="rect">
+            <a:avLst/>
+          </a:prstGeom>
+        </p:spPr>
+      </p:pic>
+      <p:sp>
+        <p:nvSpPr>
+          <p:cNvPr id="9" name="Rounded Rectangle 8"/>
+          <p:cNvSpPr/>
+          <p:nvPr/>
+        </p:nvSpPr>
+        <p:spPr>
+          <a:xfrm>
+            <a:off x="542728" y="4479234"/>
+            <a:ext cx="4087458" cy="1842053"/>
+          </a:xfrm>
+          <a:prstGeom prst="roundRect">
+            <a:avLst>
+              <a:gd name="adj" fmla="val 7971"/>
+            </a:avLst>
+          </a:prstGeom>
+          <a:gradFill flip="none" rotWithShape="1">
+            <a:gsLst>
+              <a:gs pos="15000">
+                <a:srgbClr val="EC5F77"/>
+              </a:gs>
+              <a:gs pos="100000">
+                <a:srgbClr val="A8589E"/>
+              </a:gs>
+            </a:gsLst>
+            <a:lin ang="0" scaled="1"/>
+            <a:tileRect/>
+          </a:gradFill>
+          <a:ln>
+            <a:noFill/>
+          </a:ln>
+        </p:spPr>
+        <p:style>
+          <a:lnRef idx="2">
+            <a:schemeClr val="accent1">
+              <a:shade val="50000"/>
+            </a:schemeClr>
+          </a:lnRef>
+          <a:fillRef idx="1">
+            <a:schemeClr val="accent1"/>
+          </a:fillRef>
+          <a:effectRef idx="0">
+            <a:schemeClr val="accent1"/>
+          </a:effectRef>
+          <a:fontRef idx="minor">
+            <a:schemeClr val="lt1"/>
+          </a:fontRef>
+        </p:style>
+        <p:txBody>
+          <a:bodyPr rtlCol="0" anchor="ctr"/>
+          <a:lstStyle/>
+          <a:p>
             <a:r>
               <a:rPr lang="en-US" dirty="0" smtClean="0"/>
               <a:t>Yêu cầu soạn thuật toán trước khi thực hiện chương trình, để nắm được logic và hướng xử lý từng yêu cầu của chương trình</a:t>
@@ -7215,15 +7349,6 @@
               </a:rPr>
               <a:t>Một số blocks gợi ý</a:t>
             </a:r>
-            <a:endParaRPr lang="en-US" sz="1800" b="0" i="1" dirty="0" smtClean="0">
-              <a:solidFill>
-                <a:schemeClr val="tx1">
-                  <a:lumMod val="95000"/>
-                  <a:lumOff val="5000"/>
-                </a:schemeClr>
-              </a:solidFill>
-              <a:ea typeface="Roboto Condensed" pitchFamily="2" charset="0"/>
-            </a:endParaRPr>
           </a:p>
         </p:txBody>
       </p:sp>

--- a/Lessions/Bai-13-Servo-Motor/Bai-13-Servo-Motor.pptx
+++ b/Lessions/Bai-13-Servo-Motor/Bai-13-Servo-Motor.pptx
@@ -5,7 +5,7 @@
     <p:sldMasterId id="2147483660" r:id="rId1"/>
   </p:sldMasterIdLst>
   <p:notesMasterIdLst>
-    <p:notesMasterId r:id="rId11"/>
+    <p:notesMasterId r:id="rId12"/>
   </p:notesMasterIdLst>
   <p:sldIdLst>
     <p:sldId id="256" r:id="rId2"/>
@@ -13,10 +13,11 @@
     <p:sldId id="297" r:id="rId4"/>
     <p:sldId id="296" r:id="rId5"/>
     <p:sldId id="290" r:id="rId6"/>
-    <p:sldId id="266" r:id="rId7"/>
-    <p:sldId id="268" r:id="rId8"/>
-    <p:sldId id="287" r:id="rId9"/>
-    <p:sldId id="288" r:id="rId10"/>
+    <p:sldId id="298" r:id="rId7"/>
+    <p:sldId id="266" r:id="rId8"/>
+    <p:sldId id="268" r:id="rId9"/>
+    <p:sldId id="287" r:id="rId10"/>
+    <p:sldId id="288" r:id="rId11"/>
   </p:sldIdLst>
   <p:sldSz cx="9144000" cy="6858000" type="screen4x3"/>
   <p:notesSz cx="6858000" cy="9144000"/>
@@ -205,7 +206,7 @@
           <a:p>
             <a:fld id="{E1BDF935-9821-4834-9D99-7DEFA719F44D}" type="datetimeFigureOut">
               <a:rPr lang="en-US" smtClean="0"/>
-              <a:t>5/25/2023</a:t>
+              <a:t>5/26/2023</a:t>
             </a:fld>
             <a:endParaRPr lang="en-US"/>
           </a:p>
@@ -2581,6 +2582,548 @@
 </p:sld>
 </file>
 
+<file path=ppt/slides/slide10.xml><?xml version="1.0" encoding="utf-8"?>
+<p:sld xmlns:a="http://schemas.openxmlformats.org/drawingml/2006/main" xmlns:r="http://schemas.openxmlformats.org/officeDocument/2006/relationships" xmlns:p="http://schemas.openxmlformats.org/presentationml/2006/main">
+  <p:cSld>
+    <p:spTree>
+      <p:nvGrpSpPr>
+        <p:cNvPr id="1" name=""/>
+        <p:cNvGrpSpPr/>
+        <p:nvPr/>
+      </p:nvGrpSpPr>
+      <p:grpSpPr>
+        <a:xfrm>
+          <a:off x="0" y="0"/>
+          <a:ext cx="0" cy="0"/>
+          <a:chOff x="0" y="0"/>
+          <a:chExt cx="0" cy="0"/>
+        </a:xfrm>
+      </p:grpSpPr>
+      <p:sp>
+        <p:nvSpPr>
+          <p:cNvPr id="2" name="Slide Number Placeholder 1"/>
+          <p:cNvSpPr>
+            <a:spLocks noGrp="1"/>
+          </p:cNvSpPr>
+          <p:nvPr>
+            <p:ph type="sldNum" sz="quarter" idx="12"/>
+          </p:nvPr>
+        </p:nvSpPr>
+        <p:spPr/>
+        <p:txBody>
+          <a:bodyPr/>
+          <a:lstStyle/>
+          <a:p>
+            <a:fld id="{7D9EC917-02A2-4152-9EE3-DFE2775A77C7}" type="slidenum">
+              <a:rPr lang="en-US" smtClean="0"/>
+              <a:pPr/>
+              <a:t>10</a:t>
+            </a:fld>
+            <a:endParaRPr lang="en-US"/>
+          </a:p>
+        </p:txBody>
+      </p:sp>
+      <p:sp>
+        <p:nvSpPr>
+          <p:cNvPr id="3" name="Rectangle 2"/>
+          <p:cNvSpPr/>
+          <p:nvPr/>
+        </p:nvSpPr>
+        <p:spPr>
+          <a:xfrm>
+            <a:off x="301925" y="1051379"/>
+            <a:ext cx="8454964" cy="27432"/>
+          </a:xfrm>
+          <a:prstGeom prst="rect">
+            <a:avLst/>
+          </a:prstGeom>
+          <a:gradFill flip="none" rotWithShape="1">
+            <a:gsLst>
+              <a:gs pos="15000">
+                <a:srgbClr val="EC5F77"/>
+              </a:gs>
+              <a:gs pos="100000">
+                <a:srgbClr val="A8589E"/>
+              </a:gs>
+            </a:gsLst>
+            <a:lin ang="0" scaled="1"/>
+            <a:tileRect/>
+          </a:gradFill>
+          <a:ln>
+            <a:noFill/>
+          </a:ln>
+        </p:spPr>
+        <p:style>
+          <a:lnRef idx="2">
+            <a:schemeClr val="accent1">
+              <a:shade val="50000"/>
+            </a:schemeClr>
+          </a:lnRef>
+          <a:fillRef idx="1">
+            <a:schemeClr val="accent1"/>
+          </a:fillRef>
+          <a:effectRef idx="0">
+            <a:schemeClr val="accent1"/>
+          </a:effectRef>
+          <a:fontRef idx="minor">
+            <a:schemeClr val="lt1"/>
+          </a:fontRef>
+        </p:style>
+        <p:txBody>
+          <a:bodyPr rtlCol="0" anchor="ctr"/>
+          <a:lstStyle/>
+          <a:p>
+            <a:pPr algn="ctr"/>
+            <a:endParaRPr lang="en-US"/>
+          </a:p>
+        </p:txBody>
+      </p:sp>
+      <p:sp>
+        <p:nvSpPr>
+          <p:cNvPr id="4" name="TextBox 3"/>
+          <p:cNvSpPr txBox="1"/>
+          <p:nvPr/>
+        </p:nvSpPr>
+        <p:spPr>
+          <a:xfrm>
+            <a:off x="248815" y="546584"/>
+            <a:ext cx="7374995" cy="461665"/>
+          </a:xfrm>
+          <a:prstGeom prst="rect">
+            <a:avLst/>
+          </a:prstGeom>
+          <a:noFill/>
+        </p:spPr>
+        <p:txBody>
+          <a:bodyPr wrap="square" rtlCol="0">
+            <a:spAutoFit/>
+          </a:bodyPr>
+          <a:lstStyle/>
+          <a:p>
+            <a:r>
+              <a:rPr lang="en-US" sz="2400" b="1" dirty="0" smtClean="0">
+                <a:solidFill>
+                  <a:srgbClr val="EC5F77"/>
+                </a:solidFill>
+                <a:latin typeface="UTM Helve" panose="02040603050506020204" pitchFamily="18" charset="0"/>
+                <a:ea typeface="Roboto" pitchFamily="2" charset="0"/>
+              </a:rPr>
+              <a:t>10.3 Hoạt động học viên</a:t>
+            </a:r>
+            <a:endParaRPr lang="en-US" sz="2400" b="1" dirty="0">
+              <a:solidFill>
+                <a:srgbClr val="EC5F77"/>
+              </a:solidFill>
+              <a:latin typeface="UTM Helve" panose="02040603050506020204" pitchFamily="18" charset="0"/>
+              <a:ea typeface="Roboto" pitchFamily="2" charset="0"/>
+            </a:endParaRPr>
+          </a:p>
+        </p:txBody>
+      </p:sp>
+      <p:sp>
+        <p:nvSpPr>
+          <p:cNvPr id="21" name="Title 1"/>
+          <p:cNvSpPr txBox="1">
+            <a:spLocks/>
+          </p:cNvSpPr>
+          <p:nvPr/>
+        </p:nvSpPr>
+        <p:spPr>
+          <a:xfrm>
+            <a:off x="542728" y="1862928"/>
+            <a:ext cx="4320820" cy="2360214"/>
+          </a:xfrm>
+          <a:prstGeom prst="rect">
+            <a:avLst/>
+          </a:prstGeom>
+        </p:spPr>
+        <p:txBody>
+          <a:bodyPr/>
+          <a:lstStyle>
+            <a:lvl1pPr algn="l" defTabSz="914400" rtl="0" eaLnBrk="1" latinLnBrk="0" hangingPunct="1">
+              <a:lnSpc>
+                <a:spcPct val="90000"/>
+              </a:lnSpc>
+              <a:spcBef>
+                <a:spcPct val="0"/>
+              </a:spcBef>
+              <a:buNone/>
+              <a:defRPr sz="3200" b="1" kern="1200">
+                <a:solidFill>
+                  <a:srgbClr val="019DD0"/>
+                </a:solidFill>
+                <a:latin typeface="Arial" panose="020B0604020202020204" pitchFamily="34" charset="0"/>
+                <a:ea typeface="+mj-ea"/>
+                <a:cs typeface="Arial" panose="020B0604020202020204" pitchFamily="34" charset="0"/>
+              </a:defRPr>
+            </a:lvl1pPr>
+          </a:lstStyle>
+          <a:p>
+            <a:pPr>
+              <a:lnSpc>
+                <a:spcPct val="100000"/>
+              </a:lnSpc>
+            </a:pPr>
+            <a:r>
+              <a:rPr lang="vi-VN" sz="2000" b="0" dirty="0">
+                <a:solidFill>
+                  <a:schemeClr val="tx1">
+                    <a:lumMod val="95000"/>
+                    <a:lumOff val="5000"/>
+                  </a:schemeClr>
+                </a:solidFill>
+                <a:ea typeface="Roboto Condensed" pitchFamily="2" charset="0"/>
+              </a:rPr>
+              <a:t>Để tăng sự thu hút của mọi người và nhường đường để xe chạy, bạn có thể vừa cho đèn RGB LED nhấp nháy liên </a:t>
+            </a:r>
+            <a:r>
+              <a:rPr lang="vi-VN" sz="2000" b="0" dirty="0" smtClean="0">
+                <a:solidFill>
+                  <a:schemeClr val="tx1">
+                    <a:lumMod val="95000"/>
+                    <a:lumOff val="5000"/>
+                  </a:schemeClr>
+                </a:solidFill>
+                <a:ea typeface="Roboto Condensed" pitchFamily="2" charset="0"/>
+              </a:rPr>
+              <a:t>tục</a:t>
+            </a:r>
+            <a:r>
+              <a:rPr lang="en-US" sz="2000" b="0" dirty="0" smtClean="0">
+                <a:solidFill>
+                  <a:schemeClr val="tx1">
+                    <a:lumMod val="95000"/>
+                    <a:lumOff val="5000"/>
+                  </a:schemeClr>
+                </a:solidFill>
+                <a:ea typeface="Roboto Condensed" pitchFamily="2" charset="0"/>
+              </a:rPr>
+              <a:t> 2 màu Xanh Đỏ</a:t>
+            </a:r>
+            <a:r>
+              <a:rPr lang="vi-VN" sz="2000" b="0" dirty="0" smtClean="0">
+                <a:solidFill>
+                  <a:schemeClr val="tx1">
+                    <a:lumMod val="95000"/>
+                    <a:lumOff val="5000"/>
+                  </a:schemeClr>
+                </a:solidFill>
+                <a:ea typeface="Roboto Condensed" pitchFamily="2" charset="0"/>
+              </a:rPr>
+              <a:t> </a:t>
+            </a:r>
+            <a:r>
+              <a:rPr lang="vi-VN" sz="2000" b="0" dirty="0">
+                <a:solidFill>
+                  <a:schemeClr val="tx1">
+                    <a:lumMod val="95000"/>
+                    <a:lumOff val="5000"/>
+                  </a:schemeClr>
+                </a:solidFill>
+                <a:ea typeface="Roboto Condensed" pitchFamily="2" charset="0"/>
+              </a:rPr>
+              <a:t>vừa phát ra tiếng còi báo động </a:t>
+            </a:r>
+            <a:r>
+              <a:rPr lang="vi-VN" sz="2000" b="0" dirty="0" smtClean="0">
+                <a:solidFill>
+                  <a:schemeClr val="tx1">
+                    <a:lumMod val="95000"/>
+                    <a:lumOff val="5000"/>
+                  </a:schemeClr>
+                </a:solidFill>
+                <a:ea typeface="Roboto Condensed" pitchFamily="2" charset="0"/>
+              </a:rPr>
+              <a:t>bằng </a:t>
+            </a:r>
+            <a:r>
+              <a:rPr lang="vi-VN" sz="2000" b="0" dirty="0">
+                <a:solidFill>
+                  <a:schemeClr val="tx1">
+                    <a:lumMod val="95000"/>
+                    <a:lumOff val="5000"/>
+                  </a:schemeClr>
+                </a:solidFill>
+                <a:ea typeface="Roboto Condensed" pitchFamily="2" charset="0"/>
+              </a:rPr>
+              <a:t>các khối âm thanh</a:t>
+            </a:r>
+            <a:endParaRPr lang="en-US" sz="2000" b="0" dirty="0" smtClean="0">
+              <a:solidFill>
+                <a:schemeClr val="tx1">
+                  <a:lumMod val="95000"/>
+                  <a:lumOff val="5000"/>
+                </a:schemeClr>
+              </a:solidFill>
+              <a:ea typeface="Roboto Condensed" pitchFamily="2" charset="0"/>
+            </a:endParaRPr>
+          </a:p>
+        </p:txBody>
+      </p:sp>
+      <p:sp>
+        <p:nvSpPr>
+          <p:cNvPr id="14" name="TextBox 13"/>
+          <p:cNvSpPr txBox="1"/>
+          <p:nvPr/>
+        </p:nvSpPr>
+        <p:spPr>
+          <a:xfrm>
+            <a:off x="1098981" y="1272143"/>
+            <a:ext cx="4007624" cy="461665"/>
+          </a:xfrm>
+          <a:prstGeom prst="rect">
+            <a:avLst/>
+          </a:prstGeom>
+          <a:noFill/>
+        </p:spPr>
+        <p:txBody>
+          <a:bodyPr wrap="square" rtlCol="0">
+            <a:spAutoFit/>
+          </a:bodyPr>
+          <a:lstStyle/>
+          <a:p>
+            <a:r>
+              <a:rPr lang="en-US" sz="2400" b="1" dirty="0" smtClean="0">
+                <a:solidFill>
+                  <a:schemeClr val="tx1">
+                    <a:lumMod val="85000"/>
+                    <a:lumOff val="15000"/>
+                  </a:schemeClr>
+                </a:solidFill>
+                <a:latin typeface="UTM Helve" panose="02040603050506020204" pitchFamily="18" charset="0"/>
+                <a:ea typeface="Roboto" pitchFamily="2" charset="0"/>
+              </a:rPr>
+              <a:t>Xe cảnh sát zoom:bit</a:t>
+            </a:r>
+            <a:endParaRPr lang="en-US" sz="2400" b="1" dirty="0">
+              <a:solidFill>
+                <a:schemeClr val="tx1">
+                  <a:lumMod val="85000"/>
+                  <a:lumOff val="15000"/>
+                </a:schemeClr>
+              </a:solidFill>
+              <a:latin typeface="UTM Helve" panose="02040603050506020204" pitchFamily="18" charset="0"/>
+              <a:ea typeface="Roboto" pitchFamily="2" charset="0"/>
+            </a:endParaRPr>
+          </a:p>
+        </p:txBody>
+      </p:sp>
+      <p:pic>
+        <p:nvPicPr>
+          <p:cNvPr id="15" name="Picture 14"/>
+          <p:cNvPicPr>
+            <a:picLocks noChangeAspect="1"/>
+          </p:cNvPicPr>
+          <p:nvPr/>
+        </p:nvPicPr>
+        <p:blipFill>
+          <a:blip r:embed="rId2">
+            <a:extLst>
+              <a:ext uri="{28A0092B-C50C-407E-A947-70E740481C1C}">
+                <a14:useLocalDpi xmlns:a14="http://schemas.microsoft.com/office/drawing/2010/main" val="0"/>
+              </a:ext>
+            </a:extLst>
+          </a:blip>
+          <a:stretch>
+            <a:fillRect/>
+          </a:stretch>
+        </p:blipFill>
+        <p:spPr>
+          <a:xfrm>
+            <a:off x="542728" y="1345100"/>
+            <a:ext cx="466725" cy="409575"/>
+          </a:xfrm>
+          <a:prstGeom prst="rect">
+            <a:avLst/>
+          </a:prstGeom>
+        </p:spPr>
+      </p:pic>
+      <p:sp>
+        <p:nvSpPr>
+          <p:cNvPr id="9" name="Rounded Rectangle 8"/>
+          <p:cNvSpPr/>
+          <p:nvPr/>
+        </p:nvSpPr>
+        <p:spPr>
+          <a:xfrm>
+            <a:off x="542728" y="4479234"/>
+            <a:ext cx="4087458" cy="1842053"/>
+          </a:xfrm>
+          <a:prstGeom prst="roundRect">
+            <a:avLst>
+              <a:gd name="adj" fmla="val 7971"/>
+            </a:avLst>
+          </a:prstGeom>
+          <a:gradFill flip="none" rotWithShape="1">
+            <a:gsLst>
+              <a:gs pos="15000">
+                <a:srgbClr val="EC5F77"/>
+              </a:gs>
+              <a:gs pos="100000">
+                <a:srgbClr val="A8589E"/>
+              </a:gs>
+            </a:gsLst>
+            <a:lin ang="0" scaled="1"/>
+            <a:tileRect/>
+          </a:gradFill>
+          <a:ln>
+            <a:noFill/>
+          </a:ln>
+        </p:spPr>
+        <p:style>
+          <a:lnRef idx="2">
+            <a:schemeClr val="accent1">
+              <a:shade val="50000"/>
+            </a:schemeClr>
+          </a:lnRef>
+          <a:fillRef idx="1">
+            <a:schemeClr val="accent1"/>
+          </a:fillRef>
+          <a:effectRef idx="0">
+            <a:schemeClr val="accent1"/>
+          </a:effectRef>
+          <a:fontRef idx="minor">
+            <a:schemeClr val="lt1"/>
+          </a:fontRef>
+        </p:style>
+        <p:txBody>
+          <a:bodyPr rtlCol="0" anchor="ctr"/>
+          <a:lstStyle/>
+          <a:p>
+            <a:r>
+              <a:rPr lang="en-US" dirty="0" smtClean="0"/>
+              <a:t>Yêu cầu soạn thuật toán trước khi thực hiện chương trình, để nắm được logic và hướng xử lý từng yêu cầu của chương trình</a:t>
+            </a:r>
+            <a:endParaRPr lang="en-US" dirty="0"/>
+          </a:p>
+        </p:txBody>
+      </p:sp>
+      <p:pic>
+        <p:nvPicPr>
+          <p:cNvPr id="10" name="Picture 9"/>
+          <p:cNvPicPr>
+            <a:picLocks noChangeAspect="1"/>
+          </p:cNvPicPr>
+          <p:nvPr/>
+        </p:nvPicPr>
+        <p:blipFill>
+          <a:blip r:embed="rId3">
+            <a:extLst>
+              <a:ext uri="{28A0092B-C50C-407E-A947-70E740481C1C}">
+                <a14:useLocalDpi xmlns:a14="http://schemas.microsoft.com/office/drawing/2010/main" val="0"/>
+              </a:ext>
+            </a:extLst>
+          </a:blip>
+          <a:stretch>
+            <a:fillRect/>
+          </a:stretch>
+        </p:blipFill>
+        <p:spPr>
+          <a:xfrm rot="19240647">
+            <a:off x="228010" y="3581213"/>
+            <a:ext cx="1562887" cy="1468879"/>
+          </a:xfrm>
+          <a:prstGeom prst="rect">
+            <a:avLst/>
+          </a:prstGeom>
+        </p:spPr>
+      </p:pic>
+      <p:pic>
+        <p:nvPicPr>
+          <p:cNvPr id="11" name="Picture 10"/>
+          <p:cNvPicPr>
+            <a:picLocks noChangeAspect="1"/>
+          </p:cNvPicPr>
+          <p:nvPr/>
+        </p:nvPicPr>
+        <p:blipFill>
+          <a:blip r:embed="rId4"/>
+          <a:stretch>
+            <a:fillRect/>
+          </a:stretch>
+        </p:blipFill>
+        <p:spPr>
+          <a:xfrm>
+            <a:off x="5466744" y="1345100"/>
+            <a:ext cx="2561659" cy="4215643"/>
+          </a:xfrm>
+          <a:prstGeom prst="rect">
+            <a:avLst/>
+          </a:prstGeom>
+        </p:spPr>
+      </p:pic>
+      <p:sp>
+        <p:nvSpPr>
+          <p:cNvPr id="18" name="Title 1"/>
+          <p:cNvSpPr txBox="1">
+            <a:spLocks/>
+          </p:cNvSpPr>
+          <p:nvPr/>
+        </p:nvSpPr>
+        <p:spPr>
+          <a:xfrm>
+            <a:off x="5362107" y="5827032"/>
+            <a:ext cx="2770931" cy="358690"/>
+          </a:xfrm>
+          <a:prstGeom prst="rect">
+            <a:avLst/>
+          </a:prstGeom>
+        </p:spPr>
+        <p:txBody>
+          <a:bodyPr/>
+          <a:lstStyle>
+            <a:lvl1pPr algn="l" defTabSz="914400" rtl="0" eaLnBrk="1" latinLnBrk="0" hangingPunct="1">
+              <a:lnSpc>
+                <a:spcPct val="90000"/>
+              </a:lnSpc>
+              <a:spcBef>
+                <a:spcPct val="0"/>
+              </a:spcBef>
+              <a:buNone/>
+              <a:defRPr sz="3200" b="1" kern="1200">
+                <a:solidFill>
+                  <a:srgbClr val="019DD0"/>
+                </a:solidFill>
+                <a:latin typeface="Arial" panose="020B0604020202020204" pitchFamily="34" charset="0"/>
+                <a:ea typeface="+mj-ea"/>
+                <a:cs typeface="Arial" panose="020B0604020202020204" pitchFamily="34" charset="0"/>
+              </a:defRPr>
+            </a:lvl1pPr>
+          </a:lstStyle>
+          <a:p>
+            <a:pPr algn="ctr">
+              <a:lnSpc>
+                <a:spcPct val="100000"/>
+              </a:lnSpc>
+            </a:pPr>
+            <a:r>
+              <a:rPr lang="en-US" sz="1800" b="0" i="1" dirty="0" smtClean="0">
+                <a:solidFill>
+                  <a:schemeClr val="tx1">
+                    <a:lumMod val="95000"/>
+                    <a:lumOff val="5000"/>
+                  </a:schemeClr>
+                </a:solidFill>
+                <a:ea typeface="Roboto Condensed" pitchFamily="2" charset="0"/>
+              </a:rPr>
+              <a:t>Một số blocks gợi ý</a:t>
+            </a:r>
+          </a:p>
+        </p:txBody>
+      </p:sp>
+    </p:spTree>
+    <p:extLst>
+      <p:ext uri="{BB962C8B-B14F-4D97-AF65-F5344CB8AC3E}">
+        <p14:creationId xmlns:p14="http://schemas.microsoft.com/office/powerpoint/2010/main" val="3123143947"/>
+      </p:ext>
+    </p:extLst>
+  </p:cSld>
+  <p:clrMapOvr>
+    <a:masterClrMapping/>
+  </p:clrMapOvr>
+</p:sld>
+</file>
+
 <file path=ppt/slides/slide2.xml><?xml version="1.0" encoding="utf-8"?>
 <p:sld xmlns:a="http://schemas.openxmlformats.org/drawingml/2006/main" xmlns:r="http://schemas.openxmlformats.org/officeDocument/2006/relationships" xmlns:p="http://schemas.openxmlformats.org/presentationml/2006/main">
   <p:cSld>
@@ -3270,19 +3813,7 @@
                 </a:solidFill>
                 <a:ea typeface="Roboto Condensed" pitchFamily="2" charset="0"/>
               </a:rPr>
-              <a:t> </a:t>
-            </a:r>
-            <a:r>
-              <a:rPr lang="en-US" sz="2000" b="0" dirty="0" smtClean="0">
-                <a:solidFill>
-                  <a:schemeClr val="tx1">
-                    <a:lumMod val="95000"/>
-                    <a:lumOff val="5000"/>
-                  </a:schemeClr>
-                </a:solidFill>
-                <a:ea typeface="Roboto Condensed" pitchFamily="2" charset="0"/>
-              </a:rPr>
-              <a:t>được gắn vào phần vỏ xe như hình </a:t>
+              <a:t> được gắn vào phần vỏ xe như hình </a:t>
             </a:r>
             <a:r>
               <a:rPr lang="en-US" sz="2000" b="0" smtClean="0">
@@ -4711,309 +5242,7 @@
       </p:sp>
       <p:sp>
         <p:nvSpPr>
-          <p:cNvPr id="3" name="Title 1"/>
-          <p:cNvSpPr txBox="1">
-            <a:spLocks/>
-          </p:cNvSpPr>
-          <p:nvPr/>
-        </p:nvSpPr>
-        <p:spPr>
-          <a:xfrm>
-            <a:off x="709053" y="4862785"/>
-            <a:ext cx="5644503" cy="508846"/>
-          </a:xfrm>
-          <a:prstGeom prst="rect">
-            <a:avLst/>
-          </a:prstGeom>
-        </p:spPr>
-        <p:txBody>
-          <a:bodyPr/>
-          <a:lstStyle>
-            <a:lvl1pPr algn="l" defTabSz="914400" rtl="0" eaLnBrk="1" latinLnBrk="0" hangingPunct="1">
-              <a:lnSpc>
-                <a:spcPct val="90000"/>
-              </a:lnSpc>
-              <a:spcBef>
-                <a:spcPct val="0"/>
-              </a:spcBef>
-              <a:buNone/>
-              <a:defRPr sz="3200" b="1" kern="1200">
-                <a:solidFill>
-                  <a:srgbClr val="019DD0"/>
-                </a:solidFill>
-                <a:latin typeface="Arial" panose="020B0604020202020204" pitchFamily="34" charset="0"/>
-                <a:ea typeface="+mj-ea"/>
-                <a:cs typeface="Arial" panose="020B0604020202020204" pitchFamily="34" charset="0"/>
-              </a:defRPr>
-            </a:lvl1pPr>
-          </a:lstStyle>
-          <a:p>
-            <a:pPr>
-              <a:lnSpc>
-                <a:spcPct val="100000"/>
-              </a:lnSpc>
-            </a:pPr>
-            <a:r>
-              <a:rPr lang="en-US" sz="2000" b="0" dirty="0" smtClean="0">
-                <a:solidFill>
-                  <a:schemeClr val="tx1">
-                    <a:lumMod val="95000"/>
-                    <a:lumOff val="5000"/>
-                  </a:schemeClr>
-                </a:solidFill>
-                <a:ea typeface="Roboto Condensed" pitchFamily="2" charset="0"/>
-              </a:rPr>
-              <a:t>Bước 1: Click Download tải file về máy tính</a:t>
-            </a:r>
-          </a:p>
-        </p:txBody>
-      </p:sp>
-      <p:pic>
-        <p:nvPicPr>
-          <p:cNvPr id="4" name="Picture 3"/>
-          <p:cNvPicPr>
-            <a:picLocks noChangeAspect="1"/>
-          </p:cNvPicPr>
-          <p:nvPr/>
-        </p:nvPicPr>
-        <p:blipFill>
-          <a:blip r:embed="rId2"/>
-          <a:stretch>
-            <a:fillRect/>
-          </a:stretch>
-        </p:blipFill>
-        <p:spPr>
-          <a:xfrm>
-            <a:off x="5743928" y="4822111"/>
-            <a:ext cx="2909512" cy="456394"/>
-          </a:xfrm>
-          <a:prstGeom prst="rect">
-            <a:avLst/>
-          </a:prstGeom>
-        </p:spPr>
-      </p:pic>
-      <p:sp>
-        <p:nvSpPr>
-          <p:cNvPr id="5" name="Title 1"/>
-          <p:cNvSpPr txBox="1">
-            <a:spLocks/>
-          </p:cNvSpPr>
-          <p:nvPr/>
-        </p:nvSpPr>
-        <p:spPr>
-          <a:xfrm>
-            <a:off x="709053" y="5412305"/>
-            <a:ext cx="8047836" cy="496573"/>
-          </a:xfrm>
-          <a:prstGeom prst="rect">
-            <a:avLst/>
-          </a:prstGeom>
-        </p:spPr>
-        <p:txBody>
-          <a:bodyPr/>
-          <a:lstStyle>
-            <a:lvl1pPr algn="l" defTabSz="914400" rtl="0" eaLnBrk="1" latinLnBrk="0" hangingPunct="1">
-              <a:lnSpc>
-                <a:spcPct val="90000"/>
-              </a:lnSpc>
-              <a:spcBef>
-                <a:spcPct val="0"/>
-              </a:spcBef>
-              <a:buNone/>
-              <a:defRPr sz="3200" b="1" kern="1200">
-                <a:solidFill>
-                  <a:srgbClr val="019DD0"/>
-                </a:solidFill>
-                <a:latin typeface="Arial" panose="020B0604020202020204" pitchFamily="34" charset="0"/>
-                <a:ea typeface="+mj-ea"/>
-                <a:cs typeface="Arial" panose="020B0604020202020204" pitchFamily="34" charset="0"/>
-              </a:defRPr>
-            </a:lvl1pPr>
-          </a:lstStyle>
-          <a:p>
-            <a:pPr>
-              <a:lnSpc>
-                <a:spcPct val="100000"/>
-              </a:lnSpc>
-            </a:pPr>
-            <a:r>
-              <a:rPr lang="en-US" sz="2000" b="0" dirty="0" smtClean="0">
-                <a:solidFill>
-                  <a:schemeClr val="tx1">
-                    <a:lumMod val="95000"/>
-                    <a:lumOff val="5000"/>
-                  </a:schemeClr>
-                </a:solidFill>
-                <a:ea typeface="Roboto Condensed" pitchFamily="2" charset="0"/>
-              </a:rPr>
-              <a:t>Bước 2: Gắn đầu USB vào máy tính, đầu micro USB vào micro:bit </a:t>
-            </a:r>
-          </a:p>
-        </p:txBody>
-      </p:sp>
-      <p:sp>
-        <p:nvSpPr>
-          <p:cNvPr id="8" name="TextBox 7"/>
-          <p:cNvSpPr txBox="1"/>
-          <p:nvPr/>
-        </p:nvSpPr>
-        <p:spPr>
-          <a:xfrm>
-            <a:off x="1265305" y="1364739"/>
-            <a:ext cx="5649845" cy="461665"/>
-          </a:xfrm>
-          <a:prstGeom prst="rect">
-            <a:avLst/>
-          </a:prstGeom>
-          <a:noFill/>
-        </p:spPr>
-        <p:txBody>
-          <a:bodyPr wrap="square" rtlCol="0">
-            <a:spAutoFit/>
-          </a:bodyPr>
-          <a:lstStyle/>
-          <a:p>
-            <a:r>
-              <a:rPr lang="en-US" sz="2400" b="1" dirty="0" smtClean="0">
-                <a:solidFill>
-                  <a:schemeClr val="tx1">
-                    <a:lumMod val="85000"/>
-                    <a:lumOff val="15000"/>
-                  </a:schemeClr>
-                </a:solidFill>
-                <a:latin typeface="UTM Helve" panose="02040603050506020204" pitchFamily="18" charset="0"/>
-                <a:ea typeface="Roboto" pitchFamily="2" charset="0"/>
-              </a:rPr>
-              <a:t>Đưa chương trình vào micro:bit</a:t>
-            </a:r>
-            <a:endParaRPr lang="en-US" sz="2400" b="1" dirty="0">
-              <a:solidFill>
-                <a:schemeClr val="tx1">
-                  <a:lumMod val="85000"/>
-                  <a:lumOff val="15000"/>
-                </a:schemeClr>
-              </a:solidFill>
-              <a:latin typeface="UTM Helve" panose="02040603050506020204" pitchFamily="18" charset="0"/>
-              <a:ea typeface="Roboto" pitchFamily="2" charset="0"/>
-            </a:endParaRPr>
-          </a:p>
-        </p:txBody>
-      </p:sp>
-      <p:pic>
-        <p:nvPicPr>
-          <p:cNvPr id="9" name="Picture 8"/>
-          <p:cNvPicPr>
-            <a:picLocks noChangeAspect="1"/>
-          </p:cNvPicPr>
-          <p:nvPr/>
-        </p:nvPicPr>
-        <p:blipFill>
-          <a:blip r:embed="rId3">
-            <a:extLst>
-              <a:ext uri="{28A0092B-C50C-407E-A947-70E740481C1C}">
-                <a14:useLocalDpi xmlns:a14="http://schemas.microsoft.com/office/drawing/2010/main" val="0"/>
-              </a:ext>
-            </a:extLst>
-          </a:blip>
-          <a:stretch>
-            <a:fillRect/>
-          </a:stretch>
-        </p:blipFill>
-        <p:spPr>
-          <a:xfrm>
-            <a:off x="709053" y="1437696"/>
-            <a:ext cx="466725" cy="409575"/>
-          </a:xfrm>
-          <a:prstGeom prst="rect">
-            <a:avLst/>
-          </a:prstGeom>
-        </p:spPr>
-      </p:pic>
-      <p:pic>
-        <p:nvPicPr>
-          <p:cNvPr id="11" name="Picture 10"/>
-          <p:cNvPicPr>
-            <a:picLocks noChangeAspect="1"/>
-          </p:cNvPicPr>
-          <p:nvPr/>
-        </p:nvPicPr>
-        <p:blipFill rotWithShape="1">
-          <a:blip r:embed="rId4"/>
-          <a:srcRect t="9567"/>
-          <a:stretch/>
-        </p:blipFill>
-        <p:spPr>
-          <a:xfrm>
-            <a:off x="1477989" y="1992477"/>
-            <a:ext cx="6441059" cy="2452204"/>
-          </a:xfrm>
-          <a:prstGeom prst="rect">
-            <a:avLst/>
-          </a:prstGeom>
-        </p:spPr>
-      </p:pic>
-      <p:sp>
-        <p:nvSpPr>
-          <p:cNvPr id="12" name="Title 1"/>
-          <p:cNvSpPr txBox="1">
-            <a:spLocks/>
-          </p:cNvSpPr>
-          <p:nvPr/>
-        </p:nvSpPr>
-        <p:spPr>
-          <a:xfrm>
-            <a:off x="709053" y="5983805"/>
-            <a:ext cx="8047836" cy="496573"/>
-          </a:xfrm>
-          <a:prstGeom prst="rect">
-            <a:avLst/>
-          </a:prstGeom>
-        </p:spPr>
-        <p:txBody>
-          <a:bodyPr/>
-          <a:lstStyle>
-            <a:lvl1pPr algn="l" defTabSz="914400" rtl="0" eaLnBrk="1" latinLnBrk="0" hangingPunct="1">
-              <a:lnSpc>
-                <a:spcPct val="90000"/>
-              </a:lnSpc>
-              <a:spcBef>
-                <a:spcPct val="0"/>
-              </a:spcBef>
-              <a:buNone/>
-              <a:defRPr sz="3200" b="1" kern="1200">
-                <a:solidFill>
-                  <a:srgbClr val="019DD0"/>
-                </a:solidFill>
-                <a:latin typeface="Arial" panose="020B0604020202020204" pitchFamily="34" charset="0"/>
-                <a:ea typeface="+mj-ea"/>
-                <a:cs typeface="Arial" panose="020B0604020202020204" pitchFamily="34" charset="0"/>
-              </a:defRPr>
-            </a:lvl1pPr>
-          </a:lstStyle>
-          <a:p>
-            <a:pPr>
-              <a:lnSpc>
-                <a:spcPct val="100000"/>
-              </a:lnSpc>
-            </a:pPr>
-            <a:r>
-              <a:rPr lang="en-US" sz="2000" b="0" dirty="0" smtClean="0">
-                <a:solidFill>
-                  <a:schemeClr val="tx1">
-                    <a:lumMod val="95000"/>
-                    <a:lumOff val="5000"/>
-                  </a:schemeClr>
-                </a:solidFill>
-                <a:ea typeface="Roboto Condensed" pitchFamily="2" charset="0"/>
-              </a:rPr>
-              <a:t>Bước 3: Copy file .hex vào micro:bit </a:t>
-            </a:r>
-          </a:p>
-        </p:txBody>
-      </p:sp>
-      <p:sp>
-        <p:nvSpPr>
-          <p:cNvPr id="13" name="Rectangle 12"/>
+          <p:cNvPr id="3" name="Rectangle 2"/>
           <p:cNvSpPr/>
           <p:nvPr/>
         </p:nvSpPr>
@@ -5068,7 +5297,7 @@
       </p:sp>
       <p:sp>
         <p:nvSpPr>
-          <p:cNvPr id="14" name="TextBox 13"/>
+          <p:cNvPr id="4" name="TextBox 3"/>
           <p:cNvSpPr txBox="1"/>
           <p:nvPr/>
         </p:nvSpPr>
@@ -5108,10 +5337,180 @@
           </a:p>
         </p:txBody>
       </p:sp>
+      <p:sp>
+        <p:nvSpPr>
+          <p:cNvPr id="5" name="TextBox 4"/>
+          <p:cNvSpPr txBox="1"/>
+          <p:nvPr/>
+        </p:nvSpPr>
+        <p:spPr>
+          <a:xfrm>
+            <a:off x="1098981" y="1272143"/>
+            <a:ext cx="5341576" cy="461665"/>
+          </a:xfrm>
+          <a:prstGeom prst="rect">
+            <a:avLst/>
+          </a:prstGeom>
+          <a:noFill/>
+        </p:spPr>
+        <p:txBody>
+          <a:bodyPr wrap="square" rtlCol="0">
+            <a:spAutoFit/>
+          </a:bodyPr>
+          <a:lstStyle/>
+          <a:p>
+            <a:r>
+              <a:rPr lang="en-US" sz="2400" b="1" dirty="0" smtClean="0">
+                <a:solidFill>
+                  <a:schemeClr val="tx1">
+                    <a:lumMod val="85000"/>
+                    <a:lumOff val="15000"/>
+                  </a:schemeClr>
+                </a:solidFill>
+                <a:latin typeface="UTM Helve" panose="02040603050506020204" pitchFamily="18" charset="0"/>
+                <a:ea typeface="Roboto" pitchFamily="2" charset="0"/>
+              </a:rPr>
+              <a:t>Lập trình trong MakeCode</a:t>
+            </a:r>
+            <a:endParaRPr lang="en-US" sz="2400" b="1" dirty="0">
+              <a:solidFill>
+                <a:schemeClr val="tx1">
+                  <a:lumMod val="85000"/>
+                  <a:lumOff val="15000"/>
+                </a:schemeClr>
+              </a:solidFill>
+              <a:latin typeface="UTM Helve" panose="02040603050506020204" pitchFamily="18" charset="0"/>
+              <a:ea typeface="Roboto" pitchFamily="2" charset="0"/>
+            </a:endParaRPr>
+          </a:p>
+        </p:txBody>
+      </p:sp>
+      <p:pic>
+        <p:nvPicPr>
+          <p:cNvPr id="6" name="Picture 5"/>
+          <p:cNvPicPr>
+            <a:picLocks noChangeAspect="1"/>
+          </p:cNvPicPr>
+          <p:nvPr/>
+        </p:nvPicPr>
+        <p:blipFill>
+          <a:blip r:embed="rId2">
+            <a:extLst>
+              <a:ext uri="{28A0092B-C50C-407E-A947-70E740481C1C}">
+                <a14:useLocalDpi xmlns:a14="http://schemas.microsoft.com/office/drawing/2010/main" val="0"/>
+              </a:ext>
+            </a:extLst>
+          </a:blip>
+          <a:stretch>
+            <a:fillRect/>
+          </a:stretch>
+        </p:blipFill>
+        <p:spPr>
+          <a:xfrm>
+            <a:off x="542728" y="1345100"/>
+            <a:ext cx="466725" cy="409575"/>
+          </a:xfrm>
+          <a:prstGeom prst="rect">
+            <a:avLst/>
+          </a:prstGeom>
+        </p:spPr>
+      </p:pic>
+      <p:pic>
+        <p:nvPicPr>
+          <p:cNvPr id="7" name="Picture 6"/>
+          <p:cNvPicPr>
+            <a:picLocks noChangeAspect="1"/>
+          </p:cNvPicPr>
+          <p:nvPr/>
+        </p:nvPicPr>
+        <p:blipFill>
+          <a:blip r:embed="rId3"/>
+          <a:stretch>
+            <a:fillRect/>
+          </a:stretch>
+        </p:blipFill>
+        <p:spPr>
+          <a:xfrm>
+            <a:off x="776090" y="3178729"/>
+            <a:ext cx="7747167" cy="2493202"/>
+          </a:xfrm>
+          <a:prstGeom prst="rect">
+            <a:avLst/>
+          </a:prstGeom>
+        </p:spPr>
+      </p:pic>
+      <p:sp>
+        <p:nvSpPr>
+          <p:cNvPr id="8" name="Title 1"/>
+          <p:cNvSpPr txBox="1">
+            <a:spLocks/>
+          </p:cNvSpPr>
+          <p:nvPr/>
+        </p:nvSpPr>
+        <p:spPr>
+          <a:xfrm>
+            <a:off x="776089" y="2061057"/>
+            <a:ext cx="7747167" cy="976427"/>
+          </a:xfrm>
+          <a:prstGeom prst="rect">
+            <a:avLst/>
+          </a:prstGeom>
+        </p:spPr>
+        <p:txBody>
+          <a:bodyPr/>
+          <a:lstStyle>
+            <a:lvl1pPr algn="l" defTabSz="914400" rtl="0" eaLnBrk="1" latinLnBrk="0" hangingPunct="1">
+              <a:lnSpc>
+                <a:spcPct val="90000"/>
+              </a:lnSpc>
+              <a:spcBef>
+                <a:spcPct val="0"/>
+              </a:spcBef>
+              <a:buNone/>
+              <a:defRPr sz="3200" b="1" kern="1200">
+                <a:solidFill>
+                  <a:srgbClr val="019DD0"/>
+                </a:solidFill>
+                <a:latin typeface="Arial" panose="020B0604020202020204" pitchFamily="34" charset="0"/>
+                <a:ea typeface="+mj-ea"/>
+                <a:cs typeface="Arial" panose="020B0604020202020204" pitchFamily="34" charset="0"/>
+              </a:defRPr>
+            </a:lvl1pPr>
+          </a:lstStyle>
+          <a:p>
+            <a:pPr>
+              <a:lnSpc>
+                <a:spcPct val="100000"/>
+              </a:lnSpc>
+            </a:pPr>
+            <a:r>
+              <a:rPr lang="en-US" sz="2000" b="0" dirty="0" smtClean="0">
+                <a:solidFill>
+                  <a:schemeClr val="tx1">
+                    <a:lumMod val="95000"/>
+                    <a:lumOff val="5000"/>
+                  </a:schemeClr>
+                </a:solidFill>
+                <a:ea typeface="Roboto Condensed" pitchFamily="2" charset="0"/>
+              </a:rPr>
+              <a:t>Hình ảnh về động cơ Servor xoay theo các hướng khi tương tác bằng các Inputs</a:t>
+            </a:r>
+            <a:endParaRPr lang="en-US" sz="2000" dirty="0" smtClean="0">
+              <a:solidFill>
+                <a:schemeClr val="tx1">
+                  <a:lumMod val="95000"/>
+                  <a:lumOff val="5000"/>
+                </a:schemeClr>
+              </a:solidFill>
+              <a:ea typeface="Roboto Condensed" pitchFamily="2" charset="0"/>
+            </a:endParaRPr>
+          </a:p>
+        </p:txBody>
+      </p:sp>
     </p:spTree>
     <p:extLst>
       <p:ext uri="{BB962C8B-B14F-4D97-AF65-F5344CB8AC3E}">
-        <p14:creationId xmlns:p14="http://schemas.microsoft.com/office/powerpoint/2010/main" val="3773185111"/>
+        <p14:creationId xmlns:p14="http://schemas.microsoft.com/office/powerpoint/2010/main" val="3700022311"/>
       </p:ext>
     </p:extLst>
   </p:cSld>
@@ -5164,112 +5563,7 @@
       </p:sp>
       <p:sp>
         <p:nvSpPr>
-          <p:cNvPr id="5" name="TextBox 4"/>
-          <p:cNvSpPr txBox="1"/>
-          <p:nvPr/>
-        </p:nvSpPr>
-        <p:spPr>
-          <a:xfrm>
-            <a:off x="1265305" y="1364739"/>
-            <a:ext cx="5649845" cy="461665"/>
-          </a:xfrm>
-          <a:prstGeom prst="rect">
-            <a:avLst/>
-          </a:prstGeom>
-          <a:noFill/>
-        </p:spPr>
-        <p:txBody>
-          <a:bodyPr wrap="square" rtlCol="0">
-            <a:spAutoFit/>
-          </a:bodyPr>
-          <a:lstStyle/>
-          <a:p>
-            <a:r>
-              <a:rPr lang="en-US" sz="2400" b="1" dirty="0" smtClean="0">
-                <a:solidFill>
-                  <a:schemeClr val="tx1">
-                    <a:lumMod val="85000"/>
-                    <a:lumOff val="15000"/>
-                  </a:schemeClr>
-                </a:solidFill>
-                <a:latin typeface="UTM Helve" panose="02040603050506020204" pitchFamily="18" charset="0"/>
-                <a:ea typeface="Roboto" pitchFamily="2" charset="0"/>
-              </a:rPr>
-              <a:t>Giữ an toàn cho micro:bit</a:t>
-            </a:r>
-            <a:endParaRPr lang="en-US" sz="2400" b="1" dirty="0">
-              <a:solidFill>
-                <a:schemeClr val="tx1">
-                  <a:lumMod val="85000"/>
-                  <a:lumOff val="15000"/>
-                </a:schemeClr>
-              </a:solidFill>
-              <a:latin typeface="UTM Helve" panose="02040603050506020204" pitchFamily="18" charset="0"/>
-              <a:ea typeface="Roboto" pitchFamily="2" charset="0"/>
-            </a:endParaRPr>
-          </a:p>
-        </p:txBody>
-      </p:sp>
-      <p:pic>
-        <p:nvPicPr>
-          <p:cNvPr id="6" name="Picture 5"/>
-          <p:cNvPicPr>
-            <a:picLocks noChangeAspect="1"/>
-          </p:cNvPicPr>
-          <p:nvPr/>
-        </p:nvPicPr>
-        <p:blipFill>
-          <a:blip r:embed="rId2">
-            <a:extLst>
-              <a:ext uri="{28A0092B-C50C-407E-A947-70E740481C1C}">
-                <a14:useLocalDpi xmlns:a14="http://schemas.microsoft.com/office/drawing/2010/main" val="0"/>
-              </a:ext>
-            </a:extLst>
-          </a:blip>
-          <a:stretch>
-            <a:fillRect/>
-          </a:stretch>
-        </p:blipFill>
-        <p:spPr>
-          <a:xfrm>
-            <a:off x="709053" y="1437696"/>
-            <a:ext cx="466725" cy="409575"/>
-          </a:xfrm>
-          <a:prstGeom prst="rect">
-            <a:avLst/>
-          </a:prstGeom>
-        </p:spPr>
-      </p:pic>
-      <p:pic>
-        <p:nvPicPr>
-          <p:cNvPr id="7" name="Google Shape;149;p5"/>
-          <p:cNvPicPr preferRelativeResize="0"/>
-          <p:nvPr/>
-        </p:nvPicPr>
-        <p:blipFill rotWithShape="1">
-          <a:blip r:embed="rId3">
-            <a:alphaModFix/>
-          </a:blip>
-          <a:srcRect/>
-          <a:stretch/>
-        </p:blipFill>
-        <p:spPr>
-          <a:xfrm>
-            <a:off x="804690" y="2535250"/>
-            <a:ext cx="3206517" cy="3182856"/>
-          </a:xfrm>
-          <a:prstGeom prst="rect">
-            <a:avLst/>
-          </a:prstGeom>
-          <a:noFill/>
-          <a:ln>
-            <a:noFill/>
-          </a:ln>
-        </p:spPr>
-      </p:pic>
-      <p:sp>
-        <p:nvSpPr>
-          <p:cNvPr id="8" name="Title 1"/>
+          <p:cNvPr id="3" name="Title 1"/>
           <p:cNvSpPr txBox="1">
             <a:spLocks/>
           </p:cNvSpPr>
@@ -5277,8 +5571,8 @@
         </p:nvSpPr>
         <p:spPr>
           <a:xfrm>
-            <a:off x="4261791" y="2490360"/>
-            <a:ext cx="4253559" cy="3227746"/>
+            <a:off x="709053" y="4862785"/>
+            <a:ext cx="5644503" cy="508846"/>
           </a:xfrm>
           <a:prstGeom prst="rect">
             <a:avLst/>
@@ -5306,15 +5600,13 @@
             </a:lvl1pPr>
           </a:lstStyle>
           <a:p>
-            <a:pPr marL="342900" indent="-342900">
+            <a:pPr>
               <a:lnSpc>
                 <a:spcPct val="100000"/>
               </a:lnSpc>
-              <a:buFont typeface="Arial" panose="020B0604020202020204" pitchFamily="34" charset="0"/>
-              <a:buChar char="•"/>
             </a:pPr>
             <a:r>
-              <a:rPr lang="en-US" sz="2400" b="0" dirty="0">
+              <a:rPr lang="en-US" sz="2000" b="0" dirty="0" smtClean="0">
                 <a:solidFill>
                   <a:schemeClr val="tx1">
                     <a:lumMod val="95000"/>
@@ -5323,51 +5615,81 @@
                 </a:solidFill>
                 <a:ea typeface="Roboto Condensed" pitchFamily="2" charset="0"/>
               </a:rPr>
-              <a:t>Cầm micro:bit cẩn thận ở các </a:t>
-            </a:r>
-            <a:r>
-              <a:rPr lang="en-US" sz="2400" b="0" dirty="0" smtClean="0">
-                <a:solidFill>
-                  <a:schemeClr val="tx1">
-                    <a:lumMod val="95000"/>
-                    <a:lumOff val="5000"/>
-                  </a:schemeClr>
-                </a:solidFill>
-                <a:ea typeface="Roboto Condensed" pitchFamily="2" charset="0"/>
-              </a:rPr>
-              <a:t>cạnh</a:t>
-            </a:r>
-            <a:br>
-              <a:rPr lang="en-US" sz="2400" b="0" dirty="0" smtClean="0">
-                <a:solidFill>
-                  <a:schemeClr val="tx1">
-                    <a:lumMod val="95000"/>
-                    <a:lumOff val="5000"/>
-                  </a:schemeClr>
-                </a:solidFill>
-                <a:ea typeface="Roboto Condensed" pitchFamily="2" charset="0"/>
-              </a:rPr>
-            </a:br>
-            <a:endParaRPr lang="en-US" sz="2400" b="0" dirty="0" smtClean="0">
-              <a:solidFill>
-                <a:schemeClr val="tx1">
-                  <a:lumMod val="95000"/>
-                  <a:lumOff val="5000"/>
-                </a:schemeClr>
-              </a:solidFill>
-              <a:ea typeface="Roboto Condensed" pitchFamily="2" charset="0"/>
-            </a:endParaRPr>
-          </a:p>
-          <a:p>
-            <a:pPr marL="342900" indent="-342900">
+              <a:t>Bước 1: Click Download tải file về máy tính</a:t>
+            </a:r>
+          </a:p>
+        </p:txBody>
+      </p:sp>
+      <p:pic>
+        <p:nvPicPr>
+          <p:cNvPr id="4" name="Picture 3"/>
+          <p:cNvPicPr>
+            <a:picLocks noChangeAspect="1"/>
+          </p:cNvPicPr>
+          <p:nvPr/>
+        </p:nvPicPr>
+        <p:blipFill>
+          <a:blip r:embed="rId2"/>
+          <a:stretch>
+            <a:fillRect/>
+          </a:stretch>
+        </p:blipFill>
+        <p:spPr>
+          <a:xfrm>
+            <a:off x="5743928" y="4822111"/>
+            <a:ext cx="2909512" cy="456394"/>
+          </a:xfrm>
+          <a:prstGeom prst="rect">
+            <a:avLst/>
+          </a:prstGeom>
+        </p:spPr>
+      </p:pic>
+      <p:sp>
+        <p:nvSpPr>
+          <p:cNvPr id="5" name="Title 1"/>
+          <p:cNvSpPr txBox="1">
+            <a:spLocks/>
+          </p:cNvSpPr>
+          <p:nvPr/>
+        </p:nvSpPr>
+        <p:spPr>
+          <a:xfrm>
+            <a:off x="709053" y="5412305"/>
+            <a:ext cx="8047836" cy="496573"/>
+          </a:xfrm>
+          <a:prstGeom prst="rect">
+            <a:avLst/>
+          </a:prstGeom>
+        </p:spPr>
+        <p:txBody>
+          <a:bodyPr/>
+          <a:lstStyle>
+            <a:lvl1pPr algn="l" defTabSz="914400" rtl="0" eaLnBrk="1" latinLnBrk="0" hangingPunct="1">
+              <a:lnSpc>
+                <a:spcPct val="90000"/>
+              </a:lnSpc>
+              <a:spcBef>
+                <a:spcPct val="0"/>
+              </a:spcBef>
+              <a:buNone/>
+              <a:defRPr sz="3200" b="1" kern="1200">
+                <a:solidFill>
+                  <a:srgbClr val="019DD0"/>
+                </a:solidFill>
+                <a:latin typeface="Arial" panose="020B0604020202020204" pitchFamily="34" charset="0"/>
+                <a:ea typeface="+mj-ea"/>
+                <a:cs typeface="Arial" panose="020B0604020202020204" pitchFamily="34" charset="0"/>
+              </a:defRPr>
+            </a:lvl1pPr>
+          </a:lstStyle>
+          <a:p>
+            <a:pPr>
               <a:lnSpc>
                 <a:spcPct val="100000"/>
               </a:lnSpc>
-              <a:buFont typeface="Arial" panose="020B0604020202020204" pitchFamily="34" charset="0"/>
-              <a:buChar char="•"/>
             </a:pPr>
             <a:r>
-              <a:rPr lang="en-US" sz="2400" b="0" dirty="0" smtClean="0">
+              <a:rPr lang="en-US" sz="2000" b="0" dirty="0" smtClean="0">
                 <a:solidFill>
                   <a:schemeClr val="tx1">
                     <a:lumMod val="95000"/>
@@ -5376,39 +5698,158 @@
                 </a:solidFill>
                 <a:ea typeface="Roboto Condensed" pitchFamily="2" charset="0"/>
               </a:rPr>
-              <a:t>Tránh chạm vào các bộ phận</a:t>
-            </a:r>
-            <a:br>
-              <a:rPr lang="en-US" sz="2400" b="0" dirty="0" smtClean="0">
-                <a:solidFill>
-                  <a:schemeClr val="tx1">
-                    <a:lumMod val="95000"/>
-                    <a:lumOff val="5000"/>
-                  </a:schemeClr>
-                </a:solidFill>
-                <a:ea typeface="Roboto Condensed" pitchFamily="2" charset="0"/>
-              </a:rPr>
-            </a:br>
-            <a:endParaRPr lang="en-US" sz="2400" b="0" dirty="0" smtClean="0">
+              <a:t>Bước 2: Gắn đầu USB vào máy tính, đầu micro USB vào micro:bit </a:t>
+            </a:r>
+          </a:p>
+        </p:txBody>
+      </p:sp>
+      <p:sp>
+        <p:nvSpPr>
+          <p:cNvPr id="8" name="TextBox 7"/>
+          <p:cNvSpPr txBox="1"/>
+          <p:nvPr/>
+        </p:nvSpPr>
+        <p:spPr>
+          <a:xfrm>
+            <a:off x="1265305" y="1364739"/>
+            <a:ext cx="5649845" cy="461665"/>
+          </a:xfrm>
+          <a:prstGeom prst="rect">
+            <a:avLst/>
+          </a:prstGeom>
+          <a:noFill/>
+        </p:spPr>
+        <p:txBody>
+          <a:bodyPr wrap="square" rtlCol="0">
+            <a:spAutoFit/>
+          </a:bodyPr>
+          <a:lstStyle/>
+          <a:p>
+            <a:r>
+              <a:rPr lang="en-US" sz="2400" b="1" dirty="0" smtClean="0">
+                <a:solidFill>
+                  <a:schemeClr val="tx1">
+                    <a:lumMod val="85000"/>
+                    <a:lumOff val="15000"/>
+                  </a:schemeClr>
+                </a:solidFill>
+                <a:latin typeface="UTM Helve" panose="02040603050506020204" pitchFamily="18" charset="0"/>
+                <a:ea typeface="Roboto" pitchFamily="2" charset="0"/>
+              </a:rPr>
+              <a:t>Đưa chương trình vào micro:bit</a:t>
+            </a:r>
+            <a:endParaRPr lang="en-US" sz="2400" b="1" dirty="0">
               <a:solidFill>
                 <a:schemeClr val="tx1">
-                  <a:lumMod val="95000"/>
-                  <a:lumOff val="5000"/>
+                  <a:lumMod val="85000"/>
+                  <a:lumOff val="15000"/>
                 </a:schemeClr>
               </a:solidFill>
-              <a:ea typeface="Roboto Condensed" pitchFamily="2" charset="0"/>
+              <a:latin typeface="UTM Helve" panose="02040603050506020204" pitchFamily="18" charset="0"/>
+              <a:ea typeface="Roboto" pitchFamily="2" charset="0"/>
             </a:endParaRPr>
           </a:p>
-          <a:p>
-            <a:pPr marL="342900" indent="-342900">
+        </p:txBody>
+      </p:sp>
+      <p:pic>
+        <p:nvPicPr>
+          <p:cNvPr id="9" name="Picture 8"/>
+          <p:cNvPicPr>
+            <a:picLocks noChangeAspect="1"/>
+          </p:cNvPicPr>
+          <p:nvPr/>
+        </p:nvPicPr>
+        <p:blipFill>
+          <a:blip r:embed="rId3">
+            <a:extLst>
+              <a:ext uri="{28A0092B-C50C-407E-A947-70E740481C1C}">
+                <a14:useLocalDpi xmlns:a14="http://schemas.microsoft.com/office/drawing/2010/main" val="0"/>
+              </a:ext>
+            </a:extLst>
+          </a:blip>
+          <a:stretch>
+            <a:fillRect/>
+          </a:stretch>
+        </p:blipFill>
+        <p:spPr>
+          <a:xfrm>
+            <a:off x="709053" y="1437696"/>
+            <a:ext cx="466725" cy="409575"/>
+          </a:xfrm>
+          <a:prstGeom prst="rect">
+            <a:avLst/>
+          </a:prstGeom>
+        </p:spPr>
+      </p:pic>
+      <p:pic>
+        <p:nvPicPr>
+          <p:cNvPr id="11" name="Picture 10"/>
+          <p:cNvPicPr>
+            <a:picLocks noChangeAspect="1"/>
+          </p:cNvPicPr>
+          <p:nvPr/>
+        </p:nvPicPr>
+        <p:blipFill rotWithShape="1">
+          <a:blip r:embed="rId4"/>
+          <a:srcRect t="9567"/>
+          <a:stretch/>
+        </p:blipFill>
+        <p:spPr>
+          <a:xfrm>
+            <a:off x="1477989" y="1992477"/>
+            <a:ext cx="6441059" cy="2452204"/>
+          </a:xfrm>
+          <a:prstGeom prst="rect">
+            <a:avLst/>
+          </a:prstGeom>
+        </p:spPr>
+      </p:pic>
+      <p:sp>
+        <p:nvSpPr>
+          <p:cNvPr id="12" name="Title 1"/>
+          <p:cNvSpPr txBox="1">
+            <a:spLocks/>
+          </p:cNvSpPr>
+          <p:nvPr/>
+        </p:nvSpPr>
+        <p:spPr>
+          <a:xfrm>
+            <a:off x="709053" y="5983805"/>
+            <a:ext cx="8047836" cy="496573"/>
+          </a:xfrm>
+          <a:prstGeom prst="rect">
+            <a:avLst/>
+          </a:prstGeom>
+        </p:spPr>
+        <p:txBody>
+          <a:bodyPr/>
+          <a:lstStyle>
+            <a:lvl1pPr algn="l" defTabSz="914400" rtl="0" eaLnBrk="1" latinLnBrk="0" hangingPunct="1">
+              <a:lnSpc>
+                <a:spcPct val="90000"/>
+              </a:lnSpc>
+              <a:spcBef>
+                <a:spcPct val="0"/>
+              </a:spcBef>
+              <a:buNone/>
+              <a:defRPr sz="3200" b="1" kern="1200">
+                <a:solidFill>
+                  <a:srgbClr val="019DD0"/>
+                </a:solidFill>
+                <a:latin typeface="Arial" panose="020B0604020202020204" pitchFamily="34" charset="0"/>
+                <a:ea typeface="+mj-ea"/>
+                <a:cs typeface="Arial" panose="020B0604020202020204" pitchFamily="34" charset="0"/>
+              </a:defRPr>
+            </a:lvl1pPr>
+          </a:lstStyle>
+          <a:p>
+            <a:pPr>
               <a:lnSpc>
                 <a:spcPct val="100000"/>
               </a:lnSpc>
-              <a:buFont typeface="Arial" panose="020B0604020202020204" pitchFamily="34" charset="0"/>
-              <a:buChar char="•"/>
             </a:pPr>
             <a:r>
-              <a:rPr lang="en-US" sz="2400" b="0" dirty="0" smtClean="0">
+              <a:rPr lang="en-US" sz="2000" b="0" dirty="0" smtClean="0">
                 <a:solidFill>
                   <a:schemeClr val="tx1">
                     <a:lumMod val="95000"/>
@@ -5417,14 +5858,14 @@
                 </a:solidFill>
                 <a:ea typeface="Roboto Condensed" pitchFamily="2" charset="0"/>
               </a:rPr>
-              <a:t>Tránh xa micro:bit khỏi nước</a:t>
-            </a:r>
-          </a:p>
-        </p:txBody>
-      </p:sp>
-      <p:sp>
-        <p:nvSpPr>
-          <p:cNvPr id="9" name="Rectangle 8"/>
+              <a:t>Bước 3: Copy file .hex vào micro:bit </a:t>
+            </a:r>
+          </a:p>
+        </p:txBody>
+      </p:sp>
+      <p:sp>
+        <p:nvSpPr>
+          <p:cNvPr id="13" name="Rectangle 12"/>
           <p:cNvSpPr/>
           <p:nvPr/>
         </p:nvSpPr>
@@ -5479,7 +5920,7 @@
       </p:sp>
       <p:sp>
         <p:nvSpPr>
-          <p:cNvPr id="10" name="TextBox 9"/>
+          <p:cNvPr id="14" name="TextBox 13"/>
           <p:cNvSpPr txBox="1"/>
           <p:nvPr/>
         </p:nvSpPr>
@@ -5522,7 +5963,7 @@
     </p:spTree>
     <p:extLst>
       <p:ext uri="{BB962C8B-B14F-4D97-AF65-F5344CB8AC3E}">
-        <p14:creationId xmlns:p14="http://schemas.microsoft.com/office/powerpoint/2010/main" val="2800974292"/>
+        <p14:creationId xmlns:p14="http://schemas.microsoft.com/office/powerpoint/2010/main" val="3773185111"/>
       </p:ext>
     </p:extLst>
   </p:cSld>
@@ -5575,7 +6016,267 @@
       </p:sp>
       <p:sp>
         <p:nvSpPr>
-          <p:cNvPr id="3" name="Rectangle 2"/>
+          <p:cNvPr id="5" name="TextBox 4"/>
+          <p:cNvSpPr txBox="1"/>
+          <p:nvPr/>
+        </p:nvSpPr>
+        <p:spPr>
+          <a:xfrm>
+            <a:off x="1265305" y="1364739"/>
+            <a:ext cx="5649845" cy="461665"/>
+          </a:xfrm>
+          <a:prstGeom prst="rect">
+            <a:avLst/>
+          </a:prstGeom>
+          <a:noFill/>
+        </p:spPr>
+        <p:txBody>
+          <a:bodyPr wrap="square" rtlCol="0">
+            <a:spAutoFit/>
+          </a:bodyPr>
+          <a:lstStyle/>
+          <a:p>
+            <a:r>
+              <a:rPr lang="en-US" sz="2400" b="1" dirty="0" smtClean="0">
+                <a:solidFill>
+                  <a:schemeClr val="tx1">
+                    <a:lumMod val="85000"/>
+                    <a:lumOff val="15000"/>
+                  </a:schemeClr>
+                </a:solidFill>
+                <a:latin typeface="UTM Helve" panose="02040603050506020204" pitchFamily="18" charset="0"/>
+                <a:ea typeface="Roboto" pitchFamily="2" charset="0"/>
+              </a:rPr>
+              <a:t>Giữ an toàn cho micro:bit</a:t>
+            </a:r>
+            <a:endParaRPr lang="en-US" sz="2400" b="1" dirty="0">
+              <a:solidFill>
+                <a:schemeClr val="tx1">
+                  <a:lumMod val="85000"/>
+                  <a:lumOff val="15000"/>
+                </a:schemeClr>
+              </a:solidFill>
+              <a:latin typeface="UTM Helve" panose="02040603050506020204" pitchFamily="18" charset="0"/>
+              <a:ea typeface="Roboto" pitchFamily="2" charset="0"/>
+            </a:endParaRPr>
+          </a:p>
+        </p:txBody>
+      </p:sp>
+      <p:pic>
+        <p:nvPicPr>
+          <p:cNvPr id="6" name="Picture 5"/>
+          <p:cNvPicPr>
+            <a:picLocks noChangeAspect="1"/>
+          </p:cNvPicPr>
+          <p:nvPr/>
+        </p:nvPicPr>
+        <p:blipFill>
+          <a:blip r:embed="rId2">
+            <a:extLst>
+              <a:ext uri="{28A0092B-C50C-407E-A947-70E740481C1C}">
+                <a14:useLocalDpi xmlns:a14="http://schemas.microsoft.com/office/drawing/2010/main" val="0"/>
+              </a:ext>
+            </a:extLst>
+          </a:blip>
+          <a:stretch>
+            <a:fillRect/>
+          </a:stretch>
+        </p:blipFill>
+        <p:spPr>
+          <a:xfrm>
+            <a:off x="709053" y="1437696"/>
+            <a:ext cx="466725" cy="409575"/>
+          </a:xfrm>
+          <a:prstGeom prst="rect">
+            <a:avLst/>
+          </a:prstGeom>
+        </p:spPr>
+      </p:pic>
+      <p:pic>
+        <p:nvPicPr>
+          <p:cNvPr id="7" name="Google Shape;149;p5"/>
+          <p:cNvPicPr preferRelativeResize="0"/>
+          <p:nvPr/>
+        </p:nvPicPr>
+        <p:blipFill rotWithShape="1">
+          <a:blip r:embed="rId3">
+            <a:alphaModFix/>
+          </a:blip>
+          <a:srcRect/>
+          <a:stretch/>
+        </p:blipFill>
+        <p:spPr>
+          <a:xfrm>
+            <a:off x="804690" y="2535250"/>
+            <a:ext cx="3206517" cy="3182856"/>
+          </a:xfrm>
+          <a:prstGeom prst="rect">
+            <a:avLst/>
+          </a:prstGeom>
+          <a:noFill/>
+          <a:ln>
+            <a:noFill/>
+          </a:ln>
+        </p:spPr>
+      </p:pic>
+      <p:sp>
+        <p:nvSpPr>
+          <p:cNvPr id="8" name="Title 1"/>
+          <p:cNvSpPr txBox="1">
+            <a:spLocks/>
+          </p:cNvSpPr>
+          <p:nvPr/>
+        </p:nvSpPr>
+        <p:spPr>
+          <a:xfrm>
+            <a:off x="4261791" y="2490360"/>
+            <a:ext cx="4253559" cy="3227746"/>
+          </a:xfrm>
+          <a:prstGeom prst="rect">
+            <a:avLst/>
+          </a:prstGeom>
+        </p:spPr>
+        <p:txBody>
+          <a:bodyPr/>
+          <a:lstStyle>
+            <a:lvl1pPr algn="l" defTabSz="914400" rtl="0" eaLnBrk="1" latinLnBrk="0" hangingPunct="1">
+              <a:lnSpc>
+                <a:spcPct val="90000"/>
+              </a:lnSpc>
+              <a:spcBef>
+                <a:spcPct val="0"/>
+              </a:spcBef>
+              <a:buNone/>
+              <a:defRPr sz="3200" b="1" kern="1200">
+                <a:solidFill>
+                  <a:srgbClr val="019DD0"/>
+                </a:solidFill>
+                <a:latin typeface="Arial" panose="020B0604020202020204" pitchFamily="34" charset="0"/>
+                <a:ea typeface="+mj-ea"/>
+                <a:cs typeface="Arial" panose="020B0604020202020204" pitchFamily="34" charset="0"/>
+              </a:defRPr>
+            </a:lvl1pPr>
+          </a:lstStyle>
+          <a:p>
+            <a:pPr marL="342900" indent="-342900">
+              <a:lnSpc>
+                <a:spcPct val="100000"/>
+              </a:lnSpc>
+              <a:buFont typeface="Arial" panose="020B0604020202020204" pitchFamily="34" charset="0"/>
+              <a:buChar char="•"/>
+            </a:pPr>
+            <a:r>
+              <a:rPr lang="en-US" sz="2400" b="0" dirty="0">
+                <a:solidFill>
+                  <a:schemeClr val="tx1">
+                    <a:lumMod val="95000"/>
+                    <a:lumOff val="5000"/>
+                  </a:schemeClr>
+                </a:solidFill>
+                <a:ea typeface="Roboto Condensed" pitchFamily="2" charset="0"/>
+              </a:rPr>
+              <a:t>Cầm micro:bit cẩn thận ở các </a:t>
+            </a:r>
+            <a:r>
+              <a:rPr lang="en-US" sz="2400" b="0" dirty="0" smtClean="0">
+                <a:solidFill>
+                  <a:schemeClr val="tx1">
+                    <a:lumMod val="95000"/>
+                    <a:lumOff val="5000"/>
+                  </a:schemeClr>
+                </a:solidFill>
+                <a:ea typeface="Roboto Condensed" pitchFamily="2" charset="0"/>
+              </a:rPr>
+              <a:t>cạnh</a:t>
+            </a:r>
+            <a:br>
+              <a:rPr lang="en-US" sz="2400" b="0" dirty="0" smtClean="0">
+                <a:solidFill>
+                  <a:schemeClr val="tx1">
+                    <a:lumMod val="95000"/>
+                    <a:lumOff val="5000"/>
+                  </a:schemeClr>
+                </a:solidFill>
+                <a:ea typeface="Roboto Condensed" pitchFamily="2" charset="0"/>
+              </a:rPr>
+            </a:br>
+            <a:endParaRPr lang="en-US" sz="2400" b="0" dirty="0" smtClean="0">
+              <a:solidFill>
+                <a:schemeClr val="tx1">
+                  <a:lumMod val="95000"/>
+                  <a:lumOff val="5000"/>
+                </a:schemeClr>
+              </a:solidFill>
+              <a:ea typeface="Roboto Condensed" pitchFamily="2" charset="0"/>
+            </a:endParaRPr>
+          </a:p>
+          <a:p>
+            <a:pPr marL="342900" indent="-342900">
+              <a:lnSpc>
+                <a:spcPct val="100000"/>
+              </a:lnSpc>
+              <a:buFont typeface="Arial" panose="020B0604020202020204" pitchFamily="34" charset="0"/>
+              <a:buChar char="•"/>
+            </a:pPr>
+            <a:r>
+              <a:rPr lang="en-US" sz="2400" b="0" dirty="0" smtClean="0">
+                <a:solidFill>
+                  <a:schemeClr val="tx1">
+                    <a:lumMod val="95000"/>
+                    <a:lumOff val="5000"/>
+                  </a:schemeClr>
+                </a:solidFill>
+                <a:ea typeface="Roboto Condensed" pitchFamily="2" charset="0"/>
+              </a:rPr>
+              <a:t>Tránh chạm vào các bộ phận</a:t>
+            </a:r>
+            <a:br>
+              <a:rPr lang="en-US" sz="2400" b="0" dirty="0" smtClean="0">
+                <a:solidFill>
+                  <a:schemeClr val="tx1">
+                    <a:lumMod val="95000"/>
+                    <a:lumOff val="5000"/>
+                  </a:schemeClr>
+                </a:solidFill>
+                <a:ea typeface="Roboto Condensed" pitchFamily="2" charset="0"/>
+              </a:rPr>
+            </a:br>
+            <a:endParaRPr lang="en-US" sz="2400" b="0" dirty="0" smtClean="0">
+              <a:solidFill>
+                <a:schemeClr val="tx1">
+                  <a:lumMod val="95000"/>
+                  <a:lumOff val="5000"/>
+                </a:schemeClr>
+              </a:solidFill>
+              <a:ea typeface="Roboto Condensed" pitchFamily="2" charset="0"/>
+            </a:endParaRPr>
+          </a:p>
+          <a:p>
+            <a:pPr marL="342900" indent="-342900">
+              <a:lnSpc>
+                <a:spcPct val="100000"/>
+              </a:lnSpc>
+              <a:buFont typeface="Arial" panose="020B0604020202020204" pitchFamily="34" charset="0"/>
+              <a:buChar char="•"/>
+            </a:pPr>
+            <a:r>
+              <a:rPr lang="en-US" sz="2400" b="0" dirty="0" smtClean="0">
+                <a:solidFill>
+                  <a:schemeClr val="tx1">
+                    <a:lumMod val="95000"/>
+                    <a:lumOff val="5000"/>
+                  </a:schemeClr>
+                </a:solidFill>
+                <a:ea typeface="Roboto Condensed" pitchFamily="2" charset="0"/>
+              </a:rPr>
+              <a:t>Tránh xa micro:bit khỏi nước</a:t>
+            </a:r>
+          </a:p>
+        </p:txBody>
+      </p:sp>
+      <p:sp>
+        <p:nvSpPr>
+          <p:cNvPr id="9" name="Rectangle 8"/>
           <p:cNvSpPr/>
           <p:nvPr/>
         </p:nvSpPr>
@@ -5630,7 +6331,7 @@
       </p:sp>
       <p:sp>
         <p:nvSpPr>
-          <p:cNvPr id="4" name="TextBox 3"/>
+          <p:cNvPr id="10" name="TextBox 9"/>
           <p:cNvSpPr txBox="1"/>
           <p:nvPr/>
         </p:nvSpPr>
@@ -5658,62 +6359,11 @@
                 <a:latin typeface="UTM Helve" panose="02040603050506020204" pitchFamily="18" charset="0"/>
                 <a:ea typeface="Roboto" pitchFamily="2" charset="0"/>
               </a:rPr>
-              <a:t>13.4 Hoạt </a:t>
-            </a:r>
-            <a:r>
-              <a:rPr lang="en-US" sz="2400" b="1" dirty="0">
-                <a:solidFill>
-                  <a:srgbClr val="EC5F77"/>
-                </a:solidFill>
-                <a:latin typeface="UTM Helve" panose="02040603050506020204" pitchFamily="18" charset="0"/>
-                <a:ea typeface="Roboto" pitchFamily="2" charset="0"/>
-              </a:rPr>
-              <a:t>động học viên</a:t>
-            </a:r>
-          </a:p>
-        </p:txBody>
-      </p:sp>
-      <p:sp>
-        <p:nvSpPr>
-          <p:cNvPr id="7" name="TextBox 6"/>
-          <p:cNvSpPr txBox="1"/>
-          <p:nvPr/>
-        </p:nvSpPr>
-        <p:spPr>
-          <a:xfrm>
-            <a:off x="1098981" y="1272143"/>
-            <a:ext cx="4007624" cy="461665"/>
-          </a:xfrm>
-          <a:prstGeom prst="rect">
-            <a:avLst/>
-          </a:prstGeom>
-          <a:noFill/>
-        </p:spPr>
-        <p:txBody>
-          <a:bodyPr wrap="square" rtlCol="0">
-            <a:spAutoFit/>
-          </a:bodyPr>
-          <a:lstStyle/>
-          <a:p>
-            <a:r>
-              <a:rPr lang="en-US" sz="2400" b="1" dirty="0" smtClean="0">
-                <a:solidFill>
-                  <a:schemeClr val="tx1">
-                    <a:lumMod val="85000"/>
-                    <a:lumOff val="15000"/>
-                  </a:schemeClr>
-                </a:solidFill>
-                <a:latin typeface="UTM Helve" panose="02040603050506020204" pitchFamily="18" charset="0"/>
-                <a:ea typeface="Roboto" pitchFamily="2" charset="0"/>
-              </a:rPr>
-              <a:t>Xe cảnh sát zoom:bit</a:t>
+              <a:t>13.2 Sử dụng Servor</a:t>
             </a:r>
             <a:endParaRPr lang="en-US" sz="2400" b="1" dirty="0">
               <a:solidFill>
-                <a:schemeClr val="tx1">
-                  <a:lumMod val="85000"/>
-                  <a:lumOff val="15000"/>
-                </a:schemeClr>
+                <a:srgbClr val="EC5F77"/>
               </a:solidFill>
               <a:latin typeface="UTM Helve" panose="02040603050506020204" pitchFamily="18" charset="0"/>
               <a:ea typeface="Roboto" pitchFamily="2" charset="0"/>
@@ -5721,1099 +6371,10 @@
           </a:p>
         </p:txBody>
       </p:sp>
-      <p:pic>
-        <p:nvPicPr>
-          <p:cNvPr id="8" name="Picture 7"/>
-          <p:cNvPicPr>
-            <a:picLocks noChangeAspect="1"/>
-          </p:cNvPicPr>
-          <p:nvPr/>
-        </p:nvPicPr>
-        <p:blipFill>
-          <a:blip r:embed="rId2">
-            <a:extLst>
-              <a:ext uri="{28A0092B-C50C-407E-A947-70E740481C1C}">
-                <a14:useLocalDpi xmlns:a14="http://schemas.microsoft.com/office/drawing/2010/main" val="0"/>
-              </a:ext>
-            </a:extLst>
-          </a:blip>
-          <a:stretch>
-            <a:fillRect/>
-          </a:stretch>
-        </p:blipFill>
-        <p:spPr>
-          <a:xfrm>
-            <a:off x="542728" y="1345100"/>
-            <a:ext cx="466725" cy="409575"/>
-          </a:xfrm>
-          <a:prstGeom prst="rect">
-            <a:avLst/>
-          </a:prstGeom>
-        </p:spPr>
-      </p:pic>
-      <p:sp>
-        <p:nvSpPr>
-          <p:cNvPr id="11" name="Rectangle 10"/>
-          <p:cNvSpPr/>
-          <p:nvPr/>
-        </p:nvSpPr>
-        <p:spPr>
-          <a:xfrm>
-            <a:off x="418918" y="1761309"/>
-            <a:ext cx="8605811" cy="369332"/>
-          </a:xfrm>
-          <a:prstGeom prst="rect">
-            <a:avLst/>
-          </a:prstGeom>
-        </p:spPr>
-        <p:txBody>
-          <a:bodyPr wrap="square">
-            <a:spAutoFit/>
-          </a:bodyPr>
-          <a:lstStyle/>
-          <a:p>
-            <a:r>
-              <a:rPr lang="en-US" dirty="0" smtClean="0"/>
-              <a:t>Sử dụng zoom:bit giả làm một xe cảnh sát với yêu cầu chương trình như sau:</a:t>
-            </a:r>
-          </a:p>
-        </p:txBody>
-      </p:sp>
-      <p:sp>
-        <p:nvSpPr>
-          <p:cNvPr id="19" name="Title 1"/>
-          <p:cNvSpPr txBox="1">
-            <a:spLocks/>
-          </p:cNvSpPr>
-          <p:nvPr/>
-        </p:nvSpPr>
-        <p:spPr>
-          <a:xfrm>
-            <a:off x="770775" y="2203380"/>
-            <a:ext cx="7790129" cy="772904"/>
-          </a:xfrm>
-          <a:prstGeom prst="rect">
-            <a:avLst/>
-          </a:prstGeom>
-        </p:spPr>
-        <p:txBody>
-          <a:bodyPr/>
-          <a:lstStyle>
-            <a:lvl1pPr algn="l" defTabSz="914400" rtl="0" eaLnBrk="1" latinLnBrk="0" hangingPunct="1">
-              <a:lnSpc>
-                <a:spcPct val="90000"/>
-              </a:lnSpc>
-              <a:spcBef>
-                <a:spcPct val="0"/>
-              </a:spcBef>
-              <a:buNone/>
-              <a:defRPr sz="3200" b="1" kern="1200">
-                <a:solidFill>
-                  <a:srgbClr val="019DD0"/>
-                </a:solidFill>
-                <a:latin typeface="Arial" panose="020B0604020202020204" pitchFamily="34" charset="0"/>
-                <a:ea typeface="+mj-ea"/>
-                <a:cs typeface="Arial" panose="020B0604020202020204" pitchFamily="34" charset="0"/>
-              </a:defRPr>
-            </a:lvl1pPr>
-          </a:lstStyle>
-          <a:p>
-            <a:pPr>
-              <a:lnSpc>
-                <a:spcPct val="100000"/>
-              </a:lnSpc>
-            </a:pPr>
-            <a:r>
-              <a:rPr lang="vi-VN" sz="2000" b="0" dirty="0">
-                <a:solidFill>
-                  <a:schemeClr val="tx1">
-                    <a:lumMod val="95000"/>
-                    <a:lumOff val="5000"/>
-                  </a:schemeClr>
-                </a:solidFill>
-                <a:ea typeface="Roboto Condensed" pitchFamily="2" charset="0"/>
-              </a:rPr>
-              <a:t>Khởi động lên thì cho Servo xoay đầu phía trước, </a:t>
-            </a:r>
-            <a:r>
-              <a:rPr lang="vi-VN" sz="2000" b="0" dirty="0" smtClean="0">
-                <a:solidFill>
-                  <a:schemeClr val="tx1">
-                    <a:lumMod val="95000"/>
-                    <a:lumOff val="5000"/>
-                  </a:schemeClr>
-                </a:solidFill>
-                <a:ea typeface="Roboto Condensed" pitchFamily="2" charset="0"/>
-              </a:rPr>
-              <a:t>Màn </a:t>
-            </a:r>
-            <a:r>
-              <a:rPr lang="vi-VN" sz="2000" b="0" dirty="0">
-                <a:solidFill>
-                  <a:schemeClr val="tx1">
-                    <a:lumMod val="95000"/>
-                    <a:lumOff val="5000"/>
-                  </a:schemeClr>
-                </a:solidFill>
-                <a:ea typeface="Roboto Condensed" pitchFamily="2" charset="0"/>
-              </a:rPr>
-              <a:t>hình LED hiển thị mặt cười. Bật âm thanh power up</a:t>
-            </a:r>
-          </a:p>
-        </p:txBody>
-      </p:sp>
-      <p:sp>
-        <p:nvSpPr>
-          <p:cNvPr id="20" name="Rectangle 19"/>
-          <p:cNvSpPr/>
-          <p:nvPr/>
-        </p:nvSpPr>
-        <p:spPr>
-          <a:xfrm>
-            <a:off x="542728" y="3083694"/>
-            <a:ext cx="172836" cy="176901"/>
-          </a:xfrm>
-          <a:prstGeom prst="rect">
-            <a:avLst/>
-          </a:prstGeom>
-          <a:solidFill>
-            <a:srgbClr val="EC5F77"/>
-          </a:solidFill>
-          <a:ln>
-            <a:noFill/>
-          </a:ln>
-        </p:spPr>
-        <p:style>
-          <a:lnRef idx="2">
-            <a:schemeClr val="accent1">
-              <a:shade val="50000"/>
-            </a:schemeClr>
-          </a:lnRef>
-          <a:fillRef idx="1">
-            <a:schemeClr val="accent1"/>
-          </a:fillRef>
-          <a:effectRef idx="0">
-            <a:schemeClr val="accent1"/>
-          </a:effectRef>
-          <a:fontRef idx="minor">
-            <a:schemeClr val="lt1"/>
-          </a:fontRef>
-        </p:style>
-        <p:txBody>
-          <a:bodyPr rtlCol="0" anchor="ctr"/>
-          <a:lstStyle/>
-          <a:p>
-            <a:pPr algn="ctr"/>
-            <a:endParaRPr lang="en-US"/>
-          </a:p>
-        </p:txBody>
-      </p:sp>
-      <p:sp>
-        <p:nvSpPr>
-          <p:cNvPr id="22" name="Rectangle 21"/>
-          <p:cNvSpPr/>
-          <p:nvPr/>
-        </p:nvSpPr>
-        <p:spPr>
-          <a:xfrm>
-            <a:off x="542728" y="3633435"/>
-            <a:ext cx="172836" cy="176901"/>
-          </a:xfrm>
-          <a:prstGeom prst="rect">
-            <a:avLst/>
-          </a:prstGeom>
-          <a:solidFill>
-            <a:srgbClr val="EC5F77"/>
-          </a:solidFill>
-          <a:ln>
-            <a:noFill/>
-          </a:ln>
-        </p:spPr>
-        <p:style>
-          <a:lnRef idx="2">
-            <a:schemeClr val="accent1">
-              <a:shade val="50000"/>
-            </a:schemeClr>
-          </a:lnRef>
-          <a:fillRef idx="1">
-            <a:schemeClr val="accent1"/>
-          </a:fillRef>
-          <a:effectRef idx="0">
-            <a:schemeClr val="accent1"/>
-          </a:effectRef>
-          <a:fontRef idx="minor">
-            <a:schemeClr val="lt1"/>
-          </a:fontRef>
-        </p:style>
-        <p:txBody>
-          <a:bodyPr rtlCol="0" anchor="ctr"/>
-          <a:lstStyle/>
-          <a:p>
-            <a:pPr algn="ctr"/>
-            <a:endParaRPr lang="en-US"/>
-          </a:p>
-        </p:txBody>
-      </p:sp>
-      <p:sp>
-        <p:nvSpPr>
-          <p:cNvPr id="23" name="Title 1"/>
-          <p:cNvSpPr txBox="1">
-            <a:spLocks/>
-          </p:cNvSpPr>
-          <p:nvPr/>
-        </p:nvSpPr>
-        <p:spPr>
-          <a:xfrm>
-            <a:off x="770775" y="3501799"/>
-            <a:ext cx="4636112" cy="784842"/>
-          </a:xfrm>
-          <a:prstGeom prst="rect">
-            <a:avLst/>
-          </a:prstGeom>
-        </p:spPr>
-        <p:txBody>
-          <a:bodyPr/>
-          <a:lstStyle>
-            <a:lvl1pPr algn="l" defTabSz="914400" rtl="0" eaLnBrk="1" latinLnBrk="0" hangingPunct="1">
-              <a:lnSpc>
-                <a:spcPct val="90000"/>
-              </a:lnSpc>
-              <a:spcBef>
-                <a:spcPct val="0"/>
-              </a:spcBef>
-              <a:buNone/>
-              <a:defRPr sz="3200" b="1" kern="1200">
-                <a:solidFill>
-                  <a:srgbClr val="019DD0"/>
-                </a:solidFill>
-                <a:latin typeface="Arial" panose="020B0604020202020204" pitchFamily="34" charset="0"/>
-                <a:ea typeface="+mj-ea"/>
-                <a:cs typeface="Arial" panose="020B0604020202020204" pitchFamily="34" charset="0"/>
-              </a:defRPr>
-            </a:lvl1pPr>
-          </a:lstStyle>
-          <a:p>
-            <a:pPr>
-              <a:lnSpc>
-                <a:spcPct val="100000"/>
-              </a:lnSpc>
-            </a:pPr>
-            <a:r>
-              <a:rPr lang="vi-VN" sz="2000" b="0" dirty="0">
-                <a:solidFill>
-                  <a:schemeClr val="tx1">
-                    <a:lumMod val="95000"/>
-                    <a:lumOff val="5000"/>
-                  </a:schemeClr>
-                </a:solidFill>
-                <a:ea typeface="Roboto Condensed" pitchFamily="2" charset="0"/>
-              </a:rPr>
-              <a:t>Nhấn button A, </a:t>
-            </a:r>
-            <a:r>
-              <a:rPr lang="en-US" sz="2000" b="0" dirty="0" smtClean="0">
-                <a:solidFill>
-                  <a:schemeClr val="tx1">
-                    <a:lumMod val="95000"/>
-                    <a:lumOff val="5000"/>
-                  </a:schemeClr>
-                </a:solidFill>
-                <a:ea typeface="Roboto Condensed" pitchFamily="2" charset="0"/>
-              </a:rPr>
-              <a:t>đầu </a:t>
-            </a:r>
-            <a:r>
-              <a:rPr lang="vi-VN" sz="2000" b="0" dirty="0" smtClean="0">
-                <a:solidFill>
-                  <a:schemeClr val="tx1">
-                    <a:lumMod val="95000"/>
-                    <a:lumOff val="5000"/>
-                  </a:schemeClr>
-                </a:solidFill>
-                <a:ea typeface="Roboto Condensed" pitchFamily="2" charset="0"/>
-              </a:rPr>
-              <a:t>xoay </a:t>
-            </a:r>
-            <a:r>
-              <a:rPr lang="en-US" sz="2000" b="0" dirty="0" smtClean="0">
-                <a:solidFill>
-                  <a:schemeClr val="tx1">
-                    <a:lumMod val="95000"/>
-                    <a:lumOff val="5000"/>
-                  </a:schemeClr>
-                </a:solidFill>
-                <a:ea typeface="Roboto Condensed" pitchFamily="2" charset="0"/>
-              </a:rPr>
-              <a:t>phải</a:t>
-            </a:r>
-            <a:r>
-              <a:rPr lang="vi-VN" sz="2000" b="0" dirty="0" smtClean="0">
-                <a:solidFill>
-                  <a:schemeClr val="tx1">
-                    <a:lumMod val="95000"/>
-                    <a:lumOff val="5000"/>
-                  </a:schemeClr>
-                </a:solidFill>
-                <a:ea typeface="Roboto Condensed" pitchFamily="2" charset="0"/>
-              </a:rPr>
-              <a:t>, </a:t>
-            </a:r>
-            <a:r>
-              <a:rPr lang="vi-VN" sz="2000" b="0" dirty="0">
-                <a:solidFill>
-                  <a:schemeClr val="tx1">
-                    <a:lumMod val="95000"/>
-                    <a:lumOff val="5000"/>
-                  </a:schemeClr>
-                </a:solidFill>
-                <a:ea typeface="Roboto Condensed" pitchFamily="2" charset="0"/>
-              </a:rPr>
-              <a:t>màn hình LED hiển thị mũi trên hướng </a:t>
-            </a:r>
-            <a:r>
-              <a:rPr lang="en-US" sz="2000" b="0" dirty="0" smtClean="0">
-                <a:solidFill>
-                  <a:schemeClr val="tx1">
-                    <a:lumMod val="95000"/>
-                    <a:lumOff val="5000"/>
-                  </a:schemeClr>
-                </a:solidFill>
-                <a:ea typeface="Roboto Condensed" pitchFamily="2" charset="0"/>
-              </a:rPr>
-              <a:t>phải</a:t>
-            </a:r>
-          </a:p>
-        </p:txBody>
-      </p:sp>
-      <p:sp>
-        <p:nvSpPr>
-          <p:cNvPr id="29" name="Rectangle 28"/>
-          <p:cNvSpPr/>
-          <p:nvPr/>
-        </p:nvSpPr>
-        <p:spPr>
-          <a:xfrm>
-            <a:off x="542728" y="2349633"/>
-            <a:ext cx="172836" cy="176901"/>
-          </a:xfrm>
-          <a:prstGeom prst="rect">
-            <a:avLst/>
-          </a:prstGeom>
-          <a:solidFill>
-            <a:srgbClr val="EC5F77"/>
-          </a:solidFill>
-          <a:ln>
-            <a:noFill/>
-          </a:ln>
-        </p:spPr>
-        <p:style>
-          <a:lnRef idx="2">
-            <a:schemeClr val="accent1">
-              <a:shade val="50000"/>
-            </a:schemeClr>
-          </a:lnRef>
-          <a:fillRef idx="1">
-            <a:schemeClr val="accent1"/>
-          </a:fillRef>
-          <a:effectRef idx="0">
-            <a:schemeClr val="accent1"/>
-          </a:effectRef>
-          <a:fontRef idx="minor">
-            <a:schemeClr val="lt1"/>
-          </a:fontRef>
-        </p:style>
-        <p:txBody>
-          <a:bodyPr rtlCol="0" anchor="ctr"/>
-          <a:lstStyle/>
-          <a:p>
-            <a:pPr algn="ctr"/>
-            <a:endParaRPr lang="en-US"/>
-          </a:p>
-        </p:txBody>
-      </p:sp>
-      <p:sp>
-        <p:nvSpPr>
-          <p:cNvPr id="21" name="Title 1"/>
-          <p:cNvSpPr txBox="1">
-            <a:spLocks/>
-          </p:cNvSpPr>
-          <p:nvPr/>
-        </p:nvSpPr>
-        <p:spPr>
-          <a:xfrm>
-            <a:off x="770775" y="2952058"/>
-            <a:ext cx="4225295" cy="485199"/>
-          </a:xfrm>
-          <a:prstGeom prst="rect">
-            <a:avLst/>
-          </a:prstGeom>
-        </p:spPr>
-        <p:txBody>
-          <a:bodyPr/>
-          <a:lstStyle>
-            <a:lvl1pPr algn="l" defTabSz="914400" rtl="0" eaLnBrk="1" latinLnBrk="0" hangingPunct="1">
-              <a:lnSpc>
-                <a:spcPct val="90000"/>
-              </a:lnSpc>
-              <a:spcBef>
-                <a:spcPct val="0"/>
-              </a:spcBef>
-              <a:buNone/>
-              <a:defRPr sz="3200" b="1" kern="1200">
-                <a:solidFill>
-                  <a:srgbClr val="019DD0"/>
-                </a:solidFill>
-                <a:latin typeface="Arial" panose="020B0604020202020204" pitchFamily="34" charset="0"/>
-                <a:ea typeface="+mj-ea"/>
-                <a:cs typeface="Arial" panose="020B0604020202020204" pitchFamily="34" charset="0"/>
-              </a:defRPr>
-            </a:lvl1pPr>
-          </a:lstStyle>
-          <a:p>
-            <a:pPr>
-              <a:lnSpc>
-                <a:spcPct val="100000"/>
-              </a:lnSpc>
-            </a:pPr>
-            <a:r>
-              <a:rPr lang="en-US" sz="2000" b="0" dirty="0" smtClean="0">
-                <a:solidFill>
-                  <a:schemeClr val="tx1">
-                    <a:lumMod val="95000"/>
-                    <a:lumOff val="5000"/>
-                  </a:schemeClr>
-                </a:solidFill>
-                <a:ea typeface="Roboto Condensed" pitchFamily="2" charset="0"/>
-              </a:rPr>
-              <a:t>Đèn trước tự động sáng khi trời tối</a:t>
-            </a:r>
-          </a:p>
-        </p:txBody>
-      </p:sp>
-      <p:sp>
-        <p:nvSpPr>
-          <p:cNvPr id="17" name="Rectangle 16"/>
-          <p:cNvSpPr/>
-          <p:nvPr/>
-        </p:nvSpPr>
-        <p:spPr>
-          <a:xfrm>
-            <a:off x="542728" y="4388809"/>
-            <a:ext cx="172836" cy="176901"/>
-          </a:xfrm>
-          <a:prstGeom prst="rect">
-            <a:avLst/>
-          </a:prstGeom>
-          <a:solidFill>
-            <a:srgbClr val="EC5F77"/>
-          </a:solidFill>
-          <a:ln>
-            <a:noFill/>
-          </a:ln>
-        </p:spPr>
-        <p:style>
-          <a:lnRef idx="2">
-            <a:schemeClr val="accent1">
-              <a:shade val="50000"/>
-            </a:schemeClr>
-          </a:lnRef>
-          <a:fillRef idx="1">
-            <a:schemeClr val="accent1"/>
-          </a:fillRef>
-          <a:effectRef idx="0">
-            <a:schemeClr val="accent1"/>
-          </a:effectRef>
-          <a:fontRef idx="minor">
-            <a:schemeClr val="lt1"/>
-          </a:fontRef>
-        </p:style>
-        <p:txBody>
-          <a:bodyPr rtlCol="0" anchor="ctr"/>
-          <a:lstStyle/>
-          <a:p>
-            <a:pPr algn="ctr"/>
-            <a:endParaRPr lang="en-US"/>
-          </a:p>
-        </p:txBody>
-      </p:sp>
-      <p:sp>
-        <p:nvSpPr>
-          <p:cNvPr id="18" name="Title 1"/>
-          <p:cNvSpPr txBox="1">
-            <a:spLocks/>
-          </p:cNvSpPr>
-          <p:nvPr/>
-        </p:nvSpPr>
-        <p:spPr>
-          <a:xfrm>
-            <a:off x="770775" y="4257173"/>
-            <a:ext cx="4636112" cy="784842"/>
-          </a:xfrm>
-          <a:prstGeom prst="rect">
-            <a:avLst/>
-          </a:prstGeom>
-        </p:spPr>
-        <p:txBody>
-          <a:bodyPr/>
-          <a:lstStyle>
-            <a:lvl1pPr algn="l" defTabSz="914400" rtl="0" eaLnBrk="1" latinLnBrk="0" hangingPunct="1">
-              <a:lnSpc>
-                <a:spcPct val="90000"/>
-              </a:lnSpc>
-              <a:spcBef>
-                <a:spcPct val="0"/>
-              </a:spcBef>
-              <a:buNone/>
-              <a:defRPr sz="3200" b="1" kern="1200">
-                <a:solidFill>
-                  <a:srgbClr val="019DD0"/>
-                </a:solidFill>
-                <a:latin typeface="Arial" panose="020B0604020202020204" pitchFamily="34" charset="0"/>
-                <a:ea typeface="+mj-ea"/>
-                <a:cs typeface="Arial" panose="020B0604020202020204" pitchFamily="34" charset="0"/>
-              </a:defRPr>
-            </a:lvl1pPr>
-          </a:lstStyle>
-          <a:p>
-            <a:pPr>
-              <a:lnSpc>
-                <a:spcPct val="100000"/>
-              </a:lnSpc>
-            </a:pPr>
-            <a:r>
-              <a:rPr lang="vi-VN" sz="2000" b="0" dirty="0">
-                <a:solidFill>
-                  <a:schemeClr val="tx1">
-                    <a:lumMod val="95000"/>
-                    <a:lumOff val="5000"/>
-                  </a:schemeClr>
-                </a:solidFill>
-                <a:ea typeface="Roboto Condensed" pitchFamily="2" charset="0"/>
-              </a:rPr>
-              <a:t>Nhấn button </a:t>
-            </a:r>
-            <a:r>
-              <a:rPr lang="en-US" sz="2000" b="0" dirty="0" smtClean="0">
-                <a:solidFill>
-                  <a:schemeClr val="tx1">
-                    <a:lumMod val="95000"/>
-                    <a:lumOff val="5000"/>
-                  </a:schemeClr>
-                </a:solidFill>
-                <a:ea typeface="Roboto Condensed" pitchFamily="2" charset="0"/>
-              </a:rPr>
-              <a:t>B</a:t>
-            </a:r>
-            <a:r>
-              <a:rPr lang="vi-VN" sz="2000" b="0" dirty="0" smtClean="0">
-                <a:solidFill>
-                  <a:schemeClr val="tx1">
-                    <a:lumMod val="95000"/>
-                    <a:lumOff val="5000"/>
-                  </a:schemeClr>
-                </a:solidFill>
-                <a:ea typeface="Roboto Condensed" pitchFamily="2" charset="0"/>
-              </a:rPr>
-              <a:t>, </a:t>
-            </a:r>
-            <a:r>
-              <a:rPr lang="en-US" sz="2000" b="0" dirty="0" smtClean="0">
-                <a:solidFill>
-                  <a:schemeClr val="tx1">
-                    <a:lumMod val="95000"/>
-                    <a:lumOff val="5000"/>
-                  </a:schemeClr>
-                </a:solidFill>
-                <a:ea typeface="Roboto Condensed" pitchFamily="2" charset="0"/>
-              </a:rPr>
-              <a:t>đầu </a:t>
-            </a:r>
-            <a:r>
-              <a:rPr lang="vi-VN" sz="2000" b="0" dirty="0" smtClean="0">
-                <a:solidFill>
-                  <a:schemeClr val="tx1">
-                    <a:lumMod val="95000"/>
-                    <a:lumOff val="5000"/>
-                  </a:schemeClr>
-                </a:solidFill>
-                <a:ea typeface="Roboto Condensed" pitchFamily="2" charset="0"/>
-              </a:rPr>
-              <a:t>xoay </a:t>
-            </a:r>
-            <a:r>
-              <a:rPr lang="en-US" sz="2000" b="0" dirty="0" smtClean="0">
-                <a:solidFill>
-                  <a:schemeClr val="tx1">
-                    <a:lumMod val="95000"/>
-                    <a:lumOff val="5000"/>
-                  </a:schemeClr>
-                </a:solidFill>
-                <a:ea typeface="Roboto Condensed" pitchFamily="2" charset="0"/>
-              </a:rPr>
-              <a:t>trái</a:t>
-            </a:r>
-            <a:r>
-              <a:rPr lang="vi-VN" sz="2000" b="0" dirty="0" smtClean="0">
-                <a:solidFill>
-                  <a:schemeClr val="tx1">
-                    <a:lumMod val="95000"/>
-                    <a:lumOff val="5000"/>
-                  </a:schemeClr>
-                </a:solidFill>
-                <a:ea typeface="Roboto Condensed" pitchFamily="2" charset="0"/>
-              </a:rPr>
-              <a:t>, </a:t>
-            </a:r>
-            <a:r>
-              <a:rPr lang="vi-VN" sz="2000" b="0" dirty="0">
-                <a:solidFill>
-                  <a:schemeClr val="tx1">
-                    <a:lumMod val="95000"/>
-                    <a:lumOff val="5000"/>
-                  </a:schemeClr>
-                </a:solidFill>
-                <a:ea typeface="Roboto Condensed" pitchFamily="2" charset="0"/>
-              </a:rPr>
-              <a:t>màn hình LED hiển thị mũi trên hướng </a:t>
-            </a:r>
-            <a:r>
-              <a:rPr lang="en-US" sz="2000" b="0" dirty="0" smtClean="0">
-                <a:solidFill>
-                  <a:schemeClr val="tx1">
-                    <a:lumMod val="95000"/>
-                    <a:lumOff val="5000"/>
-                  </a:schemeClr>
-                </a:solidFill>
-                <a:ea typeface="Roboto Condensed" pitchFamily="2" charset="0"/>
-              </a:rPr>
-              <a:t>trái</a:t>
-            </a:r>
-          </a:p>
-        </p:txBody>
-      </p:sp>
-      <p:sp>
-        <p:nvSpPr>
-          <p:cNvPr id="24" name="Rectangle 23"/>
-          <p:cNvSpPr/>
-          <p:nvPr/>
-        </p:nvSpPr>
-        <p:spPr>
-          <a:xfrm>
-            <a:off x="542728" y="5170571"/>
-            <a:ext cx="172836" cy="176901"/>
-          </a:xfrm>
-          <a:prstGeom prst="rect">
-            <a:avLst/>
-          </a:prstGeom>
-          <a:solidFill>
-            <a:srgbClr val="EC5F77"/>
-          </a:solidFill>
-          <a:ln>
-            <a:noFill/>
-          </a:ln>
-        </p:spPr>
-        <p:style>
-          <a:lnRef idx="2">
-            <a:schemeClr val="accent1">
-              <a:shade val="50000"/>
-            </a:schemeClr>
-          </a:lnRef>
-          <a:fillRef idx="1">
-            <a:schemeClr val="accent1"/>
-          </a:fillRef>
-          <a:effectRef idx="0">
-            <a:schemeClr val="accent1"/>
-          </a:effectRef>
-          <a:fontRef idx="minor">
-            <a:schemeClr val="lt1"/>
-          </a:fontRef>
-        </p:style>
-        <p:txBody>
-          <a:bodyPr rtlCol="0" anchor="ctr"/>
-          <a:lstStyle/>
-          <a:p>
-            <a:pPr algn="ctr"/>
-            <a:endParaRPr lang="en-US"/>
-          </a:p>
-        </p:txBody>
-      </p:sp>
-      <p:sp>
-        <p:nvSpPr>
-          <p:cNvPr id="25" name="Title 1"/>
-          <p:cNvSpPr txBox="1">
-            <a:spLocks/>
-          </p:cNvSpPr>
-          <p:nvPr/>
-        </p:nvSpPr>
-        <p:spPr>
-          <a:xfrm>
-            <a:off x="770775" y="5038935"/>
-            <a:ext cx="4967416" cy="784842"/>
-          </a:xfrm>
-          <a:prstGeom prst="rect">
-            <a:avLst/>
-          </a:prstGeom>
-        </p:spPr>
-        <p:txBody>
-          <a:bodyPr/>
-          <a:lstStyle>
-            <a:lvl1pPr algn="l" defTabSz="914400" rtl="0" eaLnBrk="1" latinLnBrk="0" hangingPunct="1">
-              <a:lnSpc>
-                <a:spcPct val="90000"/>
-              </a:lnSpc>
-              <a:spcBef>
-                <a:spcPct val="0"/>
-              </a:spcBef>
-              <a:buNone/>
-              <a:defRPr sz="3200" b="1" kern="1200">
-                <a:solidFill>
-                  <a:srgbClr val="019DD0"/>
-                </a:solidFill>
-                <a:latin typeface="Arial" panose="020B0604020202020204" pitchFamily="34" charset="0"/>
-                <a:ea typeface="+mj-ea"/>
-                <a:cs typeface="Arial" panose="020B0604020202020204" pitchFamily="34" charset="0"/>
-              </a:defRPr>
-            </a:lvl1pPr>
-          </a:lstStyle>
-          <a:p>
-            <a:pPr>
-              <a:lnSpc>
-                <a:spcPct val="100000"/>
-              </a:lnSpc>
-            </a:pPr>
-            <a:r>
-              <a:rPr lang="vi-VN" sz="2000" b="0" dirty="0">
-                <a:solidFill>
-                  <a:schemeClr val="tx1">
-                    <a:lumMod val="95000"/>
-                    <a:lumOff val="5000"/>
-                  </a:schemeClr>
-                </a:solidFill>
-                <a:ea typeface="Roboto Condensed" pitchFamily="2" charset="0"/>
-              </a:rPr>
-              <a:t>Nhấn button </a:t>
-            </a:r>
-            <a:r>
-              <a:rPr lang="en-US" sz="2000" b="0" dirty="0" smtClean="0">
-                <a:solidFill>
-                  <a:schemeClr val="tx1">
-                    <a:lumMod val="95000"/>
-                    <a:lumOff val="5000"/>
-                  </a:schemeClr>
-                </a:solidFill>
-                <a:ea typeface="Roboto Condensed" pitchFamily="2" charset="0"/>
-              </a:rPr>
-              <a:t>A+B</a:t>
-            </a:r>
-            <a:r>
-              <a:rPr lang="vi-VN" sz="2000" b="0" dirty="0" smtClean="0">
-                <a:solidFill>
-                  <a:schemeClr val="tx1">
-                    <a:lumMod val="95000"/>
-                    <a:lumOff val="5000"/>
-                  </a:schemeClr>
-                </a:solidFill>
-                <a:ea typeface="Roboto Condensed" pitchFamily="2" charset="0"/>
-              </a:rPr>
-              <a:t>, </a:t>
-            </a:r>
-            <a:r>
-              <a:rPr lang="en-US" sz="2000" b="0" dirty="0" smtClean="0">
-                <a:solidFill>
-                  <a:schemeClr val="tx1">
-                    <a:lumMod val="95000"/>
-                    <a:lumOff val="5000"/>
-                  </a:schemeClr>
-                </a:solidFill>
-                <a:ea typeface="Roboto Condensed" pitchFamily="2" charset="0"/>
-              </a:rPr>
-              <a:t>đầu </a:t>
-            </a:r>
-            <a:r>
-              <a:rPr lang="vi-VN" sz="2000" b="0" dirty="0" smtClean="0">
-                <a:solidFill>
-                  <a:schemeClr val="tx1">
-                    <a:lumMod val="95000"/>
-                    <a:lumOff val="5000"/>
-                  </a:schemeClr>
-                </a:solidFill>
-                <a:ea typeface="Roboto Condensed" pitchFamily="2" charset="0"/>
-              </a:rPr>
-              <a:t>xoay </a:t>
-            </a:r>
-            <a:r>
-              <a:rPr lang="en-US" sz="2000" b="0" dirty="0" smtClean="0">
-                <a:solidFill>
-                  <a:schemeClr val="tx1">
-                    <a:lumMod val="95000"/>
-                    <a:lumOff val="5000"/>
-                  </a:schemeClr>
-                </a:solidFill>
-                <a:ea typeface="Roboto Condensed" pitchFamily="2" charset="0"/>
-              </a:rPr>
-              <a:t>ra trước</a:t>
-            </a:r>
-            <a:r>
-              <a:rPr lang="vi-VN" sz="2000" b="0" dirty="0" smtClean="0">
-                <a:solidFill>
-                  <a:schemeClr val="tx1">
-                    <a:lumMod val="95000"/>
-                    <a:lumOff val="5000"/>
-                  </a:schemeClr>
-                </a:solidFill>
-                <a:ea typeface="Roboto Condensed" pitchFamily="2" charset="0"/>
-              </a:rPr>
-              <a:t>, </a:t>
-            </a:r>
-            <a:r>
-              <a:rPr lang="vi-VN" sz="2000" b="0" dirty="0">
-                <a:solidFill>
-                  <a:schemeClr val="tx1">
-                    <a:lumMod val="95000"/>
-                    <a:lumOff val="5000"/>
-                  </a:schemeClr>
-                </a:solidFill>
-                <a:ea typeface="Roboto Condensed" pitchFamily="2" charset="0"/>
-              </a:rPr>
-              <a:t>màn hình LED hiển thị mũi trên hướng </a:t>
-            </a:r>
-            <a:r>
-              <a:rPr lang="en-US" sz="2000" b="0" dirty="0" smtClean="0">
-                <a:solidFill>
-                  <a:schemeClr val="tx1">
-                    <a:lumMod val="95000"/>
-                    <a:lumOff val="5000"/>
-                  </a:schemeClr>
-                </a:solidFill>
-                <a:ea typeface="Roboto Condensed" pitchFamily="2" charset="0"/>
-              </a:rPr>
-              <a:t>lên</a:t>
-            </a:r>
-          </a:p>
-        </p:txBody>
-      </p:sp>
-      <p:sp>
-        <p:nvSpPr>
-          <p:cNvPr id="26" name="Rectangle 25"/>
-          <p:cNvSpPr/>
-          <p:nvPr/>
-        </p:nvSpPr>
-        <p:spPr>
-          <a:xfrm>
-            <a:off x="542728" y="5992206"/>
-            <a:ext cx="172836" cy="176901"/>
-          </a:xfrm>
-          <a:prstGeom prst="rect">
-            <a:avLst/>
-          </a:prstGeom>
-          <a:solidFill>
-            <a:srgbClr val="EC5F77"/>
-          </a:solidFill>
-          <a:ln>
-            <a:noFill/>
-          </a:ln>
-        </p:spPr>
-        <p:style>
-          <a:lnRef idx="2">
-            <a:schemeClr val="accent1">
-              <a:shade val="50000"/>
-            </a:schemeClr>
-          </a:lnRef>
-          <a:fillRef idx="1">
-            <a:schemeClr val="accent1"/>
-          </a:fillRef>
-          <a:effectRef idx="0">
-            <a:schemeClr val="accent1"/>
-          </a:effectRef>
-          <a:fontRef idx="minor">
-            <a:schemeClr val="lt1"/>
-          </a:fontRef>
-        </p:style>
-        <p:txBody>
-          <a:bodyPr rtlCol="0" anchor="ctr"/>
-          <a:lstStyle/>
-          <a:p>
-            <a:pPr algn="ctr"/>
-            <a:endParaRPr lang="en-US"/>
-          </a:p>
-        </p:txBody>
-      </p:sp>
-      <p:sp>
-        <p:nvSpPr>
-          <p:cNvPr id="27" name="Title 1"/>
-          <p:cNvSpPr txBox="1">
-            <a:spLocks/>
-          </p:cNvSpPr>
-          <p:nvPr/>
-        </p:nvSpPr>
-        <p:spPr>
-          <a:xfrm>
-            <a:off x="770775" y="5794310"/>
-            <a:ext cx="4967416" cy="784842"/>
-          </a:xfrm>
-          <a:prstGeom prst="rect">
-            <a:avLst/>
-          </a:prstGeom>
-        </p:spPr>
-        <p:txBody>
-          <a:bodyPr/>
-          <a:lstStyle>
-            <a:lvl1pPr algn="l" defTabSz="914400" rtl="0" eaLnBrk="1" latinLnBrk="0" hangingPunct="1">
-              <a:lnSpc>
-                <a:spcPct val="90000"/>
-              </a:lnSpc>
-              <a:spcBef>
-                <a:spcPct val="0"/>
-              </a:spcBef>
-              <a:buNone/>
-              <a:defRPr sz="3200" b="1" kern="1200">
-                <a:solidFill>
-                  <a:srgbClr val="019DD0"/>
-                </a:solidFill>
-                <a:latin typeface="Arial" panose="020B0604020202020204" pitchFamily="34" charset="0"/>
-                <a:ea typeface="+mj-ea"/>
-                <a:cs typeface="Arial" panose="020B0604020202020204" pitchFamily="34" charset="0"/>
-              </a:defRPr>
-            </a:lvl1pPr>
-          </a:lstStyle>
-          <a:p>
-            <a:pPr>
-              <a:lnSpc>
-                <a:spcPct val="100000"/>
-              </a:lnSpc>
-            </a:pPr>
-            <a:r>
-              <a:rPr lang="en-US" sz="2000" b="0" dirty="0" smtClean="0">
-                <a:solidFill>
-                  <a:schemeClr val="tx1">
-                    <a:lumMod val="95000"/>
-                    <a:lumOff val="5000"/>
-                  </a:schemeClr>
-                </a:solidFill>
-                <a:ea typeface="Roboto Condensed" pitchFamily="2" charset="0"/>
-              </a:rPr>
-              <a:t>Chạm Logo</a:t>
-            </a:r>
-            <a:r>
-              <a:rPr lang="vi-VN" sz="2000" b="0" dirty="0" smtClean="0">
-                <a:solidFill>
-                  <a:schemeClr val="tx1">
-                    <a:lumMod val="95000"/>
-                    <a:lumOff val="5000"/>
-                  </a:schemeClr>
-                </a:solidFill>
-                <a:ea typeface="Roboto Condensed" pitchFamily="2" charset="0"/>
-              </a:rPr>
-              <a:t>, </a:t>
-            </a:r>
-            <a:r>
-              <a:rPr lang="en-US" sz="2000" b="0" dirty="0" smtClean="0">
-                <a:solidFill>
-                  <a:schemeClr val="tx1">
-                    <a:lumMod val="95000"/>
-                    <a:lumOff val="5000"/>
-                  </a:schemeClr>
-                </a:solidFill>
-                <a:ea typeface="Roboto Condensed" pitchFamily="2" charset="0"/>
-              </a:rPr>
-              <a:t>đầu </a:t>
-            </a:r>
-            <a:r>
-              <a:rPr lang="vi-VN" sz="2000" b="0" dirty="0" smtClean="0">
-                <a:solidFill>
-                  <a:schemeClr val="tx1">
-                    <a:lumMod val="95000"/>
-                    <a:lumOff val="5000"/>
-                  </a:schemeClr>
-                </a:solidFill>
-                <a:ea typeface="Roboto Condensed" pitchFamily="2" charset="0"/>
-              </a:rPr>
-              <a:t>xoay </a:t>
-            </a:r>
-            <a:r>
-              <a:rPr lang="en-US" sz="2000" b="0" dirty="0" smtClean="0">
-                <a:solidFill>
-                  <a:schemeClr val="tx1">
-                    <a:lumMod val="95000"/>
-                    <a:lumOff val="5000"/>
-                  </a:schemeClr>
-                </a:solidFill>
-                <a:ea typeface="Roboto Condensed" pitchFamily="2" charset="0"/>
-              </a:rPr>
-              <a:t>ra trước</a:t>
-            </a:r>
-            <a:r>
-              <a:rPr lang="vi-VN" sz="2000" b="0" dirty="0" smtClean="0">
-                <a:solidFill>
-                  <a:schemeClr val="tx1">
-                    <a:lumMod val="95000"/>
-                    <a:lumOff val="5000"/>
-                  </a:schemeClr>
-                </a:solidFill>
-                <a:ea typeface="Roboto Condensed" pitchFamily="2" charset="0"/>
-              </a:rPr>
-              <a:t>, màn hình LED hiển thị mũi trên hướng </a:t>
-            </a:r>
-            <a:r>
-              <a:rPr lang="en-US" sz="2000" b="0" dirty="0" smtClean="0">
-                <a:solidFill>
-                  <a:schemeClr val="tx1">
-                    <a:lumMod val="95000"/>
-                    <a:lumOff val="5000"/>
-                  </a:schemeClr>
-                </a:solidFill>
-                <a:ea typeface="Roboto Condensed" pitchFamily="2" charset="0"/>
-              </a:rPr>
-              <a:t>xuống</a:t>
-            </a:r>
-          </a:p>
-        </p:txBody>
-      </p:sp>
-      <p:pic>
-        <p:nvPicPr>
-          <p:cNvPr id="2050" name="Picture 2" descr="Free vector sticker design with front view of police car isolated"/>
-          <p:cNvPicPr>
-            <a:picLocks noChangeAspect="1" noChangeArrowheads="1"/>
-          </p:cNvPicPr>
-          <p:nvPr/>
-        </p:nvPicPr>
-        <p:blipFill>
-          <a:blip r:embed="rId3">
-            <a:extLst>
-              <a:ext uri="{28A0092B-C50C-407E-A947-70E740481C1C}">
-                <a14:useLocalDpi xmlns:a14="http://schemas.microsoft.com/office/drawing/2010/main" val="0"/>
-              </a:ext>
-            </a:extLst>
-          </a:blip>
-          <a:srcRect/>
-          <a:stretch>
-            <a:fillRect/>
-          </a:stretch>
-        </p:blipFill>
-        <p:spPr bwMode="auto">
-          <a:xfrm>
-            <a:off x="5569730" y="3260595"/>
-            <a:ext cx="3239147" cy="3140835"/>
-          </a:xfrm>
-          <a:prstGeom prst="rect">
-            <a:avLst/>
-          </a:prstGeom>
-          <a:noFill/>
-          <a:extLst>
-            <a:ext uri="{909E8E84-426E-40DD-AFC4-6F175D3DCCD1}">
-              <a14:hiddenFill xmlns:a14="http://schemas.microsoft.com/office/drawing/2010/main">
-                <a:solidFill>
-                  <a:srgbClr val="FFFFFF"/>
-                </a:solidFill>
-              </a14:hiddenFill>
-            </a:ext>
-          </a:extLst>
-        </p:spPr>
-      </p:pic>
     </p:spTree>
     <p:extLst>
       <p:ext uri="{BB962C8B-B14F-4D97-AF65-F5344CB8AC3E}">
-        <p14:creationId xmlns:p14="http://schemas.microsoft.com/office/powerpoint/2010/main" val="2483830330"/>
+        <p14:creationId xmlns:p14="http://schemas.microsoft.com/office/powerpoint/2010/main" val="2800974292"/>
       </p:ext>
     </p:extLst>
   </p:cSld>
@@ -6949,161 +6510,24 @@
                 <a:latin typeface="UTM Helve" panose="02040603050506020204" pitchFamily="18" charset="0"/>
                 <a:ea typeface="Roboto" pitchFamily="2" charset="0"/>
               </a:rPr>
-              <a:t>10.3 Hoạt động học viên</a:t>
-            </a:r>
-            <a:endParaRPr lang="en-US" sz="2400" b="1" dirty="0">
-              <a:solidFill>
-                <a:srgbClr val="EC5F77"/>
-              </a:solidFill>
-              <a:latin typeface="UTM Helve" panose="02040603050506020204" pitchFamily="18" charset="0"/>
-              <a:ea typeface="Roboto" pitchFamily="2" charset="0"/>
-            </a:endParaRPr>
-          </a:p>
-        </p:txBody>
-      </p:sp>
-      <p:sp>
-        <p:nvSpPr>
-          <p:cNvPr id="21" name="Title 1"/>
-          <p:cNvSpPr txBox="1">
-            <a:spLocks/>
-          </p:cNvSpPr>
-          <p:nvPr/>
-        </p:nvSpPr>
-        <p:spPr>
-          <a:xfrm>
-            <a:off x="542728" y="1862928"/>
-            <a:ext cx="4320820" cy="2360214"/>
-          </a:xfrm>
-          <a:prstGeom prst="rect">
-            <a:avLst/>
-          </a:prstGeom>
-        </p:spPr>
-        <p:txBody>
-          <a:bodyPr/>
-          <a:lstStyle>
-            <a:lvl1pPr algn="l" defTabSz="914400" rtl="0" eaLnBrk="1" latinLnBrk="0" hangingPunct="1">
-              <a:lnSpc>
-                <a:spcPct val="90000"/>
-              </a:lnSpc>
-              <a:spcBef>
-                <a:spcPct val="0"/>
-              </a:spcBef>
-              <a:buNone/>
-              <a:defRPr sz="3200" b="1" kern="1200">
-                <a:solidFill>
-                  <a:srgbClr val="019DD0"/>
-                </a:solidFill>
-                <a:latin typeface="Arial" panose="020B0604020202020204" pitchFamily="34" charset="0"/>
-                <a:ea typeface="+mj-ea"/>
-                <a:cs typeface="Arial" panose="020B0604020202020204" pitchFamily="34" charset="0"/>
-              </a:defRPr>
-            </a:lvl1pPr>
-          </a:lstStyle>
-          <a:p>
-            <a:pPr>
-              <a:lnSpc>
-                <a:spcPct val="100000"/>
-              </a:lnSpc>
-            </a:pPr>
-            <a:r>
-              <a:rPr lang="vi-VN" sz="2000" b="0" dirty="0">
-                <a:solidFill>
-                  <a:schemeClr val="tx1">
-                    <a:lumMod val="95000"/>
-                    <a:lumOff val="5000"/>
-                  </a:schemeClr>
-                </a:solidFill>
-                <a:ea typeface="Roboto Condensed" pitchFamily="2" charset="0"/>
-              </a:rPr>
-              <a:t>Để tăng sự thu hút của mọi người và nhường đường để xe chạy, bạn có thể vừa cho đèn RGB LED nhấp nháy liên </a:t>
-            </a:r>
-            <a:r>
-              <a:rPr lang="vi-VN" sz="2000" b="0" dirty="0" smtClean="0">
-                <a:solidFill>
-                  <a:schemeClr val="tx1">
-                    <a:lumMod val="95000"/>
-                    <a:lumOff val="5000"/>
-                  </a:schemeClr>
-                </a:solidFill>
-                <a:ea typeface="Roboto Condensed" pitchFamily="2" charset="0"/>
-              </a:rPr>
-              <a:t>tục</a:t>
-            </a:r>
-            <a:r>
-              <a:rPr lang="en-US" sz="2000" b="0" dirty="0" smtClean="0">
-                <a:solidFill>
-                  <a:schemeClr val="tx1">
-                    <a:lumMod val="95000"/>
-                    <a:lumOff val="5000"/>
-                  </a:schemeClr>
-                </a:solidFill>
-                <a:ea typeface="Roboto Condensed" pitchFamily="2" charset="0"/>
-              </a:rPr>
-              <a:t> 2 màu Xanh Đỏ</a:t>
-            </a:r>
-            <a:r>
-              <a:rPr lang="vi-VN" sz="2000" b="0" dirty="0" smtClean="0">
-                <a:solidFill>
-                  <a:schemeClr val="tx1">
-                    <a:lumMod val="95000"/>
-                    <a:lumOff val="5000"/>
-                  </a:schemeClr>
-                </a:solidFill>
-                <a:ea typeface="Roboto Condensed" pitchFamily="2" charset="0"/>
-              </a:rPr>
-              <a:t> </a:t>
-            </a:r>
-            <a:r>
-              <a:rPr lang="vi-VN" sz="2000" b="0" dirty="0">
-                <a:solidFill>
-                  <a:schemeClr val="tx1">
-                    <a:lumMod val="95000"/>
-                    <a:lumOff val="5000"/>
-                  </a:schemeClr>
-                </a:solidFill>
-                <a:ea typeface="Roboto Condensed" pitchFamily="2" charset="0"/>
-              </a:rPr>
-              <a:t>vừa phát ra tiếng còi báo động </a:t>
-            </a:r>
-            <a:r>
-              <a:rPr lang="vi-VN" sz="2000" b="0" dirty="0" smtClean="0">
-                <a:solidFill>
-                  <a:schemeClr val="tx1">
-                    <a:lumMod val="95000"/>
-                    <a:lumOff val="5000"/>
-                  </a:schemeClr>
-                </a:solidFill>
-                <a:ea typeface="Roboto Condensed" pitchFamily="2" charset="0"/>
-              </a:rPr>
-              <a:t>bằng </a:t>
-            </a:r>
-            <a:r>
-              <a:rPr lang="vi-VN" sz="2000" b="0" dirty="0">
-                <a:solidFill>
-                  <a:schemeClr val="tx1">
-                    <a:lumMod val="95000"/>
-                    <a:lumOff val="5000"/>
-                  </a:schemeClr>
-                </a:solidFill>
-                <a:ea typeface="Roboto Condensed" pitchFamily="2" charset="0"/>
-              </a:rPr>
-              <a:t>các khối âm thanh</a:t>
-            </a:r>
-            <a:endParaRPr lang="en-US" sz="2000" b="0" dirty="0" smtClean="0">
-              <a:solidFill>
-                <a:schemeClr val="tx1">
-                  <a:lumMod val="95000"/>
-                  <a:lumOff val="5000"/>
-                </a:schemeClr>
-              </a:solidFill>
-              <a:ea typeface="Roboto Condensed" pitchFamily="2" charset="0"/>
-            </a:endParaRPr>
-          </a:p>
-        </p:txBody>
-      </p:sp>
-      <p:sp>
-        <p:nvSpPr>
-          <p:cNvPr id="14" name="TextBox 13"/>
+              <a:t>13.4 Hoạt </a:t>
+            </a:r>
+            <a:r>
+              <a:rPr lang="en-US" sz="2400" b="1" dirty="0">
+                <a:solidFill>
+                  <a:srgbClr val="EC5F77"/>
+                </a:solidFill>
+                <a:latin typeface="UTM Helve" panose="02040603050506020204" pitchFamily="18" charset="0"/>
+                <a:ea typeface="Roboto" pitchFamily="2" charset="0"/>
+              </a:rPr>
+              <a:t>động học viên</a:t>
+            </a:r>
+          </a:p>
+        </p:txBody>
+      </p:sp>
+      <p:sp>
+        <p:nvSpPr>
+          <p:cNvPr id="7" name="TextBox 6"/>
           <p:cNvSpPr txBox="1"/>
           <p:nvPr/>
         </p:nvSpPr>
@@ -7151,7 +6575,7 @@
       </p:sp>
       <p:pic>
         <p:nvPicPr>
-          <p:cNvPr id="15" name="Picture 14"/>
+          <p:cNvPr id="8" name="Picture 7"/>
           <p:cNvPicPr>
             <a:picLocks noChangeAspect="1"/>
           </p:cNvPicPr>
@@ -7181,32 +6605,132 @@
       </p:pic>
       <p:sp>
         <p:nvSpPr>
-          <p:cNvPr id="9" name="Rounded Rectangle 8"/>
+          <p:cNvPr id="11" name="Rectangle 10"/>
           <p:cNvSpPr/>
           <p:nvPr/>
         </p:nvSpPr>
         <p:spPr>
           <a:xfrm>
-            <a:off x="542728" y="4479234"/>
-            <a:ext cx="4087458" cy="1842053"/>
-          </a:xfrm>
-          <a:prstGeom prst="roundRect">
-            <a:avLst>
-              <a:gd name="adj" fmla="val 7971"/>
-            </a:avLst>
-          </a:prstGeom>
-          <a:gradFill flip="none" rotWithShape="1">
-            <a:gsLst>
-              <a:gs pos="15000">
-                <a:srgbClr val="EC5F77"/>
-              </a:gs>
-              <a:gs pos="100000">
-                <a:srgbClr val="A8589E"/>
-              </a:gs>
-            </a:gsLst>
-            <a:lin ang="0" scaled="1"/>
-            <a:tileRect/>
-          </a:gradFill>
+            <a:off x="418918" y="1761309"/>
+            <a:ext cx="8605811" cy="369332"/>
+          </a:xfrm>
+          <a:prstGeom prst="rect">
+            <a:avLst/>
+          </a:prstGeom>
+        </p:spPr>
+        <p:txBody>
+          <a:bodyPr wrap="square">
+            <a:spAutoFit/>
+          </a:bodyPr>
+          <a:lstStyle/>
+          <a:p>
+            <a:r>
+              <a:rPr lang="en-US" dirty="0" smtClean="0"/>
+              <a:t>Sử dụng zoom:bit giả làm một xe cảnh sát với yêu cầu chương trình như sau:</a:t>
+            </a:r>
+          </a:p>
+        </p:txBody>
+      </p:sp>
+      <p:sp>
+        <p:nvSpPr>
+          <p:cNvPr id="19" name="Title 1"/>
+          <p:cNvSpPr txBox="1">
+            <a:spLocks/>
+          </p:cNvSpPr>
+          <p:nvPr/>
+        </p:nvSpPr>
+        <p:spPr>
+          <a:xfrm>
+            <a:off x="770775" y="2203380"/>
+            <a:ext cx="7790129" cy="772904"/>
+          </a:xfrm>
+          <a:prstGeom prst="rect">
+            <a:avLst/>
+          </a:prstGeom>
+        </p:spPr>
+        <p:txBody>
+          <a:bodyPr/>
+          <a:lstStyle>
+            <a:lvl1pPr algn="l" defTabSz="914400" rtl="0" eaLnBrk="1" latinLnBrk="0" hangingPunct="1">
+              <a:lnSpc>
+                <a:spcPct val="90000"/>
+              </a:lnSpc>
+              <a:spcBef>
+                <a:spcPct val="0"/>
+              </a:spcBef>
+              <a:buNone/>
+              <a:defRPr sz="3200" b="1" kern="1200">
+                <a:solidFill>
+                  <a:srgbClr val="019DD0"/>
+                </a:solidFill>
+                <a:latin typeface="Arial" panose="020B0604020202020204" pitchFamily="34" charset="0"/>
+                <a:ea typeface="+mj-ea"/>
+                <a:cs typeface="Arial" panose="020B0604020202020204" pitchFamily="34" charset="0"/>
+              </a:defRPr>
+            </a:lvl1pPr>
+          </a:lstStyle>
+          <a:p>
+            <a:pPr>
+              <a:lnSpc>
+                <a:spcPct val="100000"/>
+              </a:lnSpc>
+            </a:pPr>
+            <a:r>
+              <a:rPr lang="vi-VN" sz="2000" b="0" dirty="0">
+                <a:solidFill>
+                  <a:schemeClr val="tx1">
+                    <a:lumMod val="95000"/>
+                    <a:lumOff val="5000"/>
+                  </a:schemeClr>
+                </a:solidFill>
+                <a:ea typeface="Roboto Condensed" pitchFamily="2" charset="0"/>
+              </a:rPr>
+              <a:t>Khởi động lên thì cho Servo xoay đầu phía trước, </a:t>
+            </a:r>
+            <a:r>
+              <a:rPr lang="vi-VN" sz="2000" b="0" dirty="0" smtClean="0">
+                <a:solidFill>
+                  <a:schemeClr val="tx1">
+                    <a:lumMod val="95000"/>
+                    <a:lumOff val="5000"/>
+                  </a:schemeClr>
+                </a:solidFill>
+                <a:ea typeface="Roboto Condensed" pitchFamily="2" charset="0"/>
+              </a:rPr>
+              <a:t>Màn </a:t>
+            </a:r>
+            <a:r>
+              <a:rPr lang="vi-VN" sz="2000" b="0" dirty="0">
+                <a:solidFill>
+                  <a:schemeClr val="tx1">
+                    <a:lumMod val="95000"/>
+                    <a:lumOff val="5000"/>
+                  </a:schemeClr>
+                </a:solidFill>
+                <a:ea typeface="Roboto Condensed" pitchFamily="2" charset="0"/>
+              </a:rPr>
+              <a:t>hình LED hiển thị mặt cười. Bật âm thanh power up</a:t>
+            </a:r>
+          </a:p>
+        </p:txBody>
+      </p:sp>
+      <p:sp>
+        <p:nvSpPr>
+          <p:cNvPr id="20" name="Rectangle 19"/>
+          <p:cNvSpPr/>
+          <p:nvPr/>
+        </p:nvSpPr>
+        <p:spPr>
+          <a:xfrm>
+            <a:off x="542728" y="3083694"/>
+            <a:ext cx="172836" cy="176901"/>
+          </a:xfrm>
+          <a:prstGeom prst="rect">
+            <a:avLst/>
+          </a:prstGeom>
+          <a:solidFill>
+            <a:srgbClr val="EC5F77"/>
+          </a:solidFill>
           <a:ln>
             <a:noFill/>
           </a:ln>
@@ -7231,71 +6755,60 @@
           <a:bodyPr rtlCol="0" anchor="ctr"/>
           <a:lstStyle/>
           <a:p>
-            <a:r>
-              <a:rPr lang="en-US" dirty="0" smtClean="0"/>
-              <a:t>Yêu cầu soạn thuật toán trước khi thực hiện chương trình, để nắm được logic và hướng xử lý từng yêu cầu của chương trình</a:t>
-            </a:r>
-            <a:endParaRPr lang="en-US" dirty="0"/>
-          </a:p>
-        </p:txBody>
-      </p:sp>
-      <p:pic>
-        <p:nvPicPr>
-          <p:cNvPr id="10" name="Picture 9"/>
-          <p:cNvPicPr>
-            <a:picLocks noChangeAspect="1"/>
-          </p:cNvPicPr>
-          <p:nvPr/>
-        </p:nvPicPr>
-        <p:blipFill>
-          <a:blip r:embed="rId3">
-            <a:extLst>
-              <a:ext uri="{28A0092B-C50C-407E-A947-70E740481C1C}">
-                <a14:useLocalDpi xmlns:a14="http://schemas.microsoft.com/office/drawing/2010/main" val="0"/>
-              </a:ext>
-            </a:extLst>
-          </a:blip>
-          <a:stretch>
-            <a:fillRect/>
-          </a:stretch>
-        </p:blipFill>
-        <p:spPr>
-          <a:xfrm rot="19240647">
-            <a:off x="228010" y="3581213"/>
-            <a:ext cx="1562887" cy="1468879"/>
-          </a:xfrm>
-          <a:prstGeom prst="rect">
-            <a:avLst/>
-          </a:prstGeom>
-        </p:spPr>
-      </p:pic>
-      <p:pic>
-        <p:nvPicPr>
-          <p:cNvPr id="11" name="Picture 10"/>
-          <p:cNvPicPr>
-            <a:picLocks noChangeAspect="1"/>
-          </p:cNvPicPr>
-          <p:nvPr/>
-        </p:nvPicPr>
-        <p:blipFill>
-          <a:blip r:embed="rId4"/>
-          <a:stretch>
-            <a:fillRect/>
-          </a:stretch>
-        </p:blipFill>
-        <p:spPr>
-          <a:xfrm>
-            <a:off x="5466744" y="1345100"/>
-            <a:ext cx="2561659" cy="4215643"/>
-          </a:xfrm>
-          <a:prstGeom prst="rect">
-            <a:avLst/>
-          </a:prstGeom>
-        </p:spPr>
-      </p:pic>
-      <p:sp>
-        <p:nvSpPr>
-          <p:cNvPr id="18" name="Title 1"/>
+            <a:pPr algn="ctr"/>
+            <a:endParaRPr lang="en-US"/>
+          </a:p>
+        </p:txBody>
+      </p:sp>
+      <p:sp>
+        <p:nvSpPr>
+          <p:cNvPr id="22" name="Rectangle 21"/>
+          <p:cNvSpPr/>
+          <p:nvPr/>
+        </p:nvSpPr>
+        <p:spPr>
+          <a:xfrm>
+            <a:off x="542728" y="3633435"/>
+            <a:ext cx="172836" cy="176901"/>
+          </a:xfrm>
+          <a:prstGeom prst="rect">
+            <a:avLst/>
+          </a:prstGeom>
+          <a:solidFill>
+            <a:srgbClr val="EC5F77"/>
+          </a:solidFill>
+          <a:ln>
+            <a:noFill/>
+          </a:ln>
+        </p:spPr>
+        <p:style>
+          <a:lnRef idx="2">
+            <a:schemeClr val="accent1">
+              <a:shade val="50000"/>
+            </a:schemeClr>
+          </a:lnRef>
+          <a:fillRef idx="1">
+            <a:schemeClr val="accent1"/>
+          </a:fillRef>
+          <a:effectRef idx="0">
+            <a:schemeClr val="accent1"/>
+          </a:effectRef>
+          <a:fontRef idx="minor">
+            <a:schemeClr val="lt1"/>
+          </a:fontRef>
+        </p:style>
+        <p:txBody>
+          <a:bodyPr rtlCol="0" anchor="ctr"/>
+          <a:lstStyle/>
+          <a:p>
+            <a:pPr algn="ctr"/>
+            <a:endParaRPr lang="en-US"/>
+          </a:p>
+        </p:txBody>
+      </p:sp>
+      <p:sp>
+        <p:nvSpPr>
+          <p:cNvPr id="23" name="Title 1"/>
           <p:cNvSpPr txBox="1">
             <a:spLocks/>
           </p:cNvSpPr>
@@ -7303,8 +6816,8 @@
         </p:nvSpPr>
         <p:spPr>
           <a:xfrm>
-            <a:off x="5362107" y="5827032"/>
-            <a:ext cx="2770931" cy="358690"/>
+            <a:off x="770775" y="3501799"/>
+            <a:ext cx="4636112" cy="784842"/>
           </a:xfrm>
           <a:prstGeom prst="rect">
             <a:avLst/>
@@ -7332,13 +6845,13 @@
             </a:lvl1pPr>
           </a:lstStyle>
           <a:p>
-            <a:pPr algn="ctr">
+            <a:pPr>
               <a:lnSpc>
                 <a:spcPct val="100000"/>
               </a:lnSpc>
             </a:pPr>
             <a:r>
-              <a:rPr lang="en-US" sz="1800" b="0" i="1" dirty="0" smtClean="0">
+              <a:rPr lang="vi-VN" sz="2000" b="0" dirty="0">
                 <a:solidFill>
                   <a:schemeClr val="tx1">
                     <a:lumMod val="95000"/>
@@ -7347,15 +6860,812 @@
                 </a:solidFill>
                 <a:ea typeface="Roboto Condensed" pitchFamily="2" charset="0"/>
               </a:rPr>
-              <a:t>Một số blocks gợi ý</a:t>
-            </a:r>
-          </a:p>
-        </p:txBody>
-      </p:sp>
+              <a:t>Nhấn button A, </a:t>
+            </a:r>
+            <a:r>
+              <a:rPr lang="en-US" sz="2000" b="0" dirty="0" smtClean="0">
+                <a:solidFill>
+                  <a:schemeClr val="tx1">
+                    <a:lumMod val="95000"/>
+                    <a:lumOff val="5000"/>
+                  </a:schemeClr>
+                </a:solidFill>
+                <a:ea typeface="Roboto Condensed" pitchFamily="2" charset="0"/>
+              </a:rPr>
+              <a:t>đầu </a:t>
+            </a:r>
+            <a:r>
+              <a:rPr lang="vi-VN" sz="2000" b="0" dirty="0" smtClean="0">
+                <a:solidFill>
+                  <a:schemeClr val="tx1">
+                    <a:lumMod val="95000"/>
+                    <a:lumOff val="5000"/>
+                  </a:schemeClr>
+                </a:solidFill>
+                <a:ea typeface="Roboto Condensed" pitchFamily="2" charset="0"/>
+              </a:rPr>
+              <a:t>xoay </a:t>
+            </a:r>
+            <a:r>
+              <a:rPr lang="en-US" sz="2000" b="0" dirty="0" smtClean="0">
+                <a:solidFill>
+                  <a:schemeClr val="tx1">
+                    <a:lumMod val="95000"/>
+                    <a:lumOff val="5000"/>
+                  </a:schemeClr>
+                </a:solidFill>
+                <a:ea typeface="Roboto Condensed" pitchFamily="2" charset="0"/>
+              </a:rPr>
+              <a:t>phải</a:t>
+            </a:r>
+            <a:r>
+              <a:rPr lang="vi-VN" sz="2000" b="0" dirty="0" smtClean="0">
+                <a:solidFill>
+                  <a:schemeClr val="tx1">
+                    <a:lumMod val="95000"/>
+                    <a:lumOff val="5000"/>
+                  </a:schemeClr>
+                </a:solidFill>
+                <a:ea typeface="Roboto Condensed" pitchFamily="2" charset="0"/>
+              </a:rPr>
+              <a:t>, </a:t>
+            </a:r>
+            <a:r>
+              <a:rPr lang="vi-VN" sz="2000" b="0" dirty="0">
+                <a:solidFill>
+                  <a:schemeClr val="tx1">
+                    <a:lumMod val="95000"/>
+                    <a:lumOff val="5000"/>
+                  </a:schemeClr>
+                </a:solidFill>
+                <a:ea typeface="Roboto Condensed" pitchFamily="2" charset="0"/>
+              </a:rPr>
+              <a:t>màn hình LED hiển thị mũi trên hướng </a:t>
+            </a:r>
+            <a:r>
+              <a:rPr lang="en-US" sz="2000" b="0" dirty="0" smtClean="0">
+                <a:solidFill>
+                  <a:schemeClr val="tx1">
+                    <a:lumMod val="95000"/>
+                    <a:lumOff val="5000"/>
+                  </a:schemeClr>
+                </a:solidFill>
+                <a:ea typeface="Roboto Condensed" pitchFamily="2" charset="0"/>
+              </a:rPr>
+              <a:t>phải</a:t>
+            </a:r>
+          </a:p>
+        </p:txBody>
+      </p:sp>
+      <p:sp>
+        <p:nvSpPr>
+          <p:cNvPr id="29" name="Rectangle 28"/>
+          <p:cNvSpPr/>
+          <p:nvPr/>
+        </p:nvSpPr>
+        <p:spPr>
+          <a:xfrm>
+            <a:off x="542728" y="2349633"/>
+            <a:ext cx="172836" cy="176901"/>
+          </a:xfrm>
+          <a:prstGeom prst="rect">
+            <a:avLst/>
+          </a:prstGeom>
+          <a:solidFill>
+            <a:srgbClr val="EC5F77"/>
+          </a:solidFill>
+          <a:ln>
+            <a:noFill/>
+          </a:ln>
+        </p:spPr>
+        <p:style>
+          <a:lnRef idx="2">
+            <a:schemeClr val="accent1">
+              <a:shade val="50000"/>
+            </a:schemeClr>
+          </a:lnRef>
+          <a:fillRef idx="1">
+            <a:schemeClr val="accent1"/>
+          </a:fillRef>
+          <a:effectRef idx="0">
+            <a:schemeClr val="accent1"/>
+          </a:effectRef>
+          <a:fontRef idx="minor">
+            <a:schemeClr val="lt1"/>
+          </a:fontRef>
+        </p:style>
+        <p:txBody>
+          <a:bodyPr rtlCol="0" anchor="ctr"/>
+          <a:lstStyle/>
+          <a:p>
+            <a:pPr algn="ctr"/>
+            <a:endParaRPr lang="en-US"/>
+          </a:p>
+        </p:txBody>
+      </p:sp>
+      <p:sp>
+        <p:nvSpPr>
+          <p:cNvPr id="21" name="Title 1"/>
+          <p:cNvSpPr txBox="1">
+            <a:spLocks/>
+          </p:cNvSpPr>
+          <p:nvPr/>
+        </p:nvSpPr>
+        <p:spPr>
+          <a:xfrm>
+            <a:off x="770775" y="2952058"/>
+            <a:ext cx="4225295" cy="485199"/>
+          </a:xfrm>
+          <a:prstGeom prst="rect">
+            <a:avLst/>
+          </a:prstGeom>
+        </p:spPr>
+        <p:txBody>
+          <a:bodyPr/>
+          <a:lstStyle>
+            <a:lvl1pPr algn="l" defTabSz="914400" rtl="0" eaLnBrk="1" latinLnBrk="0" hangingPunct="1">
+              <a:lnSpc>
+                <a:spcPct val="90000"/>
+              </a:lnSpc>
+              <a:spcBef>
+                <a:spcPct val="0"/>
+              </a:spcBef>
+              <a:buNone/>
+              <a:defRPr sz="3200" b="1" kern="1200">
+                <a:solidFill>
+                  <a:srgbClr val="019DD0"/>
+                </a:solidFill>
+                <a:latin typeface="Arial" panose="020B0604020202020204" pitchFamily="34" charset="0"/>
+                <a:ea typeface="+mj-ea"/>
+                <a:cs typeface="Arial" panose="020B0604020202020204" pitchFamily="34" charset="0"/>
+              </a:defRPr>
+            </a:lvl1pPr>
+          </a:lstStyle>
+          <a:p>
+            <a:pPr>
+              <a:lnSpc>
+                <a:spcPct val="100000"/>
+              </a:lnSpc>
+            </a:pPr>
+            <a:r>
+              <a:rPr lang="en-US" sz="2000" b="0" dirty="0" smtClean="0">
+                <a:solidFill>
+                  <a:schemeClr val="tx1">
+                    <a:lumMod val="95000"/>
+                    <a:lumOff val="5000"/>
+                  </a:schemeClr>
+                </a:solidFill>
+                <a:ea typeface="Roboto Condensed" pitchFamily="2" charset="0"/>
+              </a:rPr>
+              <a:t>Đèn trước tự động sáng khi trời tối</a:t>
+            </a:r>
+          </a:p>
+        </p:txBody>
+      </p:sp>
+      <p:sp>
+        <p:nvSpPr>
+          <p:cNvPr id="17" name="Rectangle 16"/>
+          <p:cNvSpPr/>
+          <p:nvPr/>
+        </p:nvSpPr>
+        <p:spPr>
+          <a:xfrm>
+            <a:off x="542728" y="4388809"/>
+            <a:ext cx="172836" cy="176901"/>
+          </a:xfrm>
+          <a:prstGeom prst="rect">
+            <a:avLst/>
+          </a:prstGeom>
+          <a:solidFill>
+            <a:srgbClr val="EC5F77"/>
+          </a:solidFill>
+          <a:ln>
+            <a:noFill/>
+          </a:ln>
+        </p:spPr>
+        <p:style>
+          <a:lnRef idx="2">
+            <a:schemeClr val="accent1">
+              <a:shade val="50000"/>
+            </a:schemeClr>
+          </a:lnRef>
+          <a:fillRef idx="1">
+            <a:schemeClr val="accent1"/>
+          </a:fillRef>
+          <a:effectRef idx="0">
+            <a:schemeClr val="accent1"/>
+          </a:effectRef>
+          <a:fontRef idx="minor">
+            <a:schemeClr val="lt1"/>
+          </a:fontRef>
+        </p:style>
+        <p:txBody>
+          <a:bodyPr rtlCol="0" anchor="ctr"/>
+          <a:lstStyle/>
+          <a:p>
+            <a:pPr algn="ctr"/>
+            <a:endParaRPr lang="en-US"/>
+          </a:p>
+        </p:txBody>
+      </p:sp>
+      <p:sp>
+        <p:nvSpPr>
+          <p:cNvPr id="18" name="Title 1"/>
+          <p:cNvSpPr txBox="1">
+            <a:spLocks/>
+          </p:cNvSpPr>
+          <p:nvPr/>
+        </p:nvSpPr>
+        <p:spPr>
+          <a:xfrm>
+            <a:off x="770775" y="4257173"/>
+            <a:ext cx="4636112" cy="784842"/>
+          </a:xfrm>
+          <a:prstGeom prst="rect">
+            <a:avLst/>
+          </a:prstGeom>
+        </p:spPr>
+        <p:txBody>
+          <a:bodyPr/>
+          <a:lstStyle>
+            <a:lvl1pPr algn="l" defTabSz="914400" rtl="0" eaLnBrk="1" latinLnBrk="0" hangingPunct="1">
+              <a:lnSpc>
+                <a:spcPct val="90000"/>
+              </a:lnSpc>
+              <a:spcBef>
+                <a:spcPct val="0"/>
+              </a:spcBef>
+              <a:buNone/>
+              <a:defRPr sz="3200" b="1" kern="1200">
+                <a:solidFill>
+                  <a:srgbClr val="019DD0"/>
+                </a:solidFill>
+                <a:latin typeface="Arial" panose="020B0604020202020204" pitchFamily="34" charset="0"/>
+                <a:ea typeface="+mj-ea"/>
+                <a:cs typeface="Arial" panose="020B0604020202020204" pitchFamily="34" charset="0"/>
+              </a:defRPr>
+            </a:lvl1pPr>
+          </a:lstStyle>
+          <a:p>
+            <a:pPr>
+              <a:lnSpc>
+                <a:spcPct val="100000"/>
+              </a:lnSpc>
+            </a:pPr>
+            <a:r>
+              <a:rPr lang="vi-VN" sz="2000" b="0" dirty="0">
+                <a:solidFill>
+                  <a:schemeClr val="tx1">
+                    <a:lumMod val="95000"/>
+                    <a:lumOff val="5000"/>
+                  </a:schemeClr>
+                </a:solidFill>
+                <a:ea typeface="Roboto Condensed" pitchFamily="2" charset="0"/>
+              </a:rPr>
+              <a:t>Nhấn button </a:t>
+            </a:r>
+            <a:r>
+              <a:rPr lang="en-US" sz="2000" b="0" dirty="0" smtClean="0">
+                <a:solidFill>
+                  <a:schemeClr val="tx1">
+                    <a:lumMod val="95000"/>
+                    <a:lumOff val="5000"/>
+                  </a:schemeClr>
+                </a:solidFill>
+                <a:ea typeface="Roboto Condensed" pitchFamily="2" charset="0"/>
+              </a:rPr>
+              <a:t>B</a:t>
+            </a:r>
+            <a:r>
+              <a:rPr lang="vi-VN" sz="2000" b="0" dirty="0" smtClean="0">
+                <a:solidFill>
+                  <a:schemeClr val="tx1">
+                    <a:lumMod val="95000"/>
+                    <a:lumOff val="5000"/>
+                  </a:schemeClr>
+                </a:solidFill>
+                <a:ea typeface="Roboto Condensed" pitchFamily="2" charset="0"/>
+              </a:rPr>
+              <a:t>, </a:t>
+            </a:r>
+            <a:r>
+              <a:rPr lang="en-US" sz="2000" b="0" dirty="0" smtClean="0">
+                <a:solidFill>
+                  <a:schemeClr val="tx1">
+                    <a:lumMod val="95000"/>
+                    <a:lumOff val="5000"/>
+                  </a:schemeClr>
+                </a:solidFill>
+                <a:ea typeface="Roboto Condensed" pitchFamily="2" charset="0"/>
+              </a:rPr>
+              <a:t>đầu </a:t>
+            </a:r>
+            <a:r>
+              <a:rPr lang="vi-VN" sz="2000" b="0" dirty="0" smtClean="0">
+                <a:solidFill>
+                  <a:schemeClr val="tx1">
+                    <a:lumMod val="95000"/>
+                    <a:lumOff val="5000"/>
+                  </a:schemeClr>
+                </a:solidFill>
+                <a:ea typeface="Roboto Condensed" pitchFamily="2" charset="0"/>
+              </a:rPr>
+              <a:t>xoay </a:t>
+            </a:r>
+            <a:r>
+              <a:rPr lang="en-US" sz="2000" b="0" dirty="0" smtClean="0">
+                <a:solidFill>
+                  <a:schemeClr val="tx1">
+                    <a:lumMod val="95000"/>
+                    <a:lumOff val="5000"/>
+                  </a:schemeClr>
+                </a:solidFill>
+                <a:ea typeface="Roboto Condensed" pitchFamily="2" charset="0"/>
+              </a:rPr>
+              <a:t>trái</a:t>
+            </a:r>
+            <a:r>
+              <a:rPr lang="vi-VN" sz="2000" b="0" dirty="0" smtClean="0">
+                <a:solidFill>
+                  <a:schemeClr val="tx1">
+                    <a:lumMod val="95000"/>
+                    <a:lumOff val="5000"/>
+                  </a:schemeClr>
+                </a:solidFill>
+                <a:ea typeface="Roboto Condensed" pitchFamily="2" charset="0"/>
+              </a:rPr>
+              <a:t>, </a:t>
+            </a:r>
+            <a:r>
+              <a:rPr lang="vi-VN" sz="2000" b="0" dirty="0">
+                <a:solidFill>
+                  <a:schemeClr val="tx1">
+                    <a:lumMod val="95000"/>
+                    <a:lumOff val="5000"/>
+                  </a:schemeClr>
+                </a:solidFill>
+                <a:ea typeface="Roboto Condensed" pitchFamily="2" charset="0"/>
+              </a:rPr>
+              <a:t>màn hình LED hiển thị mũi trên hướng </a:t>
+            </a:r>
+            <a:r>
+              <a:rPr lang="en-US" sz="2000" b="0" dirty="0" smtClean="0">
+                <a:solidFill>
+                  <a:schemeClr val="tx1">
+                    <a:lumMod val="95000"/>
+                    <a:lumOff val="5000"/>
+                  </a:schemeClr>
+                </a:solidFill>
+                <a:ea typeface="Roboto Condensed" pitchFamily="2" charset="0"/>
+              </a:rPr>
+              <a:t>trái</a:t>
+            </a:r>
+          </a:p>
+        </p:txBody>
+      </p:sp>
+      <p:sp>
+        <p:nvSpPr>
+          <p:cNvPr id="24" name="Rectangle 23"/>
+          <p:cNvSpPr/>
+          <p:nvPr/>
+        </p:nvSpPr>
+        <p:spPr>
+          <a:xfrm>
+            <a:off x="542728" y="5170571"/>
+            <a:ext cx="172836" cy="176901"/>
+          </a:xfrm>
+          <a:prstGeom prst="rect">
+            <a:avLst/>
+          </a:prstGeom>
+          <a:solidFill>
+            <a:srgbClr val="EC5F77"/>
+          </a:solidFill>
+          <a:ln>
+            <a:noFill/>
+          </a:ln>
+        </p:spPr>
+        <p:style>
+          <a:lnRef idx="2">
+            <a:schemeClr val="accent1">
+              <a:shade val="50000"/>
+            </a:schemeClr>
+          </a:lnRef>
+          <a:fillRef idx="1">
+            <a:schemeClr val="accent1"/>
+          </a:fillRef>
+          <a:effectRef idx="0">
+            <a:schemeClr val="accent1"/>
+          </a:effectRef>
+          <a:fontRef idx="minor">
+            <a:schemeClr val="lt1"/>
+          </a:fontRef>
+        </p:style>
+        <p:txBody>
+          <a:bodyPr rtlCol="0" anchor="ctr"/>
+          <a:lstStyle/>
+          <a:p>
+            <a:pPr algn="ctr"/>
+            <a:endParaRPr lang="en-US"/>
+          </a:p>
+        </p:txBody>
+      </p:sp>
+      <p:sp>
+        <p:nvSpPr>
+          <p:cNvPr id="25" name="Title 1"/>
+          <p:cNvSpPr txBox="1">
+            <a:spLocks/>
+          </p:cNvSpPr>
+          <p:nvPr/>
+        </p:nvSpPr>
+        <p:spPr>
+          <a:xfrm>
+            <a:off x="770775" y="5038935"/>
+            <a:ext cx="4967416" cy="784842"/>
+          </a:xfrm>
+          <a:prstGeom prst="rect">
+            <a:avLst/>
+          </a:prstGeom>
+        </p:spPr>
+        <p:txBody>
+          <a:bodyPr/>
+          <a:lstStyle>
+            <a:lvl1pPr algn="l" defTabSz="914400" rtl="0" eaLnBrk="1" latinLnBrk="0" hangingPunct="1">
+              <a:lnSpc>
+                <a:spcPct val="90000"/>
+              </a:lnSpc>
+              <a:spcBef>
+                <a:spcPct val="0"/>
+              </a:spcBef>
+              <a:buNone/>
+              <a:defRPr sz="3200" b="1" kern="1200">
+                <a:solidFill>
+                  <a:srgbClr val="019DD0"/>
+                </a:solidFill>
+                <a:latin typeface="Arial" panose="020B0604020202020204" pitchFamily="34" charset="0"/>
+                <a:ea typeface="+mj-ea"/>
+                <a:cs typeface="Arial" panose="020B0604020202020204" pitchFamily="34" charset="0"/>
+              </a:defRPr>
+            </a:lvl1pPr>
+          </a:lstStyle>
+          <a:p>
+            <a:pPr>
+              <a:lnSpc>
+                <a:spcPct val="100000"/>
+              </a:lnSpc>
+            </a:pPr>
+            <a:r>
+              <a:rPr lang="vi-VN" sz="2000" b="0" dirty="0">
+                <a:solidFill>
+                  <a:schemeClr val="tx1">
+                    <a:lumMod val="95000"/>
+                    <a:lumOff val="5000"/>
+                  </a:schemeClr>
+                </a:solidFill>
+                <a:ea typeface="Roboto Condensed" pitchFamily="2" charset="0"/>
+              </a:rPr>
+              <a:t>Nhấn button </a:t>
+            </a:r>
+            <a:r>
+              <a:rPr lang="en-US" sz="2000" b="0" dirty="0" smtClean="0">
+                <a:solidFill>
+                  <a:schemeClr val="tx1">
+                    <a:lumMod val="95000"/>
+                    <a:lumOff val="5000"/>
+                  </a:schemeClr>
+                </a:solidFill>
+                <a:ea typeface="Roboto Condensed" pitchFamily="2" charset="0"/>
+              </a:rPr>
+              <a:t>A+B</a:t>
+            </a:r>
+            <a:r>
+              <a:rPr lang="vi-VN" sz="2000" b="0" dirty="0" smtClean="0">
+                <a:solidFill>
+                  <a:schemeClr val="tx1">
+                    <a:lumMod val="95000"/>
+                    <a:lumOff val="5000"/>
+                  </a:schemeClr>
+                </a:solidFill>
+                <a:ea typeface="Roboto Condensed" pitchFamily="2" charset="0"/>
+              </a:rPr>
+              <a:t>, </a:t>
+            </a:r>
+            <a:r>
+              <a:rPr lang="en-US" sz="2000" b="0" dirty="0" smtClean="0">
+                <a:solidFill>
+                  <a:schemeClr val="tx1">
+                    <a:lumMod val="95000"/>
+                    <a:lumOff val="5000"/>
+                  </a:schemeClr>
+                </a:solidFill>
+                <a:ea typeface="Roboto Condensed" pitchFamily="2" charset="0"/>
+              </a:rPr>
+              <a:t>đầu </a:t>
+            </a:r>
+            <a:r>
+              <a:rPr lang="vi-VN" sz="2000" b="0" dirty="0" smtClean="0">
+                <a:solidFill>
+                  <a:schemeClr val="tx1">
+                    <a:lumMod val="95000"/>
+                    <a:lumOff val="5000"/>
+                  </a:schemeClr>
+                </a:solidFill>
+                <a:ea typeface="Roboto Condensed" pitchFamily="2" charset="0"/>
+              </a:rPr>
+              <a:t>xoay </a:t>
+            </a:r>
+            <a:r>
+              <a:rPr lang="en-US" sz="2000" b="0" dirty="0" smtClean="0">
+                <a:solidFill>
+                  <a:schemeClr val="tx1">
+                    <a:lumMod val="95000"/>
+                    <a:lumOff val="5000"/>
+                  </a:schemeClr>
+                </a:solidFill>
+                <a:ea typeface="Roboto Condensed" pitchFamily="2" charset="0"/>
+              </a:rPr>
+              <a:t>ra trước</a:t>
+            </a:r>
+            <a:r>
+              <a:rPr lang="vi-VN" sz="2000" b="0" dirty="0" smtClean="0">
+                <a:solidFill>
+                  <a:schemeClr val="tx1">
+                    <a:lumMod val="95000"/>
+                    <a:lumOff val="5000"/>
+                  </a:schemeClr>
+                </a:solidFill>
+                <a:ea typeface="Roboto Condensed" pitchFamily="2" charset="0"/>
+              </a:rPr>
+              <a:t>, </a:t>
+            </a:r>
+            <a:r>
+              <a:rPr lang="vi-VN" sz="2000" b="0" dirty="0">
+                <a:solidFill>
+                  <a:schemeClr val="tx1">
+                    <a:lumMod val="95000"/>
+                    <a:lumOff val="5000"/>
+                  </a:schemeClr>
+                </a:solidFill>
+                <a:ea typeface="Roboto Condensed" pitchFamily="2" charset="0"/>
+              </a:rPr>
+              <a:t>màn hình LED hiển thị mũi trên hướng </a:t>
+            </a:r>
+            <a:r>
+              <a:rPr lang="en-US" sz="2000" b="0" dirty="0" smtClean="0">
+                <a:solidFill>
+                  <a:schemeClr val="tx1">
+                    <a:lumMod val="95000"/>
+                    <a:lumOff val="5000"/>
+                  </a:schemeClr>
+                </a:solidFill>
+                <a:ea typeface="Roboto Condensed" pitchFamily="2" charset="0"/>
+              </a:rPr>
+              <a:t>lên</a:t>
+            </a:r>
+          </a:p>
+        </p:txBody>
+      </p:sp>
+      <p:sp>
+        <p:nvSpPr>
+          <p:cNvPr id="26" name="Rectangle 25"/>
+          <p:cNvSpPr/>
+          <p:nvPr/>
+        </p:nvSpPr>
+        <p:spPr>
+          <a:xfrm>
+            <a:off x="542728" y="5992206"/>
+            <a:ext cx="172836" cy="176901"/>
+          </a:xfrm>
+          <a:prstGeom prst="rect">
+            <a:avLst/>
+          </a:prstGeom>
+          <a:solidFill>
+            <a:srgbClr val="EC5F77"/>
+          </a:solidFill>
+          <a:ln>
+            <a:noFill/>
+          </a:ln>
+        </p:spPr>
+        <p:style>
+          <a:lnRef idx="2">
+            <a:schemeClr val="accent1">
+              <a:shade val="50000"/>
+            </a:schemeClr>
+          </a:lnRef>
+          <a:fillRef idx="1">
+            <a:schemeClr val="accent1"/>
+          </a:fillRef>
+          <a:effectRef idx="0">
+            <a:schemeClr val="accent1"/>
+          </a:effectRef>
+          <a:fontRef idx="minor">
+            <a:schemeClr val="lt1"/>
+          </a:fontRef>
+        </p:style>
+        <p:txBody>
+          <a:bodyPr rtlCol="0" anchor="ctr"/>
+          <a:lstStyle/>
+          <a:p>
+            <a:pPr algn="ctr"/>
+            <a:endParaRPr lang="en-US"/>
+          </a:p>
+        </p:txBody>
+      </p:sp>
+      <p:sp>
+        <p:nvSpPr>
+          <p:cNvPr id="27" name="Title 1"/>
+          <p:cNvSpPr txBox="1">
+            <a:spLocks/>
+          </p:cNvSpPr>
+          <p:nvPr/>
+        </p:nvSpPr>
+        <p:spPr>
+          <a:xfrm>
+            <a:off x="770775" y="5794310"/>
+            <a:ext cx="4967416" cy="784842"/>
+          </a:xfrm>
+          <a:prstGeom prst="rect">
+            <a:avLst/>
+          </a:prstGeom>
+        </p:spPr>
+        <p:txBody>
+          <a:bodyPr/>
+          <a:lstStyle>
+            <a:lvl1pPr algn="l" defTabSz="914400" rtl="0" eaLnBrk="1" latinLnBrk="0" hangingPunct="1">
+              <a:lnSpc>
+                <a:spcPct val="90000"/>
+              </a:lnSpc>
+              <a:spcBef>
+                <a:spcPct val="0"/>
+              </a:spcBef>
+              <a:buNone/>
+              <a:defRPr sz="3200" b="1" kern="1200">
+                <a:solidFill>
+                  <a:srgbClr val="019DD0"/>
+                </a:solidFill>
+                <a:latin typeface="Arial" panose="020B0604020202020204" pitchFamily="34" charset="0"/>
+                <a:ea typeface="+mj-ea"/>
+                <a:cs typeface="Arial" panose="020B0604020202020204" pitchFamily="34" charset="0"/>
+              </a:defRPr>
+            </a:lvl1pPr>
+          </a:lstStyle>
+          <a:p>
+            <a:pPr>
+              <a:lnSpc>
+                <a:spcPct val="100000"/>
+              </a:lnSpc>
+            </a:pPr>
+            <a:r>
+              <a:rPr lang="en-US" sz="2000" b="0" dirty="0" smtClean="0">
+                <a:solidFill>
+                  <a:schemeClr val="tx1">
+                    <a:lumMod val="95000"/>
+                    <a:lumOff val="5000"/>
+                  </a:schemeClr>
+                </a:solidFill>
+                <a:ea typeface="Roboto Condensed" pitchFamily="2" charset="0"/>
+              </a:rPr>
+              <a:t>Chạm Logo</a:t>
+            </a:r>
+            <a:r>
+              <a:rPr lang="vi-VN" sz="2000" b="0" dirty="0" smtClean="0">
+                <a:solidFill>
+                  <a:schemeClr val="tx1">
+                    <a:lumMod val="95000"/>
+                    <a:lumOff val="5000"/>
+                  </a:schemeClr>
+                </a:solidFill>
+                <a:ea typeface="Roboto Condensed" pitchFamily="2" charset="0"/>
+              </a:rPr>
+              <a:t>, </a:t>
+            </a:r>
+            <a:r>
+              <a:rPr lang="en-US" sz="2000" b="0" dirty="0" smtClean="0">
+                <a:solidFill>
+                  <a:schemeClr val="tx1">
+                    <a:lumMod val="95000"/>
+                    <a:lumOff val="5000"/>
+                  </a:schemeClr>
+                </a:solidFill>
+                <a:ea typeface="Roboto Condensed" pitchFamily="2" charset="0"/>
+              </a:rPr>
+              <a:t>đầu </a:t>
+            </a:r>
+            <a:r>
+              <a:rPr lang="vi-VN" sz="2000" b="0" dirty="0" smtClean="0">
+                <a:solidFill>
+                  <a:schemeClr val="tx1">
+                    <a:lumMod val="95000"/>
+                    <a:lumOff val="5000"/>
+                  </a:schemeClr>
+                </a:solidFill>
+                <a:ea typeface="Roboto Condensed" pitchFamily="2" charset="0"/>
+              </a:rPr>
+              <a:t>xoay </a:t>
+            </a:r>
+            <a:r>
+              <a:rPr lang="en-US" sz="2000" b="0" dirty="0" smtClean="0">
+                <a:solidFill>
+                  <a:schemeClr val="tx1">
+                    <a:lumMod val="95000"/>
+                    <a:lumOff val="5000"/>
+                  </a:schemeClr>
+                </a:solidFill>
+                <a:ea typeface="Roboto Condensed" pitchFamily="2" charset="0"/>
+              </a:rPr>
+              <a:t>ra trước</a:t>
+            </a:r>
+            <a:r>
+              <a:rPr lang="vi-VN" sz="2000" b="0" dirty="0" smtClean="0">
+                <a:solidFill>
+                  <a:schemeClr val="tx1">
+                    <a:lumMod val="95000"/>
+                    <a:lumOff val="5000"/>
+                  </a:schemeClr>
+                </a:solidFill>
+                <a:ea typeface="Roboto Condensed" pitchFamily="2" charset="0"/>
+              </a:rPr>
+              <a:t>, màn hình LED hiển thị mũi trên hướng </a:t>
+            </a:r>
+            <a:r>
+              <a:rPr lang="en-US" sz="2000" b="0" dirty="0" smtClean="0">
+                <a:solidFill>
+                  <a:schemeClr val="tx1">
+                    <a:lumMod val="95000"/>
+                    <a:lumOff val="5000"/>
+                  </a:schemeClr>
+                </a:solidFill>
+                <a:ea typeface="Roboto Condensed" pitchFamily="2" charset="0"/>
+              </a:rPr>
+              <a:t>xuống</a:t>
+            </a:r>
+          </a:p>
+        </p:txBody>
+      </p:sp>
+      <p:pic>
+        <p:nvPicPr>
+          <p:cNvPr id="2050" name="Picture 2" descr="Free vector sticker design with front view of police car isolated"/>
+          <p:cNvPicPr>
+            <a:picLocks noChangeAspect="1" noChangeArrowheads="1"/>
+          </p:cNvPicPr>
+          <p:nvPr/>
+        </p:nvPicPr>
+        <p:blipFill>
+          <a:blip r:embed="rId3">
+            <a:extLst>
+              <a:ext uri="{28A0092B-C50C-407E-A947-70E740481C1C}">
+                <a14:useLocalDpi xmlns:a14="http://schemas.microsoft.com/office/drawing/2010/main" val="0"/>
+              </a:ext>
+            </a:extLst>
+          </a:blip>
+          <a:srcRect/>
+          <a:stretch>
+            <a:fillRect/>
+          </a:stretch>
+        </p:blipFill>
+        <p:spPr bwMode="auto">
+          <a:xfrm>
+            <a:off x="5569730" y="3260595"/>
+            <a:ext cx="3239147" cy="3140835"/>
+          </a:xfrm>
+          <a:prstGeom prst="rect">
+            <a:avLst/>
+          </a:prstGeom>
+          <a:noFill/>
+          <a:extLst>
+            <a:ext uri="{909E8E84-426E-40DD-AFC4-6F175D3DCCD1}">
+              <a14:hiddenFill xmlns:a14="http://schemas.microsoft.com/office/drawing/2010/main">
+                <a:solidFill>
+                  <a:srgbClr val="FFFFFF"/>
+                </a:solidFill>
+              </a14:hiddenFill>
+            </a:ext>
+          </a:extLst>
+        </p:spPr>
+      </p:pic>
     </p:spTree>
     <p:extLst>
       <p:ext uri="{BB962C8B-B14F-4D97-AF65-F5344CB8AC3E}">
-        <p14:creationId xmlns:p14="http://schemas.microsoft.com/office/powerpoint/2010/main" val="3123143947"/>
+        <p14:creationId xmlns:p14="http://schemas.microsoft.com/office/powerpoint/2010/main" val="2483830330"/>
       </p:ext>
     </p:extLst>
   </p:cSld>

--- a/Lessions/Bai-13-Servo-Motor/Bai-13-Servo-Motor.pptx
+++ b/Lessions/Bai-13-Servo-Motor/Bai-13-Servo-Motor.pptx
@@ -5,7 +5,7 @@
     <p:sldMasterId id="2147483660" r:id="rId1"/>
   </p:sldMasterIdLst>
   <p:notesMasterIdLst>
-    <p:notesMasterId r:id="rId12"/>
+    <p:notesMasterId r:id="rId10"/>
   </p:notesMasterIdLst>
   <p:sldIdLst>
     <p:sldId id="256" r:id="rId2"/>
@@ -14,10 +14,8 @@
     <p:sldId id="296" r:id="rId5"/>
     <p:sldId id="290" r:id="rId6"/>
     <p:sldId id="298" r:id="rId7"/>
-    <p:sldId id="266" r:id="rId8"/>
-    <p:sldId id="268" r:id="rId9"/>
-    <p:sldId id="287" r:id="rId10"/>
-    <p:sldId id="288" r:id="rId11"/>
+    <p:sldId id="287" r:id="rId8"/>
+    <p:sldId id="288" r:id="rId9"/>
   </p:sldIdLst>
   <p:sldSz cx="9144000" cy="6858000" type="screen4x3"/>
   <p:notesSz cx="6858000" cy="9144000"/>
@@ -206,7 +204,7 @@
           <a:p>
             <a:fld id="{E1BDF935-9821-4834-9D99-7DEFA719F44D}" type="datetimeFigureOut">
               <a:rPr lang="en-US" smtClean="0"/>
-              <a:t>5/26/2023</a:t>
+              <a:t>6/13/2024</a:t>
             </a:fld>
             <a:endParaRPr lang="en-US"/>
           </a:p>
@@ -2579,548 +2577,13 @@
   <p:clrMapOvr>
     <a:masterClrMapping/>
   </p:clrMapOvr>
-</p:sld>
-</file>
-
-<file path=ppt/slides/slide10.xml><?xml version="1.0" encoding="utf-8"?>
-<p:sld xmlns:a="http://schemas.openxmlformats.org/drawingml/2006/main" xmlns:r="http://schemas.openxmlformats.org/officeDocument/2006/relationships" xmlns:p="http://schemas.openxmlformats.org/presentationml/2006/main">
-  <p:cSld>
-    <p:spTree>
-      <p:nvGrpSpPr>
-        <p:cNvPr id="1" name=""/>
-        <p:cNvGrpSpPr/>
-        <p:nvPr/>
-      </p:nvGrpSpPr>
-      <p:grpSpPr>
-        <a:xfrm>
-          <a:off x="0" y="0"/>
-          <a:ext cx="0" cy="0"/>
-          <a:chOff x="0" y="0"/>
-          <a:chExt cx="0" cy="0"/>
-        </a:xfrm>
-      </p:grpSpPr>
-      <p:sp>
-        <p:nvSpPr>
-          <p:cNvPr id="2" name="Slide Number Placeholder 1"/>
-          <p:cNvSpPr>
-            <a:spLocks noGrp="1"/>
-          </p:cNvSpPr>
-          <p:nvPr>
-            <p:ph type="sldNum" sz="quarter" idx="12"/>
-          </p:nvPr>
-        </p:nvSpPr>
-        <p:spPr/>
-        <p:txBody>
-          <a:bodyPr/>
-          <a:lstStyle/>
-          <a:p>
-            <a:fld id="{7D9EC917-02A2-4152-9EE3-DFE2775A77C7}" type="slidenum">
-              <a:rPr lang="en-US" smtClean="0"/>
-              <a:pPr/>
-              <a:t>10</a:t>
-            </a:fld>
-            <a:endParaRPr lang="en-US"/>
-          </a:p>
-        </p:txBody>
-      </p:sp>
-      <p:sp>
-        <p:nvSpPr>
-          <p:cNvPr id="3" name="Rectangle 2"/>
-          <p:cNvSpPr/>
-          <p:nvPr/>
-        </p:nvSpPr>
-        <p:spPr>
-          <a:xfrm>
-            <a:off x="301925" y="1051379"/>
-            <a:ext cx="8454964" cy="27432"/>
-          </a:xfrm>
-          <a:prstGeom prst="rect">
-            <a:avLst/>
-          </a:prstGeom>
-          <a:gradFill flip="none" rotWithShape="1">
-            <a:gsLst>
-              <a:gs pos="15000">
-                <a:srgbClr val="EC5F77"/>
-              </a:gs>
-              <a:gs pos="100000">
-                <a:srgbClr val="A8589E"/>
-              </a:gs>
-            </a:gsLst>
-            <a:lin ang="0" scaled="1"/>
-            <a:tileRect/>
-          </a:gradFill>
-          <a:ln>
-            <a:noFill/>
-          </a:ln>
-        </p:spPr>
-        <p:style>
-          <a:lnRef idx="2">
-            <a:schemeClr val="accent1">
-              <a:shade val="50000"/>
-            </a:schemeClr>
-          </a:lnRef>
-          <a:fillRef idx="1">
-            <a:schemeClr val="accent1"/>
-          </a:fillRef>
-          <a:effectRef idx="0">
-            <a:schemeClr val="accent1"/>
-          </a:effectRef>
-          <a:fontRef idx="minor">
-            <a:schemeClr val="lt1"/>
-          </a:fontRef>
-        </p:style>
-        <p:txBody>
-          <a:bodyPr rtlCol="0" anchor="ctr"/>
-          <a:lstStyle/>
-          <a:p>
-            <a:pPr algn="ctr"/>
-            <a:endParaRPr lang="en-US"/>
-          </a:p>
-        </p:txBody>
-      </p:sp>
-      <p:sp>
-        <p:nvSpPr>
-          <p:cNvPr id="4" name="TextBox 3"/>
-          <p:cNvSpPr txBox="1"/>
-          <p:nvPr/>
-        </p:nvSpPr>
-        <p:spPr>
-          <a:xfrm>
-            <a:off x="248815" y="546584"/>
-            <a:ext cx="7374995" cy="461665"/>
-          </a:xfrm>
-          <a:prstGeom prst="rect">
-            <a:avLst/>
-          </a:prstGeom>
-          <a:noFill/>
-        </p:spPr>
-        <p:txBody>
-          <a:bodyPr wrap="square" rtlCol="0">
-            <a:spAutoFit/>
-          </a:bodyPr>
-          <a:lstStyle/>
-          <a:p>
-            <a:r>
-              <a:rPr lang="en-US" sz="2400" b="1" dirty="0" smtClean="0">
-                <a:solidFill>
-                  <a:srgbClr val="EC5F77"/>
-                </a:solidFill>
-                <a:latin typeface="UTM Helve" panose="02040603050506020204" pitchFamily="18" charset="0"/>
-                <a:ea typeface="Roboto" pitchFamily="2" charset="0"/>
-              </a:rPr>
-              <a:t>10.3 Hoạt động học viên</a:t>
-            </a:r>
-            <a:endParaRPr lang="en-US" sz="2400" b="1" dirty="0">
-              <a:solidFill>
-                <a:srgbClr val="EC5F77"/>
-              </a:solidFill>
-              <a:latin typeface="UTM Helve" panose="02040603050506020204" pitchFamily="18" charset="0"/>
-              <a:ea typeface="Roboto" pitchFamily="2" charset="0"/>
-            </a:endParaRPr>
-          </a:p>
-        </p:txBody>
-      </p:sp>
-      <p:sp>
-        <p:nvSpPr>
-          <p:cNvPr id="21" name="Title 1"/>
-          <p:cNvSpPr txBox="1">
-            <a:spLocks/>
-          </p:cNvSpPr>
-          <p:nvPr/>
-        </p:nvSpPr>
-        <p:spPr>
-          <a:xfrm>
-            <a:off x="542728" y="1862928"/>
-            <a:ext cx="4320820" cy="2360214"/>
-          </a:xfrm>
-          <a:prstGeom prst="rect">
-            <a:avLst/>
-          </a:prstGeom>
-        </p:spPr>
-        <p:txBody>
-          <a:bodyPr/>
-          <a:lstStyle>
-            <a:lvl1pPr algn="l" defTabSz="914400" rtl="0" eaLnBrk="1" latinLnBrk="0" hangingPunct="1">
-              <a:lnSpc>
-                <a:spcPct val="90000"/>
-              </a:lnSpc>
-              <a:spcBef>
-                <a:spcPct val="0"/>
-              </a:spcBef>
-              <a:buNone/>
-              <a:defRPr sz="3200" b="1" kern="1200">
-                <a:solidFill>
-                  <a:srgbClr val="019DD0"/>
-                </a:solidFill>
-                <a:latin typeface="Arial" panose="020B0604020202020204" pitchFamily="34" charset="0"/>
-                <a:ea typeface="+mj-ea"/>
-                <a:cs typeface="Arial" panose="020B0604020202020204" pitchFamily="34" charset="0"/>
-              </a:defRPr>
-            </a:lvl1pPr>
-          </a:lstStyle>
-          <a:p>
-            <a:pPr>
-              <a:lnSpc>
-                <a:spcPct val="100000"/>
-              </a:lnSpc>
-            </a:pPr>
-            <a:r>
-              <a:rPr lang="vi-VN" sz="2000" b="0" dirty="0">
-                <a:solidFill>
-                  <a:schemeClr val="tx1">
-                    <a:lumMod val="95000"/>
-                    <a:lumOff val="5000"/>
-                  </a:schemeClr>
-                </a:solidFill>
-                <a:ea typeface="Roboto Condensed" pitchFamily="2" charset="0"/>
-              </a:rPr>
-              <a:t>Để tăng sự thu hút của mọi người và nhường đường để xe chạy, bạn có thể vừa cho đèn RGB LED nhấp nháy liên </a:t>
-            </a:r>
-            <a:r>
-              <a:rPr lang="vi-VN" sz="2000" b="0" dirty="0" smtClean="0">
-                <a:solidFill>
-                  <a:schemeClr val="tx1">
-                    <a:lumMod val="95000"/>
-                    <a:lumOff val="5000"/>
-                  </a:schemeClr>
-                </a:solidFill>
-                <a:ea typeface="Roboto Condensed" pitchFamily="2" charset="0"/>
-              </a:rPr>
-              <a:t>tục</a:t>
-            </a:r>
-            <a:r>
-              <a:rPr lang="en-US" sz="2000" b="0" dirty="0" smtClean="0">
-                <a:solidFill>
-                  <a:schemeClr val="tx1">
-                    <a:lumMod val="95000"/>
-                    <a:lumOff val="5000"/>
-                  </a:schemeClr>
-                </a:solidFill>
-                <a:ea typeface="Roboto Condensed" pitchFamily="2" charset="0"/>
-              </a:rPr>
-              <a:t> 2 màu Xanh Đỏ</a:t>
-            </a:r>
-            <a:r>
-              <a:rPr lang="vi-VN" sz="2000" b="0" dirty="0" smtClean="0">
-                <a:solidFill>
-                  <a:schemeClr val="tx1">
-                    <a:lumMod val="95000"/>
-                    <a:lumOff val="5000"/>
-                  </a:schemeClr>
-                </a:solidFill>
-                <a:ea typeface="Roboto Condensed" pitchFamily="2" charset="0"/>
-              </a:rPr>
-              <a:t> </a:t>
-            </a:r>
-            <a:r>
-              <a:rPr lang="vi-VN" sz="2000" b="0" dirty="0">
-                <a:solidFill>
-                  <a:schemeClr val="tx1">
-                    <a:lumMod val="95000"/>
-                    <a:lumOff val="5000"/>
-                  </a:schemeClr>
-                </a:solidFill>
-                <a:ea typeface="Roboto Condensed" pitchFamily="2" charset="0"/>
-              </a:rPr>
-              <a:t>vừa phát ra tiếng còi báo động </a:t>
-            </a:r>
-            <a:r>
-              <a:rPr lang="vi-VN" sz="2000" b="0" dirty="0" smtClean="0">
-                <a:solidFill>
-                  <a:schemeClr val="tx1">
-                    <a:lumMod val="95000"/>
-                    <a:lumOff val="5000"/>
-                  </a:schemeClr>
-                </a:solidFill>
-                <a:ea typeface="Roboto Condensed" pitchFamily="2" charset="0"/>
-              </a:rPr>
-              <a:t>bằng </a:t>
-            </a:r>
-            <a:r>
-              <a:rPr lang="vi-VN" sz="2000" b="0" dirty="0">
-                <a:solidFill>
-                  <a:schemeClr val="tx1">
-                    <a:lumMod val="95000"/>
-                    <a:lumOff val="5000"/>
-                  </a:schemeClr>
-                </a:solidFill>
-                <a:ea typeface="Roboto Condensed" pitchFamily="2" charset="0"/>
-              </a:rPr>
-              <a:t>các khối âm thanh</a:t>
-            </a:r>
-            <a:endParaRPr lang="en-US" sz="2000" b="0" dirty="0" smtClean="0">
-              <a:solidFill>
-                <a:schemeClr val="tx1">
-                  <a:lumMod val="95000"/>
-                  <a:lumOff val="5000"/>
-                </a:schemeClr>
-              </a:solidFill>
-              <a:ea typeface="Roboto Condensed" pitchFamily="2" charset="0"/>
-            </a:endParaRPr>
-          </a:p>
-        </p:txBody>
-      </p:sp>
-      <p:sp>
-        <p:nvSpPr>
-          <p:cNvPr id="14" name="TextBox 13"/>
-          <p:cNvSpPr txBox="1"/>
-          <p:nvPr/>
-        </p:nvSpPr>
-        <p:spPr>
-          <a:xfrm>
-            <a:off x="1098981" y="1272143"/>
-            <a:ext cx="4007624" cy="461665"/>
-          </a:xfrm>
-          <a:prstGeom prst="rect">
-            <a:avLst/>
-          </a:prstGeom>
-          <a:noFill/>
-        </p:spPr>
-        <p:txBody>
-          <a:bodyPr wrap="square" rtlCol="0">
-            <a:spAutoFit/>
-          </a:bodyPr>
-          <a:lstStyle/>
-          <a:p>
-            <a:r>
-              <a:rPr lang="en-US" sz="2400" b="1" dirty="0" smtClean="0">
-                <a:solidFill>
-                  <a:schemeClr val="tx1">
-                    <a:lumMod val="85000"/>
-                    <a:lumOff val="15000"/>
-                  </a:schemeClr>
-                </a:solidFill>
-                <a:latin typeface="UTM Helve" panose="02040603050506020204" pitchFamily="18" charset="0"/>
-                <a:ea typeface="Roboto" pitchFamily="2" charset="0"/>
-              </a:rPr>
-              <a:t>Xe cảnh sát zoom:bit</a:t>
-            </a:r>
-            <a:endParaRPr lang="en-US" sz="2400" b="1" dirty="0">
-              <a:solidFill>
-                <a:schemeClr val="tx1">
-                  <a:lumMod val="85000"/>
-                  <a:lumOff val="15000"/>
-                </a:schemeClr>
-              </a:solidFill>
-              <a:latin typeface="UTM Helve" panose="02040603050506020204" pitchFamily="18" charset="0"/>
-              <a:ea typeface="Roboto" pitchFamily="2" charset="0"/>
-            </a:endParaRPr>
-          </a:p>
-        </p:txBody>
-      </p:sp>
-      <p:pic>
-        <p:nvPicPr>
-          <p:cNvPr id="15" name="Picture 14"/>
-          <p:cNvPicPr>
-            <a:picLocks noChangeAspect="1"/>
-          </p:cNvPicPr>
-          <p:nvPr/>
-        </p:nvPicPr>
-        <p:blipFill>
-          <a:blip r:embed="rId2">
-            <a:extLst>
-              <a:ext uri="{28A0092B-C50C-407E-A947-70E740481C1C}">
-                <a14:useLocalDpi xmlns:a14="http://schemas.microsoft.com/office/drawing/2010/main" val="0"/>
-              </a:ext>
-            </a:extLst>
-          </a:blip>
-          <a:stretch>
-            <a:fillRect/>
-          </a:stretch>
-        </p:blipFill>
-        <p:spPr>
-          <a:xfrm>
-            <a:off x="542728" y="1345100"/>
-            <a:ext cx="466725" cy="409575"/>
-          </a:xfrm>
-          <a:prstGeom prst="rect">
-            <a:avLst/>
-          </a:prstGeom>
-        </p:spPr>
-      </p:pic>
-      <p:sp>
-        <p:nvSpPr>
-          <p:cNvPr id="9" name="Rounded Rectangle 8"/>
-          <p:cNvSpPr/>
-          <p:nvPr/>
-        </p:nvSpPr>
-        <p:spPr>
-          <a:xfrm>
-            <a:off x="542728" y="4479234"/>
-            <a:ext cx="4087458" cy="1842053"/>
-          </a:xfrm>
-          <a:prstGeom prst="roundRect">
-            <a:avLst>
-              <a:gd name="adj" fmla="val 7971"/>
-            </a:avLst>
-          </a:prstGeom>
-          <a:gradFill flip="none" rotWithShape="1">
-            <a:gsLst>
-              <a:gs pos="15000">
-                <a:srgbClr val="EC5F77"/>
-              </a:gs>
-              <a:gs pos="100000">
-                <a:srgbClr val="A8589E"/>
-              </a:gs>
-            </a:gsLst>
-            <a:lin ang="0" scaled="1"/>
-            <a:tileRect/>
-          </a:gradFill>
-          <a:ln>
-            <a:noFill/>
-          </a:ln>
-        </p:spPr>
-        <p:style>
-          <a:lnRef idx="2">
-            <a:schemeClr val="accent1">
-              <a:shade val="50000"/>
-            </a:schemeClr>
-          </a:lnRef>
-          <a:fillRef idx="1">
-            <a:schemeClr val="accent1"/>
-          </a:fillRef>
-          <a:effectRef idx="0">
-            <a:schemeClr val="accent1"/>
-          </a:effectRef>
-          <a:fontRef idx="minor">
-            <a:schemeClr val="lt1"/>
-          </a:fontRef>
-        </p:style>
-        <p:txBody>
-          <a:bodyPr rtlCol="0" anchor="ctr"/>
-          <a:lstStyle/>
-          <a:p>
-            <a:r>
-              <a:rPr lang="en-US" dirty="0" smtClean="0"/>
-              <a:t>Yêu cầu soạn thuật toán trước khi thực hiện chương trình, để nắm được logic và hướng xử lý từng yêu cầu của chương trình</a:t>
-            </a:r>
-            <a:endParaRPr lang="en-US" dirty="0"/>
-          </a:p>
-        </p:txBody>
-      </p:sp>
-      <p:pic>
-        <p:nvPicPr>
-          <p:cNvPr id="10" name="Picture 9"/>
-          <p:cNvPicPr>
-            <a:picLocks noChangeAspect="1"/>
-          </p:cNvPicPr>
-          <p:nvPr/>
-        </p:nvPicPr>
-        <p:blipFill>
-          <a:blip r:embed="rId3">
-            <a:extLst>
-              <a:ext uri="{28A0092B-C50C-407E-A947-70E740481C1C}">
-                <a14:useLocalDpi xmlns:a14="http://schemas.microsoft.com/office/drawing/2010/main" val="0"/>
-              </a:ext>
-            </a:extLst>
-          </a:blip>
-          <a:stretch>
-            <a:fillRect/>
-          </a:stretch>
-        </p:blipFill>
-        <p:spPr>
-          <a:xfrm rot="19240647">
-            <a:off x="228010" y="3581213"/>
-            <a:ext cx="1562887" cy="1468879"/>
-          </a:xfrm>
-          <a:prstGeom prst="rect">
-            <a:avLst/>
-          </a:prstGeom>
-        </p:spPr>
-      </p:pic>
-      <p:pic>
-        <p:nvPicPr>
-          <p:cNvPr id="11" name="Picture 10"/>
-          <p:cNvPicPr>
-            <a:picLocks noChangeAspect="1"/>
-          </p:cNvPicPr>
-          <p:nvPr/>
-        </p:nvPicPr>
-        <p:blipFill>
-          <a:blip r:embed="rId4"/>
-          <a:stretch>
-            <a:fillRect/>
-          </a:stretch>
-        </p:blipFill>
-        <p:spPr>
-          <a:xfrm>
-            <a:off x="5466744" y="1345100"/>
-            <a:ext cx="2561659" cy="4215643"/>
-          </a:xfrm>
-          <a:prstGeom prst="rect">
-            <a:avLst/>
-          </a:prstGeom>
-        </p:spPr>
-      </p:pic>
-      <p:sp>
-        <p:nvSpPr>
-          <p:cNvPr id="18" name="Title 1"/>
-          <p:cNvSpPr txBox="1">
-            <a:spLocks/>
-          </p:cNvSpPr>
-          <p:nvPr/>
-        </p:nvSpPr>
-        <p:spPr>
-          <a:xfrm>
-            <a:off x="5362107" y="5827032"/>
-            <a:ext cx="2770931" cy="358690"/>
-          </a:xfrm>
-          <a:prstGeom prst="rect">
-            <a:avLst/>
-          </a:prstGeom>
-        </p:spPr>
-        <p:txBody>
-          <a:bodyPr/>
-          <a:lstStyle>
-            <a:lvl1pPr algn="l" defTabSz="914400" rtl="0" eaLnBrk="1" latinLnBrk="0" hangingPunct="1">
-              <a:lnSpc>
-                <a:spcPct val="90000"/>
-              </a:lnSpc>
-              <a:spcBef>
-                <a:spcPct val="0"/>
-              </a:spcBef>
-              <a:buNone/>
-              <a:defRPr sz="3200" b="1" kern="1200">
-                <a:solidFill>
-                  <a:srgbClr val="019DD0"/>
-                </a:solidFill>
-                <a:latin typeface="Arial" panose="020B0604020202020204" pitchFamily="34" charset="0"/>
-                <a:ea typeface="+mj-ea"/>
-                <a:cs typeface="Arial" panose="020B0604020202020204" pitchFamily="34" charset="0"/>
-              </a:defRPr>
-            </a:lvl1pPr>
-          </a:lstStyle>
-          <a:p>
-            <a:pPr algn="ctr">
-              <a:lnSpc>
-                <a:spcPct val="100000"/>
-              </a:lnSpc>
-            </a:pPr>
-            <a:r>
-              <a:rPr lang="en-US" sz="1800" b="0" i="1" dirty="0" smtClean="0">
-                <a:solidFill>
-                  <a:schemeClr val="tx1">
-                    <a:lumMod val="95000"/>
-                    <a:lumOff val="5000"/>
-                  </a:schemeClr>
-                </a:solidFill>
-                <a:ea typeface="Roboto Condensed" pitchFamily="2" charset="0"/>
-              </a:rPr>
-              <a:t>Một số blocks gợi ý</a:t>
-            </a:r>
-          </a:p>
-        </p:txBody>
-      </p:sp>
-    </p:spTree>
-    <p:extLst>
-      <p:ext uri="{BB962C8B-B14F-4D97-AF65-F5344CB8AC3E}">
-        <p14:creationId xmlns:p14="http://schemas.microsoft.com/office/powerpoint/2010/main" val="3123143947"/>
-      </p:ext>
-    </p:extLst>
-  </p:cSld>
-  <p:clrMapOvr>
-    <a:masterClrMapping/>
-  </p:clrMapOvr>
+  <p:timing>
+    <p:tnLst>
+      <p:par>
+        <p:cTn id="1" dur="indefinite" restart="never" nodeType="tmRoot"/>
+      </p:par>
+    </p:tnLst>
+  </p:timing>
 </p:sld>
 </file>
 
@@ -5563,870 +5026,6 @@
       </p:sp>
       <p:sp>
         <p:nvSpPr>
-          <p:cNvPr id="3" name="Title 1"/>
-          <p:cNvSpPr txBox="1">
-            <a:spLocks/>
-          </p:cNvSpPr>
-          <p:nvPr/>
-        </p:nvSpPr>
-        <p:spPr>
-          <a:xfrm>
-            <a:off x="709053" y="4862785"/>
-            <a:ext cx="5644503" cy="508846"/>
-          </a:xfrm>
-          <a:prstGeom prst="rect">
-            <a:avLst/>
-          </a:prstGeom>
-        </p:spPr>
-        <p:txBody>
-          <a:bodyPr/>
-          <a:lstStyle>
-            <a:lvl1pPr algn="l" defTabSz="914400" rtl="0" eaLnBrk="1" latinLnBrk="0" hangingPunct="1">
-              <a:lnSpc>
-                <a:spcPct val="90000"/>
-              </a:lnSpc>
-              <a:spcBef>
-                <a:spcPct val="0"/>
-              </a:spcBef>
-              <a:buNone/>
-              <a:defRPr sz="3200" b="1" kern="1200">
-                <a:solidFill>
-                  <a:srgbClr val="019DD0"/>
-                </a:solidFill>
-                <a:latin typeface="Arial" panose="020B0604020202020204" pitchFamily="34" charset="0"/>
-                <a:ea typeface="+mj-ea"/>
-                <a:cs typeface="Arial" panose="020B0604020202020204" pitchFamily="34" charset="0"/>
-              </a:defRPr>
-            </a:lvl1pPr>
-          </a:lstStyle>
-          <a:p>
-            <a:pPr>
-              <a:lnSpc>
-                <a:spcPct val="100000"/>
-              </a:lnSpc>
-            </a:pPr>
-            <a:r>
-              <a:rPr lang="en-US" sz="2000" b="0" dirty="0" smtClean="0">
-                <a:solidFill>
-                  <a:schemeClr val="tx1">
-                    <a:lumMod val="95000"/>
-                    <a:lumOff val="5000"/>
-                  </a:schemeClr>
-                </a:solidFill>
-                <a:ea typeface="Roboto Condensed" pitchFamily="2" charset="0"/>
-              </a:rPr>
-              <a:t>Bước 1: Click Download tải file về máy tính</a:t>
-            </a:r>
-          </a:p>
-        </p:txBody>
-      </p:sp>
-      <p:pic>
-        <p:nvPicPr>
-          <p:cNvPr id="4" name="Picture 3"/>
-          <p:cNvPicPr>
-            <a:picLocks noChangeAspect="1"/>
-          </p:cNvPicPr>
-          <p:nvPr/>
-        </p:nvPicPr>
-        <p:blipFill>
-          <a:blip r:embed="rId2"/>
-          <a:stretch>
-            <a:fillRect/>
-          </a:stretch>
-        </p:blipFill>
-        <p:spPr>
-          <a:xfrm>
-            <a:off x="5743928" y="4822111"/>
-            <a:ext cx="2909512" cy="456394"/>
-          </a:xfrm>
-          <a:prstGeom prst="rect">
-            <a:avLst/>
-          </a:prstGeom>
-        </p:spPr>
-      </p:pic>
-      <p:sp>
-        <p:nvSpPr>
-          <p:cNvPr id="5" name="Title 1"/>
-          <p:cNvSpPr txBox="1">
-            <a:spLocks/>
-          </p:cNvSpPr>
-          <p:nvPr/>
-        </p:nvSpPr>
-        <p:spPr>
-          <a:xfrm>
-            <a:off x="709053" y="5412305"/>
-            <a:ext cx="8047836" cy="496573"/>
-          </a:xfrm>
-          <a:prstGeom prst="rect">
-            <a:avLst/>
-          </a:prstGeom>
-        </p:spPr>
-        <p:txBody>
-          <a:bodyPr/>
-          <a:lstStyle>
-            <a:lvl1pPr algn="l" defTabSz="914400" rtl="0" eaLnBrk="1" latinLnBrk="0" hangingPunct="1">
-              <a:lnSpc>
-                <a:spcPct val="90000"/>
-              </a:lnSpc>
-              <a:spcBef>
-                <a:spcPct val="0"/>
-              </a:spcBef>
-              <a:buNone/>
-              <a:defRPr sz="3200" b="1" kern="1200">
-                <a:solidFill>
-                  <a:srgbClr val="019DD0"/>
-                </a:solidFill>
-                <a:latin typeface="Arial" panose="020B0604020202020204" pitchFamily="34" charset="0"/>
-                <a:ea typeface="+mj-ea"/>
-                <a:cs typeface="Arial" panose="020B0604020202020204" pitchFamily="34" charset="0"/>
-              </a:defRPr>
-            </a:lvl1pPr>
-          </a:lstStyle>
-          <a:p>
-            <a:pPr>
-              <a:lnSpc>
-                <a:spcPct val="100000"/>
-              </a:lnSpc>
-            </a:pPr>
-            <a:r>
-              <a:rPr lang="en-US" sz="2000" b="0" dirty="0" smtClean="0">
-                <a:solidFill>
-                  <a:schemeClr val="tx1">
-                    <a:lumMod val="95000"/>
-                    <a:lumOff val="5000"/>
-                  </a:schemeClr>
-                </a:solidFill>
-                <a:ea typeface="Roboto Condensed" pitchFamily="2" charset="0"/>
-              </a:rPr>
-              <a:t>Bước 2: Gắn đầu USB vào máy tính, đầu micro USB vào micro:bit </a:t>
-            </a:r>
-          </a:p>
-        </p:txBody>
-      </p:sp>
-      <p:sp>
-        <p:nvSpPr>
-          <p:cNvPr id="8" name="TextBox 7"/>
-          <p:cNvSpPr txBox="1"/>
-          <p:nvPr/>
-        </p:nvSpPr>
-        <p:spPr>
-          <a:xfrm>
-            <a:off x="1265305" y="1364739"/>
-            <a:ext cx="5649845" cy="461665"/>
-          </a:xfrm>
-          <a:prstGeom prst="rect">
-            <a:avLst/>
-          </a:prstGeom>
-          <a:noFill/>
-        </p:spPr>
-        <p:txBody>
-          <a:bodyPr wrap="square" rtlCol="0">
-            <a:spAutoFit/>
-          </a:bodyPr>
-          <a:lstStyle/>
-          <a:p>
-            <a:r>
-              <a:rPr lang="en-US" sz="2400" b="1" dirty="0" smtClean="0">
-                <a:solidFill>
-                  <a:schemeClr val="tx1">
-                    <a:lumMod val="85000"/>
-                    <a:lumOff val="15000"/>
-                  </a:schemeClr>
-                </a:solidFill>
-                <a:latin typeface="UTM Helve" panose="02040603050506020204" pitchFamily="18" charset="0"/>
-                <a:ea typeface="Roboto" pitchFamily="2" charset="0"/>
-              </a:rPr>
-              <a:t>Đưa chương trình vào micro:bit</a:t>
-            </a:r>
-            <a:endParaRPr lang="en-US" sz="2400" b="1" dirty="0">
-              <a:solidFill>
-                <a:schemeClr val="tx1">
-                  <a:lumMod val="85000"/>
-                  <a:lumOff val="15000"/>
-                </a:schemeClr>
-              </a:solidFill>
-              <a:latin typeface="UTM Helve" panose="02040603050506020204" pitchFamily="18" charset="0"/>
-              <a:ea typeface="Roboto" pitchFamily="2" charset="0"/>
-            </a:endParaRPr>
-          </a:p>
-        </p:txBody>
-      </p:sp>
-      <p:pic>
-        <p:nvPicPr>
-          <p:cNvPr id="9" name="Picture 8"/>
-          <p:cNvPicPr>
-            <a:picLocks noChangeAspect="1"/>
-          </p:cNvPicPr>
-          <p:nvPr/>
-        </p:nvPicPr>
-        <p:blipFill>
-          <a:blip r:embed="rId3">
-            <a:extLst>
-              <a:ext uri="{28A0092B-C50C-407E-A947-70E740481C1C}">
-                <a14:useLocalDpi xmlns:a14="http://schemas.microsoft.com/office/drawing/2010/main" val="0"/>
-              </a:ext>
-            </a:extLst>
-          </a:blip>
-          <a:stretch>
-            <a:fillRect/>
-          </a:stretch>
-        </p:blipFill>
-        <p:spPr>
-          <a:xfrm>
-            <a:off x="709053" y="1437696"/>
-            <a:ext cx="466725" cy="409575"/>
-          </a:xfrm>
-          <a:prstGeom prst="rect">
-            <a:avLst/>
-          </a:prstGeom>
-        </p:spPr>
-      </p:pic>
-      <p:pic>
-        <p:nvPicPr>
-          <p:cNvPr id="11" name="Picture 10"/>
-          <p:cNvPicPr>
-            <a:picLocks noChangeAspect="1"/>
-          </p:cNvPicPr>
-          <p:nvPr/>
-        </p:nvPicPr>
-        <p:blipFill rotWithShape="1">
-          <a:blip r:embed="rId4"/>
-          <a:srcRect t="9567"/>
-          <a:stretch/>
-        </p:blipFill>
-        <p:spPr>
-          <a:xfrm>
-            <a:off x="1477989" y="1992477"/>
-            <a:ext cx="6441059" cy="2452204"/>
-          </a:xfrm>
-          <a:prstGeom prst="rect">
-            <a:avLst/>
-          </a:prstGeom>
-        </p:spPr>
-      </p:pic>
-      <p:sp>
-        <p:nvSpPr>
-          <p:cNvPr id="12" name="Title 1"/>
-          <p:cNvSpPr txBox="1">
-            <a:spLocks/>
-          </p:cNvSpPr>
-          <p:nvPr/>
-        </p:nvSpPr>
-        <p:spPr>
-          <a:xfrm>
-            <a:off x="709053" y="5983805"/>
-            <a:ext cx="8047836" cy="496573"/>
-          </a:xfrm>
-          <a:prstGeom prst="rect">
-            <a:avLst/>
-          </a:prstGeom>
-        </p:spPr>
-        <p:txBody>
-          <a:bodyPr/>
-          <a:lstStyle>
-            <a:lvl1pPr algn="l" defTabSz="914400" rtl="0" eaLnBrk="1" latinLnBrk="0" hangingPunct="1">
-              <a:lnSpc>
-                <a:spcPct val="90000"/>
-              </a:lnSpc>
-              <a:spcBef>
-                <a:spcPct val="0"/>
-              </a:spcBef>
-              <a:buNone/>
-              <a:defRPr sz="3200" b="1" kern="1200">
-                <a:solidFill>
-                  <a:srgbClr val="019DD0"/>
-                </a:solidFill>
-                <a:latin typeface="Arial" panose="020B0604020202020204" pitchFamily="34" charset="0"/>
-                <a:ea typeface="+mj-ea"/>
-                <a:cs typeface="Arial" panose="020B0604020202020204" pitchFamily="34" charset="0"/>
-              </a:defRPr>
-            </a:lvl1pPr>
-          </a:lstStyle>
-          <a:p>
-            <a:pPr>
-              <a:lnSpc>
-                <a:spcPct val="100000"/>
-              </a:lnSpc>
-            </a:pPr>
-            <a:r>
-              <a:rPr lang="en-US" sz="2000" b="0" dirty="0" smtClean="0">
-                <a:solidFill>
-                  <a:schemeClr val="tx1">
-                    <a:lumMod val="95000"/>
-                    <a:lumOff val="5000"/>
-                  </a:schemeClr>
-                </a:solidFill>
-                <a:ea typeface="Roboto Condensed" pitchFamily="2" charset="0"/>
-              </a:rPr>
-              <a:t>Bước 3: Copy file .hex vào micro:bit </a:t>
-            </a:r>
-          </a:p>
-        </p:txBody>
-      </p:sp>
-      <p:sp>
-        <p:nvSpPr>
-          <p:cNvPr id="13" name="Rectangle 12"/>
-          <p:cNvSpPr/>
-          <p:nvPr/>
-        </p:nvSpPr>
-        <p:spPr>
-          <a:xfrm>
-            <a:off x="301925" y="1051379"/>
-            <a:ext cx="8454964" cy="27432"/>
-          </a:xfrm>
-          <a:prstGeom prst="rect">
-            <a:avLst/>
-          </a:prstGeom>
-          <a:gradFill flip="none" rotWithShape="1">
-            <a:gsLst>
-              <a:gs pos="15000">
-                <a:srgbClr val="EC5F77"/>
-              </a:gs>
-              <a:gs pos="100000">
-                <a:srgbClr val="A8589E"/>
-              </a:gs>
-            </a:gsLst>
-            <a:lin ang="0" scaled="1"/>
-            <a:tileRect/>
-          </a:gradFill>
-          <a:ln>
-            <a:noFill/>
-          </a:ln>
-        </p:spPr>
-        <p:style>
-          <a:lnRef idx="2">
-            <a:schemeClr val="accent1">
-              <a:shade val="50000"/>
-            </a:schemeClr>
-          </a:lnRef>
-          <a:fillRef idx="1">
-            <a:schemeClr val="accent1"/>
-          </a:fillRef>
-          <a:effectRef idx="0">
-            <a:schemeClr val="accent1"/>
-          </a:effectRef>
-          <a:fontRef idx="minor">
-            <a:schemeClr val="lt1"/>
-          </a:fontRef>
-        </p:style>
-        <p:txBody>
-          <a:bodyPr rtlCol="0" anchor="ctr"/>
-          <a:lstStyle/>
-          <a:p>
-            <a:pPr algn="ctr"/>
-            <a:endParaRPr lang="en-US"/>
-          </a:p>
-        </p:txBody>
-      </p:sp>
-      <p:sp>
-        <p:nvSpPr>
-          <p:cNvPr id="14" name="TextBox 13"/>
-          <p:cNvSpPr txBox="1"/>
-          <p:nvPr/>
-        </p:nvSpPr>
-        <p:spPr>
-          <a:xfrm>
-            <a:off x="248815" y="546584"/>
-            <a:ext cx="7374995" cy="461665"/>
-          </a:xfrm>
-          <a:prstGeom prst="rect">
-            <a:avLst/>
-          </a:prstGeom>
-          <a:noFill/>
-        </p:spPr>
-        <p:txBody>
-          <a:bodyPr wrap="square" rtlCol="0">
-            <a:spAutoFit/>
-          </a:bodyPr>
-          <a:lstStyle/>
-          <a:p>
-            <a:r>
-              <a:rPr lang="en-US" sz="2400" b="1" dirty="0" smtClean="0">
-                <a:solidFill>
-                  <a:srgbClr val="EC5F77"/>
-                </a:solidFill>
-                <a:latin typeface="UTM Helve" panose="02040603050506020204" pitchFamily="18" charset="0"/>
-                <a:ea typeface="Roboto" pitchFamily="2" charset="0"/>
-              </a:rPr>
-              <a:t>13.2 Sử dụng Servor</a:t>
-            </a:r>
-            <a:endParaRPr lang="en-US" sz="2400" b="1" dirty="0">
-              <a:solidFill>
-                <a:srgbClr val="EC5F77"/>
-              </a:solidFill>
-              <a:latin typeface="UTM Helve" panose="02040603050506020204" pitchFamily="18" charset="0"/>
-              <a:ea typeface="Roboto" pitchFamily="2" charset="0"/>
-            </a:endParaRPr>
-          </a:p>
-        </p:txBody>
-      </p:sp>
-    </p:spTree>
-    <p:extLst>
-      <p:ext uri="{BB962C8B-B14F-4D97-AF65-F5344CB8AC3E}">
-        <p14:creationId xmlns:p14="http://schemas.microsoft.com/office/powerpoint/2010/main" val="3773185111"/>
-      </p:ext>
-    </p:extLst>
-  </p:cSld>
-  <p:clrMapOvr>
-    <a:masterClrMapping/>
-  </p:clrMapOvr>
-</p:sld>
-</file>
-
-<file path=ppt/slides/slide8.xml><?xml version="1.0" encoding="utf-8"?>
-<p:sld xmlns:a="http://schemas.openxmlformats.org/drawingml/2006/main" xmlns:r="http://schemas.openxmlformats.org/officeDocument/2006/relationships" xmlns:p="http://schemas.openxmlformats.org/presentationml/2006/main">
-  <p:cSld>
-    <p:spTree>
-      <p:nvGrpSpPr>
-        <p:cNvPr id="1" name=""/>
-        <p:cNvGrpSpPr/>
-        <p:nvPr/>
-      </p:nvGrpSpPr>
-      <p:grpSpPr>
-        <a:xfrm>
-          <a:off x="0" y="0"/>
-          <a:ext cx="0" cy="0"/>
-          <a:chOff x="0" y="0"/>
-          <a:chExt cx="0" cy="0"/>
-        </a:xfrm>
-      </p:grpSpPr>
-      <p:sp>
-        <p:nvSpPr>
-          <p:cNvPr id="2" name="Slide Number Placeholder 1"/>
-          <p:cNvSpPr>
-            <a:spLocks noGrp="1"/>
-          </p:cNvSpPr>
-          <p:nvPr>
-            <p:ph type="sldNum" sz="quarter" idx="12"/>
-          </p:nvPr>
-        </p:nvSpPr>
-        <p:spPr/>
-        <p:txBody>
-          <a:bodyPr/>
-          <a:lstStyle/>
-          <a:p>
-            <a:fld id="{7D9EC917-02A2-4152-9EE3-DFE2775A77C7}" type="slidenum">
-              <a:rPr lang="en-US" smtClean="0"/>
-              <a:pPr/>
-              <a:t>8</a:t>
-            </a:fld>
-            <a:endParaRPr lang="en-US"/>
-          </a:p>
-        </p:txBody>
-      </p:sp>
-      <p:sp>
-        <p:nvSpPr>
-          <p:cNvPr id="5" name="TextBox 4"/>
-          <p:cNvSpPr txBox="1"/>
-          <p:nvPr/>
-        </p:nvSpPr>
-        <p:spPr>
-          <a:xfrm>
-            <a:off x="1265305" y="1364739"/>
-            <a:ext cx="5649845" cy="461665"/>
-          </a:xfrm>
-          <a:prstGeom prst="rect">
-            <a:avLst/>
-          </a:prstGeom>
-          <a:noFill/>
-        </p:spPr>
-        <p:txBody>
-          <a:bodyPr wrap="square" rtlCol="0">
-            <a:spAutoFit/>
-          </a:bodyPr>
-          <a:lstStyle/>
-          <a:p>
-            <a:r>
-              <a:rPr lang="en-US" sz="2400" b="1" dirty="0" smtClean="0">
-                <a:solidFill>
-                  <a:schemeClr val="tx1">
-                    <a:lumMod val="85000"/>
-                    <a:lumOff val="15000"/>
-                  </a:schemeClr>
-                </a:solidFill>
-                <a:latin typeface="UTM Helve" panose="02040603050506020204" pitchFamily="18" charset="0"/>
-                <a:ea typeface="Roboto" pitchFamily="2" charset="0"/>
-              </a:rPr>
-              <a:t>Giữ an toàn cho micro:bit</a:t>
-            </a:r>
-            <a:endParaRPr lang="en-US" sz="2400" b="1" dirty="0">
-              <a:solidFill>
-                <a:schemeClr val="tx1">
-                  <a:lumMod val="85000"/>
-                  <a:lumOff val="15000"/>
-                </a:schemeClr>
-              </a:solidFill>
-              <a:latin typeface="UTM Helve" panose="02040603050506020204" pitchFamily="18" charset="0"/>
-              <a:ea typeface="Roboto" pitchFamily="2" charset="0"/>
-            </a:endParaRPr>
-          </a:p>
-        </p:txBody>
-      </p:sp>
-      <p:pic>
-        <p:nvPicPr>
-          <p:cNvPr id="6" name="Picture 5"/>
-          <p:cNvPicPr>
-            <a:picLocks noChangeAspect="1"/>
-          </p:cNvPicPr>
-          <p:nvPr/>
-        </p:nvPicPr>
-        <p:blipFill>
-          <a:blip r:embed="rId2">
-            <a:extLst>
-              <a:ext uri="{28A0092B-C50C-407E-A947-70E740481C1C}">
-                <a14:useLocalDpi xmlns:a14="http://schemas.microsoft.com/office/drawing/2010/main" val="0"/>
-              </a:ext>
-            </a:extLst>
-          </a:blip>
-          <a:stretch>
-            <a:fillRect/>
-          </a:stretch>
-        </p:blipFill>
-        <p:spPr>
-          <a:xfrm>
-            <a:off x="709053" y="1437696"/>
-            <a:ext cx="466725" cy="409575"/>
-          </a:xfrm>
-          <a:prstGeom prst="rect">
-            <a:avLst/>
-          </a:prstGeom>
-        </p:spPr>
-      </p:pic>
-      <p:pic>
-        <p:nvPicPr>
-          <p:cNvPr id="7" name="Google Shape;149;p5"/>
-          <p:cNvPicPr preferRelativeResize="0"/>
-          <p:nvPr/>
-        </p:nvPicPr>
-        <p:blipFill rotWithShape="1">
-          <a:blip r:embed="rId3">
-            <a:alphaModFix/>
-          </a:blip>
-          <a:srcRect/>
-          <a:stretch/>
-        </p:blipFill>
-        <p:spPr>
-          <a:xfrm>
-            <a:off x="804690" y="2535250"/>
-            <a:ext cx="3206517" cy="3182856"/>
-          </a:xfrm>
-          <a:prstGeom prst="rect">
-            <a:avLst/>
-          </a:prstGeom>
-          <a:noFill/>
-          <a:ln>
-            <a:noFill/>
-          </a:ln>
-        </p:spPr>
-      </p:pic>
-      <p:sp>
-        <p:nvSpPr>
-          <p:cNvPr id="8" name="Title 1"/>
-          <p:cNvSpPr txBox="1">
-            <a:spLocks/>
-          </p:cNvSpPr>
-          <p:nvPr/>
-        </p:nvSpPr>
-        <p:spPr>
-          <a:xfrm>
-            <a:off x="4261791" y="2490360"/>
-            <a:ext cx="4253559" cy="3227746"/>
-          </a:xfrm>
-          <a:prstGeom prst="rect">
-            <a:avLst/>
-          </a:prstGeom>
-        </p:spPr>
-        <p:txBody>
-          <a:bodyPr/>
-          <a:lstStyle>
-            <a:lvl1pPr algn="l" defTabSz="914400" rtl="0" eaLnBrk="1" latinLnBrk="0" hangingPunct="1">
-              <a:lnSpc>
-                <a:spcPct val="90000"/>
-              </a:lnSpc>
-              <a:spcBef>
-                <a:spcPct val="0"/>
-              </a:spcBef>
-              <a:buNone/>
-              <a:defRPr sz="3200" b="1" kern="1200">
-                <a:solidFill>
-                  <a:srgbClr val="019DD0"/>
-                </a:solidFill>
-                <a:latin typeface="Arial" panose="020B0604020202020204" pitchFamily="34" charset="0"/>
-                <a:ea typeface="+mj-ea"/>
-                <a:cs typeface="Arial" panose="020B0604020202020204" pitchFamily="34" charset="0"/>
-              </a:defRPr>
-            </a:lvl1pPr>
-          </a:lstStyle>
-          <a:p>
-            <a:pPr marL="342900" indent="-342900">
-              <a:lnSpc>
-                <a:spcPct val="100000"/>
-              </a:lnSpc>
-              <a:buFont typeface="Arial" panose="020B0604020202020204" pitchFamily="34" charset="0"/>
-              <a:buChar char="•"/>
-            </a:pPr>
-            <a:r>
-              <a:rPr lang="en-US" sz="2400" b="0" dirty="0">
-                <a:solidFill>
-                  <a:schemeClr val="tx1">
-                    <a:lumMod val="95000"/>
-                    <a:lumOff val="5000"/>
-                  </a:schemeClr>
-                </a:solidFill>
-                <a:ea typeface="Roboto Condensed" pitchFamily="2" charset="0"/>
-              </a:rPr>
-              <a:t>Cầm micro:bit cẩn thận ở các </a:t>
-            </a:r>
-            <a:r>
-              <a:rPr lang="en-US" sz="2400" b="0" dirty="0" smtClean="0">
-                <a:solidFill>
-                  <a:schemeClr val="tx1">
-                    <a:lumMod val="95000"/>
-                    <a:lumOff val="5000"/>
-                  </a:schemeClr>
-                </a:solidFill>
-                <a:ea typeface="Roboto Condensed" pitchFamily="2" charset="0"/>
-              </a:rPr>
-              <a:t>cạnh</a:t>
-            </a:r>
-            <a:br>
-              <a:rPr lang="en-US" sz="2400" b="0" dirty="0" smtClean="0">
-                <a:solidFill>
-                  <a:schemeClr val="tx1">
-                    <a:lumMod val="95000"/>
-                    <a:lumOff val="5000"/>
-                  </a:schemeClr>
-                </a:solidFill>
-                <a:ea typeface="Roboto Condensed" pitchFamily="2" charset="0"/>
-              </a:rPr>
-            </a:br>
-            <a:endParaRPr lang="en-US" sz="2400" b="0" dirty="0" smtClean="0">
-              <a:solidFill>
-                <a:schemeClr val="tx1">
-                  <a:lumMod val="95000"/>
-                  <a:lumOff val="5000"/>
-                </a:schemeClr>
-              </a:solidFill>
-              <a:ea typeface="Roboto Condensed" pitchFamily="2" charset="0"/>
-            </a:endParaRPr>
-          </a:p>
-          <a:p>
-            <a:pPr marL="342900" indent="-342900">
-              <a:lnSpc>
-                <a:spcPct val="100000"/>
-              </a:lnSpc>
-              <a:buFont typeface="Arial" panose="020B0604020202020204" pitchFamily="34" charset="0"/>
-              <a:buChar char="•"/>
-            </a:pPr>
-            <a:r>
-              <a:rPr lang="en-US" sz="2400" b="0" dirty="0" smtClean="0">
-                <a:solidFill>
-                  <a:schemeClr val="tx1">
-                    <a:lumMod val="95000"/>
-                    <a:lumOff val="5000"/>
-                  </a:schemeClr>
-                </a:solidFill>
-                <a:ea typeface="Roboto Condensed" pitchFamily="2" charset="0"/>
-              </a:rPr>
-              <a:t>Tránh chạm vào các bộ phận</a:t>
-            </a:r>
-            <a:br>
-              <a:rPr lang="en-US" sz="2400" b="0" dirty="0" smtClean="0">
-                <a:solidFill>
-                  <a:schemeClr val="tx1">
-                    <a:lumMod val="95000"/>
-                    <a:lumOff val="5000"/>
-                  </a:schemeClr>
-                </a:solidFill>
-                <a:ea typeface="Roboto Condensed" pitchFamily="2" charset="0"/>
-              </a:rPr>
-            </a:br>
-            <a:endParaRPr lang="en-US" sz="2400" b="0" dirty="0" smtClean="0">
-              <a:solidFill>
-                <a:schemeClr val="tx1">
-                  <a:lumMod val="95000"/>
-                  <a:lumOff val="5000"/>
-                </a:schemeClr>
-              </a:solidFill>
-              <a:ea typeface="Roboto Condensed" pitchFamily="2" charset="0"/>
-            </a:endParaRPr>
-          </a:p>
-          <a:p>
-            <a:pPr marL="342900" indent="-342900">
-              <a:lnSpc>
-                <a:spcPct val="100000"/>
-              </a:lnSpc>
-              <a:buFont typeface="Arial" panose="020B0604020202020204" pitchFamily="34" charset="0"/>
-              <a:buChar char="•"/>
-            </a:pPr>
-            <a:r>
-              <a:rPr lang="en-US" sz="2400" b="0" dirty="0" smtClean="0">
-                <a:solidFill>
-                  <a:schemeClr val="tx1">
-                    <a:lumMod val="95000"/>
-                    <a:lumOff val="5000"/>
-                  </a:schemeClr>
-                </a:solidFill>
-                <a:ea typeface="Roboto Condensed" pitchFamily="2" charset="0"/>
-              </a:rPr>
-              <a:t>Tránh xa micro:bit khỏi nước</a:t>
-            </a:r>
-          </a:p>
-        </p:txBody>
-      </p:sp>
-      <p:sp>
-        <p:nvSpPr>
-          <p:cNvPr id="9" name="Rectangle 8"/>
-          <p:cNvSpPr/>
-          <p:nvPr/>
-        </p:nvSpPr>
-        <p:spPr>
-          <a:xfrm>
-            <a:off x="301925" y="1051379"/>
-            <a:ext cx="8454964" cy="27432"/>
-          </a:xfrm>
-          <a:prstGeom prst="rect">
-            <a:avLst/>
-          </a:prstGeom>
-          <a:gradFill flip="none" rotWithShape="1">
-            <a:gsLst>
-              <a:gs pos="15000">
-                <a:srgbClr val="EC5F77"/>
-              </a:gs>
-              <a:gs pos="100000">
-                <a:srgbClr val="A8589E"/>
-              </a:gs>
-            </a:gsLst>
-            <a:lin ang="0" scaled="1"/>
-            <a:tileRect/>
-          </a:gradFill>
-          <a:ln>
-            <a:noFill/>
-          </a:ln>
-        </p:spPr>
-        <p:style>
-          <a:lnRef idx="2">
-            <a:schemeClr val="accent1">
-              <a:shade val="50000"/>
-            </a:schemeClr>
-          </a:lnRef>
-          <a:fillRef idx="1">
-            <a:schemeClr val="accent1"/>
-          </a:fillRef>
-          <a:effectRef idx="0">
-            <a:schemeClr val="accent1"/>
-          </a:effectRef>
-          <a:fontRef idx="minor">
-            <a:schemeClr val="lt1"/>
-          </a:fontRef>
-        </p:style>
-        <p:txBody>
-          <a:bodyPr rtlCol="0" anchor="ctr"/>
-          <a:lstStyle/>
-          <a:p>
-            <a:pPr algn="ctr"/>
-            <a:endParaRPr lang="en-US"/>
-          </a:p>
-        </p:txBody>
-      </p:sp>
-      <p:sp>
-        <p:nvSpPr>
-          <p:cNvPr id="10" name="TextBox 9"/>
-          <p:cNvSpPr txBox="1"/>
-          <p:nvPr/>
-        </p:nvSpPr>
-        <p:spPr>
-          <a:xfrm>
-            <a:off x="248815" y="546584"/>
-            <a:ext cx="7374995" cy="461665"/>
-          </a:xfrm>
-          <a:prstGeom prst="rect">
-            <a:avLst/>
-          </a:prstGeom>
-          <a:noFill/>
-        </p:spPr>
-        <p:txBody>
-          <a:bodyPr wrap="square" rtlCol="0">
-            <a:spAutoFit/>
-          </a:bodyPr>
-          <a:lstStyle/>
-          <a:p>
-            <a:r>
-              <a:rPr lang="en-US" sz="2400" b="1" dirty="0" smtClean="0">
-                <a:solidFill>
-                  <a:srgbClr val="EC5F77"/>
-                </a:solidFill>
-                <a:latin typeface="UTM Helve" panose="02040603050506020204" pitchFamily="18" charset="0"/>
-                <a:ea typeface="Roboto" pitchFamily="2" charset="0"/>
-              </a:rPr>
-              <a:t>13.2 Sử dụng Servor</a:t>
-            </a:r>
-            <a:endParaRPr lang="en-US" sz="2400" b="1" dirty="0">
-              <a:solidFill>
-                <a:srgbClr val="EC5F77"/>
-              </a:solidFill>
-              <a:latin typeface="UTM Helve" panose="02040603050506020204" pitchFamily="18" charset="0"/>
-              <a:ea typeface="Roboto" pitchFamily="2" charset="0"/>
-            </a:endParaRPr>
-          </a:p>
-        </p:txBody>
-      </p:sp>
-    </p:spTree>
-    <p:extLst>
-      <p:ext uri="{BB962C8B-B14F-4D97-AF65-F5344CB8AC3E}">
-        <p14:creationId xmlns:p14="http://schemas.microsoft.com/office/powerpoint/2010/main" val="2800974292"/>
-      </p:ext>
-    </p:extLst>
-  </p:cSld>
-  <p:clrMapOvr>
-    <a:masterClrMapping/>
-  </p:clrMapOvr>
-</p:sld>
-</file>
-
-<file path=ppt/slides/slide9.xml><?xml version="1.0" encoding="utf-8"?>
-<p:sld xmlns:a="http://schemas.openxmlformats.org/drawingml/2006/main" xmlns:r="http://schemas.openxmlformats.org/officeDocument/2006/relationships" xmlns:p="http://schemas.openxmlformats.org/presentationml/2006/main">
-  <p:cSld>
-    <p:spTree>
-      <p:nvGrpSpPr>
-        <p:cNvPr id="1" name=""/>
-        <p:cNvGrpSpPr/>
-        <p:nvPr/>
-      </p:nvGrpSpPr>
-      <p:grpSpPr>
-        <a:xfrm>
-          <a:off x="0" y="0"/>
-          <a:ext cx="0" cy="0"/>
-          <a:chOff x="0" y="0"/>
-          <a:chExt cx="0" cy="0"/>
-        </a:xfrm>
-      </p:grpSpPr>
-      <p:sp>
-        <p:nvSpPr>
-          <p:cNvPr id="2" name="Slide Number Placeholder 1"/>
-          <p:cNvSpPr>
-            <a:spLocks noGrp="1"/>
-          </p:cNvSpPr>
-          <p:nvPr>
-            <p:ph type="sldNum" sz="quarter" idx="12"/>
-          </p:nvPr>
-        </p:nvSpPr>
-        <p:spPr/>
-        <p:txBody>
-          <a:bodyPr/>
-          <a:lstStyle/>
-          <a:p>
-            <a:fld id="{7D9EC917-02A2-4152-9EE3-DFE2775A77C7}" type="slidenum">
-              <a:rPr lang="en-US" smtClean="0"/>
-              <a:pPr/>
-              <a:t>9</a:t>
-            </a:fld>
-            <a:endParaRPr lang="en-US"/>
-          </a:p>
-        </p:txBody>
-      </p:sp>
-      <p:sp>
-        <p:nvSpPr>
           <p:cNvPr id="3" name="Rectangle 2"/>
           <p:cNvSpPr/>
           <p:nvPr/>
@@ -7666,6 +6265,555 @@
     <p:extLst>
       <p:ext uri="{BB962C8B-B14F-4D97-AF65-F5344CB8AC3E}">
         <p14:creationId xmlns:p14="http://schemas.microsoft.com/office/powerpoint/2010/main" val="2483830330"/>
+      </p:ext>
+    </p:extLst>
+  </p:cSld>
+  <p:clrMapOvr>
+    <a:masterClrMapping/>
+  </p:clrMapOvr>
+  <p:timing>
+    <p:tnLst>
+      <p:par>
+        <p:cTn id="1" dur="indefinite" restart="never" nodeType="tmRoot"/>
+      </p:par>
+    </p:tnLst>
+  </p:timing>
+</p:sld>
+</file>
+
+<file path=ppt/slides/slide8.xml><?xml version="1.0" encoding="utf-8"?>
+<p:sld xmlns:a="http://schemas.openxmlformats.org/drawingml/2006/main" xmlns:r="http://schemas.openxmlformats.org/officeDocument/2006/relationships" xmlns:p="http://schemas.openxmlformats.org/presentationml/2006/main">
+  <p:cSld>
+    <p:spTree>
+      <p:nvGrpSpPr>
+        <p:cNvPr id="1" name=""/>
+        <p:cNvGrpSpPr/>
+        <p:nvPr/>
+      </p:nvGrpSpPr>
+      <p:grpSpPr>
+        <a:xfrm>
+          <a:off x="0" y="0"/>
+          <a:ext cx="0" cy="0"/>
+          <a:chOff x="0" y="0"/>
+          <a:chExt cx="0" cy="0"/>
+        </a:xfrm>
+      </p:grpSpPr>
+      <p:sp>
+        <p:nvSpPr>
+          <p:cNvPr id="2" name="Slide Number Placeholder 1"/>
+          <p:cNvSpPr>
+            <a:spLocks noGrp="1"/>
+          </p:cNvSpPr>
+          <p:nvPr>
+            <p:ph type="sldNum" sz="quarter" idx="12"/>
+          </p:nvPr>
+        </p:nvSpPr>
+        <p:spPr/>
+        <p:txBody>
+          <a:bodyPr/>
+          <a:lstStyle/>
+          <a:p>
+            <a:fld id="{7D9EC917-02A2-4152-9EE3-DFE2775A77C7}" type="slidenum">
+              <a:rPr lang="en-US" smtClean="0"/>
+              <a:pPr/>
+              <a:t>8</a:t>
+            </a:fld>
+            <a:endParaRPr lang="en-US"/>
+          </a:p>
+        </p:txBody>
+      </p:sp>
+      <p:sp>
+        <p:nvSpPr>
+          <p:cNvPr id="3" name="Rectangle 2"/>
+          <p:cNvSpPr/>
+          <p:nvPr/>
+        </p:nvSpPr>
+        <p:spPr>
+          <a:xfrm>
+            <a:off x="301925" y="1051379"/>
+            <a:ext cx="8454964" cy="27432"/>
+          </a:xfrm>
+          <a:prstGeom prst="rect">
+            <a:avLst/>
+          </a:prstGeom>
+          <a:gradFill flip="none" rotWithShape="1">
+            <a:gsLst>
+              <a:gs pos="15000">
+                <a:srgbClr val="EC5F77"/>
+              </a:gs>
+              <a:gs pos="100000">
+                <a:srgbClr val="A8589E"/>
+              </a:gs>
+            </a:gsLst>
+            <a:lin ang="0" scaled="1"/>
+            <a:tileRect/>
+          </a:gradFill>
+          <a:ln>
+            <a:noFill/>
+          </a:ln>
+        </p:spPr>
+        <p:style>
+          <a:lnRef idx="2">
+            <a:schemeClr val="accent1">
+              <a:shade val="50000"/>
+            </a:schemeClr>
+          </a:lnRef>
+          <a:fillRef idx="1">
+            <a:schemeClr val="accent1"/>
+          </a:fillRef>
+          <a:effectRef idx="0">
+            <a:schemeClr val="accent1"/>
+          </a:effectRef>
+          <a:fontRef idx="minor">
+            <a:schemeClr val="lt1"/>
+          </a:fontRef>
+        </p:style>
+        <p:txBody>
+          <a:bodyPr rtlCol="0" anchor="ctr"/>
+          <a:lstStyle/>
+          <a:p>
+            <a:pPr algn="ctr"/>
+            <a:endParaRPr lang="en-US"/>
+          </a:p>
+        </p:txBody>
+      </p:sp>
+      <p:sp>
+        <p:nvSpPr>
+          <p:cNvPr id="4" name="TextBox 3"/>
+          <p:cNvSpPr txBox="1"/>
+          <p:nvPr/>
+        </p:nvSpPr>
+        <p:spPr>
+          <a:xfrm>
+            <a:off x="248815" y="546584"/>
+            <a:ext cx="7374995" cy="461665"/>
+          </a:xfrm>
+          <a:prstGeom prst="rect">
+            <a:avLst/>
+          </a:prstGeom>
+          <a:noFill/>
+        </p:spPr>
+        <p:txBody>
+          <a:bodyPr wrap="square" rtlCol="0">
+            <a:spAutoFit/>
+          </a:bodyPr>
+          <a:lstStyle/>
+          <a:p>
+            <a:r>
+              <a:rPr lang="en-US" sz="2400" b="1" dirty="0" smtClean="0">
+                <a:solidFill>
+                  <a:srgbClr val="EC5F77"/>
+                </a:solidFill>
+                <a:latin typeface="UTM Helve" panose="02040603050506020204" pitchFamily="18" charset="0"/>
+                <a:ea typeface="Roboto" pitchFamily="2" charset="0"/>
+              </a:rPr>
+              <a:t>10.3 Hoạt động học viên</a:t>
+            </a:r>
+            <a:endParaRPr lang="en-US" sz="2400" b="1" dirty="0">
+              <a:solidFill>
+                <a:srgbClr val="EC5F77"/>
+              </a:solidFill>
+              <a:latin typeface="UTM Helve" panose="02040603050506020204" pitchFamily="18" charset="0"/>
+              <a:ea typeface="Roboto" pitchFamily="2" charset="0"/>
+            </a:endParaRPr>
+          </a:p>
+        </p:txBody>
+      </p:sp>
+      <p:sp>
+        <p:nvSpPr>
+          <p:cNvPr id="21" name="Title 1"/>
+          <p:cNvSpPr txBox="1">
+            <a:spLocks/>
+          </p:cNvSpPr>
+          <p:nvPr/>
+        </p:nvSpPr>
+        <p:spPr>
+          <a:xfrm>
+            <a:off x="542728" y="1862928"/>
+            <a:ext cx="4320820" cy="2360214"/>
+          </a:xfrm>
+          <a:prstGeom prst="rect">
+            <a:avLst/>
+          </a:prstGeom>
+        </p:spPr>
+        <p:txBody>
+          <a:bodyPr/>
+          <a:lstStyle>
+            <a:lvl1pPr algn="l" defTabSz="914400" rtl="0" eaLnBrk="1" latinLnBrk="0" hangingPunct="1">
+              <a:lnSpc>
+                <a:spcPct val="90000"/>
+              </a:lnSpc>
+              <a:spcBef>
+                <a:spcPct val="0"/>
+              </a:spcBef>
+              <a:buNone/>
+              <a:defRPr sz="3200" b="1" kern="1200">
+                <a:solidFill>
+                  <a:srgbClr val="019DD0"/>
+                </a:solidFill>
+                <a:latin typeface="Arial" panose="020B0604020202020204" pitchFamily="34" charset="0"/>
+                <a:ea typeface="+mj-ea"/>
+                <a:cs typeface="Arial" panose="020B0604020202020204" pitchFamily="34" charset="0"/>
+              </a:defRPr>
+            </a:lvl1pPr>
+          </a:lstStyle>
+          <a:p>
+            <a:pPr>
+              <a:lnSpc>
+                <a:spcPct val="100000"/>
+              </a:lnSpc>
+            </a:pPr>
+            <a:r>
+              <a:rPr lang="vi-VN" sz="2000" b="0" dirty="0">
+                <a:solidFill>
+                  <a:schemeClr val="tx1">
+                    <a:lumMod val="95000"/>
+                    <a:lumOff val="5000"/>
+                  </a:schemeClr>
+                </a:solidFill>
+                <a:ea typeface="Roboto Condensed" pitchFamily="2" charset="0"/>
+              </a:rPr>
+              <a:t>Để tăng sự thu hút của mọi người và nhường đường để xe chạy, bạn có thể vừa cho đèn RGB LED nhấp nháy liên </a:t>
+            </a:r>
+            <a:r>
+              <a:rPr lang="vi-VN" sz="2000" b="0" dirty="0" smtClean="0">
+                <a:solidFill>
+                  <a:schemeClr val="tx1">
+                    <a:lumMod val="95000"/>
+                    <a:lumOff val="5000"/>
+                  </a:schemeClr>
+                </a:solidFill>
+                <a:ea typeface="Roboto Condensed" pitchFamily="2" charset="0"/>
+              </a:rPr>
+              <a:t>tục</a:t>
+            </a:r>
+            <a:r>
+              <a:rPr lang="en-US" sz="2000" b="0" dirty="0" smtClean="0">
+                <a:solidFill>
+                  <a:schemeClr val="tx1">
+                    <a:lumMod val="95000"/>
+                    <a:lumOff val="5000"/>
+                  </a:schemeClr>
+                </a:solidFill>
+                <a:ea typeface="Roboto Condensed" pitchFamily="2" charset="0"/>
+              </a:rPr>
+              <a:t> 2 màu Xanh Đỏ</a:t>
+            </a:r>
+            <a:r>
+              <a:rPr lang="vi-VN" sz="2000" b="0" dirty="0" smtClean="0">
+                <a:solidFill>
+                  <a:schemeClr val="tx1">
+                    <a:lumMod val="95000"/>
+                    <a:lumOff val="5000"/>
+                  </a:schemeClr>
+                </a:solidFill>
+                <a:ea typeface="Roboto Condensed" pitchFamily="2" charset="0"/>
+              </a:rPr>
+              <a:t> </a:t>
+            </a:r>
+            <a:r>
+              <a:rPr lang="vi-VN" sz="2000" b="0" dirty="0">
+                <a:solidFill>
+                  <a:schemeClr val="tx1">
+                    <a:lumMod val="95000"/>
+                    <a:lumOff val="5000"/>
+                  </a:schemeClr>
+                </a:solidFill>
+                <a:ea typeface="Roboto Condensed" pitchFamily="2" charset="0"/>
+              </a:rPr>
+              <a:t>vừa phát ra tiếng còi báo động </a:t>
+            </a:r>
+            <a:r>
+              <a:rPr lang="vi-VN" sz="2000" b="0" dirty="0" smtClean="0">
+                <a:solidFill>
+                  <a:schemeClr val="tx1">
+                    <a:lumMod val="95000"/>
+                    <a:lumOff val="5000"/>
+                  </a:schemeClr>
+                </a:solidFill>
+                <a:ea typeface="Roboto Condensed" pitchFamily="2" charset="0"/>
+              </a:rPr>
+              <a:t>bằng </a:t>
+            </a:r>
+            <a:r>
+              <a:rPr lang="vi-VN" sz="2000" b="0" dirty="0">
+                <a:solidFill>
+                  <a:schemeClr val="tx1">
+                    <a:lumMod val="95000"/>
+                    <a:lumOff val="5000"/>
+                  </a:schemeClr>
+                </a:solidFill>
+                <a:ea typeface="Roboto Condensed" pitchFamily="2" charset="0"/>
+              </a:rPr>
+              <a:t>các khối âm thanh</a:t>
+            </a:r>
+            <a:endParaRPr lang="en-US" sz="2000" b="0" dirty="0" smtClean="0">
+              <a:solidFill>
+                <a:schemeClr val="tx1">
+                  <a:lumMod val="95000"/>
+                  <a:lumOff val="5000"/>
+                </a:schemeClr>
+              </a:solidFill>
+              <a:ea typeface="Roboto Condensed" pitchFamily="2" charset="0"/>
+            </a:endParaRPr>
+          </a:p>
+        </p:txBody>
+      </p:sp>
+      <p:sp>
+        <p:nvSpPr>
+          <p:cNvPr id="14" name="TextBox 13"/>
+          <p:cNvSpPr txBox="1"/>
+          <p:nvPr/>
+        </p:nvSpPr>
+        <p:spPr>
+          <a:xfrm>
+            <a:off x="1098981" y="1272143"/>
+            <a:ext cx="4007624" cy="461665"/>
+          </a:xfrm>
+          <a:prstGeom prst="rect">
+            <a:avLst/>
+          </a:prstGeom>
+          <a:noFill/>
+        </p:spPr>
+        <p:txBody>
+          <a:bodyPr wrap="square" rtlCol="0">
+            <a:spAutoFit/>
+          </a:bodyPr>
+          <a:lstStyle/>
+          <a:p>
+            <a:r>
+              <a:rPr lang="en-US" sz="2400" b="1" dirty="0" smtClean="0">
+                <a:solidFill>
+                  <a:schemeClr val="tx1">
+                    <a:lumMod val="85000"/>
+                    <a:lumOff val="15000"/>
+                  </a:schemeClr>
+                </a:solidFill>
+                <a:latin typeface="UTM Helve" panose="02040603050506020204" pitchFamily="18" charset="0"/>
+                <a:ea typeface="Roboto" pitchFamily="2" charset="0"/>
+              </a:rPr>
+              <a:t>Xe cảnh sát zoom:bit</a:t>
+            </a:r>
+            <a:endParaRPr lang="en-US" sz="2400" b="1" dirty="0">
+              <a:solidFill>
+                <a:schemeClr val="tx1">
+                  <a:lumMod val="85000"/>
+                  <a:lumOff val="15000"/>
+                </a:schemeClr>
+              </a:solidFill>
+              <a:latin typeface="UTM Helve" panose="02040603050506020204" pitchFamily="18" charset="0"/>
+              <a:ea typeface="Roboto" pitchFamily="2" charset="0"/>
+            </a:endParaRPr>
+          </a:p>
+        </p:txBody>
+      </p:sp>
+      <p:pic>
+        <p:nvPicPr>
+          <p:cNvPr id="15" name="Picture 14"/>
+          <p:cNvPicPr>
+            <a:picLocks noChangeAspect="1"/>
+          </p:cNvPicPr>
+          <p:nvPr/>
+        </p:nvPicPr>
+        <p:blipFill>
+          <a:blip r:embed="rId2">
+            <a:extLst>
+              <a:ext uri="{28A0092B-C50C-407E-A947-70E740481C1C}">
+                <a14:useLocalDpi xmlns:a14="http://schemas.microsoft.com/office/drawing/2010/main" val="0"/>
+              </a:ext>
+            </a:extLst>
+          </a:blip>
+          <a:stretch>
+            <a:fillRect/>
+          </a:stretch>
+        </p:blipFill>
+        <p:spPr>
+          <a:xfrm>
+            <a:off x="542728" y="1345100"/>
+            <a:ext cx="466725" cy="409575"/>
+          </a:xfrm>
+          <a:prstGeom prst="rect">
+            <a:avLst/>
+          </a:prstGeom>
+        </p:spPr>
+      </p:pic>
+      <p:sp>
+        <p:nvSpPr>
+          <p:cNvPr id="9" name="Rounded Rectangle 8"/>
+          <p:cNvSpPr/>
+          <p:nvPr/>
+        </p:nvSpPr>
+        <p:spPr>
+          <a:xfrm>
+            <a:off x="542728" y="4479234"/>
+            <a:ext cx="4087458" cy="1842053"/>
+          </a:xfrm>
+          <a:prstGeom prst="roundRect">
+            <a:avLst>
+              <a:gd name="adj" fmla="val 7971"/>
+            </a:avLst>
+          </a:prstGeom>
+          <a:gradFill flip="none" rotWithShape="1">
+            <a:gsLst>
+              <a:gs pos="15000">
+                <a:srgbClr val="EC5F77"/>
+              </a:gs>
+              <a:gs pos="100000">
+                <a:srgbClr val="A8589E"/>
+              </a:gs>
+            </a:gsLst>
+            <a:lin ang="0" scaled="1"/>
+            <a:tileRect/>
+          </a:gradFill>
+          <a:ln>
+            <a:noFill/>
+          </a:ln>
+        </p:spPr>
+        <p:style>
+          <a:lnRef idx="2">
+            <a:schemeClr val="accent1">
+              <a:shade val="50000"/>
+            </a:schemeClr>
+          </a:lnRef>
+          <a:fillRef idx="1">
+            <a:schemeClr val="accent1"/>
+          </a:fillRef>
+          <a:effectRef idx="0">
+            <a:schemeClr val="accent1"/>
+          </a:effectRef>
+          <a:fontRef idx="minor">
+            <a:schemeClr val="lt1"/>
+          </a:fontRef>
+        </p:style>
+        <p:txBody>
+          <a:bodyPr rtlCol="0" anchor="ctr"/>
+          <a:lstStyle/>
+          <a:p>
+            <a:r>
+              <a:rPr lang="en-US" dirty="0" smtClean="0"/>
+              <a:t>Yêu cầu soạn thuật toán trước khi thực hiện chương trình, để nắm được logic và hướng xử lý từng yêu cầu của chương trình</a:t>
+            </a:r>
+            <a:endParaRPr lang="en-US" dirty="0"/>
+          </a:p>
+        </p:txBody>
+      </p:sp>
+      <p:pic>
+        <p:nvPicPr>
+          <p:cNvPr id="10" name="Picture 9"/>
+          <p:cNvPicPr>
+            <a:picLocks noChangeAspect="1"/>
+          </p:cNvPicPr>
+          <p:nvPr/>
+        </p:nvPicPr>
+        <p:blipFill>
+          <a:blip r:embed="rId3">
+            <a:extLst>
+              <a:ext uri="{28A0092B-C50C-407E-A947-70E740481C1C}">
+                <a14:useLocalDpi xmlns:a14="http://schemas.microsoft.com/office/drawing/2010/main" val="0"/>
+              </a:ext>
+            </a:extLst>
+          </a:blip>
+          <a:stretch>
+            <a:fillRect/>
+          </a:stretch>
+        </p:blipFill>
+        <p:spPr>
+          <a:xfrm rot="19240647">
+            <a:off x="228010" y="3581213"/>
+            <a:ext cx="1562887" cy="1468879"/>
+          </a:xfrm>
+          <a:prstGeom prst="rect">
+            <a:avLst/>
+          </a:prstGeom>
+        </p:spPr>
+      </p:pic>
+      <p:pic>
+        <p:nvPicPr>
+          <p:cNvPr id="11" name="Picture 10"/>
+          <p:cNvPicPr>
+            <a:picLocks noChangeAspect="1"/>
+          </p:cNvPicPr>
+          <p:nvPr/>
+        </p:nvPicPr>
+        <p:blipFill>
+          <a:blip r:embed="rId4"/>
+          <a:stretch>
+            <a:fillRect/>
+          </a:stretch>
+        </p:blipFill>
+        <p:spPr>
+          <a:xfrm>
+            <a:off x="5466744" y="1345100"/>
+            <a:ext cx="2561659" cy="4215643"/>
+          </a:xfrm>
+          <a:prstGeom prst="rect">
+            <a:avLst/>
+          </a:prstGeom>
+        </p:spPr>
+      </p:pic>
+      <p:sp>
+        <p:nvSpPr>
+          <p:cNvPr id="18" name="Title 1"/>
+          <p:cNvSpPr txBox="1">
+            <a:spLocks/>
+          </p:cNvSpPr>
+          <p:nvPr/>
+        </p:nvSpPr>
+        <p:spPr>
+          <a:xfrm>
+            <a:off x="5362107" y="5827032"/>
+            <a:ext cx="2770931" cy="358690"/>
+          </a:xfrm>
+          <a:prstGeom prst="rect">
+            <a:avLst/>
+          </a:prstGeom>
+        </p:spPr>
+        <p:txBody>
+          <a:bodyPr/>
+          <a:lstStyle>
+            <a:lvl1pPr algn="l" defTabSz="914400" rtl="0" eaLnBrk="1" latinLnBrk="0" hangingPunct="1">
+              <a:lnSpc>
+                <a:spcPct val="90000"/>
+              </a:lnSpc>
+              <a:spcBef>
+                <a:spcPct val="0"/>
+              </a:spcBef>
+              <a:buNone/>
+              <a:defRPr sz="3200" b="1" kern="1200">
+                <a:solidFill>
+                  <a:srgbClr val="019DD0"/>
+                </a:solidFill>
+                <a:latin typeface="Arial" panose="020B0604020202020204" pitchFamily="34" charset="0"/>
+                <a:ea typeface="+mj-ea"/>
+                <a:cs typeface="Arial" panose="020B0604020202020204" pitchFamily="34" charset="0"/>
+              </a:defRPr>
+            </a:lvl1pPr>
+          </a:lstStyle>
+          <a:p>
+            <a:pPr algn="ctr">
+              <a:lnSpc>
+                <a:spcPct val="100000"/>
+              </a:lnSpc>
+            </a:pPr>
+            <a:r>
+              <a:rPr lang="en-US" sz="1800" b="0" i="1" dirty="0" smtClean="0">
+                <a:solidFill>
+                  <a:schemeClr val="tx1">
+                    <a:lumMod val="95000"/>
+                    <a:lumOff val="5000"/>
+                  </a:schemeClr>
+                </a:solidFill>
+                <a:ea typeface="Roboto Condensed" pitchFamily="2" charset="0"/>
+              </a:rPr>
+              <a:t>Một số blocks gợi ý</a:t>
+            </a:r>
+          </a:p>
+        </p:txBody>
+      </p:sp>
+    </p:spTree>
+    <p:extLst>
+      <p:ext uri="{BB962C8B-B14F-4D97-AF65-F5344CB8AC3E}">
+        <p14:creationId xmlns:p14="http://schemas.microsoft.com/office/powerpoint/2010/main" val="3123143947"/>
       </p:ext>
     </p:extLst>
   </p:cSld>
